--- a/Documentation/Release Plan Presentation.pptx
+++ b/Documentation/Release Plan Presentation.pptx
@@ -313,7 +313,7 @@
         <p:txBody>
           <a:bodyPr anchorCtr="0" anchor="t" bIns="91425" lIns="91425" spcFirstLastPara="1" rIns="91425" wrap="square" tIns="91425"/>
           <a:lstStyle>
-            <a:lvl1pPr indent="-298450" lvl="0" marL="457200">
+            <a:lvl1pPr indent="-298450" lvl="0" marL="457200" marR="0" rtl="0" algn="l">
               <a:spcBef>
                 <a:spcPts val="0"/>
               </a:spcBef>
@@ -321,10 +321,11 @@
                 <a:spcPts val="0"/>
               </a:spcAft>
               <a:buSzPts val="1100"/>
+              <a:buFont typeface="Arial"/>
               <a:buChar char="●"/>
-              <a:defRPr sz="1100"/>
+              <a:defRPr b="0" i="0" sz="1100" u="none" cap="none" strike="noStrike"/>
             </a:lvl1pPr>
-            <a:lvl2pPr indent="-298450" lvl="1" marL="914400">
+            <a:lvl2pPr indent="-298450" lvl="1" marL="914400" marR="0" rtl="0" algn="l">
               <a:spcBef>
                 <a:spcPts val="0"/>
               </a:spcBef>
@@ -332,10 +333,11 @@
                 <a:spcPts val="0"/>
               </a:spcAft>
               <a:buSzPts val="1100"/>
+              <a:buFont typeface="Arial"/>
               <a:buChar char="○"/>
-              <a:defRPr sz="1100"/>
+              <a:defRPr b="0" i="0" sz="1100" u="none" cap="none" strike="noStrike"/>
             </a:lvl2pPr>
-            <a:lvl3pPr indent="-298450" lvl="2" marL="1371600">
+            <a:lvl3pPr indent="-298450" lvl="2" marL="1371600" marR="0" rtl="0" algn="l">
               <a:spcBef>
                 <a:spcPts val="0"/>
               </a:spcBef>
@@ -343,10 +345,11 @@
                 <a:spcPts val="0"/>
               </a:spcAft>
               <a:buSzPts val="1100"/>
+              <a:buFont typeface="Arial"/>
               <a:buChar char="■"/>
-              <a:defRPr sz="1100"/>
+              <a:defRPr b="0" i="0" sz="1100" u="none" cap="none" strike="noStrike"/>
             </a:lvl3pPr>
-            <a:lvl4pPr indent="-298450" lvl="3" marL="1828800">
+            <a:lvl4pPr indent="-298450" lvl="3" marL="1828800" marR="0" rtl="0" algn="l">
               <a:spcBef>
                 <a:spcPts val="0"/>
               </a:spcBef>
@@ -354,10 +357,11 @@
                 <a:spcPts val="0"/>
               </a:spcAft>
               <a:buSzPts val="1100"/>
+              <a:buFont typeface="Arial"/>
               <a:buChar char="●"/>
-              <a:defRPr sz="1100"/>
+              <a:defRPr b="0" i="0" sz="1100" u="none" cap="none" strike="noStrike"/>
             </a:lvl4pPr>
-            <a:lvl5pPr indent="-298450" lvl="4" marL="2286000">
+            <a:lvl5pPr indent="-298450" lvl="4" marL="2286000" marR="0" rtl="0" algn="l">
               <a:spcBef>
                 <a:spcPts val="0"/>
               </a:spcBef>
@@ -365,10 +369,11 @@
                 <a:spcPts val="0"/>
               </a:spcAft>
               <a:buSzPts val="1100"/>
+              <a:buFont typeface="Arial"/>
               <a:buChar char="○"/>
-              <a:defRPr sz="1100"/>
+              <a:defRPr b="0" i="0" sz="1100" u="none" cap="none" strike="noStrike"/>
             </a:lvl5pPr>
-            <a:lvl6pPr indent="-298450" lvl="5" marL="2743200">
+            <a:lvl6pPr indent="-298450" lvl="5" marL="2743200" marR="0" rtl="0" algn="l">
               <a:spcBef>
                 <a:spcPts val="0"/>
               </a:spcBef>
@@ -376,10 +381,11 @@
                 <a:spcPts val="0"/>
               </a:spcAft>
               <a:buSzPts val="1100"/>
+              <a:buFont typeface="Arial"/>
               <a:buChar char="■"/>
-              <a:defRPr sz="1100"/>
+              <a:defRPr b="0" i="0" sz="1100" u="none" cap="none" strike="noStrike"/>
             </a:lvl6pPr>
-            <a:lvl7pPr indent="-298450" lvl="6" marL="3200400">
+            <a:lvl7pPr indent="-298450" lvl="6" marL="3200400" marR="0" rtl="0" algn="l">
               <a:spcBef>
                 <a:spcPts val="0"/>
               </a:spcBef>
@@ -387,10 +393,11 @@
                 <a:spcPts val="0"/>
               </a:spcAft>
               <a:buSzPts val="1100"/>
+              <a:buFont typeface="Arial"/>
               <a:buChar char="●"/>
-              <a:defRPr sz="1100"/>
+              <a:defRPr b="0" i="0" sz="1100" u="none" cap="none" strike="noStrike"/>
             </a:lvl7pPr>
-            <a:lvl8pPr indent="-298450" lvl="7" marL="3657600">
+            <a:lvl8pPr indent="-298450" lvl="7" marL="3657600" marR="0" rtl="0" algn="l">
               <a:spcBef>
                 <a:spcPts val="0"/>
               </a:spcBef>
@@ -398,10 +405,11 @@
                 <a:spcPts val="0"/>
               </a:spcAft>
               <a:buSzPts val="1100"/>
+              <a:buFont typeface="Arial"/>
               <a:buChar char="○"/>
-              <a:defRPr sz="1100"/>
+              <a:defRPr b="0" i="0" sz="1100" u="none" cap="none" strike="noStrike"/>
             </a:lvl8pPr>
-            <a:lvl9pPr indent="-298450" lvl="8" marL="4114800">
+            <a:lvl9pPr indent="-298450" lvl="8" marL="4114800" marR="0" rtl="0" algn="l">
               <a:spcBef>
                 <a:spcPts val="0"/>
               </a:spcBef>
@@ -409,8 +417,9 @@
                 <a:spcPts val="0"/>
               </a:spcAft>
               <a:buSzPts val="1100"/>
+              <a:buFont typeface="Arial"/>
               <a:buChar char="■"/>
-              <a:defRPr sz="1100"/>
+              <a:defRPr b="0" i="0" sz="1100" u="none" cap="none" strike="noStrike"/>
             </a:lvl9pPr>
           </a:lstStyle>
           <a:p/>
@@ -466,19 +475,21 @@
           </a:bodyPr>
           <a:lstStyle/>
           <a:p>
-            <a:pPr indent="0" lvl="0" marL="0">
-              <a:spcBef>
-                <a:spcPts val="0"/>
-              </a:spcBef>
-              <a:spcAft>
-                <a:spcPts val="0"/>
-              </a:spcAft>
+            <a:pPr indent="0" lvl="0" marL="0" marR="0" rtl="0" algn="l">
+              <a:spcBef>
+                <a:spcPts val="0"/>
+              </a:spcBef>
+              <a:spcAft>
+                <a:spcPts val="0"/>
+              </a:spcAft>
+              <a:buSzPts val="1100"/>
+              <a:buFont typeface="Arial"/>
               <a:buNone/>
             </a:pPr>
             <a:r>
               <a:t/>
             </a:r>
-            <a:endParaRPr/>
+            <a:endParaRPr b="0" i="0" sz="1100" u="none" cap="none" strike="noStrike"/>
           </a:p>
         </p:txBody>
       </p:sp>
@@ -514,6 +525,16 @@
               </a:path>
             </a:pathLst>
           </a:custGeom>
+          <a:noFill/>
+          <a:ln cap="flat" cmpd="sng" w="9525">
+            <a:solidFill>
+              <a:srgbClr val="000000"/>
+            </a:solidFill>
+            <a:prstDash val="solid"/>
+            <a:round/>
+            <a:headEnd len="med" w="med" type="none"/>
+            <a:tailEnd len="med" w="med" type="none"/>
+          </a:ln>
         </p:spPr>
       </p:sp>
     </p:spTree>
@@ -568,19 +589,21 @@
           </a:bodyPr>
           <a:lstStyle/>
           <a:p>
-            <a:pPr indent="0" lvl="0" marL="0">
-              <a:spcBef>
-                <a:spcPts val="0"/>
-              </a:spcBef>
-              <a:spcAft>
-                <a:spcPts val="0"/>
-              </a:spcAft>
+            <a:pPr indent="0" lvl="0" marL="0" marR="0" rtl="0" algn="l">
+              <a:spcBef>
+                <a:spcPts val="0"/>
+              </a:spcBef>
+              <a:spcAft>
+                <a:spcPts val="0"/>
+              </a:spcAft>
+              <a:buSzPts val="1100"/>
+              <a:buFont typeface="Arial"/>
               <a:buNone/>
             </a:pPr>
             <a:r>
               <a:t/>
             </a:r>
-            <a:endParaRPr/>
+            <a:endParaRPr b="0" i="0" sz="1100" u="none" cap="none" strike="noStrike"/>
           </a:p>
         </p:txBody>
       </p:sp>
@@ -616,6 +639,16 @@
               </a:path>
             </a:pathLst>
           </a:custGeom>
+          <a:noFill/>
+          <a:ln cap="flat" cmpd="sng" w="9525">
+            <a:solidFill>
+              <a:srgbClr val="000000"/>
+            </a:solidFill>
+            <a:prstDash val="solid"/>
+            <a:round/>
+            <a:headEnd len="med" w="med" type="none"/>
+            <a:tailEnd len="med" w="med" type="none"/>
+          </a:ln>
         </p:spPr>
       </p:sp>
     </p:spTree>
@@ -670,19 +703,21 @@
           </a:bodyPr>
           <a:lstStyle/>
           <a:p>
-            <a:pPr indent="0" lvl="0" marL="0" rtl="0">
-              <a:spcBef>
-                <a:spcPts val="0"/>
-              </a:spcBef>
-              <a:spcAft>
-                <a:spcPts val="0"/>
-              </a:spcAft>
+            <a:pPr indent="0" lvl="0" marL="0" marR="0" rtl="0" algn="l">
+              <a:spcBef>
+                <a:spcPts val="0"/>
+              </a:spcBef>
+              <a:spcAft>
+                <a:spcPts val="0"/>
+              </a:spcAft>
+              <a:buSzPts val="1100"/>
+              <a:buFont typeface="Arial"/>
               <a:buNone/>
             </a:pPr>
             <a:r>
               <a:t/>
             </a:r>
-            <a:endParaRPr/>
+            <a:endParaRPr b="0" i="0" sz="1100" u="none" cap="none" strike="noStrike"/>
           </a:p>
         </p:txBody>
       </p:sp>
@@ -718,6 +753,16 @@
               </a:path>
             </a:pathLst>
           </a:custGeom>
+          <a:noFill/>
+          <a:ln cap="flat" cmpd="sng" w="9525">
+            <a:solidFill>
+              <a:srgbClr val="000000"/>
+            </a:solidFill>
+            <a:prstDash val="solid"/>
+            <a:round/>
+            <a:headEnd len="med" w="med" type="none"/>
+            <a:tailEnd len="med" w="med" type="none"/>
+          </a:ln>
         </p:spPr>
       </p:sp>
     </p:spTree>
@@ -772,19 +817,21 @@
           </a:bodyPr>
           <a:lstStyle/>
           <a:p>
-            <a:pPr indent="0" lvl="0" marL="0" rtl="0">
-              <a:spcBef>
-                <a:spcPts val="0"/>
-              </a:spcBef>
-              <a:spcAft>
-                <a:spcPts val="0"/>
-              </a:spcAft>
+            <a:pPr indent="0" lvl="0" marL="0" marR="0" rtl="0" algn="l">
+              <a:spcBef>
+                <a:spcPts val="0"/>
+              </a:spcBef>
+              <a:spcAft>
+                <a:spcPts val="0"/>
+              </a:spcAft>
+              <a:buSzPts val="1100"/>
+              <a:buFont typeface="Arial"/>
               <a:buNone/>
             </a:pPr>
             <a:r>
               <a:t/>
             </a:r>
-            <a:endParaRPr/>
+            <a:endParaRPr b="0" i="0" sz="1100" u="none" cap="none" strike="noStrike"/>
           </a:p>
         </p:txBody>
       </p:sp>
@@ -820,6 +867,16 @@
               </a:path>
             </a:pathLst>
           </a:custGeom>
+          <a:noFill/>
+          <a:ln cap="flat" cmpd="sng" w="9525">
+            <a:solidFill>
+              <a:srgbClr val="000000"/>
+            </a:solidFill>
+            <a:prstDash val="solid"/>
+            <a:round/>
+            <a:headEnd len="med" w="med" type="none"/>
+            <a:tailEnd len="med" w="med" type="none"/>
+          </a:ln>
         </p:spPr>
       </p:sp>
     </p:spTree>
@@ -874,19 +931,21 @@
           </a:bodyPr>
           <a:lstStyle/>
           <a:p>
-            <a:pPr indent="0" lvl="0" marL="0">
-              <a:spcBef>
-                <a:spcPts val="0"/>
-              </a:spcBef>
-              <a:spcAft>
-                <a:spcPts val="0"/>
-              </a:spcAft>
+            <a:pPr indent="0" lvl="0" marL="0" marR="0" rtl="0" algn="l">
+              <a:spcBef>
+                <a:spcPts val="0"/>
+              </a:spcBef>
+              <a:spcAft>
+                <a:spcPts val="0"/>
+              </a:spcAft>
+              <a:buSzPts val="1100"/>
+              <a:buFont typeface="Arial"/>
               <a:buNone/>
             </a:pPr>
             <a:r>
               <a:t/>
             </a:r>
-            <a:endParaRPr/>
+            <a:endParaRPr b="0" i="0" sz="1100" u="none" cap="none" strike="noStrike"/>
           </a:p>
         </p:txBody>
       </p:sp>
@@ -922,6 +981,16 @@
               </a:path>
             </a:pathLst>
           </a:custGeom>
+          <a:noFill/>
+          <a:ln cap="flat" cmpd="sng" w="9525">
+            <a:solidFill>
+              <a:srgbClr val="000000"/>
+            </a:solidFill>
+            <a:prstDash val="solid"/>
+            <a:round/>
+            <a:headEnd len="med" w="med" type="none"/>
+            <a:tailEnd len="med" w="med" type="none"/>
+          </a:ln>
         </p:spPr>
       </p:sp>
     </p:spTree>
@@ -976,19 +1045,21 @@
           </a:bodyPr>
           <a:lstStyle/>
           <a:p>
-            <a:pPr indent="0" lvl="0" marL="0">
-              <a:spcBef>
-                <a:spcPts val="0"/>
-              </a:spcBef>
-              <a:spcAft>
-                <a:spcPts val="0"/>
-              </a:spcAft>
+            <a:pPr indent="0" lvl="0" marL="0" marR="0" rtl="0" algn="l">
+              <a:spcBef>
+                <a:spcPts val="0"/>
+              </a:spcBef>
+              <a:spcAft>
+                <a:spcPts val="0"/>
+              </a:spcAft>
+              <a:buSzPts val="1100"/>
+              <a:buFont typeface="Arial"/>
               <a:buNone/>
             </a:pPr>
             <a:r>
               <a:t/>
             </a:r>
-            <a:endParaRPr/>
+            <a:endParaRPr b="0" i="0" sz="1100" u="none" cap="none" strike="noStrike"/>
           </a:p>
         </p:txBody>
       </p:sp>
@@ -1024,6 +1095,16 @@
               </a:path>
             </a:pathLst>
           </a:custGeom>
+          <a:noFill/>
+          <a:ln cap="flat" cmpd="sng" w="9525">
+            <a:solidFill>
+              <a:srgbClr val="000000"/>
+            </a:solidFill>
+            <a:prstDash val="solid"/>
+            <a:round/>
+            <a:headEnd len="med" w="med" type="none"/>
+            <a:tailEnd len="med" w="med" type="none"/>
+          </a:ln>
         </p:spPr>
       </p:sp>
     </p:spTree>
@@ -1078,19 +1159,21 @@
           </a:bodyPr>
           <a:lstStyle/>
           <a:p>
-            <a:pPr indent="0" lvl="0" marL="0" rtl="0">
-              <a:spcBef>
-                <a:spcPts val="0"/>
-              </a:spcBef>
-              <a:spcAft>
-                <a:spcPts val="0"/>
-              </a:spcAft>
+            <a:pPr indent="0" lvl="0" marL="0" marR="0" rtl="0" algn="l">
+              <a:spcBef>
+                <a:spcPts val="0"/>
+              </a:spcBef>
+              <a:spcAft>
+                <a:spcPts val="0"/>
+              </a:spcAft>
+              <a:buSzPts val="1100"/>
+              <a:buFont typeface="Arial"/>
               <a:buNone/>
             </a:pPr>
             <a:r>
               <a:t/>
             </a:r>
-            <a:endParaRPr/>
+            <a:endParaRPr b="0" i="0" sz="1100" u="none" cap="none" strike="noStrike"/>
           </a:p>
         </p:txBody>
       </p:sp>
@@ -1126,6 +1209,16 @@
               </a:path>
             </a:pathLst>
           </a:custGeom>
+          <a:noFill/>
+          <a:ln cap="flat" cmpd="sng" w="9525">
+            <a:solidFill>
+              <a:srgbClr val="000000"/>
+            </a:solidFill>
+            <a:prstDash val="solid"/>
+            <a:round/>
+            <a:headEnd len="med" w="med" type="none"/>
+            <a:tailEnd len="med" w="med" type="none"/>
+          </a:ln>
         </p:spPr>
       </p:sp>
     </p:spTree>
@@ -1180,19 +1273,21 @@
           </a:bodyPr>
           <a:lstStyle/>
           <a:p>
-            <a:pPr indent="0" lvl="0" marL="0" rtl="0">
-              <a:spcBef>
-                <a:spcPts val="0"/>
-              </a:spcBef>
-              <a:spcAft>
-                <a:spcPts val="0"/>
-              </a:spcAft>
+            <a:pPr indent="0" lvl="0" marL="0" marR="0" rtl="0" algn="l">
+              <a:spcBef>
+                <a:spcPts val="0"/>
+              </a:spcBef>
+              <a:spcAft>
+                <a:spcPts val="0"/>
+              </a:spcAft>
+              <a:buSzPts val="1100"/>
+              <a:buFont typeface="Arial"/>
               <a:buNone/>
             </a:pPr>
             <a:r>
               <a:t/>
             </a:r>
-            <a:endParaRPr/>
+            <a:endParaRPr b="0" i="0" sz="1100" u="none" cap="none" strike="noStrike"/>
           </a:p>
         </p:txBody>
       </p:sp>
@@ -1228,6 +1323,16 @@
               </a:path>
             </a:pathLst>
           </a:custGeom>
+          <a:noFill/>
+          <a:ln cap="flat" cmpd="sng" w="9525">
+            <a:solidFill>
+              <a:srgbClr val="000000"/>
+            </a:solidFill>
+            <a:prstDash val="solid"/>
+            <a:round/>
+            <a:headEnd len="med" w="med" type="none"/>
+            <a:tailEnd len="med" w="med" type="none"/>
+          </a:ln>
         </p:spPr>
       </p:sp>
     </p:spTree>
@@ -1282,19 +1387,21 @@
           </a:bodyPr>
           <a:lstStyle/>
           <a:p>
-            <a:pPr indent="0" lvl="0" marL="0">
-              <a:spcBef>
-                <a:spcPts val="0"/>
-              </a:spcBef>
-              <a:spcAft>
-                <a:spcPts val="0"/>
-              </a:spcAft>
+            <a:pPr indent="0" lvl="0" marL="0" marR="0" rtl="0" algn="l">
+              <a:spcBef>
+                <a:spcPts val="0"/>
+              </a:spcBef>
+              <a:spcAft>
+                <a:spcPts val="0"/>
+              </a:spcAft>
+              <a:buSzPts val="1100"/>
+              <a:buFont typeface="Arial"/>
               <a:buNone/>
             </a:pPr>
             <a:r>
               <a:t/>
             </a:r>
-            <a:endParaRPr/>
+            <a:endParaRPr b="0" i="0" sz="1100" u="none" cap="none" strike="noStrike"/>
           </a:p>
         </p:txBody>
       </p:sp>
@@ -1330,6 +1437,16 @@
               </a:path>
             </a:pathLst>
           </a:custGeom>
+          <a:noFill/>
+          <a:ln cap="flat" cmpd="sng" w="9525">
+            <a:solidFill>
+              <a:srgbClr val="000000"/>
+            </a:solidFill>
+            <a:prstDash val="solid"/>
+            <a:round/>
+            <a:headEnd len="med" w="med" type="none"/>
+            <a:tailEnd len="med" w="med" type="none"/>
+          </a:ln>
         </p:spPr>
       </p:sp>
     </p:spTree>
@@ -1384,19 +1501,21 @@
           </a:bodyPr>
           <a:lstStyle/>
           <a:p>
-            <a:pPr indent="0" lvl="0" marL="0" rtl="0">
-              <a:spcBef>
-                <a:spcPts val="0"/>
-              </a:spcBef>
-              <a:spcAft>
-                <a:spcPts val="0"/>
-              </a:spcAft>
+            <a:pPr indent="0" lvl="0" marL="0" marR="0" rtl="0" algn="l">
+              <a:spcBef>
+                <a:spcPts val="0"/>
+              </a:spcBef>
+              <a:spcAft>
+                <a:spcPts val="0"/>
+              </a:spcAft>
+              <a:buSzPts val="1100"/>
+              <a:buFont typeface="Arial"/>
               <a:buNone/>
             </a:pPr>
             <a:r>
               <a:t/>
             </a:r>
-            <a:endParaRPr/>
+            <a:endParaRPr b="0" i="0" sz="1100" u="none" cap="none" strike="noStrike"/>
           </a:p>
         </p:txBody>
       </p:sp>
@@ -1432,6 +1551,16 @@
               </a:path>
             </a:pathLst>
           </a:custGeom>
+          <a:noFill/>
+          <a:ln cap="flat" cmpd="sng" w="9525">
+            <a:solidFill>
+              <a:srgbClr val="000000"/>
+            </a:solidFill>
+            <a:prstDash val="solid"/>
+            <a:round/>
+            <a:headEnd len="med" w="med" type="none"/>
+            <a:tailEnd len="med" w="med" type="none"/>
+          </a:ln>
         </p:spPr>
       </p:sp>
     </p:spTree>
@@ -1486,19 +1615,21 @@
           </a:bodyPr>
           <a:lstStyle/>
           <a:p>
-            <a:pPr indent="0" lvl="0" marL="0" rtl="0">
-              <a:spcBef>
-                <a:spcPts val="0"/>
-              </a:spcBef>
-              <a:spcAft>
-                <a:spcPts val="0"/>
-              </a:spcAft>
+            <a:pPr indent="0" lvl="0" marL="0" marR="0" rtl="0" algn="l">
+              <a:spcBef>
+                <a:spcPts val="0"/>
+              </a:spcBef>
+              <a:spcAft>
+                <a:spcPts val="0"/>
+              </a:spcAft>
+              <a:buSzPts val="1100"/>
+              <a:buFont typeface="Arial"/>
               <a:buNone/>
             </a:pPr>
             <a:r>
               <a:t/>
             </a:r>
-            <a:endParaRPr/>
+            <a:endParaRPr b="0" i="0" sz="1100" u="none" cap="none" strike="noStrike"/>
           </a:p>
         </p:txBody>
       </p:sp>
@@ -1534,6 +1665,16 @@
               </a:path>
             </a:pathLst>
           </a:custGeom>
+          <a:noFill/>
+          <a:ln cap="flat" cmpd="sng" w="9525">
+            <a:solidFill>
+              <a:srgbClr val="000000"/>
+            </a:solidFill>
+            <a:prstDash val="solid"/>
+            <a:round/>
+            <a:headEnd len="med" w="med" type="none"/>
+            <a:tailEnd len="med" w="med" type="none"/>
+          </a:ln>
         </p:spPr>
       </p:sp>
     </p:spTree>
@@ -1588,19 +1729,21 @@
           </a:bodyPr>
           <a:lstStyle/>
           <a:p>
-            <a:pPr indent="0" lvl="0" marL="0" rtl="0">
-              <a:spcBef>
-                <a:spcPts val="0"/>
-              </a:spcBef>
-              <a:spcAft>
-                <a:spcPts val="0"/>
-              </a:spcAft>
+            <a:pPr indent="0" lvl="0" marL="0" marR="0" rtl="0" algn="l">
+              <a:spcBef>
+                <a:spcPts val="0"/>
+              </a:spcBef>
+              <a:spcAft>
+                <a:spcPts val="0"/>
+              </a:spcAft>
+              <a:buSzPts val="1100"/>
+              <a:buFont typeface="Arial"/>
               <a:buNone/>
             </a:pPr>
             <a:r>
               <a:t/>
             </a:r>
-            <a:endParaRPr/>
+            <a:endParaRPr b="0" i="0" sz="1100" u="none" cap="none" strike="noStrike"/>
           </a:p>
         </p:txBody>
       </p:sp>
@@ -1636,6 +1779,16 @@
               </a:path>
             </a:pathLst>
           </a:custGeom>
+          <a:noFill/>
+          <a:ln cap="flat" cmpd="sng" w="9525">
+            <a:solidFill>
+              <a:srgbClr val="000000"/>
+            </a:solidFill>
+            <a:prstDash val="solid"/>
+            <a:round/>
+            <a:headEnd len="med" w="med" type="none"/>
+            <a:tailEnd len="med" w="med" type="none"/>
+          </a:ln>
         </p:spPr>
       </p:sp>
     </p:spTree>
@@ -1688,13 +1841,20 @@
           <a:bodyPr anchorCtr="0" anchor="ctr" bIns="91425" lIns="91425" spcFirstLastPara="1" rIns="91425" wrap="square" tIns="91425"/>
           <a:lstStyle>
             <a:lvl1pPr lvl="0" marR="0" rtl="0" algn="ctr">
-              <a:spcBef>
-                <a:spcPts val="0"/>
-              </a:spcBef>
-              <a:spcAft>
-                <a:spcPts val="0"/>
-              </a:spcAft>
-              <a:buSzPts val="1400"/>
+              <a:lnSpc>
+                <a:spcPct val="100000"/>
+              </a:lnSpc>
+              <a:spcBef>
+                <a:spcPts val="0"/>
+              </a:spcBef>
+              <a:spcAft>
+                <a:spcPts val="0"/>
+              </a:spcAft>
+              <a:buClr>
+                <a:schemeClr val="dk1"/>
+              </a:buClr>
+              <a:buSzPts val="1400"/>
+              <a:buFont typeface="Calibri"/>
               <a:buNone/>
               <a:defRPr b="0" i="0" sz="4400" u="none" cap="none" strike="noStrike">
                 <a:solidFill>
@@ -1713,7 +1873,11 @@
               <a:spcAft>
                 <a:spcPts val="0"/>
               </a:spcAft>
-              <a:buSzPts val="1400"/>
+              <a:buClr>
+                <a:schemeClr val="dk1"/>
+              </a:buClr>
+              <a:buSzPts val="1400"/>
+              <a:buFont typeface="Calibri"/>
               <a:buNone/>
               <a:defRPr b="0" i="0" sz="4400" u="none" cap="none" strike="noStrike">
                 <a:solidFill>
@@ -1732,7 +1896,11 @@
               <a:spcAft>
                 <a:spcPts val="0"/>
               </a:spcAft>
-              <a:buSzPts val="1400"/>
+              <a:buClr>
+                <a:schemeClr val="dk1"/>
+              </a:buClr>
+              <a:buSzPts val="1400"/>
+              <a:buFont typeface="Calibri"/>
               <a:buNone/>
               <a:defRPr b="0" i="0" sz="4400" u="none" cap="none" strike="noStrike">
                 <a:solidFill>
@@ -1751,7 +1919,11 @@
               <a:spcAft>
                 <a:spcPts val="0"/>
               </a:spcAft>
-              <a:buSzPts val="1400"/>
+              <a:buClr>
+                <a:schemeClr val="dk1"/>
+              </a:buClr>
+              <a:buSzPts val="1400"/>
+              <a:buFont typeface="Calibri"/>
               <a:buNone/>
               <a:defRPr b="0" i="0" sz="4400" u="none" cap="none" strike="noStrike">
                 <a:solidFill>
@@ -1770,7 +1942,11 @@
               <a:spcAft>
                 <a:spcPts val="0"/>
               </a:spcAft>
-              <a:buSzPts val="1400"/>
+              <a:buClr>
+                <a:schemeClr val="dk1"/>
+              </a:buClr>
+              <a:buSzPts val="1400"/>
+              <a:buFont typeface="Calibri"/>
               <a:buNone/>
               <a:defRPr b="0" i="0" sz="4400" u="none" cap="none" strike="noStrike">
                 <a:solidFill>
@@ -1789,7 +1965,11 @@
               <a:spcAft>
                 <a:spcPts val="0"/>
               </a:spcAft>
-              <a:buSzPts val="1400"/>
+              <a:buClr>
+                <a:schemeClr val="dk1"/>
+              </a:buClr>
+              <a:buSzPts val="1400"/>
+              <a:buFont typeface="Calibri"/>
               <a:buNone/>
               <a:defRPr b="0" i="0" sz="4400" u="none" cap="none" strike="noStrike">
                 <a:solidFill>
@@ -1808,7 +1988,11 @@
               <a:spcAft>
                 <a:spcPts val="0"/>
               </a:spcAft>
-              <a:buSzPts val="1400"/>
+              <a:buClr>
+                <a:schemeClr val="dk1"/>
+              </a:buClr>
+              <a:buSzPts val="1400"/>
+              <a:buFont typeface="Calibri"/>
               <a:buNone/>
               <a:defRPr b="0" i="0" sz="4400" u="none" cap="none" strike="noStrike">
                 <a:solidFill>
@@ -1827,7 +2011,11 @@
               <a:spcAft>
                 <a:spcPts val="0"/>
               </a:spcAft>
-              <a:buSzPts val="1400"/>
+              <a:buClr>
+                <a:schemeClr val="dk1"/>
+              </a:buClr>
+              <a:buSzPts val="1400"/>
+              <a:buFont typeface="Calibri"/>
               <a:buNone/>
               <a:defRPr b="0" i="0" sz="4400" u="none" cap="none" strike="noStrike">
                 <a:solidFill>
@@ -1846,7 +2034,11 @@
               <a:spcAft>
                 <a:spcPts val="0"/>
               </a:spcAft>
-              <a:buSzPts val="1400"/>
+              <a:buClr>
+                <a:schemeClr val="dk1"/>
+              </a:buClr>
+              <a:buSzPts val="1400"/>
+              <a:buFont typeface="Calibri"/>
               <a:buNone/>
               <a:defRPr b="0" i="0" sz="4400" u="none" cap="none" strike="noStrike">
                 <a:solidFill>
@@ -1887,6 +2079,9 @@
           <a:bodyPr anchorCtr="0" anchor="t" bIns="91425" lIns="91425" spcFirstLastPara="1" rIns="91425" wrap="square" tIns="91425"/>
           <a:lstStyle>
             <a:lvl1pPr indent="-431800" lvl="0" marL="457200" marR="0" rtl="0" algn="l">
+              <a:lnSpc>
+                <a:spcPct val="100000"/>
+              </a:lnSpc>
               <a:spcBef>
                 <a:spcPts val="640"/>
               </a:spcBef>
@@ -1910,6 +2105,9 @@
               </a:defRPr>
             </a:lvl1pPr>
             <a:lvl2pPr indent="-406400" lvl="1" marL="914400" marR="0" rtl="0" algn="l">
+              <a:lnSpc>
+                <a:spcPct val="100000"/>
+              </a:lnSpc>
               <a:spcBef>
                 <a:spcPts val="560"/>
               </a:spcBef>
@@ -1933,6 +2131,9 @@
               </a:defRPr>
             </a:lvl2pPr>
             <a:lvl3pPr indent="-381000" lvl="2" marL="1371600" marR="0" rtl="0" algn="l">
+              <a:lnSpc>
+                <a:spcPct val="100000"/>
+              </a:lnSpc>
               <a:spcBef>
                 <a:spcPts val="480"/>
               </a:spcBef>
@@ -1956,6 +2157,9 @@
               </a:defRPr>
             </a:lvl3pPr>
             <a:lvl4pPr indent="-355600" lvl="3" marL="1828800" marR="0" rtl="0" algn="l">
+              <a:lnSpc>
+                <a:spcPct val="100000"/>
+              </a:lnSpc>
               <a:spcBef>
                 <a:spcPts val="400"/>
               </a:spcBef>
@@ -1979,6 +2183,9 @@
               </a:defRPr>
             </a:lvl4pPr>
             <a:lvl5pPr indent="-355600" lvl="4" marL="2286000" marR="0" rtl="0" algn="l">
+              <a:lnSpc>
+                <a:spcPct val="100000"/>
+              </a:lnSpc>
               <a:spcBef>
                 <a:spcPts val="400"/>
               </a:spcBef>
@@ -2002,6 +2209,9 @@
               </a:defRPr>
             </a:lvl5pPr>
             <a:lvl6pPr indent="-355600" lvl="5" marL="2743200" marR="0" rtl="0" algn="l">
+              <a:lnSpc>
+                <a:spcPct val="100000"/>
+              </a:lnSpc>
               <a:spcBef>
                 <a:spcPts val="400"/>
               </a:spcBef>
@@ -2025,6 +2235,9 @@
               </a:defRPr>
             </a:lvl6pPr>
             <a:lvl7pPr indent="-355600" lvl="6" marL="3200400" marR="0" rtl="0" algn="l">
+              <a:lnSpc>
+                <a:spcPct val="100000"/>
+              </a:lnSpc>
               <a:spcBef>
                 <a:spcPts val="400"/>
               </a:spcBef>
@@ -2048,6 +2261,9 @@
               </a:defRPr>
             </a:lvl7pPr>
             <a:lvl8pPr indent="-355600" lvl="7" marL="3657600" marR="0" rtl="0" algn="l">
+              <a:lnSpc>
+                <a:spcPct val="100000"/>
+              </a:lnSpc>
               <a:spcBef>
                 <a:spcPts val="400"/>
               </a:spcBef>
@@ -2071,6 +2287,9 @@
               </a:defRPr>
             </a:lvl8pPr>
             <a:lvl9pPr indent="-355600" lvl="8" marL="4114800" marR="0" rtl="0" algn="l">
+              <a:lnSpc>
+                <a:spcPct val="100000"/>
+              </a:lnSpc>
               <a:spcBef>
                 <a:spcPts val="400"/>
               </a:spcBef>
@@ -2131,7 +2350,11 @@
               <a:spcAft>
                 <a:spcPts val="0"/>
               </a:spcAft>
-              <a:buSzPts val="1400"/>
+              <a:buClr>
+                <a:srgbClr val="898989"/>
+              </a:buClr>
+              <a:buSzPts val="1400"/>
+              <a:buFont typeface="Calibri"/>
               <a:buNone/>
               <a:defRPr b="0" i="0" sz="1200" u="none" cap="none" strike="noStrike">
                 <a:solidFill>
@@ -2153,7 +2376,11 @@
               <a:spcAft>
                 <a:spcPts val="0"/>
               </a:spcAft>
-              <a:buSzPts val="1400"/>
+              <a:buClr>
+                <a:schemeClr val="dk1"/>
+              </a:buClr>
+              <a:buSzPts val="1400"/>
+              <a:buFont typeface="Arial"/>
               <a:buNone/>
               <a:defRPr b="0" i="0" sz="1800" u="none" cap="none" strike="noStrike">
                 <a:solidFill>
@@ -2175,7 +2402,11 @@
               <a:spcAft>
                 <a:spcPts val="0"/>
               </a:spcAft>
-              <a:buSzPts val="1400"/>
+              <a:buClr>
+                <a:schemeClr val="dk1"/>
+              </a:buClr>
+              <a:buSzPts val="1400"/>
+              <a:buFont typeface="Arial"/>
               <a:buNone/>
               <a:defRPr b="0" i="0" sz="1800" u="none" cap="none" strike="noStrike">
                 <a:solidFill>
@@ -2197,7 +2428,11 @@
               <a:spcAft>
                 <a:spcPts val="0"/>
               </a:spcAft>
-              <a:buSzPts val="1400"/>
+              <a:buClr>
+                <a:schemeClr val="dk1"/>
+              </a:buClr>
+              <a:buSzPts val="1400"/>
+              <a:buFont typeface="Arial"/>
               <a:buNone/>
               <a:defRPr b="0" i="0" sz="1800" u="none" cap="none" strike="noStrike">
                 <a:solidFill>
@@ -2219,7 +2454,11 @@
               <a:spcAft>
                 <a:spcPts val="0"/>
               </a:spcAft>
-              <a:buSzPts val="1400"/>
+              <a:buClr>
+                <a:schemeClr val="dk1"/>
+              </a:buClr>
+              <a:buSzPts val="1400"/>
+              <a:buFont typeface="Arial"/>
               <a:buNone/>
               <a:defRPr b="0" i="0" sz="1800" u="none" cap="none" strike="noStrike">
                 <a:solidFill>
@@ -2241,7 +2480,11 @@
               <a:spcAft>
                 <a:spcPts val="0"/>
               </a:spcAft>
-              <a:buSzPts val="1400"/>
+              <a:buClr>
+                <a:schemeClr val="dk1"/>
+              </a:buClr>
+              <a:buSzPts val="1400"/>
+              <a:buFont typeface="Arial"/>
               <a:buNone/>
               <a:defRPr b="0" i="0" sz="1800" u="none" cap="none" strike="noStrike">
                 <a:solidFill>
@@ -2263,7 +2506,11 @@
               <a:spcAft>
                 <a:spcPts val="0"/>
               </a:spcAft>
-              <a:buSzPts val="1400"/>
+              <a:buClr>
+                <a:schemeClr val="dk1"/>
+              </a:buClr>
+              <a:buSzPts val="1400"/>
+              <a:buFont typeface="Arial"/>
               <a:buNone/>
               <a:defRPr b="0" i="0" sz="1800" u="none" cap="none" strike="noStrike">
                 <a:solidFill>
@@ -2285,7 +2532,11 @@
               <a:spcAft>
                 <a:spcPts val="0"/>
               </a:spcAft>
-              <a:buSzPts val="1400"/>
+              <a:buClr>
+                <a:schemeClr val="dk1"/>
+              </a:buClr>
+              <a:buSzPts val="1400"/>
+              <a:buFont typeface="Arial"/>
               <a:buNone/>
               <a:defRPr b="0" i="0" sz="1800" u="none" cap="none" strike="noStrike">
                 <a:solidFill>
@@ -2307,7 +2558,11 @@
               <a:spcAft>
                 <a:spcPts val="0"/>
               </a:spcAft>
-              <a:buSzPts val="1400"/>
+              <a:buClr>
+                <a:schemeClr val="dk1"/>
+              </a:buClr>
+              <a:buSzPts val="1400"/>
+              <a:buFont typeface="Arial"/>
               <a:buNone/>
               <a:defRPr b="0" i="0" sz="1800" u="none" cap="none" strike="noStrike">
                 <a:solidFill>
@@ -2357,7 +2612,11 @@
               <a:spcAft>
                 <a:spcPts val="0"/>
               </a:spcAft>
-              <a:buSzPts val="1400"/>
+              <a:buClr>
+                <a:schemeClr val="dk1"/>
+              </a:buClr>
+              <a:buSzPts val="1400"/>
+              <a:buFont typeface="Arial"/>
               <a:buNone/>
               <a:defRPr b="0" i="0" sz="1800" u="none" cap="none" strike="noStrike">
                 <a:solidFill>
@@ -2379,7 +2638,11 @@
               <a:spcAft>
                 <a:spcPts val="0"/>
               </a:spcAft>
-              <a:buSzPts val="1400"/>
+              <a:buClr>
+                <a:schemeClr val="dk1"/>
+              </a:buClr>
+              <a:buSzPts val="1400"/>
+              <a:buFont typeface="Arial"/>
               <a:buNone/>
               <a:defRPr b="0" i="0" sz="1800" u="none" cap="none" strike="noStrike">
                 <a:solidFill>
@@ -2401,7 +2664,11 @@
               <a:spcAft>
                 <a:spcPts val="0"/>
               </a:spcAft>
-              <a:buSzPts val="1400"/>
+              <a:buClr>
+                <a:schemeClr val="dk1"/>
+              </a:buClr>
+              <a:buSzPts val="1400"/>
+              <a:buFont typeface="Arial"/>
               <a:buNone/>
               <a:defRPr b="0" i="0" sz="1800" u="none" cap="none" strike="noStrike">
                 <a:solidFill>
@@ -2423,7 +2690,11 @@
               <a:spcAft>
                 <a:spcPts val="0"/>
               </a:spcAft>
-              <a:buSzPts val="1400"/>
+              <a:buClr>
+                <a:schemeClr val="dk1"/>
+              </a:buClr>
+              <a:buSzPts val="1400"/>
+              <a:buFont typeface="Arial"/>
               <a:buNone/>
               <a:defRPr b="0" i="0" sz="1800" u="none" cap="none" strike="noStrike">
                 <a:solidFill>
@@ -2445,7 +2716,11 @@
               <a:spcAft>
                 <a:spcPts val="0"/>
               </a:spcAft>
-              <a:buSzPts val="1400"/>
+              <a:buClr>
+                <a:schemeClr val="dk1"/>
+              </a:buClr>
+              <a:buSzPts val="1400"/>
+              <a:buFont typeface="Arial"/>
               <a:buNone/>
               <a:defRPr b="0" i="0" sz="1800" u="none" cap="none" strike="noStrike">
                 <a:solidFill>
@@ -2467,7 +2742,11 @@
               <a:spcAft>
                 <a:spcPts val="0"/>
               </a:spcAft>
-              <a:buSzPts val="1400"/>
+              <a:buClr>
+                <a:schemeClr val="dk1"/>
+              </a:buClr>
+              <a:buSzPts val="1400"/>
+              <a:buFont typeface="Arial"/>
               <a:buNone/>
               <a:defRPr b="0" i="0" sz="1800" u="none" cap="none" strike="noStrike">
                 <a:solidFill>
@@ -2489,7 +2768,11 @@
               <a:spcAft>
                 <a:spcPts val="0"/>
               </a:spcAft>
-              <a:buSzPts val="1400"/>
+              <a:buClr>
+                <a:schemeClr val="dk1"/>
+              </a:buClr>
+              <a:buSzPts val="1400"/>
+              <a:buFont typeface="Arial"/>
               <a:buNone/>
               <a:defRPr b="0" i="0" sz="1800" u="none" cap="none" strike="noStrike">
                 <a:solidFill>
@@ -2511,7 +2794,11 @@
               <a:spcAft>
                 <a:spcPts val="0"/>
               </a:spcAft>
-              <a:buSzPts val="1400"/>
+              <a:buClr>
+                <a:schemeClr val="dk1"/>
+              </a:buClr>
+              <a:buSzPts val="1400"/>
+              <a:buFont typeface="Arial"/>
               <a:buNone/>
               <a:defRPr b="0" i="0" sz="1800" u="none" cap="none" strike="noStrike">
                 <a:solidFill>
@@ -2533,7 +2820,11 @@
               <a:spcAft>
                 <a:spcPts val="0"/>
               </a:spcAft>
-              <a:buSzPts val="1400"/>
+              <a:buClr>
+                <a:schemeClr val="dk1"/>
+              </a:buClr>
+              <a:buSzPts val="1400"/>
+              <a:buFont typeface="Arial"/>
               <a:buNone/>
               <a:defRPr b="0" i="0" sz="1800" u="none" cap="none" strike="noStrike">
                 <a:solidFill>
@@ -2605,7 +2896,15 @@
               </a:rPr>
               <a:t>‹#›</a:t>
             </a:fld>
-            <a:endParaRPr/>
+            <a:endParaRPr b="0" i="0" sz="1400" u="none" cap="none" strike="noStrike">
+              <a:solidFill>
+                <a:srgbClr val="000000"/>
+              </a:solidFill>
+              <a:latin typeface="Arial"/>
+              <a:ea typeface="Arial"/>
+              <a:cs typeface="Arial"/>
+              <a:sym typeface="Arial"/>
+            </a:endParaRPr>
           </a:p>
         </p:txBody>
       </p:sp>
@@ -2659,13 +2958,20 @@
           <a:bodyPr anchorCtr="0" anchor="t" bIns="91425" lIns="91425" spcFirstLastPara="1" rIns="91425" wrap="square" tIns="91425"/>
           <a:lstStyle>
             <a:lvl1pPr lvl="0" marR="0" rtl="0" algn="l">
-              <a:spcBef>
-                <a:spcPts val="0"/>
-              </a:spcBef>
-              <a:spcAft>
-                <a:spcPts val="0"/>
-              </a:spcAft>
-              <a:buSzPts val="1400"/>
+              <a:lnSpc>
+                <a:spcPct val="100000"/>
+              </a:lnSpc>
+              <a:spcBef>
+                <a:spcPts val="0"/>
+              </a:spcBef>
+              <a:spcAft>
+                <a:spcPts val="0"/>
+              </a:spcAft>
+              <a:buClr>
+                <a:schemeClr val="dk1"/>
+              </a:buClr>
+              <a:buSzPts val="1400"/>
+              <a:buFont typeface="Calibri"/>
               <a:buNone/>
               <a:defRPr b="1" i="0" sz="4000" u="none" cap="none" strike="noStrike">
                 <a:solidFill>
@@ -2684,7 +2990,11 @@
               <a:spcAft>
                 <a:spcPts val="0"/>
               </a:spcAft>
-              <a:buSzPts val="1400"/>
+              <a:buClr>
+                <a:schemeClr val="dk1"/>
+              </a:buClr>
+              <a:buSzPts val="1400"/>
+              <a:buFont typeface="Calibri"/>
               <a:buNone/>
               <a:defRPr b="0" i="0" sz="4400" u="none" cap="none" strike="noStrike">
                 <a:solidFill>
@@ -2703,7 +3013,11 @@
               <a:spcAft>
                 <a:spcPts val="0"/>
               </a:spcAft>
-              <a:buSzPts val="1400"/>
+              <a:buClr>
+                <a:schemeClr val="dk1"/>
+              </a:buClr>
+              <a:buSzPts val="1400"/>
+              <a:buFont typeface="Calibri"/>
               <a:buNone/>
               <a:defRPr b="0" i="0" sz="4400" u="none" cap="none" strike="noStrike">
                 <a:solidFill>
@@ -2722,7 +3036,11 @@
               <a:spcAft>
                 <a:spcPts val="0"/>
               </a:spcAft>
-              <a:buSzPts val="1400"/>
+              <a:buClr>
+                <a:schemeClr val="dk1"/>
+              </a:buClr>
+              <a:buSzPts val="1400"/>
+              <a:buFont typeface="Calibri"/>
               <a:buNone/>
               <a:defRPr b="0" i="0" sz="4400" u="none" cap="none" strike="noStrike">
                 <a:solidFill>
@@ -2741,7 +3059,11 @@
               <a:spcAft>
                 <a:spcPts val="0"/>
               </a:spcAft>
-              <a:buSzPts val="1400"/>
+              <a:buClr>
+                <a:schemeClr val="dk1"/>
+              </a:buClr>
+              <a:buSzPts val="1400"/>
+              <a:buFont typeface="Calibri"/>
               <a:buNone/>
               <a:defRPr b="0" i="0" sz="4400" u="none" cap="none" strike="noStrike">
                 <a:solidFill>
@@ -2760,7 +3082,11 @@
               <a:spcAft>
                 <a:spcPts val="0"/>
               </a:spcAft>
-              <a:buSzPts val="1400"/>
+              <a:buClr>
+                <a:schemeClr val="dk1"/>
+              </a:buClr>
+              <a:buSzPts val="1400"/>
+              <a:buFont typeface="Calibri"/>
               <a:buNone/>
               <a:defRPr b="0" i="0" sz="4400" u="none" cap="none" strike="noStrike">
                 <a:solidFill>
@@ -2779,7 +3105,11 @@
               <a:spcAft>
                 <a:spcPts val="0"/>
               </a:spcAft>
-              <a:buSzPts val="1400"/>
+              <a:buClr>
+                <a:schemeClr val="dk1"/>
+              </a:buClr>
+              <a:buSzPts val="1400"/>
+              <a:buFont typeface="Calibri"/>
               <a:buNone/>
               <a:defRPr b="0" i="0" sz="4400" u="none" cap="none" strike="noStrike">
                 <a:solidFill>
@@ -2798,7 +3128,11 @@
               <a:spcAft>
                 <a:spcPts val="0"/>
               </a:spcAft>
-              <a:buSzPts val="1400"/>
+              <a:buClr>
+                <a:schemeClr val="dk1"/>
+              </a:buClr>
+              <a:buSzPts val="1400"/>
+              <a:buFont typeface="Calibri"/>
               <a:buNone/>
               <a:defRPr b="0" i="0" sz="4400" u="none" cap="none" strike="noStrike">
                 <a:solidFill>
@@ -2817,7 +3151,11 @@
               <a:spcAft>
                 <a:spcPts val="0"/>
               </a:spcAft>
-              <a:buSzPts val="1400"/>
+              <a:buClr>
+                <a:schemeClr val="dk1"/>
+              </a:buClr>
+              <a:buSzPts val="1400"/>
+              <a:buFont typeface="Calibri"/>
               <a:buNone/>
               <a:defRPr b="0" i="0" sz="4400" u="none" cap="none" strike="noStrike">
                 <a:solidFill>
@@ -2858,6 +3196,9 @@
           <a:bodyPr anchorCtr="0" anchor="b" bIns="91425" lIns="91425" spcFirstLastPara="1" rIns="91425" wrap="square" tIns="91425"/>
           <a:lstStyle>
             <a:lvl1pPr indent="-228600" lvl="0" marL="457200" marR="0" rtl="0" algn="l">
+              <a:lnSpc>
+                <a:spcPct val="100000"/>
+              </a:lnSpc>
               <a:spcBef>
                 <a:spcPts val="400"/>
               </a:spcBef>
@@ -2870,7 +3211,7 @@
               <a:buSzPts val="2000"/>
               <a:buFont typeface="Arial"/>
               <a:buNone/>
-              <a:defRPr sz="2000">
+              <a:defRPr b="0" i="0" sz="2000" u="none" cap="none" strike="noStrike">
                 <a:solidFill>
                   <a:srgbClr val="888888"/>
                 </a:solidFill>
@@ -2881,6 +3222,9 @@
               </a:defRPr>
             </a:lvl1pPr>
             <a:lvl2pPr indent="-228600" lvl="1" marL="914400" marR="0" rtl="0" algn="l">
+              <a:lnSpc>
+                <a:spcPct val="100000"/>
+              </a:lnSpc>
               <a:spcBef>
                 <a:spcPts val="360"/>
               </a:spcBef>
@@ -2904,6 +3248,9 @@
               </a:defRPr>
             </a:lvl2pPr>
             <a:lvl3pPr indent="-228600" lvl="2" marL="1371600" marR="0" rtl="0" algn="l">
+              <a:lnSpc>
+                <a:spcPct val="100000"/>
+              </a:lnSpc>
               <a:spcBef>
                 <a:spcPts val="320"/>
               </a:spcBef>
@@ -2927,6 +3274,9 @@
               </a:defRPr>
             </a:lvl3pPr>
             <a:lvl4pPr indent="-228600" lvl="3" marL="1828800" marR="0" rtl="0" algn="l">
+              <a:lnSpc>
+                <a:spcPct val="100000"/>
+              </a:lnSpc>
               <a:spcBef>
                 <a:spcPts val="280"/>
               </a:spcBef>
@@ -2950,6 +3300,9 @@
               </a:defRPr>
             </a:lvl4pPr>
             <a:lvl5pPr indent="-228600" lvl="4" marL="2286000" marR="0" rtl="0" algn="l">
+              <a:lnSpc>
+                <a:spcPct val="100000"/>
+              </a:lnSpc>
               <a:spcBef>
                 <a:spcPts val="280"/>
               </a:spcBef>
@@ -2973,6 +3326,9 @@
               </a:defRPr>
             </a:lvl5pPr>
             <a:lvl6pPr indent="-228600" lvl="5" marL="2743200" marR="0" rtl="0" algn="l">
+              <a:lnSpc>
+                <a:spcPct val="100000"/>
+              </a:lnSpc>
               <a:spcBef>
                 <a:spcPts val="280"/>
               </a:spcBef>
@@ -2996,6 +3352,9 @@
               </a:defRPr>
             </a:lvl6pPr>
             <a:lvl7pPr indent="-228600" lvl="6" marL="3200400" marR="0" rtl="0" algn="l">
+              <a:lnSpc>
+                <a:spcPct val="100000"/>
+              </a:lnSpc>
               <a:spcBef>
                 <a:spcPts val="280"/>
               </a:spcBef>
@@ -3019,6 +3378,9 @@
               </a:defRPr>
             </a:lvl7pPr>
             <a:lvl8pPr indent="-228600" lvl="7" marL="3657600" marR="0" rtl="0" algn="l">
+              <a:lnSpc>
+                <a:spcPct val="100000"/>
+              </a:lnSpc>
               <a:spcBef>
                 <a:spcPts val="280"/>
               </a:spcBef>
@@ -3042,6 +3404,9 @@
               </a:defRPr>
             </a:lvl8pPr>
             <a:lvl9pPr indent="-228600" lvl="8" marL="4114800" marR="0" rtl="0" algn="l">
+              <a:lnSpc>
+                <a:spcPct val="100000"/>
+              </a:lnSpc>
               <a:spcBef>
                 <a:spcPts val="280"/>
               </a:spcBef>
@@ -3102,9 +3467,13 @@
               <a:spcAft>
                 <a:spcPts val="0"/>
               </a:spcAft>
-              <a:buSzPts val="1400"/>
-              <a:buNone/>
-              <a:defRPr b="0" i="0" sz="1200" u="none">
+              <a:buClr>
+                <a:srgbClr val="898989"/>
+              </a:buClr>
+              <a:buSzPts val="1400"/>
+              <a:buFont typeface="Calibri"/>
+              <a:buNone/>
+              <a:defRPr b="0" i="0" sz="1200" u="none" cap="none" strike="noStrike">
                 <a:solidFill>
                   <a:srgbClr val="898989"/>
                 </a:solidFill>
@@ -3124,7 +3493,11 @@
               <a:spcAft>
                 <a:spcPts val="0"/>
               </a:spcAft>
-              <a:buSzPts val="1400"/>
+              <a:buClr>
+                <a:schemeClr val="dk1"/>
+              </a:buClr>
+              <a:buSzPts val="1400"/>
+              <a:buFont typeface="Arial"/>
               <a:buNone/>
               <a:defRPr b="0" i="0" sz="1800" u="none" cap="none" strike="noStrike">
                 <a:solidFill>
@@ -3146,7 +3519,11 @@
               <a:spcAft>
                 <a:spcPts val="0"/>
               </a:spcAft>
-              <a:buSzPts val="1400"/>
+              <a:buClr>
+                <a:schemeClr val="dk1"/>
+              </a:buClr>
+              <a:buSzPts val="1400"/>
+              <a:buFont typeface="Arial"/>
               <a:buNone/>
               <a:defRPr b="0" i="0" sz="1800" u="none" cap="none" strike="noStrike">
                 <a:solidFill>
@@ -3168,7 +3545,11 @@
               <a:spcAft>
                 <a:spcPts val="0"/>
               </a:spcAft>
-              <a:buSzPts val="1400"/>
+              <a:buClr>
+                <a:schemeClr val="dk1"/>
+              </a:buClr>
+              <a:buSzPts val="1400"/>
+              <a:buFont typeface="Arial"/>
               <a:buNone/>
               <a:defRPr b="0" i="0" sz="1800" u="none" cap="none" strike="noStrike">
                 <a:solidFill>
@@ -3190,7 +3571,11 @@
               <a:spcAft>
                 <a:spcPts val="0"/>
               </a:spcAft>
-              <a:buSzPts val="1400"/>
+              <a:buClr>
+                <a:schemeClr val="dk1"/>
+              </a:buClr>
+              <a:buSzPts val="1400"/>
+              <a:buFont typeface="Arial"/>
               <a:buNone/>
               <a:defRPr b="0" i="0" sz="1800" u="none" cap="none" strike="noStrike">
                 <a:solidFill>
@@ -3212,7 +3597,11 @@
               <a:spcAft>
                 <a:spcPts val="0"/>
               </a:spcAft>
-              <a:buSzPts val="1400"/>
+              <a:buClr>
+                <a:schemeClr val="dk1"/>
+              </a:buClr>
+              <a:buSzPts val="1400"/>
+              <a:buFont typeface="Arial"/>
               <a:buNone/>
               <a:defRPr b="0" i="0" sz="1800" u="none" cap="none" strike="noStrike">
                 <a:solidFill>
@@ -3234,7 +3623,11 @@
               <a:spcAft>
                 <a:spcPts val="0"/>
               </a:spcAft>
-              <a:buSzPts val="1400"/>
+              <a:buClr>
+                <a:schemeClr val="dk1"/>
+              </a:buClr>
+              <a:buSzPts val="1400"/>
+              <a:buFont typeface="Arial"/>
               <a:buNone/>
               <a:defRPr b="0" i="0" sz="1800" u="none" cap="none" strike="noStrike">
                 <a:solidFill>
@@ -3256,7 +3649,11 @@
               <a:spcAft>
                 <a:spcPts val="0"/>
               </a:spcAft>
-              <a:buSzPts val="1400"/>
+              <a:buClr>
+                <a:schemeClr val="dk1"/>
+              </a:buClr>
+              <a:buSzPts val="1400"/>
+              <a:buFont typeface="Arial"/>
               <a:buNone/>
               <a:defRPr b="0" i="0" sz="1800" u="none" cap="none" strike="noStrike">
                 <a:solidFill>
@@ -3278,7 +3675,11 @@
               <a:spcAft>
                 <a:spcPts val="0"/>
               </a:spcAft>
-              <a:buSzPts val="1400"/>
+              <a:buClr>
+                <a:schemeClr val="dk1"/>
+              </a:buClr>
+              <a:buSzPts val="1400"/>
+              <a:buFont typeface="Arial"/>
               <a:buNone/>
               <a:defRPr b="0" i="0" sz="1800" u="none" cap="none" strike="noStrike">
                 <a:solidFill>
@@ -3328,9 +3729,13 @@
               <a:spcAft>
                 <a:spcPts val="0"/>
               </a:spcAft>
-              <a:buSzPts val="1400"/>
-              <a:buNone/>
-              <a:defRPr b="0" i="0" sz="1800" u="none">
+              <a:buClr>
+                <a:schemeClr val="dk1"/>
+              </a:buClr>
+              <a:buSzPts val="1400"/>
+              <a:buFont typeface="Arial"/>
+              <a:buNone/>
+              <a:defRPr b="0" i="0" sz="1800" u="none" cap="none" strike="noStrike">
                 <a:solidFill>
                   <a:schemeClr val="dk1"/>
                 </a:solidFill>
@@ -3350,7 +3755,11 @@
               <a:spcAft>
                 <a:spcPts val="0"/>
               </a:spcAft>
-              <a:buSzPts val="1400"/>
+              <a:buClr>
+                <a:schemeClr val="dk1"/>
+              </a:buClr>
+              <a:buSzPts val="1400"/>
+              <a:buFont typeface="Arial"/>
               <a:buNone/>
               <a:defRPr b="0" i="0" sz="1800" u="none" cap="none" strike="noStrike">
                 <a:solidFill>
@@ -3372,7 +3781,11 @@
               <a:spcAft>
                 <a:spcPts val="0"/>
               </a:spcAft>
-              <a:buSzPts val="1400"/>
+              <a:buClr>
+                <a:schemeClr val="dk1"/>
+              </a:buClr>
+              <a:buSzPts val="1400"/>
+              <a:buFont typeface="Arial"/>
               <a:buNone/>
               <a:defRPr b="0" i="0" sz="1800" u="none" cap="none" strike="noStrike">
                 <a:solidFill>
@@ -3394,7 +3807,11 @@
               <a:spcAft>
                 <a:spcPts val="0"/>
               </a:spcAft>
-              <a:buSzPts val="1400"/>
+              <a:buClr>
+                <a:schemeClr val="dk1"/>
+              </a:buClr>
+              <a:buSzPts val="1400"/>
+              <a:buFont typeface="Arial"/>
               <a:buNone/>
               <a:defRPr b="0" i="0" sz="1800" u="none" cap="none" strike="noStrike">
                 <a:solidFill>
@@ -3416,7 +3833,11 @@
               <a:spcAft>
                 <a:spcPts val="0"/>
               </a:spcAft>
-              <a:buSzPts val="1400"/>
+              <a:buClr>
+                <a:schemeClr val="dk1"/>
+              </a:buClr>
+              <a:buSzPts val="1400"/>
+              <a:buFont typeface="Arial"/>
               <a:buNone/>
               <a:defRPr b="0" i="0" sz="1800" u="none" cap="none" strike="noStrike">
                 <a:solidFill>
@@ -3438,7 +3859,11 @@
               <a:spcAft>
                 <a:spcPts val="0"/>
               </a:spcAft>
-              <a:buSzPts val="1400"/>
+              <a:buClr>
+                <a:schemeClr val="dk1"/>
+              </a:buClr>
+              <a:buSzPts val="1400"/>
+              <a:buFont typeface="Arial"/>
               <a:buNone/>
               <a:defRPr b="0" i="0" sz="1800" u="none" cap="none" strike="noStrike">
                 <a:solidFill>
@@ -3460,7 +3885,11 @@
               <a:spcAft>
                 <a:spcPts val="0"/>
               </a:spcAft>
-              <a:buSzPts val="1400"/>
+              <a:buClr>
+                <a:schemeClr val="dk1"/>
+              </a:buClr>
+              <a:buSzPts val="1400"/>
+              <a:buFont typeface="Arial"/>
               <a:buNone/>
               <a:defRPr b="0" i="0" sz="1800" u="none" cap="none" strike="noStrike">
                 <a:solidFill>
@@ -3482,7 +3911,11 @@
               <a:spcAft>
                 <a:spcPts val="0"/>
               </a:spcAft>
-              <a:buSzPts val="1400"/>
+              <a:buClr>
+                <a:schemeClr val="dk1"/>
+              </a:buClr>
+              <a:buSzPts val="1400"/>
+              <a:buFont typeface="Arial"/>
               <a:buNone/>
               <a:defRPr b="0" i="0" sz="1800" u="none" cap="none" strike="noStrike">
                 <a:solidFill>
@@ -3504,7 +3937,11 @@
               <a:spcAft>
                 <a:spcPts val="0"/>
               </a:spcAft>
-              <a:buSzPts val="1400"/>
+              <a:buClr>
+                <a:schemeClr val="dk1"/>
+              </a:buClr>
+              <a:buSzPts val="1400"/>
+              <a:buFont typeface="Arial"/>
               <a:buNone/>
               <a:defRPr b="0" i="0" sz="1800" u="none" cap="none" strike="noStrike">
                 <a:solidFill>
@@ -3565,7 +4002,7 @@
               <a:buNone/>
             </a:pPr>
             <a:fld id="{00000000-1234-1234-1234-123412341234}" type="slidenum">
-              <a:rPr b="0" i="0" lang="en-US" sz="1200" u="none">
+              <a:rPr b="0" i="0" lang="en-US" sz="1200" u="none" cap="none" strike="noStrike">
                 <a:solidFill>
                   <a:srgbClr val="898989"/>
                 </a:solidFill>
@@ -3576,7 +4013,15 @@
               </a:rPr>
               <a:t>‹#›</a:t>
             </a:fld>
-            <a:endParaRPr/>
+            <a:endParaRPr b="0" i="0" sz="1400" u="none" cap="none" strike="noStrike">
+              <a:solidFill>
+                <a:srgbClr val="000000"/>
+              </a:solidFill>
+              <a:latin typeface="Arial"/>
+              <a:ea typeface="Arial"/>
+              <a:cs typeface="Arial"/>
+              <a:sym typeface="Arial"/>
+            </a:endParaRPr>
           </a:p>
         </p:txBody>
       </p:sp>
@@ -3630,13 +4075,20 @@
           <a:bodyPr anchorCtr="0" anchor="ctr" bIns="91425" lIns="91425" spcFirstLastPara="1" rIns="91425" wrap="square" tIns="91425"/>
           <a:lstStyle>
             <a:lvl1pPr lvl="0" marR="0" rtl="0" algn="ctr">
-              <a:spcBef>
-                <a:spcPts val="0"/>
-              </a:spcBef>
-              <a:spcAft>
-                <a:spcPts val="0"/>
-              </a:spcAft>
-              <a:buSzPts val="1400"/>
+              <a:lnSpc>
+                <a:spcPct val="100000"/>
+              </a:lnSpc>
+              <a:spcBef>
+                <a:spcPts val="0"/>
+              </a:spcBef>
+              <a:spcAft>
+                <a:spcPts val="0"/>
+              </a:spcAft>
+              <a:buClr>
+                <a:schemeClr val="dk1"/>
+              </a:buClr>
+              <a:buSzPts val="1400"/>
+              <a:buFont typeface="Calibri"/>
               <a:buNone/>
               <a:defRPr b="0" i="0" sz="4400" u="none" cap="none" strike="noStrike">
                 <a:solidFill>
@@ -3655,7 +4107,11 @@
               <a:spcAft>
                 <a:spcPts val="0"/>
               </a:spcAft>
-              <a:buSzPts val="1400"/>
+              <a:buClr>
+                <a:schemeClr val="dk1"/>
+              </a:buClr>
+              <a:buSzPts val="1400"/>
+              <a:buFont typeface="Calibri"/>
               <a:buNone/>
               <a:defRPr b="0" i="0" sz="4400" u="none" cap="none" strike="noStrike">
                 <a:solidFill>
@@ -3674,7 +4130,11 @@
               <a:spcAft>
                 <a:spcPts val="0"/>
               </a:spcAft>
-              <a:buSzPts val="1400"/>
+              <a:buClr>
+                <a:schemeClr val="dk1"/>
+              </a:buClr>
+              <a:buSzPts val="1400"/>
+              <a:buFont typeface="Calibri"/>
               <a:buNone/>
               <a:defRPr b="0" i="0" sz="4400" u="none" cap="none" strike="noStrike">
                 <a:solidFill>
@@ -3693,7 +4153,11 @@
               <a:spcAft>
                 <a:spcPts val="0"/>
               </a:spcAft>
-              <a:buSzPts val="1400"/>
+              <a:buClr>
+                <a:schemeClr val="dk1"/>
+              </a:buClr>
+              <a:buSzPts val="1400"/>
+              <a:buFont typeface="Calibri"/>
               <a:buNone/>
               <a:defRPr b="0" i="0" sz="4400" u="none" cap="none" strike="noStrike">
                 <a:solidFill>
@@ -3712,7 +4176,11 @@
               <a:spcAft>
                 <a:spcPts val="0"/>
               </a:spcAft>
-              <a:buSzPts val="1400"/>
+              <a:buClr>
+                <a:schemeClr val="dk1"/>
+              </a:buClr>
+              <a:buSzPts val="1400"/>
+              <a:buFont typeface="Calibri"/>
               <a:buNone/>
               <a:defRPr b="0" i="0" sz="4400" u="none" cap="none" strike="noStrike">
                 <a:solidFill>
@@ -3731,7 +4199,11 @@
               <a:spcAft>
                 <a:spcPts val="0"/>
               </a:spcAft>
-              <a:buSzPts val="1400"/>
+              <a:buClr>
+                <a:schemeClr val="dk1"/>
+              </a:buClr>
+              <a:buSzPts val="1400"/>
+              <a:buFont typeface="Calibri"/>
               <a:buNone/>
               <a:defRPr b="0" i="0" sz="4400" u="none" cap="none" strike="noStrike">
                 <a:solidFill>
@@ -3750,7 +4222,11 @@
               <a:spcAft>
                 <a:spcPts val="0"/>
               </a:spcAft>
-              <a:buSzPts val="1400"/>
+              <a:buClr>
+                <a:schemeClr val="dk1"/>
+              </a:buClr>
+              <a:buSzPts val="1400"/>
+              <a:buFont typeface="Calibri"/>
               <a:buNone/>
               <a:defRPr b="0" i="0" sz="4400" u="none" cap="none" strike="noStrike">
                 <a:solidFill>
@@ -3769,7 +4245,11 @@
               <a:spcAft>
                 <a:spcPts val="0"/>
               </a:spcAft>
-              <a:buSzPts val="1400"/>
+              <a:buClr>
+                <a:schemeClr val="dk1"/>
+              </a:buClr>
+              <a:buSzPts val="1400"/>
+              <a:buFont typeface="Calibri"/>
               <a:buNone/>
               <a:defRPr b="0" i="0" sz="4400" u="none" cap="none" strike="noStrike">
                 <a:solidFill>
@@ -3788,7 +4268,11 @@
               <a:spcAft>
                 <a:spcPts val="0"/>
               </a:spcAft>
-              <a:buSzPts val="1400"/>
+              <a:buClr>
+                <a:schemeClr val="dk1"/>
+              </a:buClr>
+              <a:buSzPts val="1400"/>
+              <a:buFont typeface="Calibri"/>
               <a:buNone/>
               <a:defRPr b="0" i="0" sz="4400" u="none" cap="none" strike="noStrike">
                 <a:solidFill>
@@ -3829,6 +4313,9 @@
           <a:bodyPr anchorCtr="0" anchor="t" bIns="91425" lIns="91425" spcFirstLastPara="1" rIns="91425" wrap="square" tIns="91425"/>
           <a:lstStyle>
             <a:lvl1pPr lvl="0" marR="0" rtl="0" algn="ctr">
+              <a:lnSpc>
+                <a:spcPct val="100000"/>
+              </a:lnSpc>
               <a:spcBef>
                 <a:spcPts val="640"/>
               </a:spcBef>
@@ -3841,7 +4328,7 @@
               <a:buSzPts val="3200"/>
               <a:buFont typeface="Arial"/>
               <a:buNone/>
-              <a:defRPr sz="3200">
+              <a:defRPr b="0" i="0" sz="3200" u="none" cap="none" strike="noStrike">
                 <a:solidFill>
                   <a:srgbClr val="888888"/>
                 </a:solidFill>
@@ -3852,6 +4339,9 @@
               </a:defRPr>
             </a:lvl1pPr>
             <a:lvl2pPr lvl="1" marR="0" rtl="0" algn="ctr">
+              <a:lnSpc>
+                <a:spcPct val="100000"/>
+              </a:lnSpc>
               <a:spcBef>
                 <a:spcPts val="560"/>
               </a:spcBef>
@@ -3875,6 +4365,9 @@
               </a:defRPr>
             </a:lvl2pPr>
             <a:lvl3pPr lvl="2" marR="0" rtl="0" algn="ctr">
+              <a:lnSpc>
+                <a:spcPct val="100000"/>
+              </a:lnSpc>
               <a:spcBef>
                 <a:spcPts val="480"/>
               </a:spcBef>
@@ -3898,6 +4391,9 @@
               </a:defRPr>
             </a:lvl3pPr>
             <a:lvl4pPr lvl="3" marR="0" rtl="0" algn="ctr">
+              <a:lnSpc>
+                <a:spcPct val="100000"/>
+              </a:lnSpc>
               <a:spcBef>
                 <a:spcPts val="400"/>
               </a:spcBef>
@@ -3921,6 +4417,9 @@
               </a:defRPr>
             </a:lvl4pPr>
             <a:lvl5pPr lvl="4" marR="0" rtl="0" algn="ctr">
+              <a:lnSpc>
+                <a:spcPct val="100000"/>
+              </a:lnSpc>
               <a:spcBef>
                 <a:spcPts val="400"/>
               </a:spcBef>
@@ -3944,6 +4443,9 @@
               </a:defRPr>
             </a:lvl5pPr>
             <a:lvl6pPr lvl="5" marR="0" rtl="0" algn="ctr">
+              <a:lnSpc>
+                <a:spcPct val="100000"/>
+              </a:lnSpc>
               <a:spcBef>
                 <a:spcPts val="400"/>
               </a:spcBef>
@@ -3967,6 +4469,9 @@
               </a:defRPr>
             </a:lvl6pPr>
             <a:lvl7pPr lvl="6" marR="0" rtl="0" algn="ctr">
+              <a:lnSpc>
+                <a:spcPct val="100000"/>
+              </a:lnSpc>
               <a:spcBef>
                 <a:spcPts val="400"/>
               </a:spcBef>
@@ -3990,6 +4495,9 @@
               </a:defRPr>
             </a:lvl7pPr>
             <a:lvl8pPr lvl="7" marR="0" rtl="0" algn="ctr">
+              <a:lnSpc>
+                <a:spcPct val="100000"/>
+              </a:lnSpc>
               <a:spcBef>
                 <a:spcPts val="400"/>
               </a:spcBef>
@@ -4013,6 +4521,9 @@
               </a:defRPr>
             </a:lvl8pPr>
             <a:lvl9pPr lvl="8" marR="0" rtl="0" algn="ctr">
+              <a:lnSpc>
+                <a:spcPct val="100000"/>
+              </a:lnSpc>
               <a:spcBef>
                 <a:spcPts val="400"/>
               </a:spcBef>
@@ -4073,9 +4584,13 @@
               <a:spcAft>
                 <a:spcPts val="0"/>
               </a:spcAft>
-              <a:buSzPts val="1400"/>
-              <a:buNone/>
-              <a:defRPr b="0" i="0" sz="1200" u="none">
+              <a:buClr>
+                <a:srgbClr val="898989"/>
+              </a:buClr>
+              <a:buSzPts val="1400"/>
+              <a:buFont typeface="Calibri"/>
+              <a:buNone/>
+              <a:defRPr b="0" i="0" sz="1200" u="none" cap="none" strike="noStrike">
                 <a:solidFill>
                   <a:srgbClr val="898989"/>
                 </a:solidFill>
@@ -4095,7 +4610,11 @@
               <a:spcAft>
                 <a:spcPts val="0"/>
               </a:spcAft>
-              <a:buSzPts val="1400"/>
+              <a:buClr>
+                <a:schemeClr val="dk1"/>
+              </a:buClr>
+              <a:buSzPts val="1400"/>
+              <a:buFont typeface="Arial"/>
               <a:buNone/>
               <a:defRPr b="0" i="0" sz="1800" u="none" cap="none" strike="noStrike">
                 <a:solidFill>
@@ -4117,7 +4636,11 @@
               <a:spcAft>
                 <a:spcPts val="0"/>
               </a:spcAft>
-              <a:buSzPts val="1400"/>
+              <a:buClr>
+                <a:schemeClr val="dk1"/>
+              </a:buClr>
+              <a:buSzPts val="1400"/>
+              <a:buFont typeface="Arial"/>
               <a:buNone/>
               <a:defRPr b="0" i="0" sz="1800" u="none" cap="none" strike="noStrike">
                 <a:solidFill>
@@ -4139,7 +4662,11 @@
               <a:spcAft>
                 <a:spcPts val="0"/>
               </a:spcAft>
-              <a:buSzPts val="1400"/>
+              <a:buClr>
+                <a:schemeClr val="dk1"/>
+              </a:buClr>
+              <a:buSzPts val="1400"/>
+              <a:buFont typeface="Arial"/>
               <a:buNone/>
               <a:defRPr b="0" i="0" sz="1800" u="none" cap="none" strike="noStrike">
                 <a:solidFill>
@@ -4161,7 +4688,11 @@
               <a:spcAft>
                 <a:spcPts val="0"/>
               </a:spcAft>
-              <a:buSzPts val="1400"/>
+              <a:buClr>
+                <a:schemeClr val="dk1"/>
+              </a:buClr>
+              <a:buSzPts val="1400"/>
+              <a:buFont typeface="Arial"/>
               <a:buNone/>
               <a:defRPr b="0" i="0" sz="1800" u="none" cap="none" strike="noStrike">
                 <a:solidFill>
@@ -4183,7 +4714,11 @@
               <a:spcAft>
                 <a:spcPts val="0"/>
               </a:spcAft>
-              <a:buSzPts val="1400"/>
+              <a:buClr>
+                <a:schemeClr val="dk1"/>
+              </a:buClr>
+              <a:buSzPts val="1400"/>
+              <a:buFont typeface="Arial"/>
               <a:buNone/>
               <a:defRPr b="0" i="0" sz="1800" u="none" cap="none" strike="noStrike">
                 <a:solidFill>
@@ -4205,7 +4740,11 @@
               <a:spcAft>
                 <a:spcPts val="0"/>
               </a:spcAft>
-              <a:buSzPts val="1400"/>
+              <a:buClr>
+                <a:schemeClr val="dk1"/>
+              </a:buClr>
+              <a:buSzPts val="1400"/>
+              <a:buFont typeface="Arial"/>
               <a:buNone/>
               <a:defRPr b="0" i="0" sz="1800" u="none" cap="none" strike="noStrike">
                 <a:solidFill>
@@ -4227,7 +4766,11 @@
               <a:spcAft>
                 <a:spcPts val="0"/>
               </a:spcAft>
-              <a:buSzPts val="1400"/>
+              <a:buClr>
+                <a:schemeClr val="dk1"/>
+              </a:buClr>
+              <a:buSzPts val="1400"/>
+              <a:buFont typeface="Arial"/>
               <a:buNone/>
               <a:defRPr b="0" i="0" sz="1800" u="none" cap="none" strike="noStrike">
                 <a:solidFill>
@@ -4249,7 +4792,11 @@
               <a:spcAft>
                 <a:spcPts val="0"/>
               </a:spcAft>
-              <a:buSzPts val="1400"/>
+              <a:buClr>
+                <a:schemeClr val="dk1"/>
+              </a:buClr>
+              <a:buSzPts val="1400"/>
+              <a:buFont typeface="Arial"/>
               <a:buNone/>
               <a:defRPr b="0" i="0" sz="1800" u="none" cap="none" strike="noStrike">
                 <a:solidFill>
@@ -4299,9 +4846,13 @@
               <a:spcAft>
                 <a:spcPts val="0"/>
               </a:spcAft>
-              <a:buSzPts val="1400"/>
-              <a:buNone/>
-              <a:defRPr b="0" i="0" sz="1800" u="none">
+              <a:buClr>
+                <a:schemeClr val="dk1"/>
+              </a:buClr>
+              <a:buSzPts val="1400"/>
+              <a:buFont typeface="Arial"/>
+              <a:buNone/>
+              <a:defRPr b="0" i="0" sz="1800" u="none" cap="none" strike="noStrike">
                 <a:solidFill>
                   <a:schemeClr val="dk1"/>
                 </a:solidFill>
@@ -4321,7 +4872,11 @@
               <a:spcAft>
                 <a:spcPts val="0"/>
               </a:spcAft>
-              <a:buSzPts val="1400"/>
+              <a:buClr>
+                <a:schemeClr val="dk1"/>
+              </a:buClr>
+              <a:buSzPts val="1400"/>
+              <a:buFont typeface="Arial"/>
               <a:buNone/>
               <a:defRPr b="0" i="0" sz="1800" u="none" cap="none" strike="noStrike">
                 <a:solidFill>
@@ -4343,7 +4898,11 @@
               <a:spcAft>
                 <a:spcPts val="0"/>
               </a:spcAft>
-              <a:buSzPts val="1400"/>
+              <a:buClr>
+                <a:schemeClr val="dk1"/>
+              </a:buClr>
+              <a:buSzPts val="1400"/>
+              <a:buFont typeface="Arial"/>
               <a:buNone/>
               <a:defRPr b="0" i="0" sz="1800" u="none" cap="none" strike="noStrike">
                 <a:solidFill>
@@ -4365,7 +4924,11 @@
               <a:spcAft>
                 <a:spcPts val="0"/>
               </a:spcAft>
-              <a:buSzPts val="1400"/>
+              <a:buClr>
+                <a:schemeClr val="dk1"/>
+              </a:buClr>
+              <a:buSzPts val="1400"/>
+              <a:buFont typeface="Arial"/>
               <a:buNone/>
               <a:defRPr b="0" i="0" sz="1800" u="none" cap="none" strike="noStrike">
                 <a:solidFill>
@@ -4387,7 +4950,11 @@
               <a:spcAft>
                 <a:spcPts val="0"/>
               </a:spcAft>
-              <a:buSzPts val="1400"/>
+              <a:buClr>
+                <a:schemeClr val="dk1"/>
+              </a:buClr>
+              <a:buSzPts val="1400"/>
+              <a:buFont typeface="Arial"/>
               <a:buNone/>
               <a:defRPr b="0" i="0" sz="1800" u="none" cap="none" strike="noStrike">
                 <a:solidFill>
@@ -4409,7 +4976,11 @@
               <a:spcAft>
                 <a:spcPts val="0"/>
               </a:spcAft>
-              <a:buSzPts val="1400"/>
+              <a:buClr>
+                <a:schemeClr val="dk1"/>
+              </a:buClr>
+              <a:buSzPts val="1400"/>
+              <a:buFont typeface="Arial"/>
               <a:buNone/>
               <a:defRPr b="0" i="0" sz="1800" u="none" cap="none" strike="noStrike">
                 <a:solidFill>
@@ -4431,7 +5002,11 @@
               <a:spcAft>
                 <a:spcPts val="0"/>
               </a:spcAft>
-              <a:buSzPts val="1400"/>
+              <a:buClr>
+                <a:schemeClr val="dk1"/>
+              </a:buClr>
+              <a:buSzPts val="1400"/>
+              <a:buFont typeface="Arial"/>
               <a:buNone/>
               <a:defRPr b="0" i="0" sz="1800" u="none" cap="none" strike="noStrike">
                 <a:solidFill>
@@ -4453,7 +5028,11 @@
               <a:spcAft>
                 <a:spcPts val="0"/>
               </a:spcAft>
-              <a:buSzPts val="1400"/>
+              <a:buClr>
+                <a:schemeClr val="dk1"/>
+              </a:buClr>
+              <a:buSzPts val="1400"/>
+              <a:buFont typeface="Arial"/>
               <a:buNone/>
               <a:defRPr b="0" i="0" sz="1800" u="none" cap="none" strike="noStrike">
                 <a:solidFill>
@@ -4475,7 +5054,11 @@
               <a:spcAft>
                 <a:spcPts val="0"/>
               </a:spcAft>
-              <a:buSzPts val="1400"/>
+              <a:buClr>
+                <a:schemeClr val="dk1"/>
+              </a:buClr>
+              <a:buSzPts val="1400"/>
+              <a:buFont typeface="Arial"/>
               <a:buNone/>
               <a:defRPr b="0" i="0" sz="1800" u="none" cap="none" strike="noStrike">
                 <a:solidFill>
@@ -4536,7 +5119,7 @@
               <a:buNone/>
             </a:pPr>
             <a:fld id="{00000000-1234-1234-1234-123412341234}" type="slidenum">
-              <a:rPr b="0" i="0" lang="en-US" sz="1200" u="none">
+              <a:rPr b="0" i="0" lang="en-US" sz="1200" u="none" cap="none" strike="noStrike">
                 <a:solidFill>
                   <a:srgbClr val="898989"/>
                 </a:solidFill>
@@ -4547,7 +5130,15 @@
               </a:rPr>
               <a:t>‹#›</a:t>
             </a:fld>
-            <a:endParaRPr/>
+            <a:endParaRPr b="0" i="0" sz="1400" u="none" cap="none" strike="noStrike">
+              <a:solidFill>
+                <a:srgbClr val="000000"/>
+              </a:solidFill>
+              <a:latin typeface="Arial"/>
+              <a:ea typeface="Arial"/>
+              <a:cs typeface="Arial"/>
+              <a:sym typeface="Arial"/>
+            </a:endParaRPr>
           </a:p>
         </p:txBody>
       </p:sp>
@@ -4601,13 +5192,20 @@
           <a:bodyPr anchorCtr="0" anchor="ctr" bIns="91425" lIns="91425" spcFirstLastPara="1" rIns="91425" wrap="square" tIns="91425"/>
           <a:lstStyle>
             <a:lvl1pPr lvl="0" marR="0" rtl="0" algn="ctr">
-              <a:spcBef>
-                <a:spcPts val="0"/>
-              </a:spcBef>
-              <a:spcAft>
-                <a:spcPts val="0"/>
-              </a:spcAft>
-              <a:buSzPts val="1400"/>
+              <a:lnSpc>
+                <a:spcPct val="100000"/>
+              </a:lnSpc>
+              <a:spcBef>
+                <a:spcPts val="0"/>
+              </a:spcBef>
+              <a:spcAft>
+                <a:spcPts val="0"/>
+              </a:spcAft>
+              <a:buClr>
+                <a:schemeClr val="dk1"/>
+              </a:buClr>
+              <a:buSzPts val="1400"/>
+              <a:buFont typeface="Calibri"/>
               <a:buNone/>
               <a:defRPr b="0" i="0" sz="4400" u="none" cap="none" strike="noStrike">
                 <a:solidFill>
@@ -4626,7 +5224,11 @@
               <a:spcAft>
                 <a:spcPts val="0"/>
               </a:spcAft>
-              <a:buSzPts val="1400"/>
+              <a:buClr>
+                <a:schemeClr val="dk1"/>
+              </a:buClr>
+              <a:buSzPts val="1400"/>
+              <a:buFont typeface="Calibri"/>
               <a:buNone/>
               <a:defRPr b="0" i="0" sz="4400" u="none" cap="none" strike="noStrike">
                 <a:solidFill>
@@ -4645,7 +5247,11 @@
               <a:spcAft>
                 <a:spcPts val="0"/>
               </a:spcAft>
-              <a:buSzPts val="1400"/>
+              <a:buClr>
+                <a:schemeClr val="dk1"/>
+              </a:buClr>
+              <a:buSzPts val="1400"/>
+              <a:buFont typeface="Calibri"/>
               <a:buNone/>
               <a:defRPr b="0" i="0" sz="4400" u="none" cap="none" strike="noStrike">
                 <a:solidFill>
@@ -4664,7 +5270,11 @@
               <a:spcAft>
                 <a:spcPts val="0"/>
               </a:spcAft>
-              <a:buSzPts val="1400"/>
+              <a:buClr>
+                <a:schemeClr val="dk1"/>
+              </a:buClr>
+              <a:buSzPts val="1400"/>
+              <a:buFont typeface="Calibri"/>
               <a:buNone/>
               <a:defRPr b="0" i="0" sz="4400" u="none" cap="none" strike="noStrike">
                 <a:solidFill>
@@ -4683,7 +5293,11 @@
               <a:spcAft>
                 <a:spcPts val="0"/>
               </a:spcAft>
-              <a:buSzPts val="1400"/>
+              <a:buClr>
+                <a:schemeClr val="dk1"/>
+              </a:buClr>
+              <a:buSzPts val="1400"/>
+              <a:buFont typeface="Calibri"/>
               <a:buNone/>
               <a:defRPr b="0" i="0" sz="4400" u="none" cap="none" strike="noStrike">
                 <a:solidFill>
@@ -4702,7 +5316,11 @@
               <a:spcAft>
                 <a:spcPts val="0"/>
               </a:spcAft>
-              <a:buSzPts val="1400"/>
+              <a:buClr>
+                <a:schemeClr val="dk1"/>
+              </a:buClr>
+              <a:buSzPts val="1400"/>
+              <a:buFont typeface="Calibri"/>
               <a:buNone/>
               <a:defRPr b="0" i="0" sz="4400" u="none" cap="none" strike="noStrike">
                 <a:solidFill>
@@ -4721,7 +5339,11 @@
               <a:spcAft>
                 <a:spcPts val="0"/>
               </a:spcAft>
-              <a:buSzPts val="1400"/>
+              <a:buClr>
+                <a:schemeClr val="dk1"/>
+              </a:buClr>
+              <a:buSzPts val="1400"/>
+              <a:buFont typeface="Calibri"/>
               <a:buNone/>
               <a:defRPr b="0" i="0" sz="4400" u="none" cap="none" strike="noStrike">
                 <a:solidFill>
@@ -4740,7 +5362,11 @@
               <a:spcAft>
                 <a:spcPts val="0"/>
               </a:spcAft>
-              <a:buSzPts val="1400"/>
+              <a:buClr>
+                <a:schemeClr val="dk1"/>
+              </a:buClr>
+              <a:buSzPts val="1400"/>
+              <a:buFont typeface="Calibri"/>
               <a:buNone/>
               <a:defRPr b="0" i="0" sz="4400" u="none" cap="none" strike="noStrike">
                 <a:solidFill>
@@ -4759,7 +5385,11 @@
               <a:spcAft>
                 <a:spcPts val="0"/>
               </a:spcAft>
-              <a:buSzPts val="1400"/>
+              <a:buClr>
+                <a:schemeClr val="dk1"/>
+              </a:buClr>
+              <a:buSzPts val="1400"/>
+              <a:buFont typeface="Calibri"/>
               <a:buNone/>
               <a:defRPr b="0" i="0" sz="4400" u="none" cap="none" strike="noStrike">
                 <a:solidFill>
@@ -4800,6 +5430,9 @@
           <a:bodyPr anchorCtr="0" anchor="t" bIns="91425" lIns="91425" spcFirstLastPara="1" rIns="91425" wrap="square" tIns="91425"/>
           <a:lstStyle>
             <a:lvl1pPr indent="-431800" lvl="0" marL="457200" marR="0" rtl="0" algn="l">
+              <a:lnSpc>
+                <a:spcPct val="100000"/>
+              </a:lnSpc>
               <a:spcBef>
                 <a:spcPts val="640"/>
               </a:spcBef>
@@ -4812,7 +5445,7 @@
               <a:buSzPts val="3200"/>
               <a:buFont typeface="Arial"/>
               <a:buChar char="•"/>
-              <a:defRPr sz="3200">
+              <a:defRPr b="0" i="0" sz="3200" u="none" cap="none" strike="noStrike">
                 <a:solidFill>
                   <a:schemeClr val="dk1"/>
                 </a:solidFill>
@@ -4823,6 +5456,9 @@
               </a:defRPr>
             </a:lvl1pPr>
             <a:lvl2pPr indent="-406400" lvl="1" marL="914400" marR="0" rtl="0" algn="l">
+              <a:lnSpc>
+                <a:spcPct val="100000"/>
+              </a:lnSpc>
               <a:spcBef>
                 <a:spcPts val="560"/>
               </a:spcBef>
@@ -4846,6 +5482,9 @@
               </a:defRPr>
             </a:lvl2pPr>
             <a:lvl3pPr indent="-381000" lvl="2" marL="1371600" marR="0" rtl="0" algn="l">
+              <a:lnSpc>
+                <a:spcPct val="100000"/>
+              </a:lnSpc>
               <a:spcBef>
                 <a:spcPts val="480"/>
               </a:spcBef>
@@ -4869,6 +5508,9 @@
               </a:defRPr>
             </a:lvl3pPr>
             <a:lvl4pPr indent="-355600" lvl="3" marL="1828800" marR="0" rtl="0" algn="l">
+              <a:lnSpc>
+                <a:spcPct val="100000"/>
+              </a:lnSpc>
               <a:spcBef>
                 <a:spcPts val="400"/>
               </a:spcBef>
@@ -4892,6 +5534,9 @@
               </a:defRPr>
             </a:lvl4pPr>
             <a:lvl5pPr indent="-355600" lvl="4" marL="2286000" marR="0" rtl="0" algn="l">
+              <a:lnSpc>
+                <a:spcPct val="100000"/>
+              </a:lnSpc>
               <a:spcBef>
                 <a:spcPts val="400"/>
               </a:spcBef>
@@ -4915,6 +5560,9 @@
               </a:defRPr>
             </a:lvl5pPr>
             <a:lvl6pPr indent="-355600" lvl="5" marL="2743200" marR="0" rtl="0" algn="l">
+              <a:lnSpc>
+                <a:spcPct val="100000"/>
+              </a:lnSpc>
               <a:spcBef>
                 <a:spcPts val="400"/>
               </a:spcBef>
@@ -4938,6 +5586,9 @@
               </a:defRPr>
             </a:lvl6pPr>
             <a:lvl7pPr indent="-355600" lvl="6" marL="3200400" marR="0" rtl="0" algn="l">
+              <a:lnSpc>
+                <a:spcPct val="100000"/>
+              </a:lnSpc>
               <a:spcBef>
                 <a:spcPts val="400"/>
               </a:spcBef>
@@ -4961,6 +5612,9 @@
               </a:defRPr>
             </a:lvl7pPr>
             <a:lvl8pPr indent="-355600" lvl="7" marL="3657600" marR="0" rtl="0" algn="l">
+              <a:lnSpc>
+                <a:spcPct val="100000"/>
+              </a:lnSpc>
               <a:spcBef>
                 <a:spcPts val="400"/>
               </a:spcBef>
@@ -4984,6 +5638,9 @@
               </a:defRPr>
             </a:lvl8pPr>
             <a:lvl9pPr indent="-355600" lvl="8" marL="4114800" marR="0" rtl="0" algn="l">
+              <a:lnSpc>
+                <a:spcPct val="100000"/>
+              </a:lnSpc>
               <a:spcBef>
                 <a:spcPts val="400"/>
               </a:spcBef>
@@ -5044,9 +5701,13 @@
               <a:spcAft>
                 <a:spcPts val="0"/>
               </a:spcAft>
-              <a:buSzPts val="1400"/>
-              <a:buNone/>
-              <a:defRPr b="0" i="0" sz="1200" u="none">
+              <a:buClr>
+                <a:srgbClr val="898989"/>
+              </a:buClr>
+              <a:buSzPts val="1400"/>
+              <a:buFont typeface="Calibri"/>
+              <a:buNone/>
+              <a:defRPr b="0" i="0" sz="1200" u="none" cap="none" strike="noStrike">
                 <a:solidFill>
                   <a:srgbClr val="898989"/>
                 </a:solidFill>
@@ -5066,7 +5727,11 @@
               <a:spcAft>
                 <a:spcPts val="0"/>
               </a:spcAft>
-              <a:buSzPts val="1400"/>
+              <a:buClr>
+                <a:schemeClr val="dk1"/>
+              </a:buClr>
+              <a:buSzPts val="1400"/>
+              <a:buFont typeface="Arial"/>
               <a:buNone/>
               <a:defRPr b="0" i="0" sz="1800" u="none" cap="none" strike="noStrike">
                 <a:solidFill>
@@ -5088,7 +5753,11 @@
               <a:spcAft>
                 <a:spcPts val="0"/>
               </a:spcAft>
-              <a:buSzPts val="1400"/>
+              <a:buClr>
+                <a:schemeClr val="dk1"/>
+              </a:buClr>
+              <a:buSzPts val="1400"/>
+              <a:buFont typeface="Arial"/>
               <a:buNone/>
               <a:defRPr b="0" i="0" sz="1800" u="none" cap="none" strike="noStrike">
                 <a:solidFill>
@@ -5110,7 +5779,11 @@
               <a:spcAft>
                 <a:spcPts val="0"/>
               </a:spcAft>
-              <a:buSzPts val="1400"/>
+              <a:buClr>
+                <a:schemeClr val="dk1"/>
+              </a:buClr>
+              <a:buSzPts val="1400"/>
+              <a:buFont typeface="Arial"/>
               <a:buNone/>
               <a:defRPr b="0" i="0" sz="1800" u="none" cap="none" strike="noStrike">
                 <a:solidFill>
@@ -5132,7 +5805,11 @@
               <a:spcAft>
                 <a:spcPts val="0"/>
               </a:spcAft>
-              <a:buSzPts val="1400"/>
+              <a:buClr>
+                <a:schemeClr val="dk1"/>
+              </a:buClr>
+              <a:buSzPts val="1400"/>
+              <a:buFont typeface="Arial"/>
               <a:buNone/>
               <a:defRPr b="0" i="0" sz="1800" u="none" cap="none" strike="noStrike">
                 <a:solidFill>
@@ -5154,7 +5831,11 @@
               <a:spcAft>
                 <a:spcPts val="0"/>
               </a:spcAft>
-              <a:buSzPts val="1400"/>
+              <a:buClr>
+                <a:schemeClr val="dk1"/>
+              </a:buClr>
+              <a:buSzPts val="1400"/>
+              <a:buFont typeface="Arial"/>
               <a:buNone/>
               <a:defRPr b="0" i="0" sz="1800" u="none" cap="none" strike="noStrike">
                 <a:solidFill>
@@ -5176,7 +5857,11 @@
               <a:spcAft>
                 <a:spcPts val="0"/>
               </a:spcAft>
-              <a:buSzPts val="1400"/>
+              <a:buClr>
+                <a:schemeClr val="dk1"/>
+              </a:buClr>
+              <a:buSzPts val="1400"/>
+              <a:buFont typeface="Arial"/>
               <a:buNone/>
               <a:defRPr b="0" i="0" sz="1800" u="none" cap="none" strike="noStrike">
                 <a:solidFill>
@@ -5198,7 +5883,11 @@
               <a:spcAft>
                 <a:spcPts val="0"/>
               </a:spcAft>
-              <a:buSzPts val="1400"/>
+              <a:buClr>
+                <a:schemeClr val="dk1"/>
+              </a:buClr>
+              <a:buSzPts val="1400"/>
+              <a:buFont typeface="Arial"/>
               <a:buNone/>
               <a:defRPr b="0" i="0" sz="1800" u="none" cap="none" strike="noStrike">
                 <a:solidFill>
@@ -5220,7 +5909,11 @@
               <a:spcAft>
                 <a:spcPts val="0"/>
               </a:spcAft>
-              <a:buSzPts val="1400"/>
+              <a:buClr>
+                <a:schemeClr val="dk1"/>
+              </a:buClr>
+              <a:buSzPts val="1400"/>
+              <a:buFont typeface="Arial"/>
               <a:buNone/>
               <a:defRPr b="0" i="0" sz="1800" u="none" cap="none" strike="noStrike">
                 <a:solidFill>
@@ -5270,9 +5963,13 @@
               <a:spcAft>
                 <a:spcPts val="0"/>
               </a:spcAft>
-              <a:buSzPts val="1400"/>
-              <a:buNone/>
-              <a:defRPr b="0" i="0" sz="1800" u="none">
+              <a:buClr>
+                <a:schemeClr val="dk1"/>
+              </a:buClr>
+              <a:buSzPts val="1400"/>
+              <a:buFont typeface="Arial"/>
+              <a:buNone/>
+              <a:defRPr b="0" i="0" sz="1800" u="none" cap="none" strike="noStrike">
                 <a:solidFill>
                   <a:schemeClr val="dk1"/>
                 </a:solidFill>
@@ -5292,7 +5989,11 @@
               <a:spcAft>
                 <a:spcPts val="0"/>
               </a:spcAft>
-              <a:buSzPts val="1400"/>
+              <a:buClr>
+                <a:schemeClr val="dk1"/>
+              </a:buClr>
+              <a:buSzPts val="1400"/>
+              <a:buFont typeface="Arial"/>
               <a:buNone/>
               <a:defRPr b="0" i="0" sz="1800" u="none" cap="none" strike="noStrike">
                 <a:solidFill>
@@ -5314,7 +6015,11 @@
               <a:spcAft>
                 <a:spcPts val="0"/>
               </a:spcAft>
-              <a:buSzPts val="1400"/>
+              <a:buClr>
+                <a:schemeClr val="dk1"/>
+              </a:buClr>
+              <a:buSzPts val="1400"/>
+              <a:buFont typeface="Arial"/>
               <a:buNone/>
               <a:defRPr b="0" i="0" sz="1800" u="none" cap="none" strike="noStrike">
                 <a:solidFill>
@@ -5336,7 +6041,11 @@
               <a:spcAft>
                 <a:spcPts val="0"/>
               </a:spcAft>
-              <a:buSzPts val="1400"/>
+              <a:buClr>
+                <a:schemeClr val="dk1"/>
+              </a:buClr>
+              <a:buSzPts val="1400"/>
+              <a:buFont typeface="Arial"/>
               <a:buNone/>
               <a:defRPr b="0" i="0" sz="1800" u="none" cap="none" strike="noStrike">
                 <a:solidFill>
@@ -5358,7 +6067,11 @@
               <a:spcAft>
                 <a:spcPts val="0"/>
               </a:spcAft>
-              <a:buSzPts val="1400"/>
+              <a:buClr>
+                <a:schemeClr val="dk1"/>
+              </a:buClr>
+              <a:buSzPts val="1400"/>
+              <a:buFont typeface="Arial"/>
               <a:buNone/>
               <a:defRPr b="0" i="0" sz="1800" u="none" cap="none" strike="noStrike">
                 <a:solidFill>
@@ -5380,7 +6093,11 @@
               <a:spcAft>
                 <a:spcPts val="0"/>
               </a:spcAft>
-              <a:buSzPts val="1400"/>
+              <a:buClr>
+                <a:schemeClr val="dk1"/>
+              </a:buClr>
+              <a:buSzPts val="1400"/>
+              <a:buFont typeface="Arial"/>
               <a:buNone/>
               <a:defRPr b="0" i="0" sz="1800" u="none" cap="none" strike="noStrike">
                 <a:solidFill>
@@ -5402,7 +6119,11 @@
               <a:spcAft>
                 <a:spcPts val="0"/>
               </a:spcAft>
-              <a:buSzPts val="1400"/>
+              <a:buClr>
+                <a:schemeClr val="dk1"/>
+              </a:buClr>
+              <a:buSzPts val="1400"/>
+              <a:buFont typeface="Arial"/>
               <a:buNone/>
               <a:defRPr b="0" i="0" sz="1800" u="none" cap="none" strike="noStrike">
                 <a:solidFill>
@@ -5424,7 +6145,11 @@
               <a:spcAft>
                 <a:spcPts val="0"/>
               </a:spcAft>
-              <a:buSzPts val="1400"/>
+              <a:buClr>
+                <a:schemeClr val="dk1"/>
+              </a:buClr>
+              <a:buSzPts val="1400"/>
+              <a:buFont typeface="Arial"/>
               <a:buNone/>
               <a:defRPr b="0" i="0" sz="1800" u="none" cap="none" strike="noStrike">
                 <a:solidFill>
@@ -5446,7 +6171,11 @@
               <a:spcAft>
                 <a:spcPts val="0"/>
               </a:spcAft>
-              <a:buSzPts val="1400"/>
+              <a:buClr>
+                <a:schemeClr val="dk1"/>
+              </a:buClr>
+              <a:buSzPts val="1400"/>
+              <a:buFont typeface="Arial"/>
               <a:buNone/>
               <a:defRPr b="0" i="0" sz="1800" u="none" cap="none" strike="noStrike">
                 <a:solidFill>
@@ -5507,7 +6236,7 @@
               <a:buNone/>
             </a:pPr>
             <a:fld id="{00000000-1234-1234-1234-123412341234}" type="slidenum">
-              <a:rPr b="0" i="0" lang="en-US" sz="1200" u="none">
+              <a:rPr b="0" i="0" lang="en-US" sz="1200" u="none" cap="none" strike="noStrike">
                 <a:solidFill>
                   <a:srgbClr val="898989"/>
                 </a:solidFill>
@@ -5518,7 +6247,15 @@
               </a:rPr>
               <a:t>‹#›</a:t>
             </a:fld>
-            <a:endParaRPr/>
+            <a:endParaRPr b="0" i="0" sz="1400" u="none" cap="none" strike="noStrike">
+              <a:solidFill>
+                <a:srgbClr val="000000"/>
+              </a:solidFill>
+              <a:latin typeface="Arial"/>
+              <a:ea typeface="Arial"/>
+              <a:cs typeface="Arial"/>
+              <a:sym typeface="Arial"/>
+            </a:endParaRPr>
           </a:p>
         </p:txBody>
       </p:sp>
@@ -5572,13 +6309,20 @@
           <a:bodyPr anchorCtr="0" anchor="ctr" bIns="91425" lIns="91425" spcFirstLastPara="1" rIns="91425" wrap="square" tIns="91425"/>
           <a:lstStyle>
             <a:lvl1pPr lvl="0" marR="0" rtl="0" algn="ctr">
-              <a:spcBef>
-                <a:spcPts val="0"/>
-              </a:spcBef>
-              <a:spcAft>
-                <a:spcPts val="0"/>
-              </a:spcAft>
-              <a:buSzPts val="1400"/>
+              <a:lnSpc>
+                <a:spcPct val="100000"/>
+              </a:lnSpc>
+              <a:spcBef>
+                <a:spcPts val="0"/>
+              </a:spcBef>
+              <a:spcAft>
+                <a:spcPts val="0"/>
+              </a:spcAft>
+              <a:buClr>
+                <a:schemeClr val="dk1"/>
+              </a:buClr>
+              <a:buSzPts val="1400"/>
+              <a:buFont typeface="Calibri"/>
               <a:buNone/>
               <a:defRPr b="0" i="0" sz="4400" u="none" cap="none" strike="noStrike">
                 <a:solidFill>
@@ -5597,7 +6341,11 @@
               <a:spcAft>
                 <a:spcPts val="0"/>
               </a:spcAft>
-              <a:buSzPts val="1400"/>
+              <a:buClr>
+                <a:schemeClr val="dk1"/>
+              </a:buClr>
+              <a:buSzPts val="1400"/>
+              <a:buFont typeface="Calibri"/>
               <a:buNone/>
               <a:defRPr b="0" i="0" sz="4400" u="none" cap="none" strike="noStrike">
                 <a:solidFill>
@@ -5616,7 +6364,11 @@
               <a:spcAft>
                 <a:spcPts val="0"/>
               </a:spcAft>
-              <a:buSzPts val="1400"/>
+              <a:buClr>
+                <a:schemeClr val="dk1"/>
+              </a:buClr>
+              <a:buSzPts val="1400"/>
+              <a:buFont typeface="Calibri"/>
               <a:buNone/>
               <a:defRPr b="0" i="0" sz="4400" u="none" cap="none" strike="noStrike">
                 <a:solidFill>
@@ -5635,7 +6387,11 @@
               <a:spcAft>
                 <a:spcPts val="0"/>
               </a:spcAft>
-              <a:buSzPts val="1400"/>
+              <a:buClr>
+                <a:schemeClr val="dk1"/>
+              </a:buClr>
+              <a:buSzPts val="1400"/>
+              <a:buFont typeface="Calibri"/>
               <a:buNone/>
               <a:defRPr b="0" i="0" sz="4400" u="none" cap="none" strike="noStrike">
                 <a:solidFill>
@@ -5654,7 +6410,11 @@
               <a:spcAft>
                 <a:spcPts val="0"/>
               </a:spcAft>
-              <a:buSzPts val="1400"/>
+              <a:buClr>
+                <a:schemeClr val="dk1"/>
+              </a:buClr>
+              <a:buSzPts val="1400"/>
+              <a:buFont typeface="Calibri"/>
               <a:buNone/>
               <a:defRPr b="0" i="0" sz="4400" u="none" cap="none" strike="noStrike">
                 <a:solidFill>
@@ -5673,7 +6433,11 @@
               <a:spcAft>
                 <a:spcPts val="0"/>
               </a:spcAft>
-              <a:buSzPts val="1400"/>
+              <a:buClr>
+                <a:schemeClr val="dk1"/>
+              </a:buClr>
+              <a:buSzPts val="1400"/>
+              <a:buFont typeface="Calibri"/>
               <a:buNone/>
               <a:defRPr b="0" i="0" sz="4400" u="none" cap="none" strike="noStrike">
                 <a:solidFill>
@@ -5692,7 +6456,11 @@
               <a:spcAft>
                 <a:spcPts val="0"/>
               </a:spcAft>
-              <a:buSzPts val="1400"/>
+              <a:buClr>
+                <a:schemeClr val="dk1"/>
+              </a:buClr>
+              <a:buSzPts val="1400"/>
+              <a:buFont typeface="Calibri"/>
               <a:buNone/>
               <a:defRPr b="0" i="0" sz="4400" u="none" cap="none" strike="noStrike">
                 <a:solidFill>
@@ -5711,7 +6479,11 @@
               <a:spcAft>
                 <a:spcPts val="0"/>
               </a:spcAft>
-              <a:buSzPts val="1400"/>
+              <a:buClr>
+                <a:schemeClr val="dk1"/>
+              </a:buClr>
+              <a:buSzPts val="1400"/>
+              <a:buFont typeface="Calibri"/>
               <a:buNone/>
               <a:defRPr b="0" i="0" sz="4400" u="none" cap="none" strike="noStrike">
                 <a:solidFill>
@@ -5730,7 +6502,11 @@
               <a:spcAft>
                 <a:spcPts val="0"/>
               </a:spcAft>
-              <a:buSzPts val="1400"/>
+              <a:buClr>
+                <a:schemeClr val="dk1"/>
+              </a:buClr>
+              <a:buSzPts val="1400"/>
+              <a:buFont typeface="Calibri"/>
               <a:buNone/>
               <a:defRPr b="0" i="0" sz="4400" u="none" cap="none" strike="noStrike">
                 <a:solidFill>
@@ -5771,6 +6547,9 @@
           <a:bodyPr anchorCtr="0" anchor="t" bIns="91425" lIns="91425" spcFirstLastPara="1" rIns="91425" wrap="square" tIns="91425"/>
           <a:lstStyle>
             <a:lvl1pPr indent="-431800" lvl="0" marL="457200" marR="0" rtl="0" algn="l">
+              <a:lnSpc>
+                <a:spcPct val="100000"/>
+              </a:lnSpc>
               <a:spcBef>
                 <a:spcPts val="640"/>
               </a:spcBef>
@@ -5783,7 +6562,7 @@
               <a:buSzPts val="3200"/>
               <a:buFont typeface="Arial"/>
               <a:buChar char="•"/>
-              <a:defRPr sz="3200">
+              <a:defRPr b="0" i="0" sz="3200" u="none" cap="none" strike="noStrike">
                 <a:solidFill>
                   <a:schemeClr val="dk1"/>
                 </a:solidFill>
@@ -5794,6 +6573,9 @@
               </a:defRPr>
             </a:lvl1pPr>
             <a:lvl2pPr indent="-406400" lvl="1" marL="914400" marR="0" rtl="0" algn="l">
+              <a:lnSpc>
+                <a:spcPct val="100000"/>
+              </a:lnSpc>
               <a:spcBef>
                 <a:spcPts val="560"/>
               </a:spcBef>
@@ -5817,6 +6599,9 @@
               </a:defRPr>
             </a:lvl2pPr>
             <a:lvl3pPr indent="-381000" lvl="2" marL="1371600" marR="0" rtl="0" algn="l">
+              <a:lnSpc>
+                <a:spcPct val="100000"/>
+              </a:lnSpc>
               <a:spcBef>
                 <a:spcPts val="480"/>
               </a:spcBef>
@@ -5840,6 +6625,9 @@
               </a:defRPr>
             </a:lvl3pPr>
             <a:lvl4pPr indent="-355600" lvl="3" marL="1828800" marR="0" rtl="0" algn="l">
+              <a:lnSpc>
+                <a:spcPct val="100000"/>
+              </a:lnSpc>
               <a:spcBef>
                 <a:spcPts val="400"/>
               </a:spcBef>
@@ -5863,6 +6651,9 @@
               </a:defRPr>
             </a:lvl4pPr>
             <a:lvl5pPr indent="-355600" lvl="4" marL="2286000" marR="0" rtl="0" algn="l">
+              <a:lnSpc>
+                <a:spcPct val="100000"/>
+              </a:lnSpc>
               <a:spcBef>
                 <a:spcPts val="400"/>
               </a:spcBef>
@@ -5886,6 +6677,9 @@
               </a:defRPr>
             </a:lvl5pPr>
             <a:lvl6pPr indent="-355600" lvl="5" marL="2743200" marR="0" rtl="0" algn="l">
+              <a:lnSpc>
+                <a:spcPct val="100000"/>
+              </a:lnSpc>
               <a:spcBef>
                 <a:spcPts val="400"/>
               </a:spcBef>
@@ -5909,6 +6703,9 @@
               </a:defRPr>
             </a:lvl6pPr>
             <a:lvl7pPr indent="-355600" lvl="6" marL="3200400" marR="0" rtl="0" algn="l">
+              <a:lnSpc>
+                <a:spcPct val="100000"/>
+              </a:lnSpc>
               <a:spcBef>
                 <a:spcPts val="400"/>
               </a:spcBef>
@@ -5932,6 +6729,9 @@
               </a:defRPr>
             </a:lvl7pPr>
             <a:lvl8pPr indent="-355600" lvl="7" marL="3657600" marR="0" rtl="0" algn="l">
+              <a:lnSpc>
+                <a:spcPct val="100000"/>
+              </a:lnSpc>
               <a:spcBef>
                 <a:spcPts val="400"/>
               </a:spcBef>
@@ -5955,6 +6755,9 @@
               </a:defRPr>
             </a:lvl8pPr>
             <a:lvl9pPr indent="-355600" lvl="8" marL="4114800" marR="0" rtl="0" algn="l">
+              <a:lnSpc>
+                <a:spcPct val="100000"/>
+              </a:lnSpc>
               <a:spcBef>
                 <a:spcPts val="400"/>
               </a:spcBef>
@@ -6015,9 +6818,13 @@
               <a:spcAft>
                 <a:spcPts val="0"/>
               </a:spcAft>
-              <a:buSzPts val="1400"/>
-              <a:buNone/>
-              <a:defRPr b="0" i="0" sz="1200" u="none">
+              <a:buClr>
+                <a:srgbClr val="898989"/>
+              </a:buClr>
+              <a:buSzPts val="1400"/>
+              <a:buFont typeface="Calibri"/>
+              <a:buNone/>
+              <a:defRPr b="0" i="0" sz="1200" u="none" cap="none" strike="noStrike">
                 <a:solidFill>
                   <a:srgbClr val="898989"/>
                 </a:solidFill>
@@ -6037,7 +6844,11 @@
               <a:spcAft>
                 <a:spcPts val="0"/>
               </a:spcAft>
-              <a:buSzPts val="1400"/>
+              <a:buClr>
+                <a:schemeClr val="dk1"/>
+              </a:buClr>
+              <a:buSzPts val="1400"/>
+              <a:buFont typeface="Arial"/>
               <a:buNone/>
               <a:defRPr b="0" i="0" sz="1800" u="none" cap="none" strike="noStrike">
                 <a:solidFill>
@@ -6059,7 +6870,11 @@
               <a:spcAft>
                 <a:spcPts val="0"/>
               </a:spcAft>
-              <a:buSzPts val="1400"/>
+              <a:buClr>
+                <a:schemeClr val="dk1"/>
+              </a:buClr>
+              <a:buSzPts val="1400"/>
+              <a:buFont typeface="Arial"/>
               <a:buNone/>
               <a:defRPr b="0" i="0" sz="1800" u="none" cap="none" strike="noStrike">
                 <a:solidFill>
@@ -6081,7 +6896,11 @@
               <a:spcAft>
                 <a:spcPts val="0"/>
               </a:spcAft>
-              <a:buSzPts val="1400"/>
+              <a:buClr>
+                <a:schemeClr val="dk1"/>
+              </a:buClr>
+              <a:buSzPts val="1400"/>
+              <a:buFont typeface="Arial"/>
               <a:buNone/>
               <a:defRPr b="0" i="0" sz="1800" u="none" cap="none" strike="noStrike">
                 <a:solidFill>
@@ -6103,7 +6922,11 @@
               <a:spcAft>
                 <a:spcPts val="0"/>
               </a:spcAft>
-              <a:buSzPts val="1400"/>
+              <a:buClr>
+                <a:schemeClr val="dk1"/>
+              </a:buClr>
+              <a:buSzPts val="1400"/>
+              <a:buFont typeface="Arial"/>
               <a:buNone/>
               <a:defRPr b="0" i="0" sz="1800" u="none" cap="none" strike="noStrike">
                 <a:solidFill>
@@ -6125,7 +6948,11 @@
               <a:spcAft>
                 <a:spcPts val="0"/>
               </a:spcAft>
-              <a:buSzPts val="1400"/>
+              <a:buClr>
+                <a:schemeClr val="dk1"/>
+              </a:buClr>
+              <a:buSzPts val="1400"/>
+              <a:buFont typeface="Arial"/>
               <a:buNone/>
               <a:defRPr b="0" i="0" sz="1800" u="none" cap="none" strike="noStrike">
                 <a:solidFill>
@@ -6147,7 +6974,11 @@
               <a:spcAft>
                 <a:spcPts val="0"/>
               </a:spcAft>
-              <a:buSzPts val="1400"/>
+              <a:buClr>
+                <a:schemeClr val="dk1"/>
+              </a:buClr>
+              <a:buSzPts val="1400"/>
+              <a:buFont typeface="Arial"/>
               <a:buNone/>
               <a:defRPr b="0" i="0" sz="1800" u="none" cap="none" strike="noStrike">
                 <a:solidFill>
@@ -6169,7 +7000,11 @@
               <a:spcAft>
                 <a:spcPts val="0"/>
               </a:spcAft>
-              <a:buSzPts val="1400"/>
+              <a:buClr>
+                <a:schemeClr val="dk1"/>
+              </a:buClr>
+              <a:buSzPts val="1400"/>
+              <a:buFont typeface="Arial"/>
               <a:buNone/>
               <a:defRPr b="0" i="0" sz="1800" u="none" cap="none" strike="noStrike">
                 <a:solidFill>
@@ -6191,7 +7026,11 @@
               <a:spcAft>
                 <a:spcPts val="0"/>
               </a:spcAft>
-              <a:buSzPts val="1400"/>
+              <a:buClr>
+                <a:schemeClr val="dk1"/>
+              </a:buClr>
+              <a:buSzPts val="1400"/>
+              <a:buFont typeface="Arial"/>
               <a:buNone/>
               <a:defRPr b="0" i="0" sz="1800" u="none" cap="none" strike="noStrike">
                 <a:solidFill>
@@ -6241,9 +7080,13 @@
               <a:spcAft>
                 <a:spcPts val="0"/>
               </a:spcAft>
-              <a:buSzPts val="1400"/>
-              <a:buNone/>
-              <a:defRPr b="0" i="0" sz="1800" u="none">
+              <a:buClr>
+                <a:schemeClr val="dk1"/>
+              </a:buClr>
+              <a:buSzPts val="1400"/>
+              <a:buFont typeface="Arial"/>
+              <a:buNone/>
+              <a:defRPr b="0" i="0" sz="1800" u="none" cap="none" strike="noStrike">
                 <a:solidFill>
                   <a:schemeClr val="dk1"/>
                 </a:solidFill>
@@ -6263,7 +7106,11 @@
               <a:spcAft>
                 <a:spcPts val="0"/>
               </a:spcAft>
-              <a:buSzPts val="1400"/>
+              <a:buClr>
+                <a:schemeClr val="dk1"/>
+              </a:buClr>
+              <a:buSzPts val="1400"/>
+              <a:buFont typeface="Arial"/>
               <a:buNone/>
               <a:defRPr b="0" i="0" sz="1800" u="none" cap="none" strike="noStrike">
                 <a:solidFill>
@@ -6285,7 +7132,11 @@
               <a:spcAft>
                 <a:spcPts val="0"/>
               </a:spcAft>
-              <a:buSzPts val="1400"/>
+              <a:buClr>
+                <a:schemeClr val="dk1"/>
+              </a:buClr>
+              <a:buSzPts val="1400"/>
+              <a:buFont typeface="Arial"/>
               <a:buNone/>
               <a:defRPr b="0" i="0" sz="1800" u="none" cap="none" strike="noStrike">
                 <a:solidFill>
@@ -6307,7 +7158,11 @@
               <a:spcAft>
                 <a:spcPts val="0"/>
               </a:spcAft>
-              <a:buSzPts val="1400"/>
+              <a:buClr>
+                <a:schemeClr val="dk1"/>
+              </a:buClr>
+              <a:buSzPts val="1400"/>
+              <a:buFont typeface="Arial"/>
               <a:buNone/>
               <a:defRPr b="0" i="0" sz="1800" u="none" cap="none" strike="noStrike">
                 <a:solidFill>
@@ -6329,7 +7184,11 @@
               <a:spcAft>
                 <a:spcPts val="0"/>
               </a:spcAft>
-              <a:buSzPts val="1400"/>
+              <a:buClr>
+                <a:schemeClr val="dk1"/>
+              </a:buClr>
+              <a:buSzPts val="1400"/>
+              <a:buFont typeface="Arial"/>
               <a:buNone/>
               <a:defRPr b="0" i="0" sz="1800" u="none" cap="none" strike="noStrike">
                 <a:solidFill>
@@ -6351,7 +7210,11 @@
               <a:spcAft>
                 <a:spcPts val="0"/>
               </a:spcAft>
-              <a:buSzPts val="1400"/>
+              <a:buClr>
+                <a:schemeClr val="dk1"/>
+              </a:buClr>
+              <a:buSzPts val="1400"/>
+              <a:buFont typeface="Arial"/>
               <a:buNone/>
               <a:defRPr b="0" i="0" sz="1800" u="none" cap="none" strike="noStrike">
                 <a:solidFill>
@@ -6373,7 +7236,11 @@
               <a:spcAft>
                 <a:spcPts val="0"/>
               </a:spcAft>
-              <a:buSzPts val="1400"/>
+              <a:buClr>
+                <a:schemeClr val="dk1"/>
+              </a:buClr>
+              <a:buSzPts val="1400"/>
+              <a:buFont typeface="Arial"/>
               <a:buNone/>
               <a:defRPr b="0" i="0" sz="1800" u="none" cap="none" strike="noStrike">
                 <a:solidFill>
@@ -6395,7 +7262,11 @@
               <a:spcAft>
                 <a:spcPts val="0"/>
               </a:spcAft>
-              <a:buSzPts val="1400"/>
+              <a:buClr>
+                <a:schemeClr val="dk1"/>
+              </a:buClr>
+              <a:buSzPts val="1400"/>
+              <a:buFont typeface="Arial"/>
               <a:buNone/>
               <a:defRPr b="0" i="0" sz="1800" u="none" cap="none" strike="noStrike">
                 <a:solidFill>
@@ -6417,7 +7288,11 @@
               <a:spcAft>
                 <a:spcPts val="0"/>
               </a:spcAft>
-              <a:buSzPts val="1400"/>
+              <a:buClr>
+                <a:schemeClr val="dk1"/>
+              </a:buClr>
+              <a:buSzPts val="1400"/>
+              <a:buFont typeface="Arial"/>
               <a:buNone/>
               <a:defRPr b="0" i="0" sz="1800" u="none" cap="none" strike="noStrike">
                 <a:solidFill>
@@ -6478,7 +7353,7 @@
               <a:buNone/>
             </a:pPr>
             <a:fld id="{00000000-1234-1234-1234-123412341234}" type="slidenum">
-              <a:rPr b="0" i="0" lang="en-US" sz="1200" u="none">
+              <a:rPr b="0" i="0" lang="en-US" sz="1200" u="none" cap="none" strike="noStrike">
                 <a:solidFill>
                   <a:srgbClr val="898989"/>
                 </a:solidFill>
@@ -6489,7 +7364,15 @@
               </a:rPr>
               <a:t>‹#›</a:t>
             </a:fld>
-            <a:endParaRPr/>
+            <a:endParaRPr b="0" i="0" sz="1400" u="none" cap="none" strike="noStrike">
+              <a:solidFill>
+                <a:srgbClr val="000000"/>
+              </a:solidFill>
+              <a:latin typeface="Arial"/>
+              <a:ea typeface="Arial"/>
+              <a:cs typeface="Arial"/>
+              <a:sym typeface="Arial"/>
+            </a:endParaRPr>
           </a:p>
         </p:txBody>
       </p:sp>
@@ -6543,13 +7426,20 @@
           <a:bodyPr anchorCtr="0" anchor="b" bIns="91425" lIns="91425" spcFirstLastPara="1" rIns="91425" wrap="square" tIns="91425"/>
           <a:lstStyle>
             <a:lvl1pPr lvl="0" marR="0" rtl="0" algn="l">
-              <a:spcBef>
-                <a:spcPts val="0"/>
-              </a:spcBef>
-              <a:spcAft>
-                <a:spcPts val="0"/>
-              </a:spcAft>
-              <a:buSzPts val="1400"/>
+              <a:lnSpc>
+                <a:spcPct val="100000"/>
+              </a:lnSpc>
+              <a:spcBef>
+                <a:spcPts val="0"/>
+              </a:spcBef>
+              <a:spcAft>
+                <a:spcPts val="0"/>
+              </a:spcAft>
+              <a:buClr>
+                <a:schemeClr val="dk1"/>
+              </a:buClr>
+              <a:buSzPts val="1400"/>
+              <a:buFont typeface="Calibri"/>
               <a:buNone/>
               <a:defRPr b="1" i="0" sz="2000" u="none" cap="none" strike="noStrike">
                 <a:solidFill>
@@ -6568,7 +7458,11 @@
               <a:spcAft>
                 <a:spcPts val="0"/>
               </a:spcAft>
-              <a:buSzPts val="1400"/>
+              <a:buClr>
+                <a:schemeClr val="dk1"/>
+              </a:buClr>
+              <a:buSzPts val="1400"/>
+              <a:buFont typeface="Calibri"/>
               <a:buNone/>
               <a:defRPr b="0" i="0" sz="4400" u="none" cap="none" strike="noStrike">
                 <a:solidFill>
@@ -6587,7 +7481,11 @@
               <a:spcAft>
                 <a:spcPts val="0"/>
               </a:spcAft>
-              <a:buSzPts val="1400"/>
+              <a:buClr>
+                <a:schemeClr val="dk1"/>
+              </a:buClr>
+              <a:buSzPts val="1400"/>
+              <a:buFont typeface="Calibri"/>
               <a:buNone/>
               <a:defRPr b="0" i="0" sz="4400" u="none" cap="none" strike="noStrike">
                 <a:solidFill>
@@ -6606,7 +7504,11 @@
               <a:spcAft>
                 <a:spcPts val="0"/>
               </a:spcAft>
-              <a:buSzPts val="1400"/>
+              <a:buClr>
+                <a:schemeClr val="dk1"/>
+              </a:buClr>
+              <a:buSzPts val="1400"/>
+              <a:buFont typeface="Calibri"/>
               <a:buNone/>
               <a:defRPr b="0" i="0" sz="4400" u="none" cap="none" strike="noStrike">
                 <a:solidFill>
@@ -6625,7 +7527,11 @@
               <a:spcAft>
                 <a:spcPts val="0"/>
               </a:spcAft>
-              <a:buSzPts val="1400"/>
+              <a:buClr>
+                <a:schemeClr val="dk1"/>
+              </a:buClr>
+              <a:buSzPts val="1400"/>
+              <a:buFont typeface="Calibri"/>
               <a:buNone/>
               <a:defRPr b="0" i="0" sz="4400" u="none" cap="none" strike="noStrike">
                 <a:solidFill>
@@ -6644,7 +7550,11 @@
               <a:spcAft>
                 <a:spcPts val="0"/>
               </a:spcAft>
-              <a:buSzPts val="1400"/>
+              <a:buClr>
+                <a:schemeClr val="dk1"/>
+              </a:buClr>
+              <a:buSzPts val="1400"/>
+              <a:buFont typeface="Calibri"/>
               <a:buNone/>
               <a:defRPr b="0" i="0" sz="4400" u="none" cap="none" strike="noStrike">
                 <a:solidFill>
@@ -6663,7 +7573,11 @@
               <a:spcAft>
                 <a:spcPts val="0"/>
               </a:spcAft>
-              <a:buSzPts val="1400"/>
+              <a:buClr>
+                <a:schemeClr val="dk1"/>
+              </a:buClr>
+              <a:buSzPts val="1400"/>
+              <a:buFont typeface="Calibri"/>
               <a:buNone/>
               <a:defRPr b="0" i="0" sz="4400" u="none" cap="none" strike="noStrike">
                 <a:solidFill>
@@ -6682,7 +7596,11 @@
               <a:spcAft>
                 <a:spcPts val="0"/>
               </a:spcAft>
-              <a:buSzPts val="1400"/>
+              <a:buClr>
+                <a:schemeClr val="dk1"/>
+              </a:buClr>
+              <a:buSzPts val="1400"/>
+              <a:buFont typeface="Calibri"/>
               <a:buNone/>
               <a:defRPr b="0" i="0" sz="4400" u="none" cap="none" strike="noStrike">
                 <a:solidFill>
@@ -6701,7 +7619,11 @@
               <a:spcAft>
                 <a:spcPts val="0"/>
               </a:spcAft>
-              <a:buSzPts val="1400"/>
+              <a:buClr>
+                <a:schemeClr val="dk1"/>
+              </a:buClr>
+              <a:buSzPts val="1400"/>
+              <a:buFont typeface="Calibri"/>
               <a:buNone/>
               <a:defRPr b="0" i="0" sz="4400" u="none" cap="none" strike="noStrike">
                 <a:solidFill>
@@ -6742,6 +7664,9 @@
           <a:bodyPr anchorCtr="0" anchor="t" bIns="91425" lIns="91425" spcFirstLastPara="1" rIns="91425" wrap="square" tIns="91425"/>
           <a:lstStyle>
             <a:lvl1pPr lvl="0" marR="0" rtl="0" algn="l">
+              <a:lnSpc>
+                <a:spcPct val="100000"/>
+              </a:lnSpc>
               <a:spcBef>
                 <a:spcPts val="640"/>
               </a:spcBef>
@@ -6754,7 +7679,7 @@
               <a:buSzPts val="3200"/>
               <a:buFont typeface="Arial"/>
               <a:buNone/>
-              <a:defRPr sz="3200">
+              <a:defRPr b="0" i="0" sz="3200" u="none" cap="none" strike="noStrike">
                 <a:solidFill>
                   <a:schemeClr val="dk1"/>
                 </a:solidFill>
@@ -6765,6 +7690,9 @@
               </a:defRPr>
             </a:lvl1pPr>
             <a:lvl2pPr lvl="1" marR="0" rtl="0" algn="l">
+              <a:lnSpc>
+                <a:spcPct val="100000"/>
+              </a:lnSpc>
               <a:spcBef>
                 <a:spcPts val="560"/>
               </a:spcBef>
@@ -6788,6 +7716,9 @@
               </a:defRPr>
             </a:lvl2pPr>
             <a:lvl3pPr lvl="2" marR="0" rtl="0" algn="l">
+              <a:lnSpc>
+                <a:spcPct val="100000"/>
+              </a:lnSpc>
               <a:spcBef>
                 <a:spcPts val="480"/>
               </a:spcBef>
@@ -6811,6 +7742,9 @@
               </a:defRPr>
             </a:lvl3pPr>
             <a:lvl4pPr lvl="3" marR="0" rtl="0" algn="l">
+              <a:lnSpc>
+                <a:spcPct val="100000"/>
+              </a:lnSpc>
               <a:spcBef>
                 <a:spcPts val="400"/>
               </a:spcBef>
@@ -6834,6 +7768,9 @@
               </a:defRPr>
             </a:lvl4pPr>
             <a:lvl5pPr lvl="4" marR="0" rtl="0" algn="l">
+              <a:lnSpc>
+                <a:spcPct val="100000"/>
+              </a:lnSpc>
               <a:spcBef>
                 <a:spcPts val="400"/>
               </a:spcBef>
@@ -6857,6 +7794,9 @@
               </a:defRPr>
             </a:lvl5pPr>
             <a:lvl6pPr lvl="5" marR="0" rtl="0" algn="l">
+              <a:lnSpc>
+                <a:spcPct val="100000"/>
+              </a:lnSpc>
               <a:spcBef>
                 <a:spcPts val="400"/>
               </a:spcBef>
@@ -6880,6 +7820,9 @@
               </a:defRPr>
             </a:lvl6pPr>
             <a:lvl7pPr lvl="6" marR="0" rtl="0" algn="l">
+              <a:lnSpc>
+                <a:spcPct val="100000"/>
+              </a:lnSpc>
               <a:spcBef>
                 <a:spcPts val="400"/>
               </a:spcBef>
@@ -6903,6 +7846,9 @@
               </a:defRPr>
             </a:lvl7pPr>
             <a:lvl8pPr lvl="7" marR="0" rtl="0" algn="l">
+              <a:lnSpc>
+                <a:spcPct val="100000"/>
+              </a:lnSpc>
               <a:spcBef>
                 <a:spcPts val="400"/>
               </a:spcBef>
@@ -6926,6 +7872,9 @@
               </a:defRPr>
             </a:lvl8pPr>
             <a:lvl9pPr lvl="8" marR="0" rtl="0" algn="l">
+              <a:lnSpc>
+                <a:spcPct val="100000"/>
+              </a:lnSpc>
               <a:spcBef>
                 <a:spcPts val="400"/>
               </a:spcBef>
@@ -6977,6 +7926,9 @@
           <a:bodyPr anchorCtr="0" anchor="t" bIns="91425" lIns="91425" spcFirstLastPara="1" rIns="91425" wrap="square" tIns="91425"/>
           <a:lstStyle>
             <a:lvl1pPr indent="-228600" lvl="0" marL="457200" marR="0" rtl="0" algn="l">
+              <a:lnSpc>
+                <a:spcPct val="100000"/>
+              </a:lnSpc>
               <a:spcBef>
                 <a:spcPts val="280"/>
               </a:spcBef>
@@ -6989,7 +7941,7 @@
               <a:buSzPts val="1400"/>
               <a:buFont typeface="Arial"/>
               <a:buNone/>
-              <a:defRPr sz="1400">
+              <a:defRPr b="0" i="0" sz="1400" u="none" cap="none" strike="noStrike">
                 <a:solidFill>
                   <a:schemeClr val="dk1"/>
                 </a:solidFill>
@@ -7000,6 +7952,9 @@
               </a:defRPr>
             </a:lvl1pPr>
             <a:lvl2pPr indent="-228600" lvl="1" marL="914400" marR="0" rtl="0" algn="l">
+              <a:lnSpc>
+                <a:spcPct val="100000"/>
+              </a:lnSpc>
               <a:spcBef>
                 <a:spcPts val="240"/>
               </a:spcBef>
@@ -7023,6 +7978,9 @@
               </a:defRPr>
             </a:lvl2pPr>
             <a:lvl3pPr indent="-228600" lvl="2" marL="1371600" marR="0" rtl="0" algn="l">
+              <a:lnSpc>
+                <a:spcPct val="100000"/>
+              </a:lnSpc>
               <a:spcBef>
                 <a:spcPts val="200"/>
               </a:spcBef>
@@ -7046,6 +8004,9 @@
               </a:defRPr>
             </a:lvl3pPr>
             <a:lvl4pPr indent="-228600" lvl="3" marL="1828800" marR="0" rtl="0" algn="l">
+              <a:lnSpc>
+                <a:spcPct val="100000"/>
+              </a:lnSpc>
               <a:spcBef>
                 <a:spcPts val="180"/>
               </a:spcBef>
@@ -7069,6 +8030,9 @@
               </a:defRPr>
             </a:lvl4pPr>
             <a:lvl5pPr indent="-228600" lvl="4" marL="2286000" marR="0" rtl="0" algn="l">
+              <a:lnSpc>
+                <a:spcPct val="100000"/>
+              </a:lnSpc>
               <a:spcBef>
                 <a:spcPts val="180"/>
               </a:spcBef>
@@ -7092,6 +8056,9 @@
               </a:defRPr>
             </a:lvl5pPr>
             <a:lvl6pPr indent="-228600" lvl="5" marL="2743200" marR="0" rtl="0" algn="l">
+              <a:lnSpc>
+                <a:spcPct val="100000"/>
+              </a:lnSpc>
               <a:spcBef>
                 <a:spcPts val="180"/>
               </a:spcBef>
@@ -7115,6 +8082,9 @@
               </a:defRPr>
             </a:lvl6pPr>
             <a:lvl7pPr indent="-228600" lvl="6" marL="3200400" marR="0" rtl="0" algn="l">
+              <a:lnSpc>
+                <a:spcPct val="100000"/>
+              </a:lnSpc>
               <a:spcBef>
                 <a:spcPts val="180"/>
               </a:spcBef>
@@ -7138,6 +8108,9 @@
               </a:defRPr>
             </a:lvl7pPr>
             <a:lvl8pPr indent="-228600" lvl="7" marL="3657600" marR="0" rtl="0" algn="l">
+              <a:lnSpc>
+                <a:spcPct val="100000"/>
+              </a:lnSpc>
               <a:spcBef>
                 <a:spcPts val="180"/>
               </a:spcBef>
@@ -7161,6 +8134,9 @@
               </a:defRPr>
             </a:lvl8pPr>
             <a:lvl9pPr indent="-228600" lvl="8" marL="4114800" marR="0" rtl="0" algn="l">
+              <a:lnSpc>
+                <a:spcPct val="100000"/>
+              </a:lnSpc>
               <a:spcBef>
                 <a:spcPts val="180"/>
               </a:spcBef>
@@ -7221,9 +8197,13 @@
               <a:spcAft>
                 <a:spcPts val="0"/>
               </a:spcAft>
-              <a:buSzPts val="1400"/>
-              <a:buNone/>
-              <a:defRPr b="0" i="0" sz="1200" u="none">
+              <a:buClr>
+                <a:srgbClr val="898989"/>
+              </a:buClr>
+              <a:buSzPts val="1400"/>
+              <a:buFont typeface="Calibri"/>
+              <a:buNone/>
+              <a:defRPr b="0" i="0" sz="1200" u="none" cap="none" strike="noStrike">
                 <a:solidFill>
                   <a:srgbClr val="898989"/>
                 </a:solidFill>
@@ -7243,7 +8223,11 @@
               <a:spcAft>
                 <a:spcPts val="0"/>
               </a:spcAft>
-              <a:buSzPts val="1400"/>
+              <a:buClr>
+                <a:schemeClr val="dk1"/>
+              </a:buClr>
+              <a:buSzPts val="1400"/>
+              <a:buFont typeface="Arial"/>
               <a:buNone/>
               <a:defRPr b="0" i="0" sz="1800" u="none" cap="none" strike="noStrike">
                 <a:solidFill>
@@ -7265,7 +8249,11 @@
               <a:spcAft>
                 <a:spcPts val="0"/>
               </a:spcAft>
-              <a:buSzPts val="1400"/>
+              <a:buClr>
+                <a:schemeClr val="dk1"/>
+              </a:buClr>
+              <a:buSzPts val="1400"/>
+              <a:buFont typeface="Arial"/>
               <a:buNone/>
               <a:defRPr b="0" i="0" sz="1800" u="none" cap="none" strike="noStrike">
                 <a:solidFill>
@@ -7287,7 +8275,11 @@
               <a:spcAft>
                 <a:spcPts val="0"/>
               </a:spcAft>
-              <a:buSzPts val="1400"/>
+              <a:buClr>
+                <a:schemeClr val="dk1"/>
+              </a:buClr>
+              <a:buSzPts val="1400"/>
+              <a:buFont typeface="Arial"/>
               <a:buNone/>
               <a:defRPr b="0" i="0" sz="1800" u="none" cap="none" strike="noStrike">
                 <a:solidFill>
@@ -7309,7 +8301,11 @@
               <a:spcAft>
                 <a:spcPts val="0"/>
               </a:spcAft>
-              <a:buSzPts val="1400"/>
+              <a:buClr>
+                <a:schemeClr val="dk1"/>
+              </a:buClr>
+              <a:buSzPts val="1400"/>
+              <a:buFont typeface="Arial"/>
               <a:buNone/>
               <a:defRPr b="0" i="0" sz="1800" u="none" cap="none" strike="noStrike">
                 <a:solidFill>
@@ -7331,7 +8327,11 @@
               <a:spcAft>
                 <a:spcPts val="0"/>
               </a:spcAft>
-              <a:buSzPts val="1400"/>
+              <a:buClr>
+                <a:schemeClr val="dk1"/>
+              </a:buClr>
+              <a:buSzPts val="1400"/>
+              <a:buFont typeface="Arial"/>
               <a:buNone/>
               <a:defRPr b="0" i="0" sz="1800" u="none" cap="none" strike="noStrike">
                 <a:solidFill>
@@ -7353,7 +8353,11 @@
               <a:spcAft>
                 <a:spcPts val="0"/>
               </a:spcAft>
-              <a:buSzPts val="1400"/>
+              <a:buClr>
+                <a:schemeClr val="dk1"/>
+              </a:buClr>
+              <a:buSzPts val="1400"/>
+              <a:buFont typeface="Arial"/>
               <a:buNone/>
               <a:defRPr b="0" i="0" sz="1800" u="none" cap="none" strike="noStrike">
                 <a:solidFill>
@@ -7375,7 +8379,11 @@
               <a:spcAft>
                 <a:spcPts val="0"/>
               </a:spcAft>
-              <a:buSzPts val="1400"/>
+              <a:buClr>
+                <a:schemeClr val="dk1"/>
+              </a:buClr>
+              <a:buSzPts val="1400"/>
+              <a:buFont typeface="Arial"/>
               <a:buNone/>
               <a:defRPr b="0" i="0" sz="1800" u="none" cap="none" strike="noStrike">
                 <a:solidFill>
@@ -7397,7 +8405,11 @@
               <a:spcAft>
                 <a:spcPts val="0"/>
               </a:spcAft>
-              <a:buSzPts val="1400"/>
+              <a:buClr>
+                <a:schemeClr val="dk1"/>
+              </a:buClr>
+              <a:buSzPts val="1400"/>
+              <a:buFont typeface="Arial"/>
               <a:buNone/>
               <a:defRPr b="0" i="0" sz="1800" u="none" cap="none" strike="noStrike">
                 <a:solidFill>
@@ -7447,9 +8459,13 @@
               <a:spcAft>
                 <a:spcPts val="0"/>
               </a:spcAft>
-              <a:buSzPts val="1400"/>
-              <a:buNone/>
-              <a:defRPr b="0" i="0" sz="1800" u="none">
+              <a:buClr>
+                <a:schemeClr val="dk1"/>
+              </a:buClr>
+              <a:buSzPts val="1400"/>
+              <a:buFont typeface="Arial"/>
+              <a:buNone/>
+              <a:defRPr b="0" i="0" sz="1800" u="none" cap="none" strike="noStrike">
                 <a:solidFill>
                   <a:schemeClr val="dk1"/>
                 </a:solidFill>
@@ -7469,7 +8485,11 @@
               <a:spcAft>
                 <a:spcPts val="0"/>
               </a:spcAft>
-              <a:buSzPts val="1400"/>
+              <a:buClr>
+                <a:schemeClr val="dk1"/>
+              </a:buClr>
+              <a:buSzPts val="1400"/>
+              <a:buFont typeface="Arial"/>
               <a:buNone/>
               <a:defRPr b="0" i="0" sz="1800" u="none" cap="none" strike="noStrike">
                 <a:solidFill>
@@ -7491,7 +8511,11 @@
               <a:spcAft>
                 <a:spcPts val="0"/>
               </a:spcAft>
-              <a:buSzPts val="1400"/>
+              <a:buClr>
+                <a:schemeClr val="dk1"/>
+              </a:buClr>
+              <a:buSzPts val="1400"/>
+              <a:buFont typeface="Arial"/>
               <a:buNone/>
               <a:defRPr b="0" i="0" sz="1800" u="none" cap="none" strike="noStrike">
                 <a:solidFill>
@@ -7513,7 +8537,11 @@
               <a:spcAft>
                 <a:spcPts val="0"/>
               </a:spcAft>
-              <a:buSzPts val="1400"/>
+              <a:buClr>
+                <a:schemeClr val="dk1"/>
+              </a:buClr>
+              <a:buSzPts val="1400"/>
+              <a:buFont typeface="Arial"/>
               <a:buNone/>
               <a:defRPr b="0" i="0" sz="1800" u="none" cap="none" strike="noStrike">
                 <a:solidFill>
@@ -7535,7 +8563,11 @@
               <a:spcAft>
                 <a:spcPts val="0"/>
               </a:spcAft>
-              <a:buSzPts val="1400"/>
+              <a:buClr>
+                <a:schemeClr val="dk1"/>
+              </a:buClr>
+              <a:buSzPts val="1400"/>
+              <a:buFont typeface="Arial"/>
               <a:buNone/>
               <a:defRPr b="0" i="0" sz="1800" u="none" cap="none" strike="noStrike">
                 <a:solidFill>
@@ -7557,7 +8589,11 @@
               <a:spcAft>
                 <a:spcPts val="0"/>
               </a:spcAft>
-              <a:buSzPts val="1400"/>
+              <a:buClr>
+                <a:schemeClr val="dk1"/>
+              </a:buClr>
+              <a:buSzPts val="1400"/>
+              <a:buFont typeface="Arial"/>
               <a:buNone/>
               <a:defRPr b="0" i="0" sz="1800" u="none" cap="none" strike="noStrike">
                 <a:solidFill>
@@ -7579,7 +8615,11 @@
               <a:spcAft>
                 <a:spcPts val="0"/>
               </a:spcAft>
-              <a:buSzPts val="1400"/>
+              <a:buClr>
+                <a:schemeClr val="dk1"/>
+              </a:buClr>
+              <a:buSzPts val="1400"/>
+              <a:buFont typeface="Arial"/>
               <a:buNone/>
               <a:defRPr b="0" i="0" sz="1800" u="none" cap="none" strike="noStrike">
                 <a:solidFill>
@@ -7601,7 +8641,11 @@
               <a:spcAft>
                 <a:spcPts val="0"/>
               </a:spcAft>
-              <a:buSzPts val="1400"/>
+              <a:buClr>
+                <a:schemeClr val="dk1"/>
+              </a:buClr>
+              <a:buSzPts val="1400"/>
+              <a:buFont typeface="Arial"/>
               <a:buNone/>
               <a:defRPr b="0" i="0" sz="1800" u="none" cap="none" strike="noStrike">
                 <a:solidFill>
@@ -7623,7 +8667,11 @@
               <a:spcAft>
                 <a:spcPts val="0"/>
               </a:spcAft>
-              <a:buSzPts val="1400"/>
+              <a:buClr>
+                <a:schemeClr val="dk1"/>
+              </a:buClr>
+              <a:buSzPts val="1400"/>
+              <a:buFont typeface="Arial"/>
               <a:buNone/>
               <a:defRPr b="0" i="0" sz="1800" u="none" cap="none" strike="noStrike">
                 <a:solidFill>
@@ -7684,7 +8732,7 @@
               <a:buNone/>
             </a:pPr>
             <a:fld id="{00000000-1234-1234-1234-123412341234}" type="slidenum">
-              <a:rPr b="0" i="0" lang="en-US" sz="1200" u="none">
+              <a:rPr b="0" i="0" lang="en-US" sz="1200" u="none" cap="none" strike="noStrike">
                 <a:solidFill>
                   <a:srgbClr val="898989"/>
                 </a:solidFill>
@@ -7695,7 +8743,15 @@
               </a:rPr>
               <a:t>‹#›</a:t>
             </a:fld>
-            <a:endParaRPr/>
+            <a:endParaRPr b="0" i="0" sz="1400" u="none" cap="none" strike="noStrike">
+              <a:solidFill>
+                <a:srgbClr val="000000"/>
+              </a:solidFill>
+              <a:latin typeface="Arial"/>
+              <a:ea typeface="Arial"/>
+              <a:cs typeface="Arial"/>
+              <a:sym typeface="Arial"/>
+            </a:endParaRPr>
           </a:p>
         </p:txBody>
       </p:sp>
@@ -7749,13 +8805,20 @@
           <a:bodyPr anchorCtr="0" anchor="b" bIns="91425" lIns="91425" spcFirstLastPara="1" rIns="91425" wrap="square" tIns="91425"/>
           <a:lstStyle>
             <a:lvl1pPr lvl="0" marR="0" rtl="0" algn="l">
-              <a:spcBef>
-                <a:spcPts val="0"/>
-              </a:spcBef>
-              <a:spcAft>
-                <a:spcPts val="0"/>
-              </a:spcAft>
-              <a:buSzPts val="1400"/>
+              <a:lnSpc>
+                <a:spcPct val="100000"/>
+              </a:lnSpc>
+              <a:spcBef>
+                <a:spcPts val="0"/>
+              </a:spcBef>
+              <a:spcAft>
+                <a:spcPts val="0"/>
+              </a:spcAft>
+              <a:buClr>
+                <a:schemeClr val="dk1"/>
+              </a:buClr>
+              <a:buSzPts val="1400"/>
+              <a:buFont typeface="Calibri"/>
               <a:buNone/>
               <a:defRPr b="1" i="0" sz="2000" u="none" cap="none" strike="noStrike">
                 <a:solidFill>
@@ -7774,7 +8837,11 @@
               <a:spcAft>
                 <a:spcPts val="0"/>
               </a:spcAft>
-              <a:buSzPts val="1400"/>
+              <a:buClr>
+                <a:schemeClr val="dk1"/>
+              </a:buClr>
+              <a:buSzPts val="1400"/>
+              <a:buFont typeface="Calibri"/>
               <a:buNone/>
               <a:defRPr b="0" i="0" sz="4400" u="none" cap="none" strike="noStrike">
                 <a:solidFill>
@@ -7793,7 +8860,11 @@
               <a:spcAft>
                 <a:spcPts val="0"/>
               </a:spcAft>
-              <a:buSzPts val="1400"/>
+              <a:buClr>
+                <a:schemeClr val="dk1"/>
+              </a:buClr>
+              <a:buSzPts val="1400"/>
+              <a:buFont typeface="Calibri"/>
               <a:buNone/>
               <a:defRPr b="0" i="0" sz="4400" u="none" cap="none" strike="noStrike">
                 <a:solidFill>
@@ -7812,7 +8883,11 @@
               <a:spcAft>
                 <a:spcPts val="0"/>
               </a:spcAft>
-              <a:buSzPts val="1400"/>
+              <a:buClr>
+                <a:schemeClr val="dk1"/>
+              </a:buClr>
+              <a:buSzPts val="1400"/>
+              <a:buFont typeface="Calibri"/>
               <a:buNone/>
               <a:defRPr b="0" i="0" sz="4400" u="none" cap="none" strike="noStrike">
                 <a:solidFill>
@@ -7831,7 +8906,11 @@
               <a:spcAft>
                 <a:spcPts val="0"/>
               </a:spcAft>
-              <a:buSzPts val="1400"/>
+              <a:buClr>
+                <a:schemeClr val="dk1"/>
+              </a:buClr>
+              <a:buSzPts val="1400"/>
+              <a:buFont typeface="Calibri"/>
               <a:buNone/>
               <a:defRPr b="0" i="0" sz="4400" u="none" cap="none" strike="noStrike">
                 <a:solidFill>
@@ -7850,7 +8929,11 @@
               <a:spcAft>
                 <a:spcPts val="0"/>
               </a:spcAft>
-              <a:buSzPts val="1400"/>
+              <a:buClr>
+                <a:schemeClr val="dk1"/>
+              </a:buClr>
+              <a:buSzPts val="1400"/>
+              <a:buFont typeface="Calibri"/>
               <a:buNone/>
               <a:defRPr b="0" i="0" sz="4400" u="none" cap="none" strike="noStrike">
                 <a:solidFill>
@@ -7869,7 +8952,11 @@
               <a:spcAft>
                 <a:spcPts val="0"/>
               </a:spcAft>
-              <a:buSzPts val="1400"/>
+              <a:buClr>
+                <a:schemeClr val="dk1"/>
+              </a:buClr>
+              <a:buSzPts val="1400"/>
+              <a:buFont typeface="Calibri"/>
               <a:buNone/>
               <a:defRPr b="0" i="0" sz="4400" u="none" cap="none" strike="noStrike">
                 <a:solidFill>
@@ -7888,7 +8975,11 @@
               <a:spcAft>
                 <a:spcPts val="0"/>
               </a:spcAft>
-              <a:buSzPts val="1400"/>
+              <a:buClr>
+                <a:schemeClr val="dk1"/>
+              </a:buClr>
+              <a:buSzPts val="1400"/>
+              <a:buFont typeface="Calibri"/>
               <a:buNone/>
               <a:defRPr b="0" i="0" sz="4400" u="none" cap="none" strike="noStrike">
                 <a:solidFill>
@@ -7907,7 +8998,11 @@
               <a:spcAft>
                 <a:spcPts val="0"/>
               </a:spcAft>
-              <a:buSzPts val="1400"/>
+              <a:buClr>
+                <a:schemeClr val="dk1"/>
+              </a:buClr>
+              <a:buSzPts val="1400"/>
+              <a:buFont typeface="Calibri"/>
               <a:buNone/>
               <a:defRPr b="0" i="0" sz="4400" u="none" cap="none" strike="noStrike">
                 <a:solidFill>
@@ -7948,6 +9043,9 @@
           <a:bodyPr anchorCtr="0" anchor="t" bIns="91425" lIns="91425" spcFirstLastPara="1" rIns="91425" wrap="square" tIns="91425"/>
           <a:lstStyle>
             <a:lvl1pPr indent="-431800" lvl="0" marL="457200" marR="0" rtl="0" algn="l">
+              <a:lnSpc>
+                <a:spcPct val="100000"/>
+              </a:lnSpc>
               <a:spcBef>
                 <a:spcPts val="640"/>
               </a:spcBef>
@@ -7960,7 +9058,7 @@
               <a:buSzPts val="3200"/>
               <a:buFont typeface="Arial"/>
               <a:buChar char="•"/>
-              <a:defRPr sz="3200">
+              <a:defRPr b="0" i="0" sz="3200" u="none" cap="none" strike="noStrike">
                 <a:solidFill>
                   <a:schemeClr val="dk1"/>
                 </a:solidFill>
@@ -7971,6 +9069,9 @@
               </a:defRPr>
             </a:lvl1pPr>
             <a:lvl2pPr indent="-406400" lvl="1" marL="914400" marR="0" rtl="0" algn="l">
+              <a:lnSpc>
+                <a:spcPct val="100000"/>
+              </a:lnSpc>
               <a:spcBef>
                 <a:spcPts val="560"/>
               </a:spcBef>
@@ -7994,6 +9095,9 @@
               </a:defRPr>
             </a:lvl2pPr>
             <a:lvl3pPr indent="-381000" lvl="2" marL="1371600" marR="0" rtl="0" algn="l">
+              <a:lnSpc>
+                <a:spcPct val="100000"/>
+              </a:lnSpc>
               <a:spcBef>
                 <a:spcPts val="480"/>
               </a:spcBef>
@@ -8017,6 +9121,9 @@
               </a:defRPr>
             </a:lvl3pPr>
             <a:lvl4pPr indent="-355600" lvl="3" marL="1828800" marR="0" rtl="0" algn="l">
+              <a:lnSpc>
+                <a:spcPct val="100000"/>
+              </a:lnSpc>
               <a:spcBef>
                 <a:spcPts val="400"/>
               </a:spcBef>
@@ -8040,6 +9147,9 @@
               </a:defRPr>
             </a:lvl4pPr>
             <a:lvl5pPr indent="-355600" lvl="4" marL="2286000" marR="0" rtl="0" algn="l">
+              <a:lnSpc>
+                <a:spcPct val="100000"/>
+              </a:lnSpc>
               <a:spcBef>
                 <a:spcPts val="400"/>
               </a:spcBef>
@@ -8063,6 +9173,9 @@
               </a:defRPr>
             </a:lvl5pPr>
             <a:lvl6pPr indent="-355600" lvl="5" marL="2743200" marR="0" rtl="0" algn="l">
+              <a:lnSpc>
+                <a:spcPct val="100000"/>
+              </a:lnSpc>
               <a:spcBef>
                 <a:spcPts val="400"/>
               </a:spcBef>
@@ -8086,6 +9199,9 @@
               </a:defRPr>
             </a:lvl6pPr>
             <a:lvl7pPr indent="-355600" lvl="6" marL="3200400" marR="0" rtl="0" algn="l">
+              <a:lnSpc>
+                <a:spcPct val="100000"/>
+              </a:lnSpc>
               <a:spcBef>
                 <a:spcPts val="400"/>
               </a:spcBef>
@@ -8109,6 +9225,9 @@
               </a:defRPr>
             </a:lvl7pPr>
             <a:lvl8pPr indent="-355600" lvl="7" marL="3657600" marR="0" rtl="0" algn="l">
+              <a:lnSpc>
+                <a:spcPct val="100000"/>
+              </a:lnSpc>
               <a:spcBef>
                 <a:spcPts val="400"/>
               </a:spcBef>
@@ -8132,6 +9251,9 @@
               </a:defRPr>
             </a:lvl8pPr>
             <a:lvl9pPr indent="-355600" lvl="8" marL="4114800" marR="0" rtl="0" algn="l">
+              <a:lnSpc>
+                <a:spcPct val="100000"/>
+              </a:lnSpc>
               <a:spcBef>
                 <a:spcPts val="400"/>
               </a:spcBef>
@@ -8183,6 +9305,9 @@
           <a:bodyPr anchorCtr="0" anchor="t" bIns="91425" lIns="91425" spcFirstLastPara="1" rIns="91425" wrap="square" tIns="91425"/>
           <a:lstStyle>
             <a:lvl1pPr indent="-228600" lvl="0" marL="457200" marR="0" rtl="0" algn="l">
+              <a:lnSpc>
+                <a:spcPct val="100000"/>
+              </a:lnSpc>
               <a:spcBef>
                 <a:spcPts val="280"/>
               </a:spcBef>
@@ -8195,7 +9320,7 @@
               <a:buSzPts val="1400"/>
               <a:buFont typeface="Arial"/>
               <a:buNone/>
-              <a:defRPr sz="1400">
+              <a:defRPr b="0" i="0" sz="1400" u="none" cap="none" strike="noStrike">
                 <a:solidFill>
                   <a:schemeClr val="dk1"/>
                 </a:solidFill>
@@ -8206,6 +9331,9 @@
               </a:defRPr>
             </a:lvl1pPr>
             <a:lvl2pPr indent="-228600" lvl="1" marL="914400" marR="0" rtl="0" algn="l">
+              <a:lnSpc>
+                <a:spcPct val="100000"/>
+              </a:lnSpc>
               <a:spcBef>
                 <a:spcPts val="240"/>
               </a:spcBef>
@@ -8229,6 +9357,9 @@
               </a:defRPr>
             </a:lvl2pPr>
             <a:lvl3pPr indent="-228600" lvl="2" marL="1371600" marR="0" rtl="0" algn="l">
+              <a:lnSpc>
+                <a:spcPct val="100000"/>
+              </a:lnSpc>
               <a:spcBef>
                 <a:spcPts val="200"/>
               </a:spcBef>
@@ -8252,6 +9383,9 @@
               </a:defRPr>
             </a:lvl3pPr>
             <a:lvl4pPr indent="-228600" lvl="3" marL="1828800" marR="0" rtl="0" algn="l">
+              <a:lnSpc>
+                <a:spcPct val="100000"/>
+              </a:lnSpc>
               <a:spcBef>
                 <a:spcPts val="180"/>
               </a:spcBef>
@@ -8275,6 +9409,9 @@
               </a:defRPr>
             </a:lvl4pPr>
             <a:lvl5pPr indent="-228600" lvl="4" marL="2286000" marR="0" rtl="0" algn="l">
+              <a:lnSpc>
+                <a:spcPct val="100000"/>
+              </a:lnSpc>
               <a:spcBef>
                 <a:spcPts val="180"/>
               </a:spcBef>
@@ -8298,6 +9435,9 @@
               </a:defRPr>
             </a:lvl5pPr>
             <a:lvl6pPr indent="-228600" lvl="5" marL="2743200" marR="0" rtl="0" algn="l">
+              <a:lnSpc>
+                <a:spcPct val="100000"/>
+              </a:lnSpc>
               <a:spcBef>
                 <a:spcPts val="180"/>
               </a:spcBef>
@@ -8321,6 +9461,9 @@
               </a:defRPr>
             </a:lvl6pPr>
             <a:lvl7pPr indent="-228600" lvl="6" marL="3200400" marR="0" rtl="0" algn="l">
+              <a:lnSpc>
+                <a:spcPct val="100000"/>
+              </a:lnSpc>
               <a:spcBef>
                 <a:spcPts val="180"/>
               </a:spcBef>
@@ -8344,6 +9487,9 @@
               </a:defRPr>
             </a:lvl7pPr>
             <a:lvl8pPr indent="-228600" lvl="7" marL="3657600" marR="0" rtl="0" algn="l">
+              <a:lnSpc>
+                <a:spcPct val="100000"/>
+              </a:lnSpc>
               <a:spcBef>
                 <a:spcPts val="180"/>
               </a:spcBef>
@@ -8367,6 +9513,9 @@
               </a:defRPr>
             </a:lvl8pPr>
             <a:lvl9pPr indent="-228600" lvl="8" marL="4114800" marR="0" rtl="0" algn="l">
+              <a:lnSpc>
+                <a:spcPct val="100000"/>
+              </a:lnSpc>
               <a:spcBef>
                 <a:spcPts val="180"/>
               </a:spcBef>
@@ -8427,9 +9576,13 @@
               <a:spcAft>
                 <a:spcPts val="0"/>
               </a:spcAft>
-              <a:buSzPts val="1400"/>
-              <a:buNone/>
-              <a:defRPr b="0" i="0" sz="1200" u="none">
+              <a:buClr>
+                <a:srgbClr val="898989"/>
+              </a:buClr>
+              <a:buSzPts val="1400"/>
+              <a:buFont typeface="Calibri"/>
+              <a:buNone/>
+              <a:defRPr b="0" i="0" sz="1200" u="none" cap="none" strike="noStrike">
                 <a:solidFill>
                   <a:srgbClr val="898989"/>
                 </a:solidFill>
@@ -8449,7 +9602,11 @@
               <a:spcAft>
                 <a:spcPts val="0"/>
               </a:spcAft>
-              <a:buSzPts val="1400"/>
+              <a:buClr>
+                <a:schemeClr val="dk1"/>
+              </a:buClr>
+              <a:buSzPts val="1400"/>
+              <a:buFont typeface="Arial"/>
               <a:buNone/>
               <a:defRPr b="0" i="0" sz="1800" u="none" cap="none" strike="noStrike">
                 <a:solidFill>
@@ -8471,7 +9628,11 @@
               <a:spcAft>
                 <a:spcPts val="0"/>
               </a:spcAft>
-              <a:buSzPts val="1400"/>
+              <a:buClr>
+                <a:schemeClr val="dk1"/>
+              </a:buClr>
+              <a:buSzPts val="1400"/>
+              <a:buFont typeface="Arial"/>
               <a:buNone/>
               <a:defRPr b="0" i="0" sz="1800" u="none" cap="none" strike="noStrike">
                 <a:solidFill>
@@ -8493,7 +9654,11 @@
               <a:spcAft>
                 <a:spcPts val="0"/>
               </a:spcAft>
-              <a:buSzPts val="1400"/>
+              <a:buClr>
+                <a:schemeClr val="dk1"/>
+              </a:buClr>
+              <a:buSzPts val="1400"/>
+              <a:buFont typeface="Arial"/>
               <a:buNone/>
               <a:defRPr b="0" i="0" sz="1800" u="none" cap="none" strike="noStrike">
                 <a:solidFill>
@@ -8515,7 +9680,11 @@
               <a:spcAft>
                 <a:spcPts val="0"/>
               </a:spcAft>
-              <a:buSzPts val="1400"/>
+              <a:buClr>
+                <a:schemeClr val="dk1"/>
+              </a:buClr>
+              <a:buSzPts val="1400"/>
+              <a:buFont typeface="Arial"/>
               <a:buNone/>
               <a:defRPr b="0" i="0" sz="1800" u="none" cap="none" strike="noStrike">
                 <a:solidFill>
@@ -8537,7 +9706,11 @@
               <a:spcAft>
                 <a:spcPts val="0"/>
               </a:spcAft>
-              <a:buSzPts val="1400"/>
+              <a:buClr>
+                <a:schemeClr val="dk1"/>
+              </a:buClr>
+              <a:buSzPts val="1400"/>
+              <a:buFont typeface="Arial"/>
               <a:buNone/>
               <a:defRPr b="0" i="0" sz="1800" u="none" cap="none" strike="noStrike">
                 <a:solidFill>
@@ -8559,7 +9732,11 @@
               <a:spcAft>
                 <a:spcPts val="0"/>
               </a:spcAft>
-              <a:buSzPts val="1400"/>
+              <a:buClr>
+                <a:schemeClr val="dk1"/>
+              </a:buClr>
+              <a:buSzPts val="1400"/>
+              <a:buFont typeface="Arial"/>
               <a:buNone/>
               <a:defRPr b="0" i="0" sz="1800" u="none" cap="none" strike="noStrike">
                 <a:solidFill>
@@ -8581,7 +9758,11 @@
               <a:spcAft>
                 <a:spcPts val="0"/>
               </a:spcAft>
-              <a:buSzPts val="1400"/>
+              <a:buClr>
+                <a:schemeClr val="dk1"/>
+              </a:buClr>
+              <a:buSzPts val="1400"/>
+              <a:buFont typeface="Arial"/>
               <a:buNone/>
               <a:defRPr b="0" i="0" sz="1800" u="none" cap="none" strike="noStrike">
                 <a:solidFill>
@@ -8603,7 +9784,11 @@
               <a:spcAft>
                 <a:spcPts val="0"/>
               </a:spcAft>
-              <a:buSzPts val="1400"/>
+              <a:buClr>
+                <a:schemeClr val="dk1"/>
+              </a:buClr>
+              <a:buSzPts val="1400"/>
+              <a:buFont typeface="Arial"/>
               <a:buNone/>
               <a:defRPr b="0" i="0" sz="1800" u="none" cap="none" strike="noStrike">
                 <a:solidFill>
@@ -8653,9 +9838,13 @@
               <a:spcAft>
                 <a:spcPts val="0"/>
               </a:spcAft>
-              <a:buSzPts val="1400"/>
-              <a:buNone/>
-              <a:defRPr b="0" i="0" sz="1800" u="none">
+              <a:buClr>
+                <a:schemeClr val="dk1"/>
+              </a:buClr>
+              <a:buSzPts val="1400"/>
+              <a:buFont typeface="Arial"/>
+              <a:buNone/>
+              <a:defRPr b="0" i="0" sz="1800" u="none" cap="none" strike="noStrike">
                 <a:solidFill>
                   <a:schemeClr val="dk1"/>
                 </a:solidFill>
@@ -8675,7 +9864,11 @@
               <a:spcAft>
                 <a:spcPts val="0"/>
               </a:spcAft>
-              <a:buSzPts val="1400"/>
+              <a:buClr>
+                <a:schemeClr val="dk1"/>
+              </a:buClr>
+              <a:buSzPts val="1400"/>
+              <a:buFont typeface="Arial"/>
               <a:buNone/>
               <a:defRPr b="0" i="0" sz="1800" u="none" cap="none" strike="noStrike">
                 <a:solidFill>
@@ -8697,7 +9890,11 @@
               <a:spcAft>
                 <a:spcPts val="0"/>
               </a:spcAft>
-              <a:buSzPts val="1400"/>
+              <a:buClr>
+                <a:schemeClr val="dk1"/>
+              </a:buClr>
+              <a:buSzPts val="1400"/>
+              <a:buFont typeface="Arial"/>
               <a:buNone/>
               <a:defRPr b="0" i="0" sz="1800" u="none" cap="none" strike="noStrike">
                 <a:solidFill>
@@ -8719,7 +9916,11 @@
               <a:spcAft>
                 <a:spcPts val="0"/>
               </a:spcAft>
-              <a:buSzPts val="1400"/>
+              <a:buClr>
+                <a:schemeClr val="dk1"/>
+              </a:buClr>
+              <a:buSzPts val="1400"/>
+              <a:buFont typeface="Arial"/>
               <a:buNone/>
               <a:defRPr b="0" i="0" sz="1800" u="none" cap="none" strike="noStrike">
                 <a:solidFill>
@@ -8741,7 +9942,11 @@
               <a:spcAft>
                 <a:spcPts val="0"/>
               </a:spcAft>
-              <a:buSzPts val="1400"/>
+              <a:buClr>
+                <a:schemeClr val="dk1"/>
+              </a:buClr>
+              <a:buSzPts val="1400"/>
+              <a:buFont typeface="Arial"/>
               <a:buNone/>
               <a:defRPr b="0" i="0" sz="1800" u="none" cap="none" strike="noStrike">
                 <a:solidFill>
@@ -8763,7 +9968,11 @@
               <a:spcAft>
                 <a:spcPts val="0"/>
               </a:spcAft>
-              <a:buSzPts val="1400"/>
+              <a:buClr>
+                <a:schemeClr val="dk1"/>
+              </a:buClr>
+              <a:buSzPts val="1400"/>
+              <a:buFont typeface="Arial"/>
               <a:buNone/>
               <a:defRPr b="0" i="0" sz="1800" u="none" cap="none" strike="noStrike">
                 <a:solidFill>
@@ -8785,7 +9994,11 @@
               <a:spcAft>
                 <a:spcPts val="0"/>
               </a:spcAft>
-              <a:buSzPts val="1400"/>
+              <a:buClr>
+                <a:schemeClr val="dk1"/>
+              </a:buClr>
+              <a:buSzPts val="1400"/>
+              <a:buFont typeface="Arial"/>
               <a:buNone/>
               <a:defRPr b="0" i="0" sz="1800" u="none" cap="none" strike="noStrike">
                 <a:solidFill>
@@ -8807,7 +10020,11 @@
               <a:spcAft>
                 <a:spcPts val="0"/>
               </a:spcAft>
-              <a:buSzPts val="1400"/>
+              <a:buClr>
+                <a:schemeClr val="dk1"/>
+              </a:buClr>
+              <a:buSzPts val="1400"/>
+              <a:buFont typeface="Arial"/>
               <a:buNone/>
               <a:defRPr b="0" i="0" sz="1800" u="none" cap="none" strike="noStrike">
                 <a:solidFill>
@@ -8829,7 +10046,11 @@
               <a:spcAft>
                 <a:spcPts val="0"/>
               </a:spcAft>
-              <a:buSzPts val="1400"/>
+              <a:buClr>
+                <a:schemeClr val="dk1"/>
+              </a:buClr>
+              <a:buSzPts val="1400"/>
+              <a:buFont typeface="Arial"/>
               <a:buNone/>
               <a:defRPr b="0" i="0" sz="1800" u="none" cap="none" strike="noStrike">
                 <a:solidFill>
@@ -8890,7 +10111,7 @@
               <a:buNone/>
             </a:pPr>
             <a:fld id="{00000000-1234-1234-1234-123412341234}" type="slidenum">
-              <a:rPr b="0" i="0" lang="en-US" sz="1200" u="none">
+              <a:rPr b="0" i="0" lang="en-US" sz="1200" u="none" cap="none" strike="noStrike">
                 <a:solidFill>
                   <a:srgbClr val="898989"/>
                 </a:solidFill>
@@ -8901,7 +10122,15 @@
               </a:rPr>
               <a:t>‹#›</a:t>
             </a:fld>
-            <a:endParaRPr/>
+            <a:endParaRPr b="0" i="0" sz="1400" u="none" cap="none" strike="noStrike">
+              <a:solidFill>
+                <a:srgbClr val="000000"/>
+              </a:solidFill>
+              <a:latin typeface="Arial"/>
+              <a:ea typeface="Arial"/>
+              <a:cs typeface="Arial"/>
+              <a:sym typeface="Arial"/>
+            </a:endParaRPr>
           </a:p>
         </p:txBody>
       </p:sp>
@@ -8964,9 +10193,13 @@
               <a:spcAft>
                 <a:spcPts val="0"/>
               </a:spcAft>
-              <a:buSzPts val="1400"/>
-              <a:buNone/>
-              <a:defRPr b="0" i="0" sz="1200" u="none">
+              <a:buClr>
+                <a:srgbClr val="898989"/>
+              </a:buClr>
+              <a:buSzPts val="1400"/>
+              <a:buFont typeface="Calibri"/>
+              <a:buNone/>
+              <a:defRPr b="0" i="0" sz="1200" u="none" cap="none" strike="noStrike">
                 <a:solidFill>
                   <a:srgbClr val="898989"/>
                 </a:solidFill>
@@ -8986,7 +10219,11 @@
               <a:spcAft>
                 <a:spcPts val="0"/>
               </a:spcAft>
-              <a:buSzPts val="1400"/>
+              <a:buClr>
+                <a:schemeClr val="dk1"/>
+              </a:buClr>
+              <a:buSzPts val="1400"/>
+              <a:buFont typeface="Arial"/>
               <a:buNone/>
               <a:defRPr b="0" i="0" sz="1800" u="none" cap="none" strike="noStrike">
                 <a:solidFill>
@@ -9008,7 +10245,11 @@
               <a:spcAft>
                 <a:spcPts val="0"/>
               </a:spcAft>
-              <a:buSzPts val="1400"/>
+              <a:buClr>
+                <a:schemeClr val="dk1"/>
+              </a:buClr>
+              <a:buSzPts val="1400"/>
+              <a:buFont typeface="Arial"/>
               <a:buNone/>
               <a:defRPr b="0" i="0" sz="1800" u="none" cap="none" strike="noStrike">
                 <a:solidFill>
@@ -9030,7 +10271,11 @@
               <a:spcAft>
                 <a:spcPts val="0"/>
               </a:spcAft>
-              <a:buSzPts val="1400"/>
+              <a:buClr>
+                <a:schemeClr val="dk1"/>
+              </a:buClr>
+              <a:buSzPts val="1400"/>
+              <a:buFont typeface="Arial"/>
               <a:buNone/>
               <a:defRPr b="0" i="0" sz="1800" u="none" cap="none" strike="noStrike">
                 <a:solidFill>
@@ -9052,7 +10297,11 @@
               <a:spcAft>
                 <a:spcPts val="0"/>
               </a:spcAft>
-              <a:buSzPts val="1400"/>
+              <a:buClr>
+                <a:schemeClr val="dk1"/>
+              </a:buClr>
+              <a:buSzPts val="1400"/>
+              <a:buFont typeface="Arial"/>
               <a:buNone/>
               <a:defRPr b="0" i="0" sz="1800" u="none" cap="none" strike="noStrike">
                 <a:solidFill>
@@ -9074,7 +10323,11 @@
               <a:spcAft>
                 <a:spcPts val="0"/>
               </a:spcAft>
-              <a:buSzPts val="1400"/>
+              <a:buClr>
+                <a:schemeClr val="dk1"/>
+              </a:buClr>
+              <a:buSzPts val="1400"/>
+              <a:buFont typeface="Arial"/>
               <a:buNone/>
               <a:defRPr b="0" i="0" sz="1800" u="none" cap="none" strike="noStrike">
                 <a:solidFill>
@@ -9096,7 +10349,11 @@
               <a:spcAft>
                 <a:spcPts val="0"/>
               </a:spcAft>
-              <a:buSzPts val="1400"/>
+              <a:buClr>
+                <a:schemeClr val="dk1"/>
+              </a:buClr>
+              <a:buSzPts val="1400"/>
+              <a:buFont typeface="Arial"/>
               <a:buNone/>
               <a:defRPr b="0" i="0" sz="1800" u="none" cap="none" strike="noStrike">
                 <a:solidFill>
@@ -9118,7 +10375,11 @@
               <a:spcAft>
                 <a:spcPts val="0"/>
               </a:spcAft>
-              <a:buSzPts val="1400"/>
+              <a:buClr>
+                <a:schemeClr val="dk1"/>
+              </a:buClr>
+              <a:buSzPts val="1400"/>
+              <a:buFont typeface="Arial"/>
               <a:buNone/>
               <a:defRPr b="0" i="0" sz="1800" u="none" cap="none" strike="noStrike">
                 <a:solidFill>
@@ -9140,7 +10401,11 @@
               <a:spcAft>
                 <a:spcPts val="0"/>
               </a:spcAft>
-              <a:buSzPts val="1400"/>
+              <a:buClr>
+                <a:schemeClr val="dk1"/>
+              </a:buClr>
+              <a:buSzPts val="1400"/>
+              <a:buFont typeface="Arial"/>
               <a:buNone/>
               <a:defRPr b="0" i="0" sz="1800" u="none" cap="none" strike="noStrike">
                 <a:solidFill>
@@ -9190,9 +10455,13 @@
               <a:spcAft>
                 <a:spcPts val="0"/>
               </a:spcAft>
-              <a:buSzPts val="1400"/>
-              <a:buNone/>
-              <a:defRPr b="0" i="0" sz="1800" u="none">
+              <a:buClr>
+                <a:schemeClr val="dk1"/>
+              </a:buClr>
+              <a:buSzPts val="1400"/>
+              <a:buFont typeface="Arial"/>
+              <a:buNone/>
+              <a:defRPr b="0" i="0" sz="1800" u="none" cap="none" strike="noStrike">
                 <a:solidFill>
                   <a:schemeClr val="dk1"/>
                 </a:solidFill>
@@ -9212,7 +10481,11 @@
               <a:spcAft>
                 <a:spcPts val="0"/>
               </a:spcAft>
-              <a:buSzPts val="1400"/>
+              <a:buClr>
+                <a:schemeClr val="dk1"/>
+              </a:buClr>
+              <a:buSzPts val="1400"/>
+              <a:buFont typeface="Arial"/>
               <a:buNone/>
               <a:defRPr b="0" i="0" sz="1800" u="none" cap="none" strike="noStrike">
                 <a:solidFill>
@@ -9234,7 +10507,11 @@
               <a:spcAft>
                 <a:spcPts val="0"/>
               </a:spcAft>
-              <a:buSzPts val="1400"/>
+              <a:buClr>
+                <a:schemeClr val="dk1"/>
+              </a:buClr>
+              <a:buSzPts val="1400"/>
+              <a:buFont typeface="Arial"/>
               <a:buNone/>
               <a:defRPr b="0" i="0" sz="1800" u="none" cap="none" strike="noStrike">
                 <a:solidFill>
@@ -9256,7 +10533,11 @@
               <a:spcAft>
                 <a:spcPts val="0"/>
               </a:spcAft>
-              <a:buSzPts val="1400"/>
+              <a:buClr>
+                <a:schemeClr val="dk1"/>
+              </a:buClr>
+              <a:buSzPts val="1400"/>
+              <a:buFont typeface="Arial"/>
               <a:buNone/>
               <a:defRPr b="0" i="0" sz="1800" u="none" cap="none" strike="noStrike">
                 <a:solidFill>
@@ -9278,7 +10559,11 @@
               <a:spcAft>
                 <a:spcPts val="0"/>
               </a:spcAft>
-              <a:buSzPts val="1400"/>
+              <a:buClr>
+                <a:schemeClr val="dk1"/>
+              </a:buClr>
+              <a:buSzPts val="1400"/>
+              <a:buFont typeface="Arial"/>
               <a:buNone/>
               <a:defRPr b="0" i="0" sz="1800" u="none" cap="none" strike="noStrike">
                 <a:solidFill>
@@ -9300,7 +10585,11 @@
               <a:spcAft>
                 <a:spcPts val="0"/>
               </a:spcAft>
-              <a:buSzPts val="1400"/>
+              <a:buClr>
+                <a:schemeClr val="dk1"/>
+              </a:buClr>
+              <a:buSzPts val="1400"/>
+              <a:buFont typeface="Arial"/>
               <a:buNone/>
               <a:defRPr b="0" i="0" sz="1800" u="none" cap="none" strike="noStrike">
                 <a:solidFill>
@@ -9322,7 +10611,11 @@
               <a:spcAft>
                 <a:spcPts val="0"/>
               </a:spcAft>
-              <a:buSzPts val="1400"/>
+              <a:buClr>
+                <a:schemeClr val="dk1"/>
+              </a:buClr>
+              <a:buSzPts val="1400"/>
+              <a:buFont typeface="Arial"/>
               <a:buNone/>
               <a:defRPr b="0" i="0" sz="1800" u="none" cap="none" strike="noStrike">
                 <a:solidFill>
@@ -9344,7 +10637,11 @@
               <a:spcAft>
                 <a:spcPts val="0"/>
               </a:spcAft>
-              <a:buSzPts val="1400"/>
+              <a:buClr>
+                <a:schemeClr val="dk1"/>
+              </a:buClr>
+              <a:buSzPts val="1400"/>
+              <a:buFont typeface="Arial"/>
               <a:buNone/>
               <a:defRPr b="0" i="0" sz="1800" u="none" cap="none" strike="noStrike">
                 <a:solidFill>
@@ -9366,7 +10663,11 @@
               <a:spcAft>
                 <a:spcPts val="0"/>
               </a:spcAft>
-              <a:buSzPts val="1400"/>
+              <a:buClr>
+                <a:schemeClr val="dk1"/>
+              </a:buClr>
+              <a:buSzPts val="1400"/>
+              <a:buFont typeface="Arial"/>
               <a:buNone/>
               <a:defRPr b="0" i="0" sz="1800" u="none" cap="none" strike="noStrike">
                 <a:solidFill>
@@ -9427,7 +10728,7 @@
               <a:buNone/>
             </a:pPr>
             <a:fld id="{00000000-1234-1234-1234-123412341234}" type="slidenum">
-              <a:rPr b="0" i="0" lang="en-US" sz="1200" u="none">
+              <a:rPr b="0" i="0" lang="en-US" sz="1200" u="none" cap="none" strike="noStrike">
                 <a:solidFill>
                   <a:srgbClr val="898989"/>
                 </a:solidFill>
@@ -9438,7 +10739,15 @@
               </a:rPr>
               <a:t>‹#›</a:t>
             </a:fld>
-            <a:endParaRPr/>
+            <a:endParaRPr b="0" i="0" sz="1400" u="none" cap="none" strike="noStrike">
+              <a:solidFill>
+                <a:srgbClr val="000000"/>
+              </a:solidFill>
+              <a:latin typeface="Arial"/>
+              <a:ea typeface="Arial"/>
+              <a:cs typeface="Arial"/>
+              <a:sym typeface="Arial"/>
+            </a:endParaRPr>
           </a:p>
         </p:txBody>
       </p:sp>
@@ -9492,13 +10801,20 @@
           <a:bodyPr anchorCtr="0" anchor="ctr" bIns="91425" lIns="91425" spcFirstLastPara="1" rIns="91425" wrap="square" tIns="91425"/>
           <a:lstStyle>
             <a:lvl1pPr lvl="0" marR="0" rtl="0" algn="ctr">
-              <a:spcBef>
-                <a:spcPts val="0"/>
-              </a:spcBef>
-              <a:spcAft>
-                <a:spcPts val="0"/>
-              </a:spcAft>
-              <a:buSzPts val="1400"/>
+              <a:lnSpc>
+                <a:spcPct val="100000"/>
+              </a:lnSpc>
+              <a:spcBef>
+                <a:spcPts val="0"/>
+              </a:spcBef>
+              <a:spcAft>
+                <a:spcPts val="0"/>
+              </a:spcAft>
+              <a:buClr>
+                <a:schemeClr val="dk1"/>
+              </a:buClr>
+              <a:buSzPts val="1400"/>
+              <a:buFont typeface="Calibri"/>
               <a:buNone/>
               <a:defRPr b="0" i="0" sz="4400" u="none" cap="none" strike="noStrike">
                 <a:solidFill>
@@ -9517,7 +10833,11 @@
               <a:spcAft>
                 <a:spcPts val="0"/>
               </a:spcAft>
-              <a:buSzPts val="1400"/>
+              <a:buClr>
+                <a:schemeClr val="dk1"/>
+              </a:buClr>
+              <a:buSzPts val="1400"/>
+              <a:buFont typeface="Calibri"/>
               <a:buNone/>
               <a:defRPr b="0" i="0" sz="4400" u="none" cap="none" strike="noStrike">
                 <a:solidFill>
@@ -9536,7 +10856,11 @@
               <a:spcAft>
                 <a:spcPts val="0"/>
               </a:spcAft>
-              <a:buSzPts val="1400"/>
+              <a:buClr>
+                <a:schemeClr val="dk1"/>
+              </a:buClr>
+              <a:buSzPts val="1400"/>
+              <a:buFont typeface="Calibri"/>
               <a:buNone/>
               <a:defRPr b="0" i="0" sz="4400" u="none" cap="none" strike="noStrike">
                 <a:solidFill>
@@ -9555,7 +10879,11 @@
               <a:spcAft>
                 <a:spcPts val="0"/>
               </a:spcAft>
-              <a:buSzPts val="1400"/>
+              <a:buClr>
+                <a:schemeClr val="dk1"/>
+              </a:buClr>
+              <a:buSzPts val="1400"/>
+              <a:buFont typeface="Calibri"/>
               <a:buNone/>
               <a:defRPr b="0" i="0" sz="4400" u="none" cap="none" strike="noStrike">
                 <a:solidFill>
@@ -9574,7 +10902,11 @@
               <a:spcAft>
                 <a:spcPts val="0"/>
               </a:spcAft>
-              <a:buSzPts val="1400"/>
+              <a:buClr>
+                <a:schemeClr val="dk1"/>
+              </a:buClr>
+              <a:buSzPts val="1400"/>
+              <a:buFont typeface="Calibri"/>
               <a:buNone/>
               <a:defRPr b="0" i="0" sz="4400" u="none" cap="none" strike="noStrike">
                 <a:solidFill>
@@ -9593,7 +10925,11 @@
               <a:spcAft>
                 <a:spcPts val="0"/>
               </a:spcAft>
-              <a:buSzPts val="1400"/>
+              <a:buClr>
+                <a:schemeClr val="dk1"/>
+              </a:buClr>
+              <a:buSzPts val="1400"/>
+              <a:buFont typeface="Calibri"/>
               <a:buNone/>
               <a:defRPr b="0" i="0" sz="4400" u="none" cap="none" strike="noStrike">
                 <a:solidFill>
@@ -9612,7 +10948,11 @@
               <a:spcAft>
                 <a:spcPts val="0"/>
               </a:spcAft>
-              <a:buSzPts val="1400"/>
+              <a:buClr>
+                <a:schemeClr val="dk1"/>
+              </a:buClr>
+              <a:buSzPts val="1400"/>
+              <a:buFont typeface="Calibri"/>
               <a:buNone/>
               <a:defRPr b="0" i="0" sz="4400" u="none" cap="none" strike="noStrike">
                 <a:solidFill>
@@ -9631,7 +10971,11 @@
               <a:spcAft>
                 <a:spcPts val="0"/>
               </a:spcAft>
-              <a:buSzPts val="1400"/>
+              <a:buClr>
+                <a:schemeClr val="dk1"/>
+              </a:buClr>
+              <a:buSzPts val="1400"/>
+              <a:buFont typeface="Calibri"/>
               <a:buNone/>
               <a:defRPr b="0" i="0" sz="4400" u="none" cap="none" strike="noStrike">
                 <a:solidFill>
@@ -9650,7 +10994,11 @@
               <a:spcAft>
                 <a:spcPts val="0"/>
               </a:spcAft>
-              <a:buSzPts val="1400"/>
+              <a:buClr>
+                <a:schemeClr val="dk1"/>
+              </a:buClr>
+              <a:buSzPts val="1400"/>
+              <a:buFont typeface="Calibri"/>
               <a:buNone/>
               <a:defRPr b="0" i="0" sz="4400" u="none" cap="none" strike="noStrike">
                 <a:solidFill>
@@ -9700,9 +11048,13 @@
               <a:spcAft>
                 <a:spcPts val="0"/>
               </a:spcAft>
-              <a:buSzPts val="1400"/>
-              <a:buNone/>
-              <a:defRPr b="0" i="0" sz="1200" u="none">
+              <a:buClr>
+                <a:srgbClr val="898989"/>
+              </a:buClr>
+              <a:buSzPts val="1400"/>
+              <a:buFont typeface="Calibri"/>
+              <a:buNone/>
+              <a:defRPr b="0" i="0" sz="1200" u="none" cap="none" strike="noStrike">
                 <a:solidFill>
                   <a:srgbClr val="898989"/>
                 </a:solidFill>
@@ -9722,7 +11074,11 @@
               <a:spcAft>
                 <a:spcPts val="0"/>
               </a:spcAft>
-              <a:buSzPts val="1400"/>
+              <a:buClr>
+                <a:schemeClr val="dk1"/>
+              </a:buClr>
+              <a:buSzPts val="1400"/>
+              <a:buFont typeface="Arial"/>
               <a:buNone/>
               <a:defRPr b="0" i="0" sz="1800" u="none" cap="none" strike="noStrike">
                 <a:solidFill>
@@ -9744,7 +11100,11 @@
               <a:spcAft>
                 <a:spcPts val="0"/>
               </a:spcAft>
-              <a:buSzPts val="1400"/>
+              <a:buClr>
+                <a:schemeClr val="dk1"/>
+              </a:buClr>
+              <a:buSzPts val="1400"/>
+              <a:buFont typeface="Arial"/>
               <a:buNone/>
               <a:defRPr b="0" i="0" sz="1800" u="none" cap="none" strike="noStrike">
                 <a:solidFill>
@@ -9766,7 +11126,11 @@
               <a:spcAft>
                 <a:spcPts val="0"/>
               </a:spcAft>
-              <a:buSzPts val="1400"/>
+              <a:buClr>
+                <a:schemeClr val="dk1"/>
+              </a:buClr>
+              <a:buSzPts val="1400"/>
+              <a:buFont typeface="Arial"/>
               <a:buNone/>
               <a:defRPr b="0" i="0" sz="1800" u="none" cap="none" strike="noStrike">
                 <a:solidFill>
@@ -9788,7 +11152,11 @@
               <a:spcAft>
                 <a:spcPts val="0"/>
               </a:spcAft>
-              <a:buSzPts val="1400"/>
+              <a:buClr>
+                <a:schemeClr val="dk1"/>
+              </a:buClr>
+              <a:buSzPts val="1400"/>
+              <a:buFont typeface="Arial"/>
               <a:buNone/>
               <a:defRPr b="0" i="0" sz="1800" u="none" cap="none" strike="noStrike">
                 <a:solidFill>
@@ -9810,7 +11178,11 @@
               <a:spcAft>
                 <a:spcPts val="0"/>
               </a:spcAft>
-              <a:buSzPts val="1400"/>
+              <a:buClr>
+                <a:schemeClr val="dk1"/>
+              </a:buClr>
+              <a:buSzPts val="1400"/>
+              <a:buFont typeface="Arial"/>
               <a:buNone/>
               <a:defRPr b="0" i="0" sz="1800" u="none" cap="none" strike="noStrike">
                 <a:solidFill>
@@ -9832,7 +11204,11 @@
               <a:spcAft>
                 <a:spcPts val="0"/>
               </a:spcAft>
-              <a:buSzPts val="1400"/>
+              <a:buClr>
+                <a:schemeClr val="dk1"/>
+              </a:buClr>
+              <a:buSzPts val="1400"/>
+              <a:buFont typeface="Arial"/>
               <a:buNone/>
               <a:defRPr b="0" i="0" sz="1800" u="none" cap="none" strike="noStrike">
                 <a:solidFill>
@@ -9854,7 +11230,11 @@
               <a:spcAft>
                 <a:spcPts val="0"/>
               </a:spcAft>
-              <a:buSzPts val="1400"/>
+              <a:buClr>
+                <a:schemeClr val="dk1"/>
+              </a:buClr>
+              <a:buSzPts val="1400"/>
+              <a:buFont typeface="Arial"/>
               <a:buNone/>
               <a:defRPr b="0" i="0" sz="1800" u="none" cap="none" strike="noStrike">
                 <a:solidFill>
@@ -9876,7 +11256,11 @@
               <a:spcAft>
                 <a:spcPts val="0"/>
               </a:spcAft>
-              <a:buSzPts val="1400"/>
+              <a:buClr>
+                <a:schemeClr val="dk1"/>
+              </a:buClr>
+              <a:buSzPts val="1400"/>
+              <a:buFont typeface="Arial"/>
               <a:buNone/>
               <a:defRPr b="0" i="0" sz="1800" u="none" cap="none" strike="noStrike">
                 <a:solidFill>
@@ -9926,9 +11310,13 @@
               <a:spcAft>
                 <a:spcPts val="0"/>
               </a:spcAft>
-              <a:buSzPts val="1400"/>
-              <a:buNone/>
-              <a:defRPr b="0" i="0" sz="1800" u="none">
+              <a:buClr>
+                <a:schemeClr val="dk1"/>
+              </a:buClr>
+              <a:buSzPts val="1400"/>
+              <a:buFont typeface="Arial"/>
+              <a:buNone/>
+              <a:defRPr b="0" i="0" sz="1800" u="none" cap="none" strike="noStrike">
                 <a:solidFill>
                   <a:schemeClr val="dk1"/>
                 </a:solidFill>
@@ -9948,7 +11336,11 @@
               <a:spcAft>
                 <a:spcPts val="0"/>
               </a:spcAft>
-              <a:buSzPts val="1400"/>
+              <a:buClr>
+                <a:schemeClr val="dk1"/>
+              </a:buClr>
+              <a:buSzPts val="1400"/>
+              <a:buFont typeface="Arial"/>
               <a:buNone/>
               <a:defRPr b="0" i="0" sz="1800" u="none" cap="none" strike="noStrike">
                 <a:solidFill>
@@ -9970,7 +11362,11 @@
               <a:spcAft>
                 <a:spcPts val="0"/>
               </a:spcAft>
-              <a:buSzPts val="1400"/>
+              <a:buClr>
+                <a:schemeClr val="dk1"/>
+              </a:buClr>
+              <a:buSzPts val="1400"/>
+              <a:buFont typeface="Arial"/>
               <a:buNone/>
               <a:defRPr b="0" i="0" sz="1800" u="none" cap="none" strike="noStrike">
                 <a:solidFill>
@@ -9992,7 +11388,11 @@
               <a:spcAft>
                 <a:spcPts val="0"/>
               </a:spcAft>
-              <a:buSzPts val="1400"/>
+              <a:buClr>
+                <a:schemeClr val="dk1"/>
+              </a:buClr>
+              <a:buSzPts val="1400"/>
+              <a:buFont typeface="Arial"/>
               <a:buNone/>
               <a:defRPr b="0" i="0" sz="1800" u="none" cap="none" strike="noStrike">
                 <a:solidFill>
@@ -10014,7 +11414,11 @@
               <a:spcAft>
                 <a:spcPts val="0"/>
               </a:spcAft>
-              <a:buSzPts val="1400"/>
+              <a:buClr>
+                <a:schemeClr val="dk1"/>
+              </a:buClr>
+              <a:buSzPts val="1400"/>
+              <a:buFont typeface="Arial"/>
               <a:buNone/>
               <a:defRPr b="0" i="0" sz="1800" u="none" cap="none" strike="noStrike">
                 <a:solidFill>
@@ -10036,7 +11440,11 @@
               <a:spcAft>
                 <a:spcPts val="0"/>
               </a:spcAft>
-              <a:buSzPts val="1400"/>
+              <a:buClr>
+                <a:schemeClr val="dk1"/>
+              </a:buClr>
+              <a:buSzPts val="1400"/>
+              <a:buFont typeface="Arial"/>
               <a:buNone/>
               <a:defRPr b="0" i="0" sz="1800" u="none" cap="none" strike="noStrike">
                 <a:solidFill>
@@ -10058,7 +11466,11 @@
               <a:spcAft>
                 <a:spcPts val="0"/>
               </a:spcAft>
-              <a:buSzPts val="1400"/>
+              <a:buClr>
+                <a:schemeClr val="dk1"/>
+              </a:buClr>
+              <a:buSzPts val="1400"/>
+              <a:buFont typeface="Arial"/>
               <a:buNone/>
               <a:defRPr b="0" i="0" sz="1800" u="none" cap="none" strike="noStrike">
                 <a:solidFill>
@@ -10080,7 +11492,11 @@
               <a:spcAft>
                 <a:spcPts val="0"/>
               </a:spcAft>
-              <a:buSzPts val="1400"/>
+              <a:buClr>
+                <a:schemeClr val="dk1"/>
+              </a:buClr>
+              <a:buSzPts val="1400"/>
+              <a:buFont typeface="Arial"/>
               <a:buNone/>
               <a:defRPr b="0" i="0" sz="1800" u="none" cap="none" strike="noStrike">
                 <a:solidFill>
@@ -10102,7 +11518,11 @@
               <a:spcAft>
                 <a:spcPts val="0"/>
               </a:spcAft>
-              <a:buSzPts val="1400"/>
+              <a:buClr>
+                <a:schemeClr val="dk1"/>
+              </a:buClr>
+              <a:buSzPts val="1400"/>
+              <a:buFont typeface="Arial"/>
               <a:buNone/>
               <a:defRPr b="0" i="0" sz="1800" u="none" cap="none" strike="noStrike">
                 <a:solidFill>
@@ -10163,7 +11583,7 @@
               <a:buNone/>
             </a:pPr>
             <a:fld id="{00000000-1234-1234-1234-123412341234}" type="slidenum">
-              <a:rPr b="0" i="0" lang="en-US" sz="1200" u="none">
+              <a:rPr b="0" i="0" lang="en-US" sz="1200" u="none" cap="none" strike="noStrike">
                 <a:solidFill>
                   <a:srgbClr val="898989"/>
                 </a:solidFill>
@@ -10174,7 +11594,15 @@
               </a:rPr>
               <a:t>‹#›</a:t>
             </a:fld>
-            <a:endParaRPr/>
+            <a:endParaRPr b="0" i="0" sz="1400" u="none" cap="none" strike="noStrike">
+              <a:solidFill>
+                <a:srgbClr val="000000"/>
+              </a:solidFill>
+              <a:latin typeface="Arial"/>
+              <a:ea typeface="Arial"/>
+              <a:cs typeface="Arial"/>
+              <a:sym typeface="Arial"/>
+            </a:endParaRPr>
           </a:p>
         </p:txBody>
       </p:sp>
@@ -10228,13 +11656,20 @@
           <a:bodyPr anchorCtr="0" anchor="ctr" bIns="91425" lIns="91425" spcFirstLastPara="1" rIns="91425" wrap="square" tIns="91425"/>
           <a:lstStyle>
             <a:lvl1pPr lvl="0" marR="0" rtl="0" algn="ctr">
-              <a:spcBef>
-                <a:spcPts val="0"/>
-              </a:spcBef>
-              <a:spcAft>
-                <a:spcPts val="0"/>
-              </a:spcAft>
-              <a:buSzPts val="1400"/>
+              <a:lnSpc>
+                <a:spcPct val="100000"/>
+              </a:lnSpc>
+              <a:spcBef>
+                <a:spcPts val="0"/>
+              </a:spcBef>
+              <a:spcAft>
+                <a:spcPts val="0"/>
+              </a:spcAft>
+              <a:buClr>
+                <a:schemeClr val="dk1"/>
+              </a:buClr>
+              <a:buSzPts val="1400"/>
+              <a:buFont typeface="Calibri"/>
               <a:buNone/>
               <a:defRPr b="0" i="0" sz="4400" u="none" cap="none" strike="noStrike">
                 <a:solidFill>
@@ -10253,7 +11688,11 @@
               <a:spcAft>
                 <a:spcPts val="0"/>
               </a:spcAft>
-              <a:buSzPts val="1400"/>
+              <a:buClr>
+                <a:schemeClr val="dk1"/>
+              </a:buClr>
+              <a:buSzPts val="1400"/>
+              <a:buFont typeface="Calibri"/>
               <a:buNone/>
               <a:defRPr b="0" i="0" sz="4400" u="none" cap="none" strike="noStrike">
                 <a:solidFill>
@@ -10272,7 +11711,11 @@
               <a:spcAft>
                 <a:spcPts val="0"/>
               </a:spcAft>
-              <a:buSzPts val="1400"/>
+              <a:buClr>
+                <a:schemeClr val="dk1"/>
+              </a:buClr>
+              <a:buSzPts val="1400"/>
+              <a:buFont typeface="Calibri"/>
               <a:buNone/>
               <a:defRPr b="0" i="0" sz="4400" u="none" cap="none" strike="noStrike">
                 <a:solidFill>
@@ -10291,7 +11734,11 @@
               <a:spcAft>
                 <a:spcPts val="0"/>
               </a:spcAft>
-              <a:buSzPts val="1400"/>
+              <a:buClr>
+                <a:schemeClr val="dk1"/>
+              </a:buClr>
+              <a:buSzPts val="1400"/>
+              <a:buFont typeface="Calibri"/>
               <a:buNone/>
               <a:defRPr b="0" i="0" sz="4400" u="none" cap="none" strike="noStrike">
                 <a:solidFill>
@@ -10310,7 +11757,11 @@
               <a:spcAft>
                 <a:spcPts val="0"/>
               </a:spcAft>
-              <a:buSzPts val="1400"/>
+              <a:buClr>
+                <a:schemeClr val="dk1"/>
+              </a:buClr>
+              <a:buSzPts val="1400"/>
+              <a:buFont typeface="Calibri"/>
               <a:buNone/>
               <a:defRPr b="0" i="0" sz="4400" u="none" cap="none" strike="noStrike">
                 <a:solidFill>
@@ -10329,7 +11780,11 @@
               <a:spcAft>
                 <a:spcPts val="0"/>
               </a:spcAft>
-              <a:buSzPts val="1400"/>
+              <a:buClr>
+                <a:schemeClr val="dk1"/>
+              </a:buClr>
+              <a:buSzPts val="1400"/>
+              <a:buFont typeface="Calibri"/>
               <a:buNone/>
               <a:defRPr b="0" i="0" sz="4400" u="none" cap="none" strike="noStrike">
                 <a:solidFill>
@@ -10348,7 +11803,11 @@
               <a:spcAft>
                 <a:spcPts val="0"/>
               </a:spcAft>
-              <a:buSzPts val="1400"/>
+              <a:buClr>
+                <a:schemeClr val="dk1"/>
+              </a:buClr>
+              <a:buSzPts val="1400"/>
+              <a:buFont typeface="Calibri"/>
               <a:buNone/>
               <a:defRPr b="0" i="0" sz="4400" u="none" cap="none" strike="noStrike">
                 <a:solidFill>
@@ -10367,7 +11826,11 @@
               <a:spcAft>
                 <a:spcPts val="0"/>
               </a:spcAft>
-              <a:buSzPts val="1400"/>
+              <a:buClr>
+                <a:schemeClr val="dk1"/>
+              </a:buClr>
+              <a:buSzPts val="1400"/>
+              <a:buFont typeface="Calibri"/>
               <a:buNone/>
               <a:defRPr b="0" i="0" sz="4400" u="none" cap="none" strike="noStrike">
                 <a:solidFill>
@@ -10386,7 +11849,11 @@
               <a:spcAft>
                 <a:spcPts val="0"/>
               </a:spcAft>
-              <a:buSzPts val="1400"/>
+              <a:buClr>
+                <a:schemeClr val="dk1"/>
+              </a:buClr>
+              <a:buSzPts val="1400"/>
+              <a:buFont typeface="Calibri"/>
               <a:buNone/>
               <a:defRPr b="0" i="0" sz="4400" u="none" cap="none" strike="noStrike">
                 <a:solidFill>
@@ -10427,6 +11894,9 @@
           <a:bodyPr anchorCtr="0" anchor="b" bIns="91425" lIns="91425" spcFirstLastPara="1" rIns="91425" wrap="square" tIns="91425"/>
           <a:lstStyle>
             <a:lvl1pPr indent="-228600" lvl="0" marL="457200" marR="0" rtl="0" algn="l">
+              <a:lnSpc>
+                <a:spcPct val="100000"/>
+              </a:lnSpc>
               <a:spcBef>
                 <a:spcPts val="480"/>
               </a:spcBef>
@@ -10439,7 +11909,7 @@
               <a:buSzPts val="2400"/>
               <a:buFont typeface="Arial"/>
               <a:buNone/>
-              <a:defRPr b="1" sz="2400">
+              <a:defRPr b="1" i="0" sz="2400" u="none" cap="none" strike="noStrike">
                 <a:solidFill>
                   <a:schemeClr val="dk1"/>
                 </a:solidFill>
@@ -10450,6 +11920,9 @@
               </a:defRPr>
             </a:lvl1pPr>
             <a:lvl2pPr indent="-228600" lvl="1" marL="914400" marR="0" rtl="0" algn="l">
+              <a:lnSpc>
+                <a:spcPct val="100000"/>
+              </a:lnSpc>
               <a:spcBef>
                 <a:spcPts val="400"/>
               </a:spcBef>
@@ -10473,6 +11946,9 @@
               </a:defRPr>
             </a:lvl2pPr>
             <a:lvl3pPr indent="-228600" lvl="2" marL="1371600" marR="0" rtl="0" algn="l">
+              <a:lnSpc>
+                <a:spcPct val="100000"/>
+              </a:lnSpc>
               <a:spcBef>
                 <a:spcPts val="360"/>
               </a:spcBef>
@@ -10496,6 +11972,9 @@
               </a:defRPr>
             </a:lvl3pPr>
             <a:lvl4pPr indent="-228600" lvl="3" marL="1828800" marR="0" rtl="0" algn="l">
+              <a:lnSpc>
+                <a:spcPct val="100000"/>
+              </a:lnSpc>
               <a:spcBef>
                 <a:spcPts val="320"/>
               </a:spcBef>
@@ -10519,6 +11998,9 @@
               </a:defRPr>
             </a:lvl4pPr>
             <a:lvl5pPr indent="-228600" lvl="4" marL="2286000" marR="0" rtl="0" algn="l">
+              <a:lnSpc>
+                <a:spcPct val="100000"/>
+              </a:lnSpc>
               <a:spcBef>
                 <a:spcPts val="320"/>
               </a:spcBef>
@@ -10542,6 +12024,9 @@
               </a:defRPr>
             </a:lvl5pPr>
             <a:lvl6pPr indent="-228600" lvl="5" marL="2743200" marR="0" rtl="0" algn="l">
+              <a:lnSpc>
+                <a:spcPct val="100000"/>
+              </a:lnSpc>
               <a:spcBef>
                 <a:spcPts val="320"/>
               </a:spcBef>
@@ -10565,6 +12050,9 @@
               </a:defRPr>
             </a:lvl6pPr>
             <a:lvl7pPr indent="-228600" lvl="6" marL="3200400" marR="0" rtl="0" algn="l">
+              <a:lnSpc>
+                <a:spcPct val="100000"/>
+              </a:lnSpc>
               <a:spcBef>
                 <a:spcPts val="320"/>
               </a:spcBef>
@@ -10588,6 +12076,9 @@
               </a:defRPr>
             </a:lvl7pPr>
             <a:lvl8pPr indent="-228600" lvl="7" marL="3657600" marR="0" rtl="0" algn="l">
+              <a:lnSpc>
+                <a:spcPct val="100000"/>
+              </a:lnSpc>
               <a:spcBef>
                 <a:spcPts val="320"/>
               </a:spcBef>
@@ -10611,6 +12102,9 @@
               </a:defRPr>
             </a:lvl8pPr>
             <a:lvl9pPr indent="-228600" lvl="8" marL="4114800" marR="0" rtl="0" algn="l">
+              <a:lnSpc>
+                <a:spcPct val="100000"/>
+              </a:lnSpc>
               <a:spcBef>
                 <a:spcPts val="320"/>
               </a:spcBef>
@@ -10662,6 +12156,9 @@
           <a:bodyPr anchorCtr="0" anchor="t" bIns="91425" lIns="91425" spcFirstLastPara="1" rIns="91425" wrap="square" tIns="91425"/>
           <a:lstStyle>
             <a:lvl1pPr indent="-381000" lvl="0" marL="457200" marR="0" rtl="0" algn="l">
+              <a:lnSpc>
+                <a:spcPct val="100000"/>
+              </a:lnSpc>
               <a:spcBef>
                 <a:spcPts val="480"/>
               </a:spcBef>
@@ -10674,7 +12171,7 @@
               <a:buSzPts val="2400"/>
               <a:buFont typeface="Arial"/>
               <a:buChar char="•"/>
-              <a:defRPr sz="2400">
+              <a:defRPr b="0" i="0" sz="2400" u="none" cap="none" strike="noStrike">
                 <a:solidFill>
                   <a:schemeClr val="dk1"/>
                 </a:solidFill>
@@ -10685,6 +12182,9 @@
               </a:defRPr>
             </a:lvl1pPr>
             <a:lvl2pPr indent="-355600" lvl="1" marL="914400" marR="0" rtl="0" algn="l">
+              <a:lnSpc>
+                <a:spcPct val="100000"/>
+              </a:lnSpc>
               <a:spcBef>
                 <a:spcPts val="400"/>
               </a:spcBef>
@@ -10708,6 +12208,9 @@
               </a:defRPr>
             </a:lvl2pPr>
             <a:lvl3pPr indent="-342900" lvl="2" marL="1371600" marR="0" rtl="0" algn="l">
+              <a:lnSpc>
+                <a:spcPct val="100000"/>
+              </a:lnSpc>
               <a:spcBef>
                 <a:spcPts val="360"/>
               </a:spcBef>
@@ -10731,6 +12234,9 @@
               </a:defRPr>
             </a:lvl3pPr>
             <a:lvl4pPr indent="-330200" lvl="3" marL="1828800" marR="0" rtl="0" algn="l">
+              <a:lnSpc>
+                <a:spcPct val="100000"/>
+              </a:lnSpc>
               <a:spcBef>
                 <a:spcPts val="320"/>
               </a:spcBef>
@@ -10754,6 +12260,9 @@
               </a:defRPr>
             </a:lvl4pPr>
             <a:lvl5pPr indent="-330200" lvl="4" marL="2286000" marR="0" rtl="0" algn="l">
+              <a:lnSpc>
+                <a:spcPct val="100000"/>
+              </a:lnSpc>
               <a:spcBef>
                 <a:spcPts val="320"/>
               </a:spcBef>
@@ -10777,6 +12286,9 @@
               </a:defRPr>
             </a:lvl5pPr>
             <a:lvl6pPr indent="-330200" lvl="5" marL="2743200" marR="0" rtl="0" algn="l">
+              <a:lnSpc>
+                <a:spcPct val="100000"/>
+              </a:lnSpc>
               <a:spcBef>
                 <a:spcPts val="320"/>
               </a:spcBef>
@@ -10800,6 +12312,9 @@
               </a:defRPr>
             </a:lvl6pPr>
             <a:lvl7pPr indent="-330200" lvl="6" marL="3200400" marR="0" rtl="0" algn="l">
+              <a:lnSpc>
+                <a:spcPct val="100000"/>
+              </a:lnSpc>
               <a:spcBef>
                 <a:spcPts val="320"/>
               </a:spcBef>
@@ -10823,6 +12338,9 @@
               </a:defRPr>
             </a:lvl7pPr>
             <a:lvl8pPr indent="-330200" lvl="7" marL="3657600" marR="0" rtl="0" algn="l">
+              <a:lnSpc>
+                <a:spcPct val="100000"/>
+              </a:lnSpc>
               <a:spcBef>
                 <a:spcPts val="320"/>
               </a:spcBef>
@@ -10846,6 +12364,9 @@
               </a:defRPr>
             </a:lvl8pPr>
             <a:lvl9pPr indent="-330200" lvl="8" marL="4114800" marR="0" rtl="0" algn="l">
+              <a:lnSpc>
+                <a:spcPct val="100000"/>
+              </a:lnSpc>
               <a:spcBef>
                 <a:spcPts val="320"/>
               </a:spcBef>
@@ -10897,6 +12418,9 @@
           <a:bodyPr anchorCtr="0" anchor="b" bIns="91425" lIns="91425" spcFirstLastPara="1" rIns="91425" wrap="square" tIns="91425"/>
           <a:lstStyle>
             <a:lvl1pPr indent="-228600" lvl="0" marL="457200" marR="0" rtl="0" algn="l">
+              <a:lnSpc>
+                <a:spcPct val="100000"/>
+              </a:lnSpc>
               <a:spcBef>
                 <a:spcPts val="480"/>
               </a:spcBef>
@@ -10909,7 +12433,7 @@
               <a:buSzPts val="2400"/>
               <a:buFont typeface="Arial"/>
               <a:buNone/>
-              <a:defRPr b="1" sz="2400">
+              <a:defRPr b="1" i="0" sz="2400" u="none" cap="none" strike="noStrike">
                 <a:solidFill>
                   <a:schemeClr val="dk1"/>
                 </a:solidFill>
@@ -10920,6 +12444,9 @@
               </a:defRPr>
             </a:lvl1pPr>
             <a:lvl2pPr indent="-228600" lvl="1" marL="914400" marR="0" rtl="0" algn="l">
+              <a:lnSpc>
+                <a:spcPct val="100000"/>
+              </a:lnSpc>
               <a:spcBef>
                 <a:spcPts val="400"/>
               </a:spcBef>
@@ -10943,6 +12470,9 @@
               </a:defRPr>
             </a:lvl2pPr>
             <a:lvl3pPr indent="-228600" lvl="2" marL="1371600" marR="0" rtl="0" algn="l">
+              <a:lnSpc>
+                <a:spcPct val="100000"/>
+              </a:lnSpc>
               <a:spcBef>
                 <a:spcPts val="360"/>
               </a:spcBef>
@@ -10966,6 +12496,9 @@
               </a:defRPr>
             </a:lvl3pPr>
             <a:lvl4pPr indent="-228600" lvl="3" marL="1828800" marR="0" rtl="0" algn="l">
+              <a:lnSpc>
+                <a:spcPct val="100000"/>
+              </a:lnSpc>
               <a:spcBef>
                 <a:spcPts val="320"/>
               </a:spcBef>
@@ -10989,6 +12522,9 @@
               </a:defRPr>
             </a:lvl4pPr>
             <a:lvl5pPr indent="-228600" lvl="4" marL="2286000" marR="0" rtl="0" algn="l">
+              <a:lnSpc>
+                <a:spcPct val="100000"/>
+              </a:lnSpc>
               <a:spcBef>
                 <a:spcPts val="320"/>
               </a:spcBef>
@@ -11012,6 +12548,9 @@
               </a:defRPr>
             </a:lvl5pPr>
             <a:lvl6pPr indent="-228600" lvl="5" marL="2743200" marR="0" rtl="0" algn="l">
+              <a:lnSpc>
+                <a:spcPct val="100000"/>
+              </a:lnSpc>
               <a:spcBef>
                 <a:spcPts val="320"/>
               </a:spcBef>
@@ -11035,6 +12574,9 @@
               </a:defRPr>
             </a:lvl6pPr>
             <a:lvl7pPr indent="-228600" lvl="6" marL="3200400" marR="0" rtl="0" algn="l">
+              <a:lnSpc>
+                <a:spcPct val="100000"/>
+              </a:lnSpc>
               <a:spcBef>
                 <a:spcPts val="320"/>
               </a:spcBef>
@@ -11058,6 +12600,9 @@
               </a:defRPr>
             </a:lvl7pPr>
             <a:lvl8pPr indent="-228600" lvl="7" marL="3657600" marR="0" rtl="0" algn="l">
+              <a:lnSpc>
+                <a:spcPct val="100000"/>
+              </a:lnSpc>
               <a:spcBef>
                 <a:spcPts val="320"/>
               </a:spcBef>
@@ -11081,6 +12626,9 @@
               </a:defRPr>
             </a:lvl8pPr>
             <a:lvl9pPr indent="-228600" lvl="8" marL="4114800" marR="0" rtl="0" algn="l">
+              <a:lnSpc>
+                <a:spcPct val="100000"/>
+              </a:lnSpc>
               <a:spcBef>
                 <a:spcPts val="320"/>
               </a:spcBef>
@@ -11132,6 +12680,9 @@
           <a:bodyPr anchorCtr="0" anchor="t" bIns="91425" lIns="91425" spcFirstLastPara="1" rIns="91425" wrap="square" tIns="91425"/>
           <a:lstStyle>
             <a:lvl1pPr indent="-381000" lvl="0" marL="457200" marR="0" rtl="0" algn="l">
+              <a:lnSpc>
+                <a:spcPct val="100000"/>
+              </a:lnSpc>
               <a:spcBef>
                 <a:spcPts val="480"/>
               </a:spcBef>
@@ -11144,7 +12695,7 @@
               <a:buSzPts val="2400"/>
               <a:buFont typeface="Arial"/>
               <a:buChar char="•"/>
-              <a:defRPr sz="2400">
+              <a:defRPr b="0" i="0" sz="2400" u="none" cap="none" strike="noStrike">
                 <a:solidFill>
                   <a:schemeClr val="dk1"/>
                 </a:solidFill>
@@ -11155,6 +12706,9 @@
               </a:defRPr>
             </a:lvl1pPr>
             <a:lvl2pPr indent="-355600" lvl="1" marL="914400" marR="0" rtl="0" algn="l">
+              <a:lnSpc>
+                <a:spcPct val="100000"/>
+              </a:lnSpc>
               <a:spcBef>
                 <a:spcPts val="400"/>
               </a:spcBef>
@@ -11178,6 +12732,9 @@
               </a:defRPr>
             </a:lvl2pPr>
             <a:lvl3pPr indent="-342900" lvl="2" marL="1371600" marR="0" rtl="0" algn="l">
+              <a:lnSpc>
+                <a:spcPct val="100000"/>
+              </a:lnSpc>
               <a:spcBef>
                 <a:spcPts val="360"/>
               </a:spcBef>
@@ -11201,6 +12758,9 @@
               </a:defRPr>
             </a:lvl3pPr>
             <a:lvl4pPr indent="-330200" lvl="3" marL="1828800" marR="0" rtl="0" algn="l">
+              <a:lnSpc>
+                <a:spcPct val="100000"/>
+              </a:lnSpc>
               <a:spcBef>
                 <a:spcPts val="320"/>
               </a:spcBef>
@@ -11224,6 +12784,9 @@
               </a:defRPr>
             </a:lvl4pPr>
             <a:lvl5pPr indent="-330200" lvl="4" marL="2286000" marR="0" rtl="0" algn="l">
+              <a:lnSpc>
+                <a:spcPct val="100000"/>
+              </a:lnSpc>
               <a:spcBef>
                 <a:spcPts val="320"/>
               </a:spcBef>
@@ -11247,6 +12810,9 @@
               </a:defRPr>
             </a:lvl5pPr>
             <a:lvl6pPr indent="-330200" lvl="5" marL="2743200" marR="0" rtl="0" algn="l">
+              <a:lnSpc>
+                <a:spcPct val="100000"/>
+              </a:lnSpc>
               <a:spcBef>
                 <a:spcPts val="320"/>
               </a:spcBef>
@@ -11270,6 +12836,9 @@
               </a:defRPr>
             </a:lvl6pPr>
             <a:lvl7pPr indent="-330200" lvl="6" marL="3200400" marR="0" rtl="0" algn="l">
+              <a:lnSpc>
+                <a:spcPct val="100000"/>
+              </a:lnSpc>
               <a:spcBef>
                 <a:spcPts val="320"/>
               </a:spcBef>
@@ -11293,6 +12862,9 @@
               </a:defRPr>
             </a:lvl7pPr>
             <a:lvl8pPr indent="-330200" lvl="7" marL="3657600" marR="0" rtl="0" algn="l">
+              <a:lnSpc>
+                <a:spcPct val="100000"/>
+              </a:lnSpc>
               <a:spcBef>
                 <a:spcPts val="320"/>
               </a:spcBef>
@@ -11316,6 +12888,9 @@
               </a:defRPr>
             </a:lvl8pPr>
             <a:lvl9pPr indent="-330200" lvl="8" marL="4114800" marR="0" rtl="0" algn="l">
+              <a:lnSpc>
+                <a:spcPct val="100000"/>
+              </a:lnSpc>
               <a:spcBef>
                 <a:spcPts val="320"/>
               </a:spcBef>
@@ -11376,9 +12951,13 @@
               <a:spcAft>
                 <a:spcPts val="0"/>
               </a:spcAft>
-              <a:buSzPts val="1400"/>
-              <a:buNone/>
-              <a:defRPr b="0" i="0" sz="1200" u="none">
+              <a:buClr>
+                <a:srgbClr val="898989"/>
+              </a:buClr>
+              <a:buSzPts val="1400"/>
+              <a:buFont typeface="Calibri"/>
+              <a:buNone/>
+              <a:defRPr b="0" i="0" sz="1200" u="none" cap="none" strike="noStrike">
                 <a:solidFill>
                   <a:srgbClr val="898989"/>
                 </a:solidFill>
@@ -11398,7 +12977,11 @@
               <a:spcAft>
                 <a:spcPts val="0"/>
               </a:spcAft>
-              <a:buSzPts val="1400"/>
+              <a:buClr>
+                <a:schemeClr val="dk1"/>
+              </a:buClr>
+              <a:buSzPts val="1400"/>
+              <a:buFont typeface="Arial"/>
               <a:buNone/>
               <a:defRPr b="0" i="0" sz="1800" u="none" cap="none" strike="noStrike">
                 <a:solidFill>
@@ -11420,7 +13003,11 @@
               <a:spcAft>
                 <a:spcPts val="0"/>
               </a:spcAft>
-              <a:buSzPts val="1400"/>
+              <a:buClr>
+                <a:schemeClr val="dk1"/>
+              </a:buClr>
+              <a:buSzPts val="1400"/>
+              <a:buFont typeface="Arial"/>
               <a:buNone/>
               <a:defRPr b="0" i="0" sz="1800" u="none" cap="none" strike="noStrike">
                 <a:solidFill>
@@ -11442,7 +13029,11 @@
               <a:spcAft>
                 <a:spcPts val="0"/>
               </a:spcAft>
-              <a:buSzPts val="1400"/>
+              <a:buClr>
+                <a:schemeClr val="dk1"/>
+              </a:buClr>
+              <a:buSzPts val="1400"/>
+              <a:buFont typeface="Arial"/>
               <a:buNone/>
               <a:defRPr b="0" i="0" sz="1800" u="none" cap="none" strike="noStrike">
                 <a:solidFill>
@@ -11464,7 +13055,11 @@
               <a:spcAft>
                 <a:spcPts val="0"/>
               </a:spcAft>
-              <a:buSzPts val="1400"/>
+              <a:buClr>
+                <a:schemeClr val="dk1"/>
+              </a:buClr>
+              <a:buSzPts val="1400"/>
+              <a:buFont typeface="Arial"/>
               <a:buNone/>
               <a:defRPr b="0" i="0" sz="1800" u="none" cap="none" strike="noStrike">
                 <a:solidFill>
@@ -11486,7 +13081,11 @@
               <a:spcAft>
                 <a:spcPts val="0"/>
               </a:spcAft>
-              <a:buSzPts val="1400"/>
+              <a:buClr>
+                <a:schemeClr val="dk1"/>
+              </a:buClr>
+              <a:buSzPts val="1400"/>
+              <a:buFont typeface="Arial"/>
               <a:buNone/>
               <a:defRPr b="0" i="0" sz="1800" u="none" cap="none" strike="noStrike">
                 <a:solidFill>
@@ -11508,7 +13107,11 @@
               <a:spcAft>
                 <a:spcPts val="0"/>
               </a:spcAft>
-              <a:buSzPts val="1400"/>
+              <a:buClr>
+                <a:schemeClr val="dk1"/>
+              </a:buClr>
+              <a:buSzPts val="1400"/>
+              <a:buFont typeface="Arial"/>
               <a:buNone/>
               <a:defRPr b="0" i="0" sz="1800" u="none" cap="none" strike="noStrike">
                 <a:solidFill>
@@ -11530,7 +13133,11 @@
               <a:spcAft>
                 <a:spcPts val="0"/>
               </a:spcAft>
-              <a:buSzPts val="1400"/>
+              <a:buClr>
+                <a:schemeClr val="dk1"/>
+              </a:buClr>
+              <a:buSzPts val="1400"/>
+              <a:buFont typeface="Arial"/>
               <a:buNone/>
               <a:defRPr b="0" i="0" sz="1800" u="none" cap="none" strike="noStrike">
                 <a:solidFill>
@@ -11552,7 +13159,11 @@
               <a:spcAft>
                 <a:spcPts val="0"/>
               </a:spcAft>
-              <a:buSzPts val="1400"/>
+              <a:buClr>
+                <a:schemeClr val="dk1"/>
+              </a:buClr>
+              <a:buSzPts val="1400"/>
+              <a:buFont typeface="Arial"/>
               <a:buNone/>
               <a:defRPr b="0" i="0" sz="1800" u="none" cap="none" strike="noStrike">
                 <a:solidFill>
@@ -11602,9 +13213,13 @@
               <a:spcAft>
                 <a:spcPts val="0"/>
               </a:spcAft>
-              <a:buSzPts val="1400"/>
-              <a:buNone/>
-              <a:defRPr b="0" i="0" sz="1800" u="none">
+              <a:buClr>
+                <a:schemeClr val="dk1"/>
+              </a:buClr>
+              <a:buSzPts val="1400"/>
+              <a:buFont typeface="Arial"/>
+              <a:buNone/>
+              <a:defRPr b="0" i="0" sz="1800" u="none" cap="none" strike="noStrike">
                 <a:solidFill>
                   <a:schemeClr val="dk1"/>
                 </a:solidFill>
@@ -11624,7 +13239,11 @@
               <a:spcAft>
                 <a:spcPts val="0"/>
               </a:spcAft>
-              <a:buSzPts val="1400"/>
+              <a:buClr>
+                <a:schemeClr val="dk1"/>
+              </a:buClr>
+              <a:buSzPts val="1400"/>
+              <a:buFont typeface="Arial"/>
               <a:buNone/>
               <a:defRPr b="0" i="0" sz="1800" u="none" cap="none" strike="noStrike">
                 <a:solidFill>
@@ -11646,7 +13265,11 @@
               <a:spcAft>
                 <a:spcPts val="0"/>
               </a:spcAft>
-              <a:buSzPts val="1400"/>
+              <a:buClr>
+                <a:schemeClr val="dk1"/>
+              </a:buClr>
+              <a:buSzPts val="1400"/>
+              <a:buFont typeface="Arial"/>
               <a:buNone/>
               <a:defRPr b="0" i="0" sz="1800" u="none" cap="none" strike="noStrike">
                 <a:solidFill>
@@ -11668,7 +13291,11 @@
               <a:spcAft>
                 <a:spcPts val="0"/>
               </a:spcAft>
-              <a:buSzPts val="1400"/>
+              <a:buClr>
+                <a:schemeClr val="dk1"/>
+              </a:buClr>
+              <a:buSzPts val="1400"/>
+              <a:buFont typeface="Arial"/>
               <a:buNone/>
               <a:defRPr b="0" i="0" sz="1800" u="none" cap="none" strike="noStrike">
                 <a:solidFill>
@@ -11690,7 +13317,11 @@
               <a:spcAft>
                 <a:spcPts val="0"/>
               </a:spcAft>
-              <a:buSzPts val="1400"/>
+              <a:buClr>
+                <a:schemeClr val="dk1"/>
+              </a:buClr>
+              <a:buSzPts val="1400"/>
+              <a:buFont typeface="Arial"/>
               <a:buNone/>
               <a:defRPr b="0" i="0" sz="1800" u="none" cap="none" strike="noStrike">
                 <a:solidFill>
@@ -11712,7 +13343,11 @@
               <a:spcAft>
                 <a:spcPts val="0"/>
               </a:spcAft>
-              <a:buSzPts val="1400"/>
+              <a:buClr>
+                <a:schemeClr val="dk1"/>
+              </a:buClr>
+              <a:buSzPts val="1400"/>
+              <a:buFont typeface="Arial"/>
               <a:buNone/>
               <a:defRPr b="0" i="0" sz="1800" u="none" cap="none" strike="noStrike">
                 <a:solidFill>
@@ -11734,7 +13369,11 @@
               <a:spcAft>
                 <a:spcPts val="0"/>
               </a:spcAft>
-              <a:buSzPts val="1400"/>
+              <a:buClr>
+                <a:schemeClr val="dk1"/>
+              </a:buClr>
+              <a:buSzPts val="1400"/>
+              <a:buFont typeface="Arial"/>
               <a:buNone/>
               <a:defRPr b="0" i="0" sz="1800" u="none" cap="none" strike="noStrike">
                 <a:solidFill>
@@ -11756,7 +13395,11 @@
               <a:spcAft>
                 <a:spcPts val="0"/>
               </a:spcAft>
-              <a:buSzPts val="1400"/>
+              <a:buClr>
+                <a:schemeClr val="dk1"/>
+              </a:buClr>
+              <a:buSzPts val="1400"/>
+              <a:buFont typeface="Arial"/>
               <a:buNone/>
               <a:defRPr b="0" i="0" sz="1800" u="none" cap="none" strike="noStrike">
                 <a:solidFill>
@@ -11778,7 +13421,11 @@
               <a:spcAft>
                 <a:spcPts val="0"/>
               </a:spcAft>
-              <a:buSzPts val="1400"/>
+              <a:buClr>
+                <a:schemeClr val="dk1"/>
+              </a:buClr>
+              <a:buSzPts val="1400"/>
+              <a:buFont typeface="Arial"/>
               <a:buNone/>
               <a:defRPr b="0" i="0" sz="1800" u="none" cap="none" strike="noStrike">
                 <a:solidFill>
@@ -11839,7 +13486,7 @@
               <a:buNone/>
             </a:pPr>
             <a:fld id="{00000000-1234-1234-1234-123412341234}" type="slidenum">
-              <a:rPr b="0" i="0" lang="en-US" sz="1200" u="none">
+              <a:rPr b="0" i="0" lang="en-US" sz="1200" u="none" cap="none" strike="noStrike">
                 <a:solidFill>
                   <a:srgbClr val="898989"/>
                 </a:solidFill>
@@ -11850,7 +13497,15 @@
               </a:rPr>
               <a:t>‹#›</a:t>
             </a:fld>
-            <a:endParaRPr/>
+            <a:endParaRPr b="0" i="0" sz="1400" u="none" cap="none" strike="noStrike">
+              <a:solidFill>
+                <a:srgbClr val="000000"/>
+              </a:solidFill>
+              <a:latin typeface="Arial"/>
+              <a:ea typeface="Arial"/>
+              <a:cs typeface="Arial"/>
+              <a:sym typeface="Arial"/>
+            </a:endParaRPr>
           </a:p>
         </p:txBody>
       </p:sp>
@@ -11904,13 +13559,20 @@
           <a:bodyPr anchorCtr="0" anchor="ctr" bIns="91425" lIns="91425" spcFirstLastPara="1" rIns="91425" wrap="square" tIns="91425"/>
           <a:lstStyle>
             <a:lvl1pPr lvl="0" marR="0" rtl="0" algn="ctr">
-              <a:spcBef>
-                <a:spcPts val="0"/>
-              </a:spcBef>
-              <a:spcAft>
-                <a:spcPts val="0"/>
-              </a:spcAft>
-              <a:buSzPts val="1400"/>
+              <a:lnSpc>
+                <a:spcPct val="100000"/>
+              </a:lnSpc>
+              <a:spcBef>
+                <a:spcPts val="0"/>
+              </a:spcBef>
+              <a:spcAft>
+                <a:spcPts val="0"/>
+              </a:spcAft>
+              <a:buClr>
+                <a:schemeClr val="dk1"/>
+              </a:buClr>
+              <a:buSzPts val="1400"/>
+              <a:buFont typeface="Calibri"/>
               <a:buNone/>
               <a:defRPr b="0" i="0" sz="4400" u="none" cap="none" strike="noStrike">
                 <a:solidFill>
@@ -11929,7 +13591,11 @@
               <a:spcAft>
                 <a:spcPts val="0"/>
               </a:spcAft>
-              <a:buSzPts val="1400"/>
+              <a:buClr>
+                <a:schemeClr val="dk1"/>
+              </a:buClr>
+              <a:buSzPts val="1400"/>
+              <a:buFont typeface="Calibri"/>
               <a:buNone/>
               <a:defRPr b="0" i="0" sz="4400" u="none" cap="none" strike="noStrike">
                 <a:solidFill>
@@ -11948,7 +13614,11 @@
               <a:spcAft>
                 <a:spcPts val="0"/>
               </a:spcAft>
-              <a:buSzPts val="1400"/>
+              <a:buClr>
+                <a:schemeClr val="dk1"/>
+              </a:buClr>
+              <a:buSzPts val="1400"/>
+              <a:buFont typeface="Calibri"/>
               <a:buNone/>
               <a:defRPr b="0" i="0" sz="4400" u="none" cap="none" strike="noStrike">
                 <a:solidFill>
@@ -11967,7 +13637,11 @@
               <a:spcAft>
                 <a:spcPts val="0"/>
               </a:spcAft>
-              <a:buSzPts val="1400"/>
+              <a:buClr>
+                <a:schemeClr val="dk1"/>
+              </a:buClr>
+              <a:buSzPts val="1400"/>
+              <a:buFont typeface="Calibri"/>
               <a:buNone/>
               <a:defRPr b="0" i="0" sz="4400" u="none" cap="none" strike="noStrike">
                 <a:solidFill>
@@ -11986,7 +13660,11 @@
               <a:spcAft>
                 <a:spcPts val="0"/>
               </a:spcAft>
-              <a:buSzPts val="1400"/>
+              <a:buClr>
+                <a:schemeClr val="dk1"/>
+              </a:buClr>
+              <a:buSzPts val="1400"/>
+              <a:buFont typeface="Calibri"/>
               <a:buNone/>
               <a:defRPr b="0" i="0" sz="4400" u="none" cap="none" strike="noStrike">
                 <a:solidFill>
@@ -12005,7 +13683,11 @@
               <a:spcAft>
                 <a:spcPts val="0"/>
               </a:spcAft>
-              <a:buSzPts val="1400"/>
+              <a:buClr>
+                <a:schemeClr val="dk1"/>
+              </a:buClr>
+              <a:buSzPts val="1400"/>
+              <a:buFont typeface="Calibri"/>
               <a:buNone/>
               <a:defRPr b="0" i="0" sz="4400" u="none" cap="none" strike="noStrike">
                 <a:solidFill>
@@ -12024,7 +13706,11 @@
               <a:spcAft>
                 <a:spcPts val="0"/>
               </a:spcAft>
-              <a:buSzPts val="1400"/>
+              <a:buClr>
+                <a:schemeClr val="dk1"/>
+              </a:buClr>
+              <a:buSzPts val="1400"/>
+              <a:buFont typeface="Calibri"/>
               <a:buNone/>
               <a:defRPr b="0" i="0" sz="4400" u="none" cap="none" strike="noStrike">
                 <a:solidFill>
@@ -12043,7 +13729,11 @@
               <a:spcAft>
                 <a:spcPts val="0"/>
               </a:spcAft>
-              <a:buSzPts val="1400"/>
+              <a:buClr>
+                <a:schemeClr val="dk1"/>
+              </a:buClr>
+              <a:buSzPts val="1400"/>
+              <a:buFont typeface="Calibri"/>
               <a:buNone/>
               <a:defRPr b="0" i="0" sz="4400" u="none" cap="none" strike="noStrike">
                 <a:solidFill>
@@ -12062,7 +13752,11 @@
               <a:spcAft>
                 <a:spcPts val="0"/>
               </a:spcAft>
-              <a:buSzPts val="1400"/>
+              <a:buClr>
+                <a:schemeClr val="dk1"/>
+              </a:buClr>
+              <a:buSzPts val="1400"/>
+              <a:buFont typeface="Calibri"/>
               <a:buNone/>
               <a:defRPr b="0" i="0" sz="4400" u="none" cap="none" strike="noStrike">
                 <a:solidFill>
@@ -12103,6 +13797,9 @@
           <a:bodyPr anchorCtr="0" anchor="t" bIns="91425" lIns="91425" spcFirstLastPara="1" rIns="91425" wrap="square" tIns="91425"/>
           <a:lstStyle>
             <a:lvl1pPr indent="-406400" lvl="0" marL="457200" marR="0" rtl="0" algn="l">
+              <a:lnSpc>
+                <a:spcPct val="100000"/>
+              </a:lnSpc>
               <a:spcBef>
                 <a:spcPts val="560"/>
               </a:spcBef>
@@ -12115,7 +13812,7 @@
               <a:buSzPts val="2800"/>
               <a:buFont typeface="Arial"/>
               <a:buChar char="•"/>
-              <a:defRPr sz="2800">
+              <a:defRPr b="0" i="0" sz="2800" u="none" cap="none" strike="noStrike">
                 <a:solidFill>
                   <a:schemeClr val="dk1"/>
                 </a:solidFill>
@@ -12126,6 +13823,9 @@
               </a:defRPr>
             </a:lvl1pPr>
             <a:lvl2pPr indent="-381000" lvl="1" marL="914400" marR="0" rtl="0" algn="l">
+              <a:lnSpc>
+                <a:spcPct val="100000"/>
+              </a:lnSpc>
               <a:spcBef>
                 <a:spcPts val="480"/>
               </a:spcBef>
@@ -12149,6 +13849,9 @@
               </a:defRPr>
             </a:lvl2pPr>
             <a:lvl3pPr indent="-355600" lvl="2" marL="1371600" marR="0" rtl="0" algn="l">
+              <a:lnSpc>
+                <a:spcPct val="100000"/>
+              </a:lnSpc>
               <a:spcBef>
                 <a:spcPts val="400"/>
               </a:spcBef>
@@ -12172,6 +13875,9 @@
               </a:defRPr>
             </a:lvl3pPr>
             <a:lvl4pPr indent="-342900" lvl="3" marL="1828800" marR="0" rtl="0" algn="l">
+              <a:lnSpc>
+                <a:spcPct val="100000"/>
+              </a:lnSpc>
               <a:spcBef>
                 <a:spcPts val="360"/>
               </a:spcBef>
@@ -12195,6 +13901,9 @@
               </a:defRPr>
             </a:lvl4pPr>
             <a:lvl5pPr indent="-342900" lvl="4" marL="2286000" marR="0" rtl="0" algn="l">
+              <a:lnSpc>
+                <a:spcPct val="100000"/>
+              </a:lnSpc>
               <a:spcBef>
                 <a:spcPts val="360"/>
               </a:spcBef>
@@ -12218,6 +13927,9 @@
               </a:defRPr>
             </a:lvl5pPr>
             <a:lvl6pPr indent="-342900" lvl="5" marL="2743200" marR="0" rtl="0" algn="l">
+              <a:lnSpc>
+                <a:spcPct val="100000"/>
+              </a:lnSpc>
               <a:spcBef>
                 <a:spcPts val="360"/>
               </a:spcBef>
@@ -12241,6 +13953,9 @@
               </a:defRPr>
             </a:lvl6pPr>
             <a:lvl7pPr indent="-342900" lvl="6" marL="3200400" marR="0" rtl="0" algn="l">
+              <a:lnSpc>
+                <a:spcPct val="100000"/>
+              </a:lnSpc>
               <a:spcBef>
                 <a:spcPts val="360"/>
               </a:spcBef>
@@ -12264,6 +13979,9 @@
               </a:defRPr>
             </a:lvl7pPr>
             <a:lvl8pPr indent="-342900" lvl="7" marL="3657600" marR="0" rtl="0" algn="l">
+              <a:lnSpc>
+                <a:spcPct val="100000"/>
+              </a:lnSpc>
               <a:spcBef>
                 <a:spcPts val="360"/>
               </a:spcBef>
@@ -12287,6 +14005,9 @@
               </a:defRPr>
             </a:lvl8pPr>
             <a:lvl9pPr indent="-342900" lvl="8" marL="4114800" marR="0" rtl="0" algn="l">
+              <a:lnSpc>
+                <a:spcPct val="100000"/>
+              </a:lnSpc>
               <a:spcBef>
                 <a:spcPts val="360"/>
               </a:spcBef>
@@ -12338,6 +14059,9 @@
           <a:bodyPr anchorCtr="0" anchor="t" bIns="91425" lIns="91425" spcFirstLastPara="1" rIns="91425" wrap="square" tIns="91425"/>
           <a:lstStyle>
             <a:lvl1pPr indent="-406400" lvl="0" marL="457200" marR="0" rtl="0" algn="l">
+              <a:lnSpc>
+                <a:spcPct val="100000"/>
+              </a:lnSpc>
               <a:spcBef>
                 <a:spcPts val="560"/>
               </a:spcBef>
@@ -12350,7 +14074,7 @@
               <a:buSzPts val="2800"/>
               <a:buFont typeface="Arial"/>
               <a:buChar char="•"/>
-              <a:defRPr sz="2800">
+              <a:defRPr b="0" i="0" sz="2800" u="none" cap="none" strike="noStrike">
                 <a:solidFill>
                   <a:schemeClr val="dk1"/>
                 </a:solidFill>
@@ -12361,6 +14085,9 @@
               </a:defRPr>
             </a:lvl1pPr>
             <a:lvl2pPr indent="-381000" lvl="1" marL="914400" marR="0" rtl="0" algn="l">
+              <a:lnSpc>
+                <a:spcPct val="100000"/>
+              </a:lnSpc>
               <a:spcBef>
                 <a:spcPts val="480"/>
               </a:spcBef>
@@ -12384,6 +14111,9 @@
               </a:defRPr>
             </a:lvl2pPr>
             <a:lvl3pPr indent="-355600" lvl="2" marL="1371600" marR="0" rtl="0" algn="l">
+              <a:lnSpc>
+                <a:spcPct val="100000"/>
+              </a:lnSpc>
               <a:spcBef>
                 <a:spcPts val="400"/>
               </a:spcBef>
@@ -12407,6 +14137,9 @@
               </a:defRPr>
             </a:lvl3pPr>
             <a:lvl4pPr indent="-342900" lvl="3" marL="1828800" marR="0" rtl="0" algn="l">
+              <a:lnSpc>
+                <a:spcPct val="100000"/>
+              </a:lnSpc>
               <a:spcBef>
                 <a:spcPts val="360"/>
               </a:spcBef>
@@ -12430,6 +14163,9 @@
               </a:defRPr>
             </a:lvl4pPr>
             <a:lvl5pPr indent="-342900" lvl="4" marL="2286000" marR="0" rtl="0" algn="l">
+              <a:lnSpc>
+                <a:spcPct val="100000"/>
+              </a:lnSpc>
               <a:spcBef>
                 <a:spcPts val="360"/>
               </a:spcBef>
@@ -12453,6 +14189,9 @@
               </a:defRPr>
             </a:lvl5pPr>
             <a:lvl6pPr indent="-342900" lvl="5" marL="2743200" marR="0" rtl="0" algn="l">
+              <a:lnSpc>
+                <a:spcPct val="100000"/>
+              </a:lnSpc>
               <a:spcBef>
                 <a:spcPts val="360"/>
               </a:spcBef>
@@ -12476,6 +14215,9 @@
               </a:defRPr>
             </a:lvl6pPr>
             <a:lvl7pPr indent="-342900" lvl="6" marL="3200400" marR="0" rtl="0" algn="l">
+              <a:lnSpc>
+                <a:spcPct val="100000"/>
+              </a:lnSpc>
               <a:spcBef>
                 <a:spcPts val="360"/>
               </a:spcBef>
@@ -12499,6 +14241,9 @@
               </a:defRPr>
             </a:lvl7pPr>
             <a:lvl8pPr indent="-342900" lvl="7" marL="3657600" marR="0" rtl="0" algn="l">
+              <a:lnSpc>
+                <a:spcPct val="100000"/>
+              </a:lnSpc>
               <a:spcBef>
                 <a:spcPts val="360"/>
               </a:spcBef>
@@ -12522,6 +14267,9 @@
               </a:defRPr>
             </a:lvl8pPr>
             <a:lvl9pPr indent="-342900" lvl="8" marL="4114800" marR="0" rtl="0" algn="l">
+              <a:lnSpc>
+                <a:spcPct val="100000"/>
+              </a:lnSpc>
               <a:spcBef>
                 <a:spcPts val="360"/>
               </a:spcBef>
@@ -12582,9 +14330,13 @@
               <a:spcAft>
                 <a:spcPts val="0"/>
               </a:spcAft>
-              <a:buSzPts val="1400"/>
-              <a:buNone/>
-              <a:defRPr b="0" i="0" sz="1200" u="none">
+              <a:buClr>
+                <a:srgbClr val="898989"/>
+              </a:buClr>
+              <a:buSzPts val="1400"/>
+              <a:buFont typeface="Calibri"/>
+              <a:buNone/>
+              <a:defRPr b="0" i="0" sz="1200" u="none" cap="none" strike="noStrike">
                 <a:solidFill>
                   <a:srgbClr val="898989"/>
                 </a:solidFill>
@@ -12604,7 +14356,11 @@
               <a:spcAft>
                 <a:spcPts val="0"/>
               </a:spcAft>
-              <a:buSzPts val="1400"/>
+              <a:buClr>
+                <a:schemeClr val="dk1"/>
+              </a:buClr>
+              <a:buSzPts val="1400"/>
+              <a:buFont typeface="Arial"/>
               <a:buNone/>
               <a:defRPr b="0" i="0" sz="1800" u="none" cap="none" strike="noStrike">
                 <a:solidFill>
@@ -12626,7 +14382,11 @@
               <a:spcAft>
                 <a:spcPts val="0"/>
               </a:spcAft>
-              <a:buSzPts val="1400"/>
+              <a:buClr>
+                <a:schemeClr val="dk1"/>
+              </a:buClr>
+              <a:buSzPts val="1400"/>
+              <a:buFont typeface="Arial"/>
               <a:buNone/>
               <a:defRPr b="0" i="0" sz="1800" u="none" cap="none" strike="noStrike">
                 <a:solidFill>
@@ -12648,7 +14408,11 @@
               <a:spcAft>
                 <a:spcPts val="0"/>
               </a:spcAft>
-              <a:buSzPts val="1400"/>
+              <a:buClr>
+                <a:schemeClr val="dk1"/>
+              </a:buClr>
+              <a:buSzPts val="1400"/>
+              <a:buFont typeface="Arial"/>
               <a:buNone/>
               <a:defRPr b="0" i="0" sz="1800" u="none" cap="none" strike="noStrike">
                 <a:solidFill>
@@ -12670,7 +14434,11 @@
               <a:spcAft>
                 <a:spcPts val="0"/>
               </a:spcAft>
-              <a:buSzPts val="1400"/>
+              <a:buClr>
+                <a:schemeClr val="dk1"/>
+              </a:buClr>
+              <a:buSzPts val="1400"/>
+              <a:buFont typeface="Arial"/>
               <a:buNone/>
               <a:defRPr b="0" i="0" sz="1800" u="none" cap="none" strike="noStrike">
                 <a:solidFill>
@@ -12692,7 +14460,11 @@
               <a:spcAft>
                 <a:spcPts val="0"/>
               </a:spcAft>
-              <a:buSzPts val="1400"/>
+              <a:buClr>
+                <a:schemeClr val="dk1"/>
+              </a:buClr>
+              <a:buSzPts val="1400"/>
+              <a:buFont typeface="Arial"/>
               <a:buNone/>
               <a:defRPr b="0" i="0" sz="1800" u="none" cap="none" strike="noStrike">
                 <a:solidFill>
@@ -12714,7 +14486,11 @@
               <a:spcAft>
                 <a:spcPts val="0"/>
               </a:spcAft>
-              <a:buSzPts val="1400"/>
+              <a:buClr>
+                <a:schemeClr val="dk1"/>
+              </a:buClr>
+              <a:buSzPts val="1400"/>
+              <a:buFont typeface="Arial"/>
               <a:buNone/>
               <a:defRPr b="0" i="0" sz="1800" u="none" cap="none" strike="noStrike">
                 <a:solidFill>
@@ -12736,7 +14512,11 @@
               <a:spcAft>
                 <a:spcPts val="0"/>
               </a:spcAft>
-              <a:buSzPts val="1400"/>
+              <a:buClr>
+                <a:schemeClr val="dk1"/>
+              </a:buClr>
+              <a:buSzPts val="1400"/>
+              <a:buFont typeface="Arial"/>
               <a:buNone/>
               <a:defRPr b="0" i="0" sz="1800" u="none" cap="none" strike="noStrike">
                 <a:solidFill>
@@ -12758,7 +14538,11 @@
               <a:spcAft>
                 <a:spcPts val="0"/>
               </a:spcAft>
-              <a:buSzPts val="1400"/>
+              <a:buClr>
+                <a:schemeClr val="dk1"/>
+              </a:buClr>
+              <a:buSzPts val="1400"/>
+              <a:buFont typeface="Arial"/>
               <a:buNone/>
               <a:defRPr b="0" i="0" sz="1800" u="none" cap="none" strike="noStrike">
                 <a:solidFill>
@@ -12808,9 +14592,13 @@
               <a:spcAft>
                 <a:spcPts val="0"/>
               </a:spcAft>
-              <a:buSzPts val="1400"/>
-              <a:buNone/>
-              <a:defRPr b="0" i="0" sz="1800" u="none">
+              <a:buClr>
+                <a:schemeClr val="dk1"/>
+              </a:buClr>
+              <a:buSzPts val="1400"/>
+              <a:buFont typeface="Arial"/>
+              <a:buNone/>
+              <a:defRPr b="0" i="0" sz="1800" u="none" cap="none" strike="noStrike">
                 <a:solidFill>
                   <a:schemeClr val="dk1"/>
                 </a:solidFill>
@@ -12830,7 +14618,11 @@
               <a:spcAft>
                 <a:spcPts val="0"/>
               </a:spcAft>
-              <a:buSzPts val="1400"/>
+              <a:buClr>
+                <a:schemeClr val="dk1"/>
+              </a:buClr>
+              <a:buSzPts val="1400"/>
+              <a:buFont typeface="Arial"/>
               <a:buNone/>
               <a:defRPr b="0" i="0" sz="1800" u="none" cap="none" strike="noStrike">
                 <a:solidFill>
@@ -12852,7 +14644,11 @@
               <a:spcAft>
                 <a:spcPts val="0"/>
               </a:spcAft>
-              <a:buSzPts val="1400"/>
+              <a:buClr>
+                <a:schemeClr val="dk1"/>
+              </a:buClr>
+              <a:buSzPts val="1400"/>
+              <a:buFont typeface="Arial"/>
               <a:buNone/>
               <a:defRPr b="0" i="0" sz="1800" u="none" cap="none" strike="noStrike">
                 <a:solidFill>
@@ -12874,7 +14670,11 @@
               <a:spcAft>
                 <a:spcPts val="0"/>
               </a:spcAft>
-              <a:buSzPts val="1400"/>
+              <a:buClr>
+                <a:schemeClr val="dk1"/>
+              </a:buClr>
+              <a:buSzPts val="1400"/>
+              <a:buFont typeface="Arial"/>
               <a:buNone/>
               <a:defRPr b="0" i="0" sz="1800" u="none" cap="none" strike="noStrike">
                 <a:solidFill>
@@ -12896,7 +14696,11 @@
               <a:spcAft>
                 <a:spcPts val="0"/>
               </a:spcAft>
-              <a:buSzPts val="1400"/>
+              <a:buClr>
+                <a:schemeClr val="dk1"/>
+              </a:buClr>
+              <a:buSzPts val="1400"/>
+              <a:buFont typeface="Arial"/>
               <a:buNone/>
               <a:defRPr b="0" i="0" sz="1800" u="none" cap="none" strike="noStrike">
                 <a:solidFill>
@@ -12918,7 +14722,11 @@
               <a:spcAft>
                 <a:spcPts val="0"/>
               </a:spcAft>
-              <a:buSzPts val="1400"/>
+              <a:buClr>
+                <a:schemeClr val="dk1"/>
+              </a:buClr>
+              <a:buSzPts val="1400"/>
+              <a:buFont typeface="Arial"/>
               <a:buNone/>
               <a:defRPr b="0" i="0" sz="1800" u="none" cap="none" strike="noStrike">
                 <a:solidFill>
@@ -12940,7 +14748,11 @@
               <a:spcAft>
                 <a:spcPts val="0"/>
               </a:spcAft>
-              <a:buSzPts val="1400"/>
+              <a:buClr>
+                <a:schemeClr val="dk1"/>
+              </a:buClr>
+              <a:buSzPts val="1400"/>
+              <a:buFont typeface="Arial"/>
               <a:buNone/>
               <a:defRPr b="0" i="0" sz="1800" u="none" cap="none" strike="noStrike">
                 <a:solidFill>
@@ -12962,7 +14774,11 @@
               <a:spcAft>
                 <a:spcPts val="0"/>
               </a:spcAft>
-              <a:buSzPts val="1400"/>
+              <a:buClr>
+                <a:schemeClr val="dk1"/>
+              </a:buClr>
+              <a:buSzPts val="1400"/>
+              <a:buFont typeface="Arial"/>
               <a:buNone/>
               <a:defRPr b="0" i="0" sz="1800" u="none" cap="none" strike="noStrike">
                 <a:solidFill>
@@ -12984,7 +14800,11 @@
               <a:spcAft>
                 <a:spcPts val="0"/>
               </a:spcAft>
-              <a:buSzPts val="1400"/>
+              <a:buClr>
+                <a:schemeClr val="dk1"/>
+              </a:buClr>
+              <a:buSzPts val="1400"/>
+              <a:buFont typeface="Arial"/>
               <a:buNone/>
               <a:defRPr b="0" i="0" sz="1800" u="none" cap="none" strike="noStrike">
                 <a:solidFill>
@@ -13045,7 +14865,7 @@
               <a:buNone/>
             </a:pPr>
             <a:fld id="{00000000-1234-1234-1234-123412341234}" type="slidenum">
-              <a:rPr b="0" i="0" lang="en-US" sz="1200" u="none">
+              <a:rPr b="0" i="0" lang="en-US" sz="1200" u="none" cap="none" strike="noStrike">
                 <a:solidFill>
                   <a:srgbClr val="898989"/>
                 </a:solidFill>
@@ -13056,7 +14876,15 @@
               </a:rPr>
               <a:t>‹#›</a:t>
             </a:fld>
-            <a:endParaRPr/>
+            <a:endParaRPr b="0" i="0" sz="1400" u="none" cap="none" strike="noStrike">
+              <a:solidFill>
+                <a:srgbClr val="000000"/>
+              </a:solidFill>
+              <a:latin typeface="Arial"/>
+              <a:ea typeface="Arial"/>
+              <a:cs typeface="Arial"/>
+              <a:sym typeface="Arial"/>
+            </a:endParaRPr>
           </a:p>
         </p:txBody>
       </p:sp>
@@ -13117,13 +14945,20 @@
           <a:bodyPr anchorCtr="0" anchor="ctr" bIns="91425" lIns="91425" spcFirstLastPara="1" rIns="91425" wrap="square" tIns="91425"/>
           <a:lstStyle>
             <a:lvl1pPr lvl="0" marR="0" rtl="0" algn="ctr">
-              <a:spcBef>
-                <a:spcPts val="0"/>
-              </a:spcBef>
-              <a:spcAft>
-                <a:spcPts val="0"/>
-              </a:spcAft>
-              <a:buSzPts val="1400"/>
+              <a:lnSpc>
+                <a:spcPct val="100000"/>
+              </a:lnSpc>
+              <a:spcBef>
+                <a:spcPts val="0"/>
+              </a:spcBef>
+              <a:spcAft>
+                <a:spcPts val="0"/>
+              </a:spcAft>
+              <a:buClr>
+                <a:schemeClr val="dk1"/>
+              </a:buClr>
+              <a:buSzPts val="1400"/>
+              <a:buFont typeface="Calibri"/>
               <a:buNone/>
               <a:defRPr b="0" i="0" sz="4400" u="none" cap="none" strike="noStrike">
                 <a:solidFill>
@@ -13142,7 +14977,11 @@
               <a:spcAft>
                 <a:spcPts val="0"/>
               </a:spcAft>
-              <a:buSzPts val="1400"/>
+              <a:buClr>
+                <a:schemeClr val="dk1"/>
+              </a:buClr>
+              <a:buSzPts val="1400"/>
+              <a:buFont typeface="Calibri"/>
               <a:buNone/>
               <a:defRPr b="0" i="0" sz="4400" u="none" cap="none" strike="noStrike">
                 <a:solidFill>
@@ -13161,7 +15000,11 @@
               <a:spcAft>
                 <a:spcPts val="0"/>
               </a:spcAft>
-              <a:buSzPts val="1400"/>
+              <a:buClr>
+                <a:schemeClr val="dk1"/>
+              </a:buClr>
+              <a:buSzPts val="1400"/>
+              <a:buFont typeface="Calibri"/>
               <a:buNone/>
               <a:defRPr b="0" i="0" sz="4400" u="none" cap="none" strike="noStrike">
                 <a:solidFill>
@@ -13180,7 +15023,11 @@
               <a:spcAft>
                 <a:spcPts val="0"/>
               </a:spcAft>
-              <a:buSzPts val="1400"/>
+              <a:buClr>
+                <a:schemeClr val="dk1"/>
+              </a:buClr>
+              <a:buSzPts val="1400"/>
+              <a:buFont typeface="Calibri"/>
               <a:buNone/>
               <a:defRPr b="0" i="0" sz="4400" u="none" cap="none" strike="noStrike">
                 <a:solidFill>
@@ -13199,7 +15046,11 @@
               <a:spcAft>
                 <a:spcPts val="0"/>
               </a:spcAft>
-              <a:buSzPts val="1400"/>
+              <a:buClr>
+                <a:schemeClr val="dk1"/>
+              </a:buClr>
+              <a:buSzPts val="1400"/>
+              <a:buFont typeface="Calibri"/>
               <a:buNone/>
               <a:defRPr b="0" i="0" sz="4400" u="none" cap="none" strike="noStrike">
                 <a:solidFill>
@@ -13218,7 +15069,11 @@
               <a:spcAft>
                 <a:spcPts val="0"/>
               </a:spcAft>
-              <a:buSzPts val="1400"/>
+              <a:buClr>
+                <a:schemeClr val="dk1"/>
+              </a:buClr>
+              <a:buSzPts val="1400"/>
+              <a:buFont typeface="Calibri"/>
               <a:buNone/>
               <a:defRPr b="0" i="0" sz="4400" u="none" cap="none" strike="noStrike">
                 <a:solidFill>
@@ -13237,7 +15092,11 @@
               <a:spcAft>
                 <a:spcPts val="0"/>
               </a:spcAft>
-              <a:buSzPts val="1400"/>
+              <a:buClr>
+                <a:schemeClr val="dk1"/>
+              </a:buClr>
+              <a:buSzPts val="1400"/>
+              <a:buFont typeface="Calibri"/>
               <a:buNone/>
               <a:defRPr b="0" i="0" sz="4400" u="none" cap="none" strike="noStrike">
                 <a:solidFill>
@@ -13256,7 +15115,11 @@
               <a:spcAft>
                 <a:spcPts val="0"/>
               </a:spcAft>
-              <a:buSzPts val="1400"/>
+              <a:buClr>
+                <a:schemeClr val="dk1"/>
+              </a:buClr>
+              <a:buSzPts val="1400"/>
+              <a:buFont typeface="Calibri"/>
               <a:buNone/>
               <a:defRPr b="0" i="0" sz="4400" u="none" cap="none" strike="noStrike">
                 <a:solidFill>
@@ -13275,7 +15138,11 @@
               <a:spcAft>
                 <a:spcPts val="0"/>
               </a:spcAft>
-              <a:buSzPts val="1400"/>
+              <a:buClr>
+                <a:schemeClr val="dk1"/>
+              </a:buClr>
+              <a:buSzPts val="1400"/>
+              <a:buFont typeface="Calibri"/>
               <a:buNone/>
               <a:defRPr b="0" i="0" sz="4400" u="none" cap="none" strike="noStrike">
                 <a:solidFill>
@@ -13316,6 +15183,9 @@
           <a:bodyPr anchorCtr="0" anchor="t" bIns="91425" lIns="91425" spcFirstLastPara="1" rIns="91425" wrap="square" tIns="91425"/>
           <a:lstStyle>
             <a:lvl1pPr indent="-431800" lvl="0" marL="457200" marR="0" rtl="0" algn="l">
+              <a:lnSpc>
+                <a:spcPct val="100000"/>
+              </a:lnSpc>
               <a:spcBef>
                 <a:spcPts val="640"/>
               </a:spcBef>
@@ -13339,6 +15209,9 @@
               </a:defRPr>
             </a:lvl1pPr>
             <a:lvl2pPr indent="-406400" lvl="1" marL="914400" marR="0" rtl="0" algn="l">
+              <a:lnSpc>
+                <a:spcPct val="100000"/>
+              </a:lnSpc>
               <a:spcBef>
                 <a:spcPts val="560"/>
               </a:spcBef>
@@ -13362,6 +15235,9 @@
               </a:defRPr>
             </a:lvl2pPr>
             <a:lvl3pPr indent="-381000" lvl="2" marL="1371600" marR="0" rtl="0" algn="l">
+              <a:lnSpc>
+                <a:spcPct val="100000"/>
+              </a:lnSpc>
               <a:spcBef>
                 <a:spcPts val="480"/>
               </a:spcBef>
@@ -13385,6 +15261,9 @@
               </a:defRPr>
             </a:lvl3pPr>
             <a:lvl4pPr indent="-355600" lvl="3" marL="1828800" marR="0" rtl="0" algn="l">
+              <a:lnSpc>
+                <a:spcPct val="100000"/>
+              </a:lnSpc>
               <a:spcBef>
                 <a:spcPts val="400"/>
               </a:spcBef>
@@ -13408,6 +15287,9 @@
               </a:defRPr>
             </a:lvl4pPr>
             <a:lvl5pPr indent="-355600" lvl="4" marL="2286000" marR="0" rtl="0" algn="l">
+              <a:lnSpc>
+                <a:spcPct val="100000"/>
+              </a:lnSpc>
               <a:spcBef>
                 <a:spcPts val="400"/>
               </a:spcBef>
@@ -13431,6 +15313,9 @@
               </a:defRPr>
             </a:lvl5pPr>
             <a:lvl6pPr indent="-355600" lvl="5" marL="2743200" marR="0" rtl="0" algn="l">
+              <a:lnSpc>
+                <a:spcPct val="100000"/>
+              </a:lnSpc>
               <a:spcBef>
                 <a:spcPts val="400"/>
               </a:spcBef>
@@ -13454,6 +15339,9 @@
               </a:defRPr>
             </a:lvl6pPr>
             <a:lvl7pPr indent="-355600" lvl="6" marL="3200400" marR="0" rtl="0" algn="l">
+              <a:lnSpc>
+                <a:spcPct val="100000"/>
+              </a:lnSpc>
               <a:spcBef>
                 <a:spcPts val="400"/>
               </a:spcBef>
@@ -13477,6 +15365,9 @@
               </a:defRPr>
             </a:lvl7pPr>
             <a:lvl8pPr indent="-355600" lvl="7" marL="3657600" marR="0" rtl="0" algn="l">
+              <a:lnSpc>
+                <a:spcPct val="100000"/>
+              </a:lnSpc>
               <a:spcBef>
                 <a:spcPts val="400"/>
               </a:spcBef>
@@ -13500,6 +15391,9 @@
               </a:defRPr>
             </a:lvl8pPr>
             <a:lvl9pPr indent="-355600" lvl="8" marL="4114800" marR="0" rtl="0" algn="l">
+              <a:lnSpc>
+                <a:spcPct val="100000"/>
+              </a:lnSpc>
               <a:spcBef>
                 <a:spcPts val="400"/>
               </a:spcBef>
@@ -13560,7 +15454,11 @@
               <a:spcAft>
                 <a:spcPts val="0"/>
               </a:spcAft>
-              <a:buSzPts val="1400"/>
+              <a:buClr>
+                <a:srgbClr val="898989"/>
+              </a:buClr>
+              <a:buSzPts val="1400"/>
+              <a:buFont typeface="Calibri"/>
               <a:buNone/>
               <a:defRPr b="0" i="0" sz="1200" u="none" cap="none" strike="noStrike">
                 <a:solidFill>
@@ -13582,7 +15480,11 @@
               <a:spcAft>
                 <a:spcPts val="0"/>
               </a:spcAft>
-              <a:buSzPts val="1400"/>
+              <a:buClr>
+                <a:schemeClr val="dk1"/>
+              </a:buClr>
+              <a:buSzPts val="1400"/>
+              <a:buFont typeface="Arial"/>
               <a:buNone/>
               <a:defRPr b="0" i="0" sz="1800" u="none" cap="none" strike="noStrike">
                 <a:solidFill>
@@ -13604,7 +15506,11 @@
               <a:spcAft>
                 <a:spcPts val="0"/>
               </a:spcAft>
-              <a:buSzPts val="1400"/>
+              <a:buClr>
+                <a:schemeClr val="dk1"/>
+              </a:buClr>
+              <a:buSzPts val="1400"/>
+              <a:buFont typeface="Arial"/>
               <a:buNone/>
               <a:defRPr b="0" i="0" sz="1800" u="none" cap="none" strike="noStrike">
                 <a:solidFill>
@@ -13626,7 +15532,11 @@
               <a:spcAft>
                 <a:spcPts val="0"/>
               </a:spcAft>
-              <a:buSzPts val="1400"/>
+              <a:buClr>
+                <a:schemeClr val="dk1"/>
+              </a:buClr>
+              <a:buSzPts val="1400"/>
+              <a:buFont typeface="Arial"/>
               <a:buNone/>
               <a:defRPr b="0" i="0" sz="1800" u="none" cap="none" strike="noStrike">
                 <a:solidFill>
@@ -13648,7 +15558,11 @@
               <a:spcAft>
                 <a:spcPts val="0"/>
               </a:spcAft>
-              <a:buSzPts val="1400"/>
+              <a:buClr>
+                <a:schemeClr val="dk1"/>
+              </a:buClr>
+              <a:buSzPts val="1400"/>
+              <a:buFont typeface="Arial"/>
               <a:buNone/>
               <a:defRPr b="0" i="0" sz="1800" u="none" cap="none" strike="noStrike">
                 <a:solidFill>
@@ -13670,7 +15584,11 @@
               <a:spcAft>
                 <a:spcPts val="0"/>
               </a:spcAft>
-              <a:buSzPts val="1400"/>
+              <a:buClr>
+                <a:schemeClr val="dk1"/>
+              </a:buClr>
+              <a:buSzPts val="1400"/>
+              <a:buFont typeface="Arial"/>
               <a:buNone/>
               <a:defRPr b="0" i="0" sz="1800" u="none" cap="none" strike="noStrike">
                 <a:solidFill>
@@ -13692,7 +15610,11 @@
               <a:spcAft>
                 <a:spcPts val="0"/>
               </a:spcAft>
-              <a:buSzPts val="1400"/>
+              <a:buClr>
+                <a:schemeClr val="dk1"/>
+              </a:buClr>
+              <a:buSzPts val="1400"/>
+              <a:buFont typeface="Arial"/>
               <a:buNone/>
               <a:defRPr b="0" i="0" sz="1800" u="none" cap="none" strike="noStrike">
                 <a:solidFill>
@@ -13714,7 +15636,11 @@
               <a:spcAft>
                 <a:spcPts val="0"/>
               </a:spcAft>
-              <a:buSzPts val="1400"/>
+              <a:buClr>
+                <a:schemeClr val="dk1"/>
+              </a:buClr>
+              <a:buSzPts val="1400"/>
+              <a:buFont typeface="Arial"/>
               <a:buNone/>
               <a:defRPr b="0" i="0" sz="1800" u="none" cap="none" strike="noStrike">
                 <a:solidFill>
@@ -13736,7 +15662,11 @@
               <a:spcAft>
                 <a:spcPts val="0"/>
               </a:spcAft>
-              <a:buSzPts val="1400"/>
+              <a:buClr>
+                <a:schemeClr val="dk1"/>
+              </a:buClr>
+              <a:buSzPts val="1400"/>
+              <a:buFont typeface="Arial"/>
               <a:buNone/>
               <a:defRPr b="0" i="0" sz="1800" u="none" cap="none" strike="noStrike">
                 <a:solidFill>
@@ -13786,7 +15716,11 @@
               <a:spcAft>
                 <a:spcPts val="0"/>
               </a:spcAft>
-              <a:buSzPts val="1400"/>
+              <a:buClr>
+                <a:schemeClr val="dk1"/>
+              </a:buClr>
+              <a:buSzPts val="1400"/>
+              <a:buFont typeface="Arial"/>
               <a:buNone/>
               <a:defRPr b="0" i="0" sz="1800" u="none" cap="none" strike="noStrike">
                 <a:solidFill>
@@ -13808,7 +15742,11 @@
               <a:spcAft>
                 <a:spcPts val="0"/>
               </a:spcAft>
-              <a:buSzPts val="1400"/>
+              <a:buClr>
+                <a:schemeClr val="dk1"/>
+              </a:buClr>
+              <a:buSzPts val="1400"/>
+              <a:buFont typeface="Arial"/>
               <a:buNone/>
               <a:defRPr b="0" i="0" sz="1800" u="none" cap="none" strike="noStrike">
                 <a:solidFill>
@@ -13830,7 +15768,11 @@
               <a:spcAft>
                 <a:spcPts val="0"/>
               </a:spcAft>
-              <a:buSzPts val="1400"/>
+              <a:buClr>
+                <a:schemeClr val="dk1"/>
+              </a:buClr>
+              <a:buSzPts val="1400"/>
+              <a:buFont typeface="Arial"/>
               <a:buNone/>
               <a:defRPr b="0" i="0" sz="1800" u="none" cap="none" strike="noStrike">
                 <a:solidFill>
@@ -13852,7 +15794,11 @@
               <a:spcAft>
                 <a:spcPts val="0"/>
               </a:spcAft>
-              <a:buSzPts val="1400"/>
+              <a:buClr>
+                <a:schemeClr val="dk1"/>
+              </a:buClr>
+              <a:buSzPts val="1400"/>
+              <a:buFont typeface="Arial"/>
               <a:buNone/>
               <a:defRPr b="0" i="0" sz="1800" u="none" cap="none" strike="noStrike">
                 <a:solidFill>
@@ -13874,7 +15820,11 @@
               <a:spcAft>
                 <a:spcPts val="0"/>
               </a:spcAft>
-              <a:buSzPts val="1400"/>
+              <a:buClr>
+                <a:schemeClr val="dk1"/>
+              </a:buClr>
+              <a:buSzPts val="1400"/>
+              <a:buFont typeface="Arial"/>
               <a:buNone/>
               <a:defRPr b="0" i="0" sz="1800" u="none" cap="none" strike="noStrike">
                 <a:solidFill>
@@ -13896,7 +15846,11 @@
               <a:spcAft>
                 <a:spcPts val="0"/>
               </a:spcAft>
-              <a:buSzPts val="1400"/>
+              <a:buClr>
+                <a:schemeClr val="dk1"/>
+              </a:buClr>
+              <a:buSzPts val="1400"/>
+              <a:buFont typeface="Arial"/>
               <a:buNone/>
               <a:defRPr b="0" i="0" sz="1800" u="none" cap="none" strike="noStrike">
                 <a:solidFill>
@@ -13918,7 +15872,11 @@
               <a:spcAft>
                 <a:spcPts val="0"/>
               </a:spcAft>
-              <a:buSzPts val="1400"/>
+              <a:buClr>
+                <a:schemeClr val="dk1"/>
+              </a:buClr>
+              <a:buSzPts val="1400"/>
+              <a:buFont typeface="Arial"/>
               <a:buNone/>
               <a:defRPr b="0" i="0" sz="1800" u="none" cap="none" strike="noStrike">
                 <a:solidFill>
@@ -13940,7 +15898,11 @@
               <a:spcAft>
                 <a:spcPts val="0"/>
               </a:spcAft>
-              <a:buSzPts val="1400"/>
+              <a:buClr>
+                <a:schemeClr val="dk1"/>
+              </a:buClr>
+              <a:buSzPts val="1400"/>
+              <a:buFont typeface="Arial"/>
               <a:buNone/>
               <a:defRPr b="0" i="0" sz="1800" u="none" cap="none" strike="noStrike">
                 <a:solidFill>
@@ -13962,7 +15924,11 @@
               <a:spcAft>
                 <a:spcPts val="0"/>
               </a:spcAft>
-              <a:buSzPts val="1400"/>
+              <a:buClr>
+                <a:schemeClr val="dk1"/>
+              </a:buClr>
+              <a:buSzPts val="1400"/>
+              <a:buFont typeface="Arial"/>
               <a:buNone/>
               <a:defRPr b="0" i="0" sz="1800" u="none" cap="none" strike="noStrike">
                 <a:solidFill>
@@ -14034,7 +16000,15 @@
               </a:rPr>
               <a:t>‹#›</a:t>
             </a:fld>
-            <a:endParaRPr/>
+            <a:endParaRPr b="0" i="0" sz="1400" u="none" cap="none" strike="noStrike">
+              <a:solidFill>
+                <a:srgbClr val="000000"/>
+              </a:solidFill>
+              <a:latin typeface="Arial"/>
+              <a:ea typeface="Arial"/>
+              <a:cs typeface="Arial"/>
+              <a:sym typeface="Arial"/>
+            </a:endParaRPr>
           </a:p>
         </p:txBody>
       </p:sp>
@@ -14563,12 +16537,17 @@
               <a:spcAft>
                 <a:spcPts val="0"/>
               </a:spcAft>
+              <a:buClr>
+                <a:srgbClr val="000000"/>
+              </a:buClr>
+              <a:buSzPts val="1800"/>
+              <a:buFont typeface="Arial"/>
               <a:buNone/>
             </a:pPr>
             <a:r>
               <a:t/>
             </a:r>
-            <a:endParaRPr b="0" i="0" sz="1800" u="none">
+            <a:endParaRPr b="0" i="0" sz="1800" u="none" cap="none" strike="noStrike">
               <a:solidFill>
                 <a:schemeClr val="dk1"/>
               </a:solidFill>
@@ -14650,7 +16629,7 @@
               <a:buNone/>
             </a:pPr>
             <a:r>
-              <a:rPr b="1" lang="en-US" sz="4200">
+              <a:rPr b="1" i="0" lang="en-US" sz="4200" u="none" cap="none" strike="noStrike">
                 <a:solidFill>
                   <a:srgbClr val="17375E"/>
                 </a:solidFill>
@@ -14659,21 +16638,17 @@
                 <a:cs typeface="Times New Roman"/>
                 <a:sym typeface="Times New Roman"/>
               </a:rPr>
-              <a:t>Project </a:t>
+              <a:t>Project Release Plan</a:t>
             </a:r>
-            <a:r>
-              <a:rPr b="1" i="0" lang="en-US" sz="4200" u="none">
-                <a:solidFill>
-                  <a:srgbClr val="17375E"/>
-                </a:solidFill>
-                <a:latin typeface="Times New Roman"/>
-                <a:ea typeface="Times New Roman"/>
-                <a:cs typeface="Times New Roman"/>
-                <a:sym typeface="Times New Roman"/>
-              </a:rPr>
-              <a:t>Release Plan</a:t>
-            </a:r>
-            <a:endParaRPr/>
+            <a:endParaRPr b="0" i="0" sz="1400" u="none" cap="none" strike="noStrike">
+              <a:solidFill>
+                <a:srgbClr val="000000"/>
+              </a:solidFill>
+              <a:latin typeface="Arial"/>
+              <a:ea typeface="Arial"/>
+              <a:cs typeface="Arial"/>
+              <a:sym typeface="Arial"/>
+            </a:endParaRPr>
           </a:p>
         </p:txBody>
       </p:sp>
@@ -14731,18 +16706,12 @@
                 <a:cs typeface="Times New Roman"/>
                 <a:sym typeface="Times New Roman"/>
               </a:rPr>
-              <a:t>Team </a:t>
+              <a:t>Team Slugstras</a:t>
             </a:r>
-            <a:r>
-              <a:rPr lang="en-US" sz="2800">
-                <a:latin typeface="Times New Roman"/>
-                <a:ea typeface="Times New Roman"/>
-                <a:cs typeface="Times New Roman"/>
-                <a:sym typeface="Times New Roman"/>
-              </a:rPr>
-              <a:t>Slugstras</a:t>
-            </a:r>
-            <a:endParaRPr sz="2800">
+            <a:endParaRPr b="0" i="0" sz="2800" u="none" cap="none" strike="noStrike">
+              <a:solidFill>
+                <a:schemeClr val="dk1"/>
+              </a:solidFill>
               <a:latin typeface="Times New Roman"/>
               <a:ea typeface="Times New Roman"/>
               <a:cs typeface="Times New Roman"/>
@@ -14808,7 +16777,10 @@
               <a:buChar char="•"/>
             </a:pPr>
             <a:r>
-              <a:rPr lang="en-US" sz="2400">
+              <a:rPr b="0" i="0" lang="en-US" sz="2400" u="none" cap="none" strike="noStrike">
+                <a:solidFill>
+                  <a:schemeClr val="dk1"/>
+                </a:solidFill>
                 <a:latin typeface="Times New Roman"/>
                 <a:ea typeface="Times New Roman"/>
                 <a:cs typeface="Times New Roman"/>
@@ -14816,7 +16788,10 @@
               </a:rPr>
               <a:t>Joven Pableo (Product Owner)</a:t>
             </a:r>
-            <a:endParaRPr sz="2400">
+            <a:endParaRPr b="0" i="0" sz="2400" u="none" cap="none" strike="noStrike">
+              <a:solidFill>
+                <a:schemeClr val="dk1"/>
+              </a:solidFill>
               <a:latin typeface="Times New Roman"/>
               <a:ea typeface="Times New Roman"/>
               <a:cs typeface="Times New Roman"/>
@@ -14842,7 +16817,10 @@
               <a:buChar char="•"/>
             </a:pPr>
             <a:r>
-              <a:rPr lang="en-US" sz="2400">
+              <a:rPr b="0" i="0" lang="en-US" sz="2400" u="none" cap="none" strike="noStrike">
+                <a:solidFill>
+                  <a:schemeClr val="dk1"/>
+                </a:solidFill>
                 <a:latin typeface="Times New Roman"/>
                 <a:ea typeface="Times New Roman"/>
                 <a:cs typeface="Times New Roman"/>
@@ -14850,7 +16828,10 @@
               </a:rPr>
               <a:t>Cameron Skaggs</a:t>
             </a:r>
-            <a:endParaRPr sz="2400">
+            <a:endParaRPr b="0" i="0" sz="2400" u="none" cap="none" strike="noStrike">
+              <a:solidFill>
+                <a:schemeClr val="dk1"/>
+              </a:solidFill>
               <a:latin typeface="Times New Roman"/>
               <a:ea typeface="Times New Roman"/>
               <a:cs typeface="Times New Roman"/>
@@ -14876,7 +16857,10 @@
               <a:buChar char="•"/>
             </a:pPr>
             <a:r>
-              <a:rPr lang="en-US" sz="2400">
+              <a:rPr b="0" i="0" lang="en-US" sz="2400" u="none" cap="none" strike="noStrike">
+                <a:solidFill>
+                  <a:schemeClr val="dk1"/>
+                </a:solidFill>
                 <a:latin typeface="Times New Roman"/>
                 <a:ea typeface="Times New Roman"/>
                 <a:cs typeface="Times New Roman"/>
@@ -14884,7 +16868,10 @@
               </a:rPr>
               <a:t>Pranav Salunke</a:t>
             </a:r>
-            <a:endParaRPr sz="2400">
+            <a:endParaRPr b="0" i="0" sz="2400" u="none" cap="none" strike="noStrike">
+              <a:solidFill>
+                <a:schemeClr val="dk1"/>
+              </a:solidFill>
               <a:latin typeface="Times New Roman"/>
               <a:ea typeface="Times New Roman"/>
               <a:cs typeface="Times New Roman"/>
@@ -14902,12 +16889,15 @@
               <a:spcAft>
                 <a:spcPts val="0"/>
               </a:spcAft>
+              <a:buClr>
+                <a:schemeClr val="dk1"/>
+              </a:buClr>
               <a:buSzPts val="2400"/>
               <a:buFont typeface="Times New Roman"/>
               <a:buChar char="•"/>
             </a:pPr>
             <a:r>
-              <a:rPr lang="en-US" sz="2400">
+              <a:rPr b="0" i="0" lang="en-US" sz="2400" u="none" cap="none" strike="noStrike">
                 <a:solidFill>
                   <a:srgbClr val="222222"/>
                 </a:solidFill>
@@ -14920,6 +16910,52 @@
                 <a:sym typeface="Times New Roman"/>
               </a:rPr>
               <a:t>Srijitha Somangili</a:t>
+            </a:r>
+            <a:endParaRPr b="0" i="0" sz="2400" u="none" cap="none" strike="noStrike">
+              <a:solidFill>
+                <a:srgbClr val="222222"/>
+              </a:solidFill>
+              <a:highlight>
+                <a:srgbClr val="FFFFFF"/>
+              </a:highlight>
+              <a:latin typeface="Times New Roman"/>
+              <a:ea typeface="Times New Roman"/>
+              <a:cs typeface="Times New Roman"/>
+              <a:sym typeface="Times New Roman"/>
+            </a:endParaRPr>
+          </a:p>
+          <a:p>
+            <a:pPr indent="-381000" lvl="0" marL="457200" marR="0" rtl="0" algn="l">
+              <a:lnSpc>
+                <a:spcPct val="100000"/>
+              </a:lnSpc>
+              <a:spcBef>
+                <a:spcPts val="0"/>
+              </a:spcBef>
+              <a:spcAft>
+                <a:spcPts val="0"/>
+              </a:spcAft>
+              <a:buClr>
+                <a:srgbClr val="222222"/>
+              </a:buClr>
+              <a:buSzPts val="2400"/>
+              <a:buFont typeface="Times New Roman"/>
+              <a:buChar char="•"/>
+            </a:pPr>
+            <a:r>
+              <a:rPr lang="en-US" sz="2400">
+                <a:solidFill>
+                  <a:srgbClr val="222222"/>
+                </a:solidFill>
+                <a:highlight>
+                  <a:srgbClr val="FFFFFF"/>
+                </a:highlight>
+                <a:latin typeface="Times New Roman"/>
+                <a:ea typeface="Times New Roman"/>
+                <a:cs typeface="Times New Roman"/>
+                <a:sym typeface="Times New Roman"/>
+              </a:rPr>
+              <a:t>Evan Blank</a:t>
             </a:r>
             <a:endParaRPr sz="2400">
               <a:solidFill>
@@ -14953,7 +16989,7 @@
               <a:buChar char="•"/>
             </a:pPr>
             <a:r>
-              <a:rPr lang="en-US" sz="2400">
+              <a:rPr b="0" i="0" lang="en-US" sz="2400" u="none" cap="none" strike="noStrike">
                 <a:solidFill>
                   <a:srgbClr val="222222"/>
                 </a:solidFill>
@@ -14967,7 +17003,15 @@
               </a:rPr>
               <a:t>Edward John Tagaca (Scrum Master)</a:t>
             </a:r>
-            <a:endParaRPr/>
+            <a:endParaRPr b="0" i="0" sz="3200" u="none" cap="none" strike="noStrike">
+              <a:solidFill>
+                <a:schemeClr val="dk1"/>
+              </a:solidFill>
+              <a:latin typeface="Calibri"/>
+              <a:ea typeface="Calibri"/>
+              <a:cs typeface="Calibri"/>
+              <a:sym typeface="Calibri"/>
+            </a:endParaRPr>
           </a:p>
         </p:txBody>
       </p:sp>
@@ -15016,7 +17060,10 @@
               <a:buNone/>
             </a:pPr>
             <a:r>
-              <a:rPr lang="en-US" sz="4000">
+              <a:rPr b="0" i="0" lang="en-US" sz="4000" u="none" cap="none" strike="noStrike">
+                <a:solidFill>
+                  <a:schemeClr val="dk1"/>
+                </a:solidFill>
                 <a:latin typeface="Times New Roman"/>
                 <a:ea typeface="Times New Roman"/>
                 <a:cs typeface="Times New Roman"/>
@@ -15024,7 +17071,10 @@
               </a:rPr>
               <a:t>SlugPath</a:t>
             </a:r>
-            <a:endParaRPr sz="4000">
+            <a:endParaRPr b="0" i="0" sz="4000" u="none" cap="none" strike="noStrike">
+              <a:solidFill>
+                <a:schemeClr val="dk1"/>
+              </a:solidFill>
               <a:latin typeface="Times New Roman"/>
               <a:ea typeface="Times New Roman"/>
               <a:cs typeface="Times New Roman"/>
@@ -15050,7 +17100,10 @@
               <a:buNone/>
             </a:pPr>
             <a:r>
-              <a:rPr lang="en-US" sz="4000">
+              <a:rPr b="0" i="0" lang="en-US" sz="4000" u="none" cap="none" strike="noStrike">
+                <a:solidFill>
+                  <a:schemeClr val="dk1"/>
+                </a:solidFill>
                 <a:latin typeface="Times New Roman"/>
                 <a:ea typeface="Times New Roman"/>
                 <a:cs typeface="Times New Roman"/>
@@ -15058,7 +17111,10 @@
               </a:rPr>
               <a:t>January 17, 2018</a:t>
             </a:r>
-            <a:endParaRPr sz="4000">
+            <a:endParaRPr b="0" i="0" sz="4000" u="none" cap="none" strike="noStrike">
+              <a:solidFill>
+                <a:schemeClr val="dk1"/>
+              </a:solidFill>
               <a:latin typeface="Times New Roman"/>
               <a:ea typeface="Times New Roman"/>
               <a:cs typeface="Times New Roman"/>
@@ -15115,12 +17171,17 @@
               <a:spcAft>
                 <a:spcPts val="0"/>
               </a:spcAft>
+              <a:buClr>
+                <a:srgbClr val="000000"/>
+              </a:buClr>
+              <a:buSzPts val="1800"/>
+              <a:buFont typeface="Arial"/>
               <a:buNone/>
             </a:pPr>
             <a:r>
               <a:t/>
             </a:r>
-            <a:endParaRPr b="0" i="0" sz="1800" u="none">
+            <a:endParaRPr b="0" i="0" sz="1800" u="none" cap="none" strike="noStrike">
               <a:solidFill>
                 <a:schemeClr val="dk1"/>
               </a:solidFill>
@@ -15227,7 +17288,7 @@
               <a:buNone/>
             </a:pPr>
             <a:r>
-              <a:rPr b="0" i="0" lang="en-US" sz="3200" u="none">
+              <a:rPr b="0" i="0" lang="en-US" sz="3200" u="none" cap="none" strike="noStrike">
                 <a:solidFill>
                   <a:srgbClr val="17375E"/>
                 </a:solidFill>
@@ -15238,7 +17299,15 @@
               </a:rPr>
               <a:t>Project Release Plan – Technologies </a:t>
             </a:r>
-            <a:endParaRPr/>
+            <a:endParaRPr b="0" i="0" sz="1400" u="none" cap="none" strike="noStrike">
+              <a:solidFill>
+                <a:srgbClr val="000000"/>
+              </a:solidFill>
+              <a:latin typeface="Arial"/>
+              <a:ea typeface="Arial"/>
+              <a:cs typeface="Arial"/>
+              <a:sym typeface="Arial"/>
+            </a:endParaRPr>
           </a:p>
         </p:txBody>
       </p:sp>
@@ -15287,7 +17356,10 @@
               <a:buNone/>
             </a:pPr>
             <a:r>
-              <a:rPr lang="en-US">
+              <a:rPr b="0" i="0" lang="en-US" sz="4400" u="none" cap="none" strike="noStrike">
+                <a:solidFill>
+                  <a:schemeClr val="dk1"/>
+                </a:solidFill>
                 <a:latin typeface="Times New Roman"/>
                 <a:ea typeface="Times New Roman"/>
                 <a:cs typeface="Times New Roman"/>
@@ -15295,7 +17367,15 @@
               </a:rPr>
               <a:t>SlugPath</a:t>
             </a:r>
-            <a:endParaRPr/>
+            <a:endParaRPr b="0" i="0" sz="4400" u="none" cap="none" strike="noStrike">
+              <a:solidFill>
+                <a:schemeClr val="dk1"/>
+              </a:solidFill>
+              <a:latin typeface="Calibri"/>
+              <a:ea typeface="Calibri"/>
+              <a:cs typeface="Calibri"/>
+              <a:sym typeface="Calibri"/>
+            </a:endParaRPr>
           </a:p>
         </p:txBody>
       </p:sp>
@@ -15344,7 +17424,7 @@
               <a:buNone/>
             </a:pPr>
             <a:r>
-              <a:rPr b="0" i="0" lang="en-US" sz="3200" u="none">
+              <a:rPr b="0" i="0" lang="en-US" sz="3200" u="none" cap="none" strike="noStrike">
                 <a:solidFill>
                   <a:schemeClr val="dk1"/>
                 </a:solidFill>
@@ -15353,18 +17433,12 @@
                 <a:cs typeface="Times New Roman"/>
                 <a:sym typeface="Times New Roman"/>
               </a:rPr>
-              <a:t>Technology 1</a:t>
+              <a:t>Technology 1:</a:t>
             </a:r>
-            <a:r>
-              <a:rPr lang="en-US">
-                <a:latin typeface="Times New Roman"/>
-                <a:ea typeface="Times New Roman"/>
-                <a:cs typeface="Times New Roman"/>
-                <a:sym typeface="Times New Roman"/>
-              </a:rPr>
-              <a:t>:</a:t>
-            </a:r>
-            <a:endParaRPr>
+            <a:endParaRPr b="0" i="0" sz="3200" u="none" cap="none" strike="noStrike">
+              <a:solidFill>
+                <a:schemeClr val="dk1"/>
+              </a:solidFill>
               <a:latin typeface="Times New Roman"/>
               <a:ea typeface="Times New Roman"/>
               <a:cs typeface="Times New Roman"/>
@@ -15382,12 +17456,18 @@
               <a:spcAft>
                 <a:spcPts val="0"/>
               </a:spcAft>
+              <a:buClr>
+                <a:schemeClr val="dk1"/>
+              </a:buClr>
               <a:buSzPts val="3200"/>
               <a:buFont typeface="Times New Roman"/>
               <a:buChar char="•"/>
             </a:pPr>
             <a:r>
-              <a:rPr lang="en-US">
+              <a:rPr b="0" i="0" lang="en-US" sz="3200" u="none" cap="none" strike="noStrike">
+                <a:solidFill>
+                  <a:schemeClr val="dk1"/>
+                </a:solidFill>
                 <a:latin typeface="Times New Roman"/>
                 <a:ea typeface="Times New Roman"/>
                 <a:cs typeface="Times New Roman"/>
@@ -15395,7 +17475,10 @@
               </a:rPr>
               <a:t>HTML</a:t>
             </a:r>
-            <a:endParaRPr>
+            <a:endParaRPr b="0" i="0" sz="3200" u="none" cap="none" strike="noStrike">
+              <a:solidFill>
+                <a:schemeClr val="dk1"/>
+              </a:solidFill>
               <a:latin typeface="Times New Roman"/>
               <a:ea typeface="Times New Roman"/>
               <a:cs typeface="Times New Roman"/>
@@ -15413,12 +17496,18 @@
               <a:spcAft>
                 <a:spcPts val="0"/>
               </a:spcAft>
+              <a:buClr>
+                <a:schemeClr val="dk1"/>
+              </a:buClr>
               <a:buSzPts val="3200"/>
               <a:buFont typeface="Times New Roman"/>
               <a:buChar char="•"/>
             </a:pPr>
             <a:r>
-              <a:rPr lang="en-US">
+              <a:rPr b="0" i="0" lang="en-US" sz="3200" u="none" cap="none" strike="noStrike">
+                <a:solidFill>
+                  <a:schemeClr val="dk1"/>
+                </a:solidFill>
                 <a:latin typeface="Times New Roman"/>
                 <a:ea typeface="Times New Roman"/>
                 <a:cs typeface="Times New Roman"/>
@@ -15426,7 +17515,10 @@
               </a:rPr>
               <a:t>CSS</a:t>
             </a:r>
-            <a:endParaRPr>
+            <a:endParaRPr b="0" i="0" sz="3200" u="none" cap="none" strike="noStrike">
+              <a:solidFill>
+                <a:schemeClr val="dk1"/>
+              </a:solidFill>
               <a:latin typeface="Times New Roman"/>
               <a:ea typeface="Times New Roman"/>
               <a:cs typeface="Times New Roman"/>
@@ -15444,12 +17536,18 @@
               <a:spcAft>
                 <a:spcPts val="0"/>
               </a:spcAft>
+              <a:buClr>
+                <a:schemeClr val="dk1"/>
+              </a:buClr>
               <a:buSzPts val="3200"/>
               <a:buFont typeface="Times New Roman"/>
               <a:buChar char="•"/>
             </a:pPr>
             <a:r>
-              <a:rPr lang="en-US">
+              <a:rPr b="0" i="0" lang="en-US" sz="3200" u="none" cap="none" strike="noStrike">
+                <a:solidFill>
+                  <a:schemeClr val="dk1"/>
+                </a:solidFill>
                 <a:latin typeface="Times New Roman"/>
                 <a:ea typeface="Times New Roman"/>
                 <a:cs typeface="Times New Roman"/>
@@ -15457,10 +17555,21 @@
               </a:rPr>
               <a:t>Javascript</a:t>
             </a:r>
-            <a:endParaRPr/>
+            <a:endParaRPr b="0" i="0" sz="3200" u="none" cap="none" strike="noStrike">
+              <a:solidFill>
+                <a:schemeClr val="dk1"/>
+              </a:solidFill>
+              <a:latin typeface="Calibri"/>
+              <a:ea typeface="Calibri"/>
+              <a:cs typeface="Calibri"/>
+              <a:sym typeface="Calibri"/>
+            </a:endParaRPr>
           </a:p>
           <a:p>
             <a:pPr indent="-163513" lvl="0" marL="341313" marR="0" rtl="0" algn="l">
+              <a:lnSpc>
+                <a:spcPct val="100000"/>
+              </a:lnSpc>
               <a:spcBef>
                 <a:spcPts val="560"/>
               </a:spcBef>
@@ -15477,7 +17586,7 @@
             <a:r>
               <a:t/>
             </a:r>
-            <a:endParaRPr b="0" i="0" sz="2800" u="none">
+            <a:endParaRPr b="0" i="0" sz="2800" u="none" cap="none" strike="noStrike">
               <a:solidFill>
                 <a:schemeClr val="dk1"/>
               </a:solidFill>
@@ -15537,12 +17646,17 @@
               <a:spcAft>
                 <a:spcPts val="0"/>
               </a:spcAft>
+              <a:buClr>
+                <a:srgbClr val="000000"/>
+              </a:buClr>
+              <a:buSzPts val="1800"/>
+              <a:buFont typeface="Arial"/>
               <a:buNone/>
             </a:pPr>
             <a:r>
               <a:t/>
             </a:r>
-            <a:endParaRPr b="0" i="0" sz="1800" u="none">
+            <a:endParaRPr b="0" i="0" sz="1800" u="none" cap="none" strike="noStrike">
               <a:solidFill>
                 <a:schemeClr val="dk1"/>
               </a:solidFill>
@@ -15649,7 +17763,7 @@
               <a:buNone/>
             </a:pPr>
             <a:r>
-              <a:rPr b="0" i="0" lang="en-US" sz="3200" u="none">
+              <a:rPr b="0" i="0" lang="en-US" sz="3200" u="none" cap="none" strike="noStrike">
                 <a:solidFill>
                   <a:srgbClr val="17375E"/>
                 </a:solidFill>
@@ -15660,7 +17774,15 @@
               </a:rPr>
               <a:t>Project Release Plan – Technologies </a:t>
             </a:r>
-            <a:endParaRPr/>
+            <a:endParaRPr b="0" i="0" sz="1400" u="none" cap="none" strike="noStrike">
+              <a:solidFill>
+                <a:srgbClr val="000000"/>
+              </a:solidFill>
+              <a:latin typeface="Arial"/>
+              <a:ea typeface="Arial"/>
+              <a:cs typeface="Arial"/>
+              <a:sym typeface="Arial"/>
+            </a:endParaRPr>
           </a:p>
         </p:txBody>
       </p:sp>
@@ -15709,7 +17831,10 @@
               <a:buNone/>
             </a:pPr>
             <a:r>
-              <a:rPr lang="en-US">
+              <a:rPr b="0" i="0" lang="en-US" sz="4400" u="none" cap="none" strike="noStrike">
+                <a:solidFill>
+                  <a:schemeClr val="dk1"/>
+                </a:solidFill>
                 <a:latin typeface="Times New Roman"/>
                 <a:ea typeface="Times New Roman"/>
                 <a:cs typeface="Times New Roman"/>
@@ -15717,7 +17842,15 @@
               </a:rPr>
               <a:t>SlugPath</a:t>
             </a:r>
-            <a:endParaRPr/>
+            <a:endParaRPr b="0" i="0" sz="4400" u="none" cap="none" strike="noStrike">
+              <a:solidFill>
+                <a:schemeClr val="dk1"/>
+              </a:solidFill>
+              <a:latin typeface="Calibri"/>
+              <a:ea typeface="Calibri"/>
+              <a:cs typeface="Calibri"/>
+              <a:sym typeface="Calibri"/>
+            </a:endParaRPr>
           </a:p>
         </p:txBody>
       </p:sp>
@@ -15766,7 +17899,7 @@
               <a:buNone/>
             </a:pPr>
             <a:r>
-              <a:rPr b="0" i="0" lang="en-US" sz="3200" u="none">
+              <a:rPr b="0" i="0" lang="en-US" sz="3200" u="none" cap="none" strike="noStrike">
                 <a:solidFill>
                   <a:schemeClr val="dk1"/>
                 </a:solidFill>
@@ -15775,27 +17908,12 @@
                 <a:cs typeface="Times New Roman"/>
                 <a:sym typeface="Times New Roman"/>
               </a:rPr>
-              <a:t>Technology </a:t>
+              <a:t>Technology 2:</a:t>
             </a:r>
-            <a:r>
-              <a:rPr lang="en-US">
-                <a:latin typeface="Times New Roman"/>
-                <a:ea typeface="Times New Roman"/>
-                <a:cs typeface="Times New Roman"/>
-                <a:sym typeface="Times New Roman"/>
-              </a:rPr>
-              <a:t>2</a:t>
-            </a:r>
-            <a:r>
-              <a:rPr lang="en-US">
-                <a:latin typeface="Times New Roman"/>
-                <a:ea typeface="Times New Roman"/>
-                <a:cs typeface="Times New Roman"/>
-                <a:sym typeface="Times New Roman"/>
-              </a:rPr>
-              <a:t>:</a:t>
-            </a:r>
-            <a:endParaRPr>
+            <a:endParaRPr b="0" i="0" sz="3200" u="none" cap="none" strike="noStrike">
+              <a:solidFill>
+                <a:schemeClr val="dk1"/>
+              </a:solidFill>
               <a:latin typeface="Times New Roman"/>
               <a:ea typeface="Times New Roman"/>
               <a:cs typeface="Times New Roman"/>
@@ -15813,12 +17931,18 @@
               <a:spcAft>
                 <a:spcPts val="0"/>
               </a:spcAft>
+              <a:buClr>
+                <a:schemeClr val="dk1"/>
+              </a:buClr>
               <a:buSzPts val="3200"/>
               <a:buFont typeface="Times New Roman"/>
               <a:buChar char="•"/>
             </a:pPr>
             <a:r>
-              <a:rPr lang="en-US">
+              <a:rPr b="0" i="0" lang="en-US" sz="3200" u="none" cap="none" strike="noStrike">
+                <a:solidFill>
+                  <a:schemeClr val="dk1"/>
+                </a:solidFill>
                 <a:latin typeface="Times New Roman"/>
                 <a:ea typeface="Times New Roman"/>
                 <a:cs typeface="Times New Roman"/>
@@ -15826,10 +17950,21 @@
               </a:rPr>
               <a:t>Leaflet</a:t>
             </a:r>
-            <a:endParaRPr/>
+            <a:endParaRPr b="0" i="0" sz="3200" u="none" cap="none" strike="noStrike">
+              <a:solidFill>
+                <a:schemeClr val="dk1"/>
+              </a:solidFill>
+              <a:latin typeface="Calibri"/>
+              <a:ea typeface="Calibri"/>
+              <a:cs typeface="Calibri"/>
+              <a:sym typeface="Calibri"/>
+            </a:endParaRPr>
           </a:p>
           <a:p>
-            <a:pPr indent="-163512" lvl="0" marL="341312" marR="0" rtl="0" algn="l">
+            <a:pPr indent="-163511" lvl="0" marL="341312" marR="0" rtl="0" algn="l">
+              <a:lnSpc>
+                <a:spcPct val="100000"/>
+              </a:lnSpc>
               <a:spcBef>
                 <a:spcPts val="560"/>
               </a:spcBef>
@@ -15846,7 +17981,7 @@
             <a:r>
               <a:t/>
             </a:r>
-            <a:endParaRPr b="0" i="0" sz="2800" u="none">
+            <a:endParaRPr b="0" i="0" sz="2800" u="none" cap="none" strike="noStrike">
               <a:solidFill>
                 <a:schemeClr val="dk1"/>
               </a:solidFill>
@@ -15906,12 +18041,17 @@
               <a:spcAft>
                 <a:spcPts val="0"/>
               </a:spcAft>
+              <a:buClr>
+                <a:srgbClr val="000000"/>
+              </a:buClr>
+              <a:buSzPts val="1800"/>
+              <a:buFont typeface="Arial"/>
               <a:buNone/>
             </a:pPr>
             <a:r>
               <a:t/>
             </a:r>
-            <a:endParaRPr b="0" i="0" sz="1800" u="none">
+            <a:endParaRPr b="0" i="0" sz="1800" u="none" cap="none" strike="noStrike">
               <a:solidFill>
                 <a:schemeClr val="dk1"/>
               </a:solidFill>
@@ -15929,13 +18069,12 @@
           <p:cNvPicPr preferRelativeResize="0"/>
           <p:nvPr/>
         </p:nvPicPr>
-        <p:blipFill>
+        <p:blipFill rotWithShape="1">
           <a:blip r:embed="rId4">
             <a:alphaModFix/>
           </a:blip>
-          <a:stretch>
-            <a:fillRect/>
-          </a:stretch>
+          <a:srcRect b="0" l="0" r="0" t="0"/>
+          <a:stretch/>
         </p:blipFill>
         <p:spPr>
           <a:xfrm>
@@ -15976,44 +18115,88 @@
           </a:bodyPr>
           <a:lstStyle/>
           <a:p>
-            <a:pPr indent="0" lvl="0" marL="0">
-              <a:spcBef>
-                <a:spcPts val="0"/>
-              </a:spcBef>
-              <a:spcAft>
-                <a:spcPts val="0"/>
-              </a:spcAft>
+            <a:pPr indent="0" lvl="0" marL="0" marR="0" rtl="0" algn="l">
+              <a:lnSpc>
+                <a:spcPct val="100000"/>
+              </a:lnSpc>
+              <a:spcBef>
+                <a:spcPts val="0"/>
+              </a:spcBef>
+              <a:spcAft>
+                <a:spcPts val="0"/>
+              </a:spcAft>
+              <a:buClr>
+                <a:srgbClr val="000000"/>
+              </a:buClr>
+              <a:buSzPts val="1400"/>
+              <a:buFont typeface="Arial"/>
               <a:buNone/>
             </a:pPr>
             <a:r>
-              <a:rPr lang="en-US"/>
+              <a:rPr b="0" i="0" lang="en-US" sz="1400" u="none" cap="none" strike="noStrike">
+                <a:solidFill>
+                  <a:srgbClr val="000000"/>
+                </a:solidFill>
+                <a:latin typeface="Arial"/>
+                <a:ea typeface="Arial"/>
+                <a:cs typeface="Arial"/>
+                <a:sym typeface="Arial"/>
+              </a:rPr>
               <a:t>Image source via: </a:t>
             </a:r>
             <a:r>
-              <a:rPr lang="en-US" u="sng">
+              <a:rPr b="0" i="0" lang="en-US" sz="1400" u="sng" cap="none" strike="noStrike">
                 <a:solidFill>
                   <a:schemeClr val="hlink"/>
                 </a:solidFill>
+                <a:latin typeface="Arial"/>
+                <a:ea typeface="Arial"/>
+                <a:cs typeface="Arial"/>
+                <a:sym typeface="Arial"/>
                 <a:hlinkClick r:id="rId5"/>
               </a:rPr>
               <a:t>http://leafletjs.com/</a:t>
             </a:r>
-            <a:endParaRPr/>
+            <a:endParaRPr b="0" i="0" sz="1400" u="none" cap="none" strike="noStrike">
+              <a:solidFill>
+                <a:srgbClr val="000000"/>
+              </a:solidFill>
+              <a:latin typeface="Arial"/>
+              <a:ea typeface="Arial"/>
+              <a:cs typeface="Arial"/>
+              <a:sym typeface="Arial"/>
+            </a:endParaRPr>
           </a:p>
           <a:p>
-            <a:pPr indent="0" lvl="0" marL="0">
-              <a:spcBef>
-                <a:spcPts val="0"/>
-              </a:spcBef>
-              <a:spcAft>
-                <a:spcPts val="0"/>
-              </a:spcAft>
+            <a:pPr indent="0" lvl="0" marL="0" marR="0" rtl="0" algn="l">
+              <a:lnSpc>
+                <a:spcPct val="100000"/>
+              </a:lnSpc>
+              <a:spcBef>
+                <a:spcPts val="0"/>
+              </a:spcBef>
+              <a:spcAft>
+                <a:spcPts val="0"/>
+              </a:spcAft>
+              <a:buClr>
+                <a:srgbClr val="000000"/>
+              </a:buClr>
+              <a:buSzPts val="1400"/>
+              <a:buFont typeface="Arial"/>
               <a:buNone/>
             </a:pPr>
             <a:r>
               <a:t/>
             </a:r>
-            <a:endParaRPr/>
+            <a:endParaRPr b="0" i="0" sz="1400" u="none" cap="none" strike="noStrike">
+              <a:solidFill>
+                <a:srgbClr val="000000"/>
+              </a:solidFill>
+              <a:latin typeface="Arial"/>
+              <a:ea typeface="Arial"/>
+              <a:cs typeface="Arial"/>
+              <a:sym typeface="Arial"/>
+            </a:endParaRPr>
           </a:p>
         </p:txBody>
       </p:sp>
@@ -16112,7 +18295,7 @@
               <a:buNone/>
             </a:pPr>
             <a:r>
-              <a:rPr b="0" i="0" lang="en-US" sz="3200" u="none">
+              <a:rPr b="0" i="0" lang="en-US" sz="3200" u="none" cap="none" strike="noStrike">
                 <a:solidFill>
                   <a:srgbClr val="17375E"/>
                 </a:solidFill>
@@ -16123,7 +18306,15 @@
               </a:rPr>
               <a:t>Project Release Plan – Technologies </a:t>
             </a:r>
-            <a:endParaRPr/>
+            <a:endParaRPr b="0" i="0" sz="1400" u="none" cap="none" strike="noStrike">
+              <a:solidFill>
+                <a:srgbClr val="000000"/>
+              </a:solidFill>
+              <a:latin typeface="Arial"/>
+              <a:ea typeface="Arial"/>
+              <a:cs typeface="Arial"/>
+              <a:sym typeface="Arial"/>
+            </a:endParaRPr>
           </a:p>
         </p:txBody>
       </p:sp>
@@ -16172,7 +18363,10 @@
               <a:buNone/>
             </a:pPr>
             <a:r>
-              <a:rPr lang="en-US">
+              <a:rPr b="0" i="0" lang="en-US" sz="4400" u="none" cap="none" strike="noStrike">
+                <a:solidFill>
+                  <a:schemeClr val="dk1"/>
+                </a:solidFill>
                 <a:latin typeface="Times New Roman"/>
                 <a:ea typeface="Times New Roman"/>
                 <a:cs typeface="Times New Roman"/>
@@ -16180,7 +18374,15 @@
               </a:rPr>
               <a:t>SlugPath</a:t>
             </a:r>
-            <a:endParaRPr/>
+            <a:endParaRPr b="0" i="0" sz="4400" u="none" cap="none" strike="noStrike">
+              <a:solidFill>
+                <a:schemeClr val="dk1"/>
+              </a:solidFill>
+              <a:latin typeface="Calibri"/>
+              <a:ea typeface="Calibri"/>
+              <a:cs typeface="Calibri"/>
+              <a:sym typeface="Calibri"/>
+            </a:endParaRPr>
           </a:p>
         </p:txBody>
       </p:sp>
@@ -16229,7 +18431,7 @@
               <a:buNone/>
             </a:pPr>
             <a:r>
-              <a:rPr b="0" i="0" lang="en-US" sz="3200" u="none">
+              <a:rPr b="0" i="0" lang="en-US" sz="3200" u="none" cap="none" strike="noStrike">
                 <a:solidFill>
                   <a:schemeClr val="dk1"/>
                 </a:solidFill>
@@ -16238,27 +18440,12 @@
                 <a:cs typeface="Times New Roman"/>
                 <a:sym typeface="Times New Roman"/>
               </a:rPr>
-              <a:t>Technology </a:t>
+              <a:t>Technology 3:</a:t>
             </a:r>
-            <a:r>
-              <a:rPr lang="en-US">
-                <a:latin typeface="Times New Roman"/>
-                <a:ea typeface="Times New Roman"/>
-                <a:cs typeface="Times New Roman"/>
-                <a:sym typeface="Times New Roman"/>
-              </a:rPr>
-              <a:t>3</a:t>
-            </a:r>
-            <a:r>
-              <a:rPr lang="en-US">
-                <a:latin typeface="Times New Roman"/>
-                <a:ea typeface="Times New Roman"/>
-                <a:cs typeface="Times New Roman"/>
-                <a:sym typeface="Times New Roman"/>
-              </a:rPr>
-              <a:t>:</a:t>
-            </a:r>
-            <a:endParaRPr>
+            <a:endParaRPr b="0" i="0" sz="3200" u="none" cap="none" strike="noStrike">
+              <a:solidFill>
+                <a:schemeClr val="dk1"/>
+              </a:solidFill>
               <a:latin typeface="Times New Roman"/>
               <a:ea typeface="Times New Roman"/>
               <a:cs typeface="Times New Roman"/>
@@ -16276,12 +18463,18 @@
               <a:spcAft>
                 <a:spcPts val="0"/>
               </a:spcAft>
+              <a:buClr>
+                <a:schemeClr val="dk1"/>
+              </a:buClr>
               <a:buSzPts val="3200"/>
               <a:buFont typeface="Times New Roman"/>
               <a:buChar char="•"/>
             </a:pPr>
             <a:r>
-              <a:rPr lang="en-US">
+              <a:rPr b="0" i="0" lang="en-US" sz="3200" u="none" cap="none" strike="noStrike">
+                <a:solidFill>
+                  <a:schemeClr val="dk1"/>
+                </a:solidFill>
                 <a:latin typeface="Times New Roman"/>
                 <a:ea typeface="Times New Roman"/>
                 <a:cs typeface="Times New Roman"/>
@@ -16289,10 +18482,21 @@
               </a:rPr>
               <a:t>Codeshare.io</a:t>
             </a:r>
-            <a:endParaRPr/>
+            <a:endParaRPr b="0" i="0" sz="3200" u="none" cap="none" strike="noStrike">
+              <a:solidFill>
+                <a:schemeClr val="dk1"/>
+              </a:solidFill>
+              <a:latin typeface="Calibri"/>
+              <a:ea typeface="Calibri"/>
+              <a:cs typeface="Calibri"/>
+              <a:sym typeface="Calibri"/>
+            </a:endParaRPr>
           </a:p>
           <a:p>
-            <a:pPr indent="-163512" lvl="0" marL="341312" marR="0" rtl="0" algn="l">
+            <a:pPr indent="-163511" lvl="0" marL="341312" marR="0" rtl="0" algn="l">
+              <a:lnSpc>
+                <a:spcPct val="100000"/>
+              </a:lnSpc>
               <a:spcBef>
                 <a:spcPts val="560"/>
               </a:spcBef>
@@ -16309,7 +18513,7 @@
             <a:r>
               <a:t/>
             </a:r>
-            <a:endParaRPr b="0" i="0" sz="2800" u="none">
+            <a:endParaRPr b="0" i="0" sz="2800" u="none" cap="none" strike="noStrike">
               <a:solidFill>
                 <a:schemeClr val="dk1"/>
               </a:solidFill>
@@ -16369,12 +18573,17 @@
               <a:spcAft>
                 <a:spcPts val="0"/>
               </a:spcAft>
+              <a:buClr>
+                <a:srgbClr val="000000"/>
+              </a:buClr>
+              <a:buSzPts val="1800"/>
+              <a:buFont typeface="Arial"/>
               <a:buNone/>
             </a:pPr>
             <a:r>
               <a:t/>
             </a:r>
-            <a:endParaRPr b="0" i="0" sz="1800" u="none">
+            <a:endParaRPr b="0" i="0" sz="1800" u="none" cap="none" strike="noStrike">
               <a:solidFill>
                 <a:schemeClr val="dk1"/>
               </a:solidFill>
@@ -16392,13 +18601,12 @@
           <p:cNvPicPr preferRelativeResize="0"/>
           <p:nvPr/>
         </p:nvPicPr>
-        <p:blipFill>
+        <p:blipFill rotWithShape="1">
           <a:blip r:embed="rId4">
             <a:alphaModFix/>
           </a:blip>
-          <a:stretch>
-            <a:fillRect/>
-          </a:stretch>
+          <a:srcRect b="0" l="0" r="0" t="0"/>
+          <a:stretch/>
         </p:blipFill>
         <p:spPr>
           <a:xfrm>
@@ -16439,44 +18647,88 @@
           </a:bodyPr>
           <a:lstStyle/>
           <a:p>
-            <a:pPr indent="0" lvl="0" marL="0">
-              <a:spcBef>
-                <a:spcPts val="0"/>
-              </a:spcBef>
-              <a:spcAft>
-                <a:spcPts val="0"/>
-              </a:spcAft>
+            <a:pPr indent="0" lvl="0" marL="0" marR="0" rtl="0" algn="l">
+              <a:lnSpc>
+                <a:spcPct val="100000"/>
+              </a:lnSpc>
+              <a:spcBef>
+                <a:spcPts val="0"/>
+              </a:spcBef>
+              <a:spcAft>
+                <a:spcPts val="0"/>
+              </a:spcAft>
+              <a:buClr>
+                <a:srgbClr val="000000"/>
+              </a:buClr>
+              <a:buSzPts val="1400"/>
+              <a:buFont typeface="Arial"/>
               <a:buNone/>
             </a:pPr>
             <a:r>
-              <a:rPr lang="en-US"/>
+              <a:rPr b="0" i="0" lang="en-US" sz="1400" u="none" cap="none" strike="noStrike">
+                <a:solidFill>
+                  <a:srgbClr val="000000"/>
+                </a:solidFill>
+                <a:latin typeface="Arial"/>
+                <a:ea typeface="Arial"/>
+                <a:cs typeface="Arial"/>
+                <a:sym typeface="Arial"/>
+              </a:rPr>
               <a:t>Image source via: </a:t>
             </a:r>
             <a:r>
-              <a:rPr lang="en-US" u="sng">
+              <a:rPr b="0" i="0" lang="en-US" sz="1400" u="sng" cap="none" strike="noStrike">
                 <a:solidFill>
                   <a:schemeClr val="hlink"/>
                 </a:solidFill>
+                <a:latin typeface="Arial"/>
+                <a:ea typeface="Arial"/>
+                <a:cs typeface="Arial"/>
+                <a:sym typeface="Arial"/>
                 <a:hlinkClick r:id="rId5"/>
               </a:rPr>
               <a:t>https://codeshare.io/</a:t>
             </a:r>
-            <a:endParaRPr/>
+            <a:endParaRPr b="0" i="0" sz="1400" u="none" cap="none" strike="noStrike">
+              <a:solidFill>
+                <a:srgbClr val="000000"/>
+              </a:solidFill>
+              <a:latin typeface="Arial"/>
+              <a:ea typeface="Arial"/>
+              <a:cs typeface="Arial"/>
+              <a:sym typeface="Arial"/>
+            </a:endParaRPr>
           </a:p>
           <a:p>
-            <a:pPr indent="0" lvl="0" marL="0">
-              <a:spcBef>
-                <a:spcPts val="0"/>
-              </a:spcBef>
-              <a:spcAft>
-                <a:spcPts val="0"/>
-              </a:spcAft>
+            <a:pPr indent="0" lvl="0" marL="0" marR="0" rtl="0" algn="l">
+              <a:lnSpc>
+                <a:spcPct val="100000"/>
+              </a:lnSpc>
+              <a:spcBef>
+                <a:spcPts val="0"/>
+              </a:spcBef>
+              <a:spcAft>
+                <a:spcPts val="0"/>
+              </a:spcAft>
+              <a:buClr>
+                <a:srgbClr val="000000"/>
+              </a:buClr>
+              <a:buSzPts val="1400"/>
+              <a:buFont typeface="Arial"/>
               <a:buNone/>
             </a:pPr>
             <a:r>
               <a:t/>
             </a:r>
-            <a:endParaRPr/>
+            <a:endParaRPr b="0" i="0" sz="1400" u="none" cap="none" strike="noStrike">
+              <a:solidFill>
+                <a:srgbClr val="000000"/>
+              </a:solidFill>
+              <a:latin typeface="Arial"/>
+              <a:ea typeface="Arial"/>
+              <a:cs typeface="Arial"/>
+              <a:sym typeface="Arial"/>
+            </a:endParaRPr>
           </a:p>
         </p:txBody>
       </p:sp>
@@ -16553,12 +18805,17 @@
               <a:spcAft>
                 <a:spcPts val="0"/>
               </a:spcAft>
+              <a:buClr>
+                <a:srgbClr val="000000"/>
+              </a:buClr>
+              <a:buSzPts val="1800"/>
+              <a:buFont typeface="Arial"/>
               <a:buNone/>
             </a:pPr>
             <a:r>
               <a:t/>
             </a:r>
-            <a:endParaRPr b="0" i="0" sz="1800" u="none">
+            <a:endParaRPr b="0" i="0" sz="1800" u="none" cap="none" strike="noStrike">
               <a:solidFill>
                 <a:schemeClr val="dk1"/>
               </a:solidFill>
@@ -16640,7 +18897,7 @@
               <a:buNone/>
             </a:pPr>
             <a:r>
-              <a:rPr b="1" i="0" lang="en-US" sz="4200" u="none">
+              <a:rPr b="1" i="0" lang="en-US" sz="4200" u="none" cap="none" strike="noStrike">
                 <a:solidFill>
                   <a:srgbClr val="17375E"/>
                 </a:solidFill>
@@ -16651,7 +18908,15 @@
               </a:rPr>
               <a:t>Project Release Plan</a:t>
             </a:r>
-            <a:endParaRPr/>
+            <a:endParaRPr b="0" i="0" sz="1400" u="none" cap="none" strike="noStrike">
+              <a:solidFill>
+                <a:srgbClr val="000000"/>
+              </a:solidFill>
+              <a:latin typeface="Arial"/>
+              <a:ea typeface="Arial"/>
+              <a:cs typeface="Arial"/>
+              <a:sym typeface="Arial"/>
+            </a:endParaRPr>
           </a:p>
         </p:txBody>
       </p:sp>
@@ -16700,7 +18965,10 @@
               <a:buNone/>
             </a:pPr>
             <a:r>
-              <a:rPr lang="en-US">
+              <a:rPr b="0" i="0" lang="en-US" sz="4400" u="none" cap="none" strike="noStrike">
+                <a:solidFill>
+                  <a:schemeClr val="dk1"/>
+                </a:solidFill>
                 <a:latin typeface="Times New Roman"/>
                 <a:ea typeface="Times New Roman"/>
                 <a:cs typeface="Times New Roman"/>
@@ -16708,7 +18976,15 @@
               </a:rPr>
               <a:t>SlugPath</a:t>
             </a:r>
-            <a:endParaRPr/>
+            <a:endParaRPr b="0" i="0" sz="4400" u="none" cap="none" strike="noStrike">
+              <a:solidFill>
+                <a:schemeClr val="dk1"/>
+              </a:solidFill>
+              <a:latin typeface="Calibri"/>
+              <a:ea typeface="Calibri"/>
+              <a:cs typeface="Calibri"/>
+              <a:sym typeface="Calibri"/>
+            </a:endParaRPr>
           </a:p>
         </p:txBody>
       </p:sp>
@@ -16739,7 +19015,7 @@
           </a:bodyPr>
           <a:lstStyle/>
           <a:p>
-            <a:pPr indent="-252412" lvl="0" marL="341312" marR="0" rtl="0" algn="l">
+            <a:pPr indent="-252411" lvl="0" marL="341312" marR="0" rtl="0" algn="l">
               <a:lnSpc>
                 <a:spcPct val="100000"/>
               </a:lnSpc>
@@ -16757,7 +19033,7 @@
               <a:buChar char="•"/>
             </a:pPr>
             <a:r>
-              <a:rPr lang="en-US" sz="1800">
+              <a:rPr b="0" i="0" lang="en-US" sz="1800" u="none" cap="none" strike="noStrike">
                 <a:solidFill>
                   <a:srgbClr val="333333"/>
                 </a:solidFill>
@@ -16771,7 +19047,10 @@
               </a:rPr>
               <a:t>Living on-campus and ever wonder what the fastest route to get from your dorm/apartment to OPERS? Also how long would it take? Fear not, SlugPath is here to guide you! SlugPath is an online navigation tool for anyone on the UCSC campus that are lost or curious.</a:t>
             </a:r>
-            <a:endParaRPr sz="1800">
+            <a:endParaRPr b="0" i="0" sz="1800" u="none" cap="none" strike="noStrike">
+              <a:solidFill>
+                <a:schemeClr val="dk1"/>
+              </a:solidFill>
               <a:latin typeface="Times New Roman"/>
               <a:ea typeface="Times New Roman"/>
               <a:cs typeface="Times New Roman"/>
@@ -16779,7 +19058,7 @@
             </a:endParaRPr>
           </a:p>
           <a:p>
-            <a:pPr indent="-252412" lvl="0" marL="341312" marR="0" rtl="0" algn="l">
+            <a:pPr indent="-252411" lvl="0" marL="341312" marR="0" rtl="0" algn="l">
               <a:lnSpc>
                 <a:spcPct val="100000"/>
               </a:lnSpc>
@@ -16819,7 +19098,7 @@
             </a:endParaRPr>
           </a:p>
           <a:p>
-            <a:pPr indent="-182562" lvl="1" marL="741362" rtl="0">
+            <a:pPr indent="-182562" lvl="1" marL="741362" marR="0" rtl="0" algn="l">
               <a:lnSpc>
                 <a:spcPct val="115000"/>
               </a:lnSpc>
@@ -16829,12 +19108,18 @@
               <a:spcAft>
                 <a:spcPts val="0"/>
               </a:spcAft>
+              <a:buClr>
+                <a:schemeClr val="dk1"/>
+              </a:buClr>
               <a:buSzPts val="1200"/>
               <a:buFont typeface="Times New Roman"/>
               <a:buChar char="–"/>
             </a:pPr>
             <a:r>
-              <a:rPr lang="en-US" sz="1200">
+              <a:rPr b="0" i="0" lang="en-US" sz="1200" u="none" cap="none" strike="noStrike">
+                <a:solidFill>
+                  <a:schemeClr val="dk1"/>
+                </a:solidFill>
                 <a:latin typeface="Times New Roman"/>
                 <a:ea typeface="Times New Roman"/>
                 <a:cs typeface="Times New Roman"/>
@@ -16842,7 +19127,10 @@
               </a:rPr>
               <a:t>Be able to represent graph data as a readable file</a:t>
             </a:r>
-            <a:endParaRPr sz="1200">
+            <a:endParaRPr b="0" i="0" sz="1200" u="none" cap="none" strike="noStrike">
+              <a:solidFill>
+                <a:schemeClr val="dk1"/>
+              </a:solidFill>
               <a:latin typeface="Times New Roman"/>
               <a:ea typeface="Times New Roman"/>
               <a:cs typeface="Times New Roman"/>
@@ -16850,7 +19138,7 @@
             </a:endParaRPr>
           </a:p>
           <a:p>
-            <a:pPr indent="-182562" lvl="1" marL="741362" rtl="0">
+            <a:pPr indent="-182562" lvl="1" marL="741362" marR="0" rtl="0" algn="l">
               <a:lnSpc>
                 <a:spcPct val="115000"/>
               </a:lnSpc>
@@ -16860,12 +19148,18 @@
               <a:spcAft>
                 <a:spcPts val="0"/>
               </a:spcAft>
+              <a:buClr>
+                <a:schemeClr val="dk1"/>
+              </a:buClr>
               <a:buSzPts val="1200"/>
               <a:buFont typeface="Times New Roman"/>
               <a:buChar char="–"/>
             </a:pPr>
             <a:r>
-              <a:rPr lang="en-US" sz="1200">
+              <a:rPr b="0" i="0" lang="en-US" sz="1200" u="none" cap="none" strike="noStrike">
+                <a:solidFill>
+                  <a:schemeClr val="dk1"/>
+                </a:solidFill>
                 <a:latin typeface="Times New Roman"/>
                 <a:ea typeface="Times New Roman"/>
                 <a:cs typeface="Times New Roman"/>
@@ -16873,7 +19167,10 @@
               </a:rPr>
               <a:t>Be able to organize key locations at UC Santa Cruz</a:t>
             </a:r>
-            <a:endParaRPr sz="1200">
+            <a:endParaRPr b="0" i="0" sz="1200" u="none" cap="none" strike="noStrike">
+              <a:solidFill>
+                <a:schemeClr val="dk1"/>
+              </a:solidFill>
               <a:latin typeface="Times New Roman"/>
               <a:ea typeface="Times New Roman"/>
               <a:cs typeface="Times New Roman"/>
@@ -16881,7 +19178,7 @@
             </a:endParaRPr>
           </a:p>
           <a:p>
-            <a:pPr indent="-182562" lvl="1" marL="741362" rtl="0">
+            <a:pPr indent="-182562" lvl="1" marL="741362" marR="0" rtl="0" algn="l">
               <a:lnSpc>
                 <a:spcPct val="115000"/>
               </a:lnSpc>
@@ -16891,12 +19188,18 @@
               <a:spcAft>
                 <a:spcPts val="0"/>
               </a:spcAft>
+              <a:buClr>
+                <a:schemeClr val="dk1"/>
+              </a:buClr>
               <a:buSzPts val="1200"/>
               <a:buFont typeface="Times New Roman"/>
               <a:buChar char="–"/>
             </a:pPr>
             <a:r>
-              <a:rPr lang="en-US" sz="1200">
+              <a:rPr b="0" i="0" lang="en-US" sz="1200" u="none" cap="none" strike="noStrike">
+                <a:solidFill>
+                  <a:schemeClr val="dk1"/>
+                </a:solidFill>
                 <a:latin typeface="Times New Roman"/>
                 <a:ea typeface="Times New Roman"/>
                 <a:cs typeface="Times New Roman"/>
@@ -16904,7 +19207,10 @@
               </a:rPr>
               <a:t>Be able to collect distances and time between two locations</a:t>
             </a:r>
-            <a:endParaRPr sz="1200">
+            <a:endParaRPr b="0" i="0" sz="1200" u="none" cap="none" strike="noStrike">
+              <a:solidFill>
+                <a:schemeClr val="dk1"/>
+              </a:solidFill>
               <a:latin typeface="Times New Roman"/>
               <a:ea typeface="Times New Roman"/>
               <a:cs typeface="Times New Roman"/>
@@ -16912,7 +19218,7 @@
             </a:endParaRPr>
           </a:p>
           <a:p>
-            <a:pPr indent="-182562" lvl="1" marL="741362" rtl="0">
+            <a:pPr indent="-182562" lvl="1" marL="741362" marR="0" rtl="0" algn="l">
               <a:lnSpc>
                 <a:spcPct val="115000"/>
               </a:lnSpc>
@@ -16922,12 +19228,18 @@
               <a:spcAft>
                 <a:spcPts val="0"/>
               </a:spcAft>
+              <a:buClr>
+                <a:schemeClr val="dk1"/>
+              </a:buClr>
               <a:buSzPts val="1200"/>
               <a:buFont typeface="Times New Roman"/>
               <a:buChar char="–"/>
             </a:pPr>
             <a:r>
-              <a:rPr lang="en-US" sz="1200">
+              <a:rPr b="0" i="0" lang="en-US" sz="1200" u="none" cap="none" strike="noStrike">
+                <a:solidFill>
+                  <a:schemeClr val="dk1"/>
+                </a:solidFill>
                 <a:latin typeface="Times New Roman"/>
                 <a:ea typeface="Times New Roman"/>
                 <a:cs typeface="Times New Roman"/>
@@ -16935,7 +19247,10 @@
               </a:rPr>
               <a:t>Be able to have a visual representation if user is going the right direction</a:t>
             </a:r>
-            <a:endParaRPr sz="1200">
+            <a:endParaRPr b="0" i="0" sz="1200" u="none" cap="none" strike="noStrike">
+              <a:solidFill>
+                <a:schemeClr val="dk1"/>
+              </a:solidFill>
               <a:latin typeface="Times New Roman"/>
               <a:ea typeface="Times New Roman"/>
               <a:cs typeface="Times New Roman"/>
@@ -16943,7 +19258,7 @@
             </a:endParaRPr>
           </a:p>
           <a:p>
-            <a:pPr indent="-182562" lvl="1" marL="741362" rtl="0">
+            <a:pPr indent="-182562" lvl="1" marL="741362" marR="0" rtl="0" algn="l">
               <a:lnSpc>
                 <a:spcPct val="115000"/>
               </a:lnSpc>
@@ -16953,12 +19268,18 @@
               <a:spcAft>
                 <a:spcPts val="0"/>
               </a:spcAft>
+              <a:buClr>
+                <a:schemeClr val="dk1"/>
+              </a:buClr>
               <a:buSzPts val="1200"/>
               <a:buFont typeface="Times New Roman"/>
               <a:buChar char="–"/>
             </a:pPr>
             <a:r>
-              <a:rPr lang="en-US" sz="1200">
+              <a:rPr b="0" i="0" lang="en-US" sz="1200" u="none" cap="none" strike="noStrike">
+                <a:solidFill>
+                  <a:schemeClr val="dk1"/>
+                </a:solidFill>
                 <a:latin typeface="Times New Roman"/>
                 <a:ea typeface="Times New Roman"/>
                 <a:cs typeface="Times New Roman"/>
@@ -16966,7 +19287,10 @@
               </a:rPr>
               <a:t>Be able to find all nearby attractions at one location</a:t>
             </a:r>
-            <a:endParaRPr sz="1200">
+            <a:endParaRPr b="0" i="0" sz="1200" u="none" cap="none" strike="noStrike">
+              <a:solidFill>
+                <a:schemeClr val="dk1"/>
+              </a:solidFill>
               <a:latin typeface="Times New Roman"/>
               <a:ea typeface="Times New Roman"/>
               <a:cs typeface="Times New Roman"/>
@@ -16974,7 +19298,7 @@
             </a:endParaRPr>
           </a:p>
           <a:p>
-            <a:pPr indent="-182562" lvl="1" marL="741362" rtl="0">
+            <a:pPr indent="-182562" lvl="1" marL="741362" marR="0" rtl="0" algn="l">
               <a:lnSpc>
                 <a:spcPct val="115000"/>
               </a:lnSpc>
@@ -16984,12 +19308,18 @@
               <a:spcAft>
                 <a:spcPts val="0"/>
               </a:spcAft>
+              <a:buClr>
+                <a:schemeClr val="dk1"/>
+              </a:buClr>
               <a:buSzPts val="1200"/>
               <a:buFont typeface="Times New Roman"/>
               <a:buChar char="–"/>
             </a:pPr>
             <a:r>
-              <a:rPr lang="en-US" sz="1200">
+              <a:rPr b="0" i="0" lang="en-US" sz="1200" u="none" cap="none" strike="noStrike">
+                <a:solidFill>
+                  <a:schemeClr val="dk1"/>
+                </a:solidFill>
                 <a:latin typeface="Times New Roman"/>
                 <a:ea typeface="Times New Roman"/>
                 <a:cs typeface="Times New Roman"/>
@@ -16997,7 +19327,10 @@
               </a:rPr>
               <a:t>Be able to organize product user experience layout</a:t>
             </a:r>
-            <a:endParaRPr sz="1200">
+            <a:endParaRPr b="0" i="0" sz="1200" u="none" cap="none" strike="noStrike">
+              <a:solidFill>
+                <a:schemeClr val="dk1"/>
+              </a:solidFill>
               <a:latin typeface="Times New Roman"/>
               <a:ea typeface="Times New Roman"/>
               <a:cs typeface="Times New Roman"/>
@@ -17005,7 +19338,7 @@
             </a:endParaRPr>
           </a:p>
           <a:p>
-            <a:pPr indent="-182562" lvl="1" marL="741362" rtl="0">
+            <a:pPr indent="-182562" lvl="1" marL="741362" marR="0" rtl="0" algn="l">
               <a:lnSpc>
                 <a:spcPct val="115000"/>
               </a:lnSpc>
@@ -17015,12 +19348,18 @@
               <a:spcAft>
                 <a:spcPts val="0"/>
               </a:spcAft>
+              <a:buClr>
+                <a:schemeClr val="dk1"/>
+              </a:buClr>
               <a:buSzPts val="1200"/>
               <a:buFont typeface="Times New Roman"/>
               <a:buChar char="–"/>
             </a:pPr>
             <a:r>
-              <a:rPr lang="en-US" sz="1200">
+              <a:rPr b="0" i="0" lang="en-US" sz="1200" u="none" cap="none" strike="noStrike">
+                <a:solidFill>
+                  <a:schemeClr val="dk1"/>
+                </a:solidFill>
                 <a:latin typeface="Times New Roman"/>
                 <a:ea typeface="Times New Roman"/>
                 <a:cs typeface="Times New Roman"/>
@@ -17028,7 +19367,10 @@
               </a:rPr>
               <a:t>Make the product visually appealing</a:t>
             </a:r>
-            <a:endParaRPr sz="1200">
+            <a:endParaRPr b="0" i="0" sz="1200" u="none" cap="none" strike="noStrike">
+              <a:solidFill>
+                <a:schemeClr val="dk1"/>
+              </a:solidFill>
               <a:latin typeface="Times New Roman"/>
               <a:ea typeface="Times New Roman"/>
               <a:cs typeface="Times New Roman"/>
@@ -17036,7 +19378,7 @@
             </a:endParaRPr>
           </a:p>
           <a:p>
-            <a:pPr indent="-182562" lvl="1" marL="741362" rtl="0">
+            <a:pPr indent="-182562" lvl="1" marL="741362" marR="0" rtl="0" algn="l">
               <a:lnSpc>
                 <a:spcPct val="115000"/>
               </a:lnSpc>
@@ -17046,12 +19388,18 @@
               <a:spcAft>
                 <a:spcPts val="0"/>
               </a:spcAft>
+              <a:buClr>
+                <a:schemeClr val="dk1"/>
+              </a:buClr>
               <a:buSzPts val="1200"/>
               <a:buFont typeface="Times New Roman"/>
               <a:buChar char="–"/>
             </a:pPr>
             <a:r>
-              <a:rPr lang="en-US" sz="1200">
+              <a:rPr b="0" i="0" lang="en-US" sz="1200" u="none" cap="none" strike="noStrike">
+                <a:solidFill>
+                  <a:schemeClr val="dk1"/>
+                </a:solidFill>
                 <a:latin typeface="Times New Roman"/>
                 <a:ea typeface="Times New Roman"/>
                 <a:cs typeface="Times New Roman"/>
@@ -17059,7 +19407,10 @@
               </a:rPr>
               <a:t>Create an About page</a:t>
             </a:r>
-            <a:endParaRPr sz="1200">
+            <a:endParaRPr b="0" i="0" sz="1200" u="none" cap="none" strike="noStrike">
+              <a:solidFill>
+                <a:schemeClr val="dk1"/>
+              </a:solidFill>
               <a:latin typeface="Times New Roman"/>
               <a:ea typeface="Times New Roman"/>
               <a:cs typeface="Times New Roman"/>
@@ -17067,7 +19418,7 @@
             </a:endParaRPr>
           </a:p>
           <a:p>
-            <a:pPr indent="-182562" lvl="1" marL="741362" rtl="0">
+            <a:pPr indent="-182562" lvl="1" marL="741362" marR="0" rtl="0" algn="l">
               <a:lnSpc>
                 <a:spcPct val="115000"/>
               </a:lnSpc>
@@ -17077,12 +19428,18 @@
               <a:spcAft>
                 <a:spcPts val="0"/>
               </a:spcAft>
+              <a:buClr>
+                <a:schemeClr val="dk1"/>
+              </a:buClr>
               <a:buSzPts val="1200"/>
               <a:buFont typeface="Times New Roman"/>
               <a:buChar char="–"/>
             </a:pPr>
             <a:r>
-              <a:rPr lang="en-US" sz="1200">
+              <a:rPr b="0" i="0" lang="en-US" sz="1200" u="none" cap="none" strike="noStrike">
+                <a:solidFill>
+                  <a:schemeClr val="dk1"/>
+                </a:solidFill>
                 <a:latin typeface="Times New Roman"/>
                 <a:ea typeface="Times New Roman"/>
                 <a:cs typeface="Times New Roman"/>
@@ -17090,7 +19447,10 @@
               </a:rPr>
               <a:t>Community submits additional known paths</a:t>
             </a:r>
-            <a:endParaRPr b="1" sz="1800">
+            <a:endParaRPr b="1" i="0" sz="1800" u="none" cap="none" strike="noStrike">
+              <a:solidFill>
+                <a:schemeClr val="dk1"/>
+              </a:solidFill>
               <a:latin typeface="Times New Roman"/>
               <a:ea typeface="Times New Roman"/>
               <a:cs typeface="Times New Roman"/>
@@ -17194,7 +19554,7 @@
               <a:buNone/>
             </a:pPr>
             <a:r>
-              <a:rPr b="1" i="0" lang="en-US" sz="3200" u="none">
+              <a:rPr b="1" i="0" lang="en-US" sz="3200" u="none" cap="none" strike="noStrike">
                 <a:solidFill>
                   <a:srgbClr val="17375E"/>
                 </a:solidFill>
@@ -17205,7 +19565,15 @@
               </a:rPr>
               <a:t>Project Release Plan – User Stories</a:t>
             </a:r>
-            <a:endParaRPr/>
+            <a:endParaRPr b="0" i="0" sz="1400" u="none" cap="none" strike="noStrike">
+              <a:solidFill>
+                <a:srgbClr val="000000"/>
+              </a:solidFill>
+              <a:latin typeface="Arial"/>
+              <a:ea typeface="Arial"/>
+              <a:cs typeface="Arial"/>
+              <a:sym typeface="Arial"/>
+            </a:endParaRPr>
           </a:p>
         </p:txBody>
       </p:sp>
@@ -17254,7 +19622,10 @@
               <a:buNone/>
             </a:pPr>
             <a:r>
-              <a:rPr lang="en-US">
+              <a:rPr b="0" i="0" lang="en-US" sz="4400" u="none" cap="none" strike="noStrike">
+                <a:solidFill>
+                  <a:schemeClr val="dk1"/>
+                </a:solidFill>
                 <a:latin typeface="Times New Roman"/>
                 <a:ea typeface="Times New Roman"/>
                 <a:cs typeface="Times New Roman"/>
@@ -17262,7 +19633,15 @@
               </a:rPr>
               <a:t>SlugPath</a:t>
             </a:r>
-            <a:endParaRPr/>
+            <a:endParaRPr b="0" i="0" sz="4400" u="none" cap="none" strike="noStrike">
+              <a:solidFill>
+                <a:schemeClr val="dk1"/>
+              </a:solidFill>
+              <a:latin typeface="Calibri"/>
+              <a:ea typeface="Calibri"/>
+              <a:cs typeface="Calibri"/>
+              <a:sym typeface="Calibri"/>
+            </a:endParaRPr>
           </a:p>
         </p:txBody>
       </p:sp>
@@ -17320,18 +19699,12 @@
                 <a:cs typeface="Times New Roman"/>
                 <a:sym typeface="Times New Roman"/>
               </a:rPr>
-              <a:t>Sprint 1 user stories</a:t>
+              <a:t>Sprint 1 user stories:</a:t>
             </a:r>
-            <a:r>
-              <a:rPr lang="en-US">
-                <a:latin typeface="Times New Roman"/>
-                <a:ea typeface="Times New Roman"/>
-                <a:cs typeface="Times New Roman"/>
-                <a:sym typeface="Times New Roman"/>
-              </a:rPr>
-              <a:t>:</a:t>
-            </a:r>
-            <a:endParaRPr>
+            <a:endParaRPr b="0" i="0" sz="3200" u="none" cap="none" strike="noStrike">
+              <a:solidFill>
+                <a:schemeClr val="dk1"/>
+              </a:solidFill>
               <a:latin typeface="Times New Roman"/>
               <a:ea typeface="Times New Roman"/>
               <a:cs typeface="Times New Roman"/>
@@ -17359,7 +19732,10 @@
             <a:r>
               <a:t/>
             </a:r>
-            <a:endParaRPr>
+            <a:endParaRPr b="0" i="0" sz="3200" u="none" cap="none" strike="noStrike">
+              <a:solidFill>
+                <a:schemeClr val="dk1"/>
+              </a:solidFill>
               <a:latin typeface="Times New Roman"/>
               <a:ea typeface="Times New Roman"/>
               <a:cs typeface="Times New Roman"/>
@@ -17367,7 +19743,7 @@
             </a:endParaRPr>
           </a:p>
           <a:p>
-            <a:pPr indent="-342900" lvl="0" marL="457200" rtl="0">
+            <a:pPr indent="-342900" lvl="0" marL="457200" marR="0" rtl="0" algn="l">
               <a:lnSpc>
                 <a:spcPct val="115000"/>
               </a:lnSpc>
@@ -17377,12 +19753,18 @@
               <a:spcAft>
                 <a:spcPts val="0"/>
               </a:spcAft>
+              <a:buClr>
+                <a:schemeClr val="dk1"/>
+              </a:buClr>
               <a:buSzPts val="1800"/>
               <a:buFont typeface="Times New Roman"/>
               <a:buChar char="•"/>
             </a:pPr>
             <a:r>
-              <a:rPr lang="en-US" sz="1800">
+              <a:rPr b="0" i="0" lang="en-US" sz="1800" u="none" cap="none" strike="noStrike">
+                <a:solidFill>
+                  <a:schemeClr val="dk1"/>
+                </a:solidFill>
                 <a:latin typeface="Times New Roman"/>
                 <a:ea typeface="Times New Roman"/>
                 <a:cs typeface="Times New Roman"/>
@@ -17391,7 +19773,7 @@
               <a:t>(21 Points) </a:t>
             </a:r>
             <a:r>
-              <a:rPr lang="en-US" sz="1800">
+              <a:rPr b="0" i="0" lang="en-US" sz="1800" u="none" cap="none" strike="noStrike">
                 <a:solidFill>
                   <a:srgbClr val="24292E"/>
                 </a:solidFill>
@@ -17405,7 +19787,10 @@
               </a:rPr>
               <a:t>As a Team, we need to figure out how to represent data so that our "Slugstra" Algorithm can run efficiently.</a:t>
             </a:r>
-            <a:endParaRPr sz="1800">
+            <a:endParaRPr b="0" i="0" sz="1800" u="none" cap="none" strike="noStrike">
+              <a:solidFill>
+                <a:schemeClr val="dk1"/>
+              </a:solidFill>
               <a:latin typeface="Times New Roman"/>
               <a:ea typeface="Times New Roman"/>
               <a:cs typeface="Times New Roman"/>
@@ -17413,7 +19798,7 @@
             </a:endParaRPr>
           </a:p>
           <a:p>
-            <a:pPr indent="-342900" lvl="0" marL="457200" rtl="0">
+            <a:pPr indent="-342900" lvl="0" marL="457200" marR="0" rtl="0" algn="l">
               <a:lnSpc>
                 <a:spcPct val="115000"/>
               </a:lnSpc>
@@ -17423,12 +19808,18 @@
               <a:spcAft>
                 <a:spcPts val="0"/>
               </a:spcAft>
+              <a:buClr>
+                <a:schemeClr val="dk1"/>
+              </a:buClr>
               <a:buSzPts val="1800"/>
               <a:buFont typeface="Times New Roman"/>
               <a:buChar char="•"/>
             </a:pPr>
             <a:r>
-              <a:rPr lang="en-US" sz="1800">
+              <a:rPr b="0" i="0" lang="en-US" sz="1800" u="none" cap="none" strike="noStrike">
+                <a:solidFill>
+                  <a:schemeClr val="dk1"/>
+                </a:solidFill>
                 <a:latin typeface="Times New Roman"/>
                 <a:ea typeface="Times New Roman"/>
                 <a:cs typeface="Times New Roman"/>
@@ -17437,7 +19828,7 @@
               <a:t>(13 Points) </a:t>
             </a:r>
             <a:r>
-              <a:rPr lang="en-US" sz="1800">
+              <a:rPr b="0" i="0" lang="en-US" sz="1800" u="none" cap="none" strike="noStrike">
                 <a:solidFill>
                   <a:srgbClr val="24292E"/>
                 </a:solidFill>
@@ -17451,7 +19842,10 @@
               </a:rPr>
               <a:t>As a Data Collector, I need to organize the UC Santa Cruz Map so that the program can run efficiently.</a:t>
             </a:r>
-            <a:endParaRPr sz="1800">
+            <a:endParaRPr b="0" i="0" sz="1800" u="none" cap="none" strike="noStrike">
+              <a:solidFill>
+                <a:schemeClr val="dk1"/>
+              </a:solidFill>
               <a:latin typeface="Times New Roman"/>
               <a:ea typeface="Times New Roman"/>
               <a:cs typeface="Times New Roman"/>
@@ -17459,7 +19853,7 @@
             </a:endParaRPr>
           </a:p>
           <a:p>
-            <a:pPr indent="-342900" lvl="0" marL="457200" rtl="0">
+            <a:pPr indent="-342900" lvl="0" marL="457200" marR="0" rtl="0" algn="l">
               <a:lnSpc>
                 <a:spcPct val="115000"/>
               </a:lnSpc>
@@ -17469,12 +19863,18 @@
               <a:spcAft>
                 <a:spcPts val="0"/>
               </a:spcAft>
+              <a:buClr>
+                <a:schemeClr val="dk1"/>
+              </a:buClr>
               <a:buSzPts val="1800"/>
               <a:buFont typeface="Times New Roman"/>
               <a:buChar char="•"/>
             </a:pPr>
             <a:r>
-              <a:rPr lang="en-US" sz="1800">
+              <a:rPr b="0" i="0" lang="en-US" sz="1800" u="none" cap="none" strike="noStrike">
+                <a:solidFill>
+                  <a:schemeClr val="dk1"/>
+                </a:solidFill>
                 <a:latin typeface="Times New Roman"/>
                 <a:ea typeface="Times New Roman"/>
                 <a:cs typeface="Times New Roman"/>
@@ -17483,7 +19883,7 @@
               <a:t>(13 Points) </a:t>
             </a:r>
             <a:r>
-              <a:rPr lang="en-US" sz="1800">
+              <a:rPr b="0" i="0" lang="en-US" sz="1800" u="none" cap="none" strike="noStrike">
                 <a:solidFill>
                   <a:srgbClr val="24292E"/>
                 </a:solidFill>
@@ -17497,7 +19897,10 @@
               </a:rPr>
               <a:t>As a Data Collector, I need to collect distances and times between locations so that the program can run efficiently.</a:t>
             </a:r>
-            <a:endParaRPr sz="1800">
+            <a:endParaRPr b="0" i="0" sz="1800" u="none" cap="none" strike="noStrike">
+              <a:solidFill>
+                <a:schemeClr val="dk1"/>
+              </a:solidFill>
               <a:latin typeface="Times New Roman"/>
               <a:ea typeface="Times New Roman"/>
               <a:cs typeface="Times New Roman"/>
@@ -17506,6 +19909,9 @@
           </a:p>
           <a:p>
             <a:pPr indent="-163513" lvl="0" marL="341313" marR="0" rtl="0" algn="l">
+              <a:lnSpc>
+                <a:spcPct val="100000"/>
+              </a:lnSpc>
               <a:spcBef>
                 <a:spcPts val="560"/>
               </a:spcBef>
@@ -17522,7 +19928,7 @@
             <a:r>
               <a:t/>
             </a:r>
-            <a:endParaRPr b="0" i="0" sz="2800" u="none">
+            <a:endParaRPr b="0" i="0" sz="2800" u="none" cap="none" strike="noStrike">
               <a:solidFill>
                 <a:schemeClr val="dk1"/>
               </a:solidFill>
@@ -17582,12 +19988,17 @@
               <a:spcAft>
                 <a:spcPts val="0"/>
               </a:spcAft>
+              <a:buClr>
+                <a:srgbClr val="000000"/>
+              </a:buClr>
+              <a:buSzPts val="1800"/>
+              <a:buFont typeface="Arial"/>
               <a:buNone/>
             </a:pPr>
             <a:r>
               <a:t/>
             </a:r>
-            <a:endParaRPr b="0" i="0" sz="1800" u="none">
+            <a:endParaRPr b="0" i="0" sz="1800" u="none" cap="none" strike="noStrike">
               <a:solidFill>
                 <a:schemeClr val="dk1"/>
               </a:solidFill>
@@ -17694,7 +20105,7 @@
               <a:buNone/>
             </a:pPr>
             <a:r>
-              <a:rPr b="1" i="0" lang="en-US" sz="3200" u="none">
+              <a:rPr b="1" i="0" lang="en-US" sz="3200" u="none" cap="none" strike="noStrike">
                 <a:solidFill>
                   <a:srgbClr val="17375E"/>
                 </a:solidFill>
@@ -17705,7 +20116,15 @@
               </a:rPr>
               <a:t>Project Release Plan – User Stories</a:t>
             </a:r>
-            <a:endParaRPr/>
+            <a:endParaRPr b="0" i="0" sz="1400" u="none" cap="none" strike="noStrike">
+              <a:solidFill>
+                <a:srgbClr val="000000"/>
+              </a:solidFill>
+              <a:latin typeface="Arial"/>
+              <a:ea typeface="Arial"/>
+              <a:cs typeface="Arial"/>
+              <a:sym typeface="Arial"/>
+            </a:endParaRPr>
           </a:p>
         </p:txBody>
       </p:sp>
@@ -17754,7 +20173,10 @@
               <a:buNone/>
             </a:pPr>
             <a:r>
-              <a:rPr lang="en-US">
+              <a:rPr b="0" i="0" lang="en-US" sz="4400" u="none" cap="none" strike="noStrike">
+                <a:solidFill>
+                  <a:schemeClr val="dk1"/>
+                </a:solidFill>
                 <a:latin typeface="Times New Roman"/>
                 <a:ea typeface="Times New Roman"/>
                 <a:cs typeface="Times New Roman"/>
@@ -17762,7 +20184,15 @@
               </a:rPr>
               <a:t>SlugPath</a:t>
             </a:r>
-            <a:endParaRPr/>
+            <a:endParaRPr b="0" i="0" sz="4400" u="none" cap="none" strike="noStrike">
+              <a:solidFill>
+                <a:schemeClr val="dk1"/>
+              </a:solidFill>
+              <a:latin typeface="Calibri"/>
+              <a:ea typeface="Calibri"/>
+              <a:cs typeface="Calibri"/>
+              <a:sym typeface="Calibri"/>
+            </a:endParaRPr>
           </a:p>
         </p:txBody>
       </p:sp>
@@ -17820,39 +20250,12 @@
                 <a:cs typeface="Times New Roman"/>
                 <a:sym typeface="Times New Roman"/>
               </a:rPr>
-              <a:t>Sprint</a:t>
+              <a:t>Sprint 2 user stories:</a:t>
             </a:r>
-            <a:r>
-              <a:rPr lang="en-US">
-                <a:latin typeface="Times New Roman"/>
-                <a:ea typeface="Times New Roman"/>
-                <a:cs typeface="Times New Roman"/>
-                <a:sym typeface="Times New Roman"/>
-              </a:rPr>
-              <a:t> 2</a:t>
-            </a:r>
-            <a:r>
-              <a:rPr b="0" i="0" lang="en-US" sz="3200" u="none" cap="none" strike="noStrike">
-                <a:solidFill>
-                  <a:schemeClr val="dk1"/>
-                </a:solidFill>
-                <a:latin typeface="Times New Roman"/>
-                <a:ea typeface="Times New Roman"/>
-                <a:cs typeface="Times New Roman"/>
-                <a:sym typeface="Times New Roman"/>
-              </a:rPr>
-              <a:t> user stories</a:t>
-            </a:r>
-            <a:r>
-              <a:rPr lang="en-US">
-                <a:latin typeface="Times New Roman"/>
-                <a:ea typeface="Times New Roman"/>
-                <a:cs typeface="Times New Roman"/>
-                <a:sym typeface="Times New Roman"/>
-              </a:rPr>
-              <a:t>:</a:t>
-            </a:r>
-            <a:endParaRPr>
+            <a:endParaRPr b="0" i="0" sz="3200" u="none" cap="none" strike="noStrike">
+              <a:solidFill>
+                <a:schemeClr val="dk1"/>
+              </a:solidFill>
               <a:latin typeface="Times New Roman"/>
               <a:ea typeface="Times New Roman"/>
               <a:cs typeface="Times New Roman"/>
@@ -17880,7 +20283,10 @@
             <a:r>
               <a:t/>
             </a:r>
-            <a:endParaRPr>
+            <a:endParaRPr b="0" i="0" sz="3200" u="none" cap="none" strike="noStrike">
+              <a:solidFill>
+                <a:schemeClr val="dk1"/>
+              </a:solidFill>
               <a:latin typeface="Times New Roman"/>
               <a:ea typeface="Times New Roman"/>
               <a:cs typeface="Times New Roman"/>
@@ -17888,7 +20294,7 @@
             </a:endParaRPr>
           </a:p>
           <a:p>
-            <a:pPr indent="-342900" lvl="0" marL="457200" rtl="0">
+            <a:pPr indent="-342900" lvl="0" marL="457200" marR="0" rtl="0" algn="l">
               <a:lnSpc>
                 <a:spcPct val="115000"/>
               </a:lnSpc>
@@ -17898,12 +20304,18 @@
               <a:spcAft>
                 <a:spcPts val="0"/>
               </a:spcAft>
+              <a:buClr>
+                <a:schemeClr val="dk1"/>
+              </a:buClr>
               <a:buSzPts val="1800"/>
               <a:buFont typeface="Times New Roman"/>
               <a:buChar char="•"/>
             </a:pPr>
             <a:r>
-              <a:rPr lang="en-US" sz="1800">
+              <a:rPr b="0" i="0" lang="en-US" sz="1800" u="none" cap="none" strike="noStrike">
+                <a:solidFill>
+                  <a:schemeClr val="dk1"/>
+                </a:solidFill>
                 <a:latin typeface="Times New Roman"/>
                 <a:ea typeface="Times New Roman"/>
                 <a:cs typeface="Times New Roman"/>
@@ -17912,7 +20324,7 @@
               <a:t>(5 Points) </a:t>
             </a:r>
             <a:r>
-              <a:rPr lang="en-US" sz="1800">
+              <a:rPr b="0" i="0" lang="en-US" sz="1800" u="none" cap="none" strike="noStrike">
                 <a:solidFill>
                   <a:srgbClr val="24292E"/>
                 </a:solidFill>
@@ -17926,7 +20338,7 @@
               </a:rPr>
               <a:t>As an HTML Developer, I need to organize the website so that I can provide a better user experience.</a:t>
             </a:r>
-            <a:endParaRPr sz="1800">
+            <a:endParaRPr b="0" i="0" sz="1800" u="none" cap="none" strike="noStrike">
               <a:solidFill>
                 <a:srgbClr val="24292E"/>
               </a:solidFill>
@@ -17940,7 +20352,7 @@
             </a:endParaRPr>
           </a:p>
           <a:p>
-            <a:pPr indent="-342900" lvl="0" marL="457200" rtl="0">
+            <a:pPr indent="-342900" lvl="0" marL="457200" marR="0" rtl="0" algn="l">
               <a:lnSpc>
                 <a:spcPct val="115000"/>
               </a:lnSpc>
@@ -17958,7 +20370,7 @@
               <a:buChar char="•"/>
             </a:pPr>
             <a:r>
-              <a:rPr lang="en-US" sz="1800">
+              <a:rPr b="0" i="0" lang="en-US" sz="1800" u="none" cap="none" strike="noStrike">
                 <a:solidFill>
                   <a:srgbClr val="24292E"/>
                 </a:solidFill>
@@ -17972,7 +20384,7 @@
               </a:rPr>
               <a:t>(5 Points) As a CSS Developer, I need to beautify the website so that I can provide a better user experience.</a:t>
             </a:r>
-            <a:endParaRPr sz="1800">
+            <a:endParaRPr b="0" i="0" sz="1800" u="none" cap="none" strike="noStrike">
               <a:solidFill>
                 <a:srgbClr val="24292E"/>
               </a:solidFill>
@@ -17986,7 +20398,7 @@
             </a:endParaRPr>
           </a:p>
           <a:p>
-            <a:pPr indent="-342900" lvl="0" marL="457200" rtl="0">
+            <a:pPr indent="-342900" lvl="0" marL="457200" marR="0" rtl="0" algn="l">
               <a:lnSpc>
                 <a:spcPct val="115000"/>
               </a:lnSpc>
@@ -17996,12 +20408,18 @@
               <a:spcAft>
                 <a:spcPts val="0"/>
               </a:spcAft>
+              <a:buClr>
+                <a:schemeClr val="dk1"/>
+              </a:buClr>
               <a:buSzPts val="1800"/>
               <a:buFont typeface="Times New Roman"/>
               <a:buChar char="•"/>
             </a:pPr>
             <a:r>
-              <a:rPr lang="en-US" sz="1800">
+              <a:rPr b="0" i="0" lang="en-US" sz="1800" u="none" cap="none" strike="noStrike">
+                <a:solidFill>
+                  <a:schemeClr val="dk1"/>
+                </a:solidFill>
                 <a:latin typeface="Times New Roman"/>
                 <a:ea typeface="Times New Roman"/>
                 <a:cs typeface="Times New Roman"/>
@@ -18010,7 +20428,7 @@
               <a:t>(3 Points) </a:t>
             </a:r>
             <a:r>
-              <a:rPr lang="en-US" sz="1800">
+              <a:rPr b="0" i="0" lang="en-US" sz="1800" u="none" cap="none" strike="noStrike">
                 <a:solidFill>
                   <a:srgbClr val="24292E"/>
                 </a:solidFill>
@@ -18024,7 +20442,10 @@
               </a:rPr>
               <a:t>As a User, I want to have a visual representation if I am heading the right direction so that I don't get lost.</a:t>
             </a:r>
-            <a:endParaRPr sz="1800">
+            <a:endParaRPr b="0" i="0" sz="1800" u="none" cap="none" strike="noStrike">
+              <a:solidFill>
+                <a:schemeClr val="dk1"/>
+              </a:solidFill>
               <a:latin typeface="Times New Roman"/>
               <a:ea typeface="Times New Roman"/>
               <a:cs typeface="Times New Roman"/>
@@ -18032,7 +20453,10 @@
             </a:endParaRPr>
           </a:p>
           <a:p>
-            <a:pPr indent="-163512" lvl="0" marL="341312" marR="0" rtl="0" algn="l">
+            <a:pPr indent="-163511" lvl="0" marL="341312" marR="0" rtl="0" algn="l">
+              <a:lnSpc>
+                <a:spcPct val="100000"/>
+              </a:lnSpc>
               <a:spcBef>
                 <a:spcPts val="560"/>
               </a:spcBef>
@@ -18049,7 +20473,7 @@
             <a:r>
               <a:t/>
             </a:r>
-            <a:endParaRPr b="0" i="0" sz="2800" u="none">
+            <a:endParaRPr b="0" i="0" sz="2800" u="none" cap="none" strike="noStrike">
               <a:solidFill>
                 <a:schemeClr val="dk1"/>
               </a:solidFill>
@@ -18109,12 +20533,17 @@
               <a:spcAft>
                 <a:spcPts val="0"/>
               </a:spcAft>
+              <a:buClr>
+                <a:srgbClr val="000000"/>
+              </a:buClr>
+              <a:buSzPts val="1800"/>
+              <a:buFont typeface="Arial"/>
               <a:buNone/>
             </a:pPr>
             <a:r>
               <a:t/>
             </a:r>
-            <a:endParaRPr b="0" i="0" sz="1800" u="none">
+            <a:endParaRPr b="0" i="0" sz="1800" u="none" cap="none" strike="noStrike">
               <a:solidFill>
                 <a:schemeClr val="dk1"/>
               </a:solidFill>
@@ -18221,7 +20650,7 @@
               <a:buNone/>
             </a:pPr>
             <a:r>
-              <a:rPr b="1" i="0" lang="en-US" sz="3200" u="none">
+              <a:rPr b="1" i="0" lang="en-US" sz="3200" u="none" cap="none" strike="noStrike">
                 <a:solidFill>
                   <a:srgbClr val="17375E"/>
                 </a:solidFill>
@@ -18232,7 +20661,15 @@
               </a:rPr>
               <a:t>Project Release Plan – User Stories</a:t>
             </a:r>
-            <a:endParaRPr/>
+            <a:endParaRPr b="0" i="0" sz="1400" u="none" cap="none" strike="noStrike">
+              <a:solidFill>
+                <a:srgbClr val="000000"/>
+              </a:solidFill>
+              <a:latin typeface="Arial"/>
+              <a:ea typeface="Arial"/>
+              <a:cs typeface="Arial"/>
+              <a:sym typeface="Arial"/>
+            </a:endParaRPr>
           </a:p>
         </p:txBody>
       </p:sp>
@@ -18281,7 +20718,10 @@
               <a:buNone/>
             </a:pPr>
             <a:r>
-              <a:rPr lang="en-US">
+              <a:rPr b="0" i="0" lang="en-US" sz="4400" u="none" cap="none" strike="noStrike">
+                <a:solidFill>
+                  <a:schemeClr val="dk1"/>
+                </a:solidFill>
                 <a:latin typeface="Times New Roman"/>
                 <a:ea typeface="Times New Roman"/>
                 <a:cs typeface="Times New Roman"/>
@@ -18289,7 +20729,15 @@
               </a:rPr>
               <a:t>SlugPath</a:t>
             </a:r>
-            <a:endParaRPr/>
+            <a:endParaRPr b="0" i="0" sz="4400" u="none" cap="none" strike="noStrike">
+              <a:solidFill>
+                <a:schemeClr val="dk1"/>
+              </a:solidFill>
+              <a:latin typeface="Calibri"/>
+              <a:ea typeface="Calibri"/>
+              <a:cs typeface="Calibri"/>
+              <a:sym typeface="Calibri"/>
+            </a:endParaRPr>
           </a:p>
         </p:txBody>
       </p:sp>
@@ -18347,39 +20795,12 @@
                 <a:cs typeface="Times New Roman"/>
                 <a:sym typeface="Times New Roman"/>
               </a:rPr>
-              <a:t>Sprint</a:t>
+              <a:t>Sprint 3 user stories:</a:t>
             </a:r>
-            <a:r>
-              <a:rPr lang="en-US">
-                <a:latin typeface="Times New Roman"/>
-                <a:ea typeface="Times New Roman"/>
-                <a:cs typeface="Times New Roman"/>
-                <a:sym typeface="Times New Roman"/>
-              </a:rPr>
-              <a:t> 3</a:t>
-            </a:r>
-            <a:r>
-              <a:rPr b="0" i="0" lang="en-US" sz="3200" u="none" cap="none" strike="noStrike">
-                <a:solidFill>
-                  <a:schemeClr val="dk1"/>
-                </a:solidFill>
-                <a:latin typeface="Times New Roman"/>
-                <a:ea typeface="Times New Roman"/>
-                <a:cs typeface="Times New Roman"/>
-                <a:sym typeface="Times New Roman"/>
-              </a:rPr>
-              <a:t> user stories</a:t>
-            </a:r>
-            <a:r>
-              <a:rPr lang="en-US">
-                <a:latin typeface="Times New Roman"/>
-                <a:ea typeface="Times New Roman"/>
-                <a:cs typeface="Times New Roman"/>
-                <a:sym typeface="Times New Roman"/>
-              </a:rPr>
-              <a:t>:</a:t>
-            </a:r>
-            <a:endParaRPr>
+            <a:endParaRPr b="0" i="0" sz="3200" u="none" cap="none" strike="noStrike">
+              <a:solidFill>
+                <a:schemeClr val="dk1"/>
+              </a:solidFill>
               <a:latin typeface="Times New Roman"/>
               <a:ea typeface="Times New Roman"/>
               <a:cs typeface="Times New Roman"/>
@@ -18407,7 +20828,10 @@
             <a:r>
               <a:t/>
             </a:r>
-            <a:endParaRPr>
+            <a:endParaRPr b="0" i="0" sz="3200" u="none" cap="none" strike="noStrike">
+              <a:solidFill>
+                <a:schemeClr val="dk1"/>
+              </a:solidFill>
               <a:latin typeface="Times New Roman"/>
               <a:ea typeface="Times New Roman"/>
               <a:cs typeface="Times New Roman"/>
@@ -18415,7 +20839,7 @@
             </a:endParaRPr>
           </a:p>
           <a:p>
-            <a:pPr indent="-342900" lvl="0" marL="457200" rtl="0">
+            <a:pPr indent="-342900" lvl="0" marL="457200" marR="0" rtl="0" algn="l">
               <a:lnSpc>
                 <a:spcPct val="115000"/>
               </a:lnSpc>
@@ -18433,7 +20857,7 @@
               <a:buChar char="•"/>
             </a:pPr>
             <a:r>
-              <a:rPr lang="en-US" sz="1800">
+              <a:rPr b="0" i="0" lang="en-US" sz="1800" u="none" cap="none" strike="noStrike">
                 <a:solidFill>
                   <a:srgbClr val="24292E"/>
                 </a:solidFill>
@@ -18447,7 +20871,7 @@
               </a:rPr>
               <a:t>(13 Points) As a User, I want to create my own path so that I can enhance SlugPath more efficiently.</a:t>
             </a:r>
-            <a:endParaRPr sz="1800">
+            <a:endParaRPr b="0" i="0" sz="1800" u="none" cap="none" strike="noStrike">
               <a:solidFill>
                 <a:srgbClr val="24292E"/>
               </a:solidFill>
@@ -18461,7 +20885,7 @@
             </a:endParaRPr>
           </a:p>
           <a:p>
-            <a:pPr indent="-342900" lvl="0" marL="457200" rtl="0">
+            <a:pPr indent="-342900" lvl="0" marL="457200" marR="0" rtl="0" algn="l">
               <a:lnSpc>
                 <a:spcPct val="115000"/>
               </a:lnSpc>
@@ -18479,7 +20903,7 @@
               <a:buChar char="•"/>
             </a:pPr>
             <a:r>
-              <a:rPr lang="en-US" sz="1800">
+              <a:rPr b="0" i="0" lang="en-US" sz="1800" u="none" cap="none" strike="noStrike">
                 <a:solidFill>
                   <a:srgbClr val="24292E"/>
                 </a:solidFill>
@@ -18493,7 +20917,10 @@
               </a:rPr>
               <a:t>(1 Point) As a Developer, I need to create an About page so that I can publicize the team.</a:t>
             </a:r>
-            <a:endParaRPr sz="1800">
+            <a:endParaRPr b="0" i="0" sz="1800" u="none" cap="none" strike="noStrike">
+              <a:solidFill>
+                <a:schemeClr val="dk1"/>
+              </a:solidFill>
               <a:latin typeface="Times New Roman"/>
               <a:ea typeface="Times New Roman"/>
               <a:cs typeface="Times New Roman"/>
@@ -18501,7 +20928,10 @@
             </a:endParaRPr>
           </a:p>
           <a:p>
-            <a:pPr indent="-163512" lvl="0" marL="341312" marR="0" rtl="0" algn="l">
+            <a:pPr indent="-163511" lvl="0" marL="341312" marR="0" rtl="0" algn="l">
+              <a:lnSpc>
+                <a:spcPct val="100000"/>
+              </a:lnSpc>
               <a:spcBef>
                 <a:spcPts val="560"/>
               </a:spcBef>
@@ -18518,7 +20948,7 @@
             <a:r>
               <a:t/>
             </a:r>
-            <a:endParaRPr b="0" i="0" sz="2800" u="none">
+            <a:endParaRPr b="0" i="0" sz="2800" u="none" cap="none" strike="noStrike">
               <a:solidFill>
                 <a:schemeClr val="dk1"/>
               </a:solidFill>
@@ -18578,12 +21008,17 @@
               <a:spcAft>
                 <a:spcPts val="0"/>
               </a:spcAft>
+              <a:buClr>
+                <a:srgbClr val="000000"/>
+              </a:buClr>
+              <a:buSzPts val="1800"/>
+              <a:buFont typeface="Arial"/>
               <a:buNone/>
             </a:pPr>
             <a:r>
               <a:t/>
             </a:r>
-            <a:endParaRPr b="0" i="0" sz="1800" u="none">
+            <a:endParaRPr b="0" i="0" sz="1800" u="none" cap="none" strike="noStrike">
               <a:solidFill>
                 <a:schemeClr val="dk1"/>
               </a:solidFill>
@@ -18690,7 +21125,7 @@
               <a:buNone/>
             </a:pPr>
             <a:r>
-              <a:rPr b="1" i="0" lang="en-US" sz="3200" u="none">
+              <a:rPr b="1" i="0" lang="en-US" sz="3200" u="none" cap="none" strike="noStrike">
                 <a:solidFill>
                   <a:srgbClr val="17375E"/>
                 </a:solidFill>
@@ -18701,7 +21136,15 @@
               </a:rPr>
               <a:t>Project Release Plan – Architecture</a:t>
             </a:r>
-            <a:endParaRPr/>
+            <a:endParaRPr b="0" i="0" sz="1400" u="none" cap="none" strike="noStrike">
+              <a:solidFill>
+                <a:srgbClr val="000000"/>
+              </a:solidFill>
+              <a:latin typeface="Arial"/>
+              <a:ea typeface="Arial"/>
+              <a:cs typeface="Arial"/>
+              <a:sym typeface="Arial"/>
+            </a:endParaRPr>
           </a:p>
         </p:txBody>
       </p:sp>
@@ -18753,12 +21196,17 @@
               <a:spcAft>
                 <a:spcPts val="0"/>
               </a:spcAft>
+              <a:buClr>
+                <a:srgbClr val="000000"/>
+              </a:buClr>
+              <a:buSzPts val="1800"/>
+              <a:buFont typeface="Arial"/>
               <a:buNone/>
             </a:pPr>
             <a:r>
               <a:t/>
             </a:r>
-            <a:endParaRPr b="0" i="0" sz="1800" u="none">
+            <a:endParaRPr b="0" i="0" sz="1800" u="none" cap="none" strike="noStrike">
               <a:solidFill>
                 <a:schemeClr val="dk1"/>
               </a:solidFill>
@@ -18780,7 +21228,7 @@
           <a:blip r:embed="rId4">
             <a:alphaModFix/>
           </a:blip>
-          <a:srcRect b="19139" l="23303" r="23626" t="15381"/>
+          <a:srcRect b="19138" l="23303" r="23626" t="15381"/>
           <a:stretch/>
         </p:blipFill>
         <p:spPr>
@@ -18892,7 +21340,7 @@
               <a:buNone/>
             </a:pPr>
             <a:r>
-              <a:rPr b="0" i="0" lang="en-US" sz="3200" u="none">
+              <a:rPr b="0" i="0" lang="en-US" sz="3200" u="none" cap="none" strike="noStrike">
                 <a:solidFill>
                   <a:srgbClr val="17375E"/>
                 </a:solidFill>
@@ -18903,7 +21351,15 @@
               </a:rPr>
               <a:t>Project Release Plan – Challenges/Risks </a:t>
             </a:r>
-            <a:endParaRPr/>
+            <a:endParaRPr b="0" i="0" sz="1400" u="none" cap="none" strike="noStrike">
+              <a:solidFill>
+                <a:srgbClr val="000000"/>
+              </a:solidFill>
+              <a:latin typeface="Arial"/>
+              <a:ea typeface="Arial"/>
+              <a:cs typeface="Arial"/>
+              <a:sym typeface="Arial"/>
+            </a:endParaRPr>
           </a:p>
         </p:txBody>
       </p:sp>
@@ -18952,7 +21408,10 @@
               <a:buNone/>
             </a:pPr>
             <a:r>
-              <a:rPr lang="en-US">
+              <a:rPr b="0" i="0" lang="en-US" sz="4400" u="none" cap="none" strike="noStrike">
+                <a:solidFill>
+                  <a:schemeClr val="dk1"/>
+                </a:solidFill>
                 <a:latin typeface="Times New Roman"/>
                 <a:ea typeface="Times New Roman"/>
                 <a:cs typeface="Times New Roman"/>
@@ -18960,7 +21419,15 @@
               </a:rPr>
               <a:t>SlugPath</a:t>
             </a:r>
-            <a:endParaRPr/>
+            <a:endParaRPr b="0" i="0" sz="4400" u="none" cap="none" strike="noStrike">
+              <a:solidFill>
+                <a:schemeClr val="dk1"/>
+              </a:solidFill>
+              <a:latin typeface="Calibri"/>
+              <a:ea typeface="Calibri"/>
+              <a:cs typeface="Calibri"/>
+              <a:sym typeface="Calibri"/>
+            </a:endParaRPr>
           </a:p>
         </p:txBody>
       </p:sp>
@@ -19009,7 +21476,7 @@
               <a:buNone/>
             </a:pPr>
             <a:r>
-              <a:rPr b="0" i="0" lang="en-US" sz="3200" u="none">
+              <a:rPr b="0" i="0" lang="en-US" sz="3200" u="none" cap="none" strike="noStrike">
                 <a:solidFill>
                   <a:schemeClr val="dk1"/>
                 </a:solidFill>
@@ -19018,18 +21485,12 @@
                 <a:cs typeface="Times New Roman"/>
                 <a:sym typeface="Times New Roman"/>
               </a:rPr>
-              <a:t>Challenge</a:t>
+              <a:t>Challenge 1:</a:t>
             </a:r>
-            <a:r>
-              <a:rPr lang="en-US">
-                <a:latin typeface="Times New Roman"/>
-                <a:ea typeface="Times New Roman"/>
-                <a:cs typeface="Times New Roman"/>
-                <a:sym typeface="Times New Roman"/>
-              </a:rPr>
-              <a:t> 1:</a:t>
-            </a:r>
-            <a:endParaRPr>
+            <a:endParaRPr b="0" i="0" sz="3200" u="none" cap="none" strike="noStrike">
+              <a:solidFill>
+                <a:schemeClr val="dk1"/>
+              </a:solidFill>
               <a:latin typeface="Times New Roman"/>
               <a:ea typeface="Times New Roman"/>
               <a:cs typeface="Times New Roman"/>
@@ -19047,12 +21508,18 @@
               <a:spcAft>
                 <a:spcPts val="0"/>
               </a:spcAft>
+              <a:buClr>
+                <a:schemeClr val="dk1"/>
+              </a:buClr>
               <a:buSzPts val="3000"/>
               <a:buFont typeface="Times New Roman"/>
               <a:buChar char="•"/>
             </a:pPr>
             <a:r>
-              <a:rPr lang="en-US" sz="3000">
+              <a:rPr b="0" i="0" lang="en-US" sz="3000" u="none" cap="none" strike="noStrike">
+                <a:solidFill>
+                  <a:schemeClr val="dk1"/>
+                </a:solidFill>
                 <a:latin typeface="Times New Roman"/>
                 <a:ea typeface="Times New Roman"/>
                 <a:cs typeface="Times New Roman"/>
@@ -19060,7 +21527,10 @@
               </a:rPr>
               <a:t>Creating a dynamic algorithm so that we won’t have to run shortest path algorithm such as Dijkstra's algorithm for each user query</a:t>
             </a:r>
-            <a:endParaRPr sz="3000">
+            <a:endParaRPr b="0" i="0" sz="3000" u="none" cap="none" strike="noStrike">
+              <a:solidFill>
+                <a:schemeClr val="dk1"/>
+              </a:solidFill>
               <a:latin typeface="Times New Roman"/>
               <a:ea typeface="Times New Roman"/>
               <a:cs typeface="Times New Roman"/>
@@ -19068,7 +21538,10 @@
             </a:endParaRPr>
           </a:p>
           <a:p>
-            <a:pPr indent="-163512" lvl="0" marL="341312" marR="0" rtl="0" algn="l">
+            <a:pPr indent="-163511" lvl="0" marL="341312" marR="0" rtl="0" algn="l">
+              <a:lnSpc>
+                <a:spcPct val="100000"/>
+              </a:lnSpc>
               <a:spcBef>
                 <a:spcPts val="560"/>
               </a:spcBef>
@@ -19085,7 +21558,7 @@
             <a:r>
               <a:t/>
             </a:r>
-            <a:endParaRPr b="0" i="0" sz="2800" u="none">
+            <a:endParaRPr b="0" i="0" sz="2800" u="none" cap="none" strike="noStrike">
               <a:solidFill>
                 <a:schemeClr val="dk1"/>
               </a:solidFill>
@@ -19145,12 +21618,17 @@
               <a:spcAft>
                 <a:spcPts val="0"/>
               </a:spcAft>
+              <a:buClr>
+                <a:srgbClr val="000000"/>
+              </a:buClr>
+              <a:buSzPts val="1800"/>
+              <a:buFont typeface="Arial"/>
               <a:buNone/>
             </a:pPr>
             <a:r>
               <a:t/>
             </a:r>
-            <a:endParaRPr b="0" i="0" sz="1800" u="none">
+            <a:endParaRPr b="0" i="0" sz="1800" u="none" cap="none" strike="noStrike">
               <a:solidFill>
                 <a:schemeClr val="dk1"/>
               </a:solidFill>
@@ -19257,7 +21735,7 @@
               <a:buNone/>
             </a:pPr>
             <a:r>
-              <a:rPr b="0" i="0" lang="en-US" sz="3200" u="none">
+              <a:rPr b="0" i="0" lang="en-US" sz="3200" u="none" cap="none" strike="noStrike">
                 <a:solidFill>
                   <a:srgbClr val="17375E"/>
                 </a:solidFill>
@@ -19268,7 +21746,15 @@
               </a:rPr>
               <a:t>Project Release Plan – Challenges/Risks </a:t>
             </a:r>
-            <a:endParaRPr/>
+            <a:endParaRPr b="0" i="0" sz="1400" u="none" cap="none" strike="noStrike">
+              <a:solidFill>
+                <a:srgbClr val="000000"/>
+              </a:solidFill>
+              <a:latin typeface="Arial"/>
+              <a:ea typeface="Arial"/>
+              <a:cs typeface="Arial"/>
+              <a:sym typeface="Arial"/>
+            </a:endParaRPr>
           </a:p>
         </p:txBody>
       </p:sp>
@@ -19317,7 +21803,10 @@
               <a:buNone/>
             </a:pPr>
             <a:r>
-              <a:rPr lang="en-US">
+              <a:rPr b="0" i="0" lang="en-US" sz="4400" u="none" cap="none" strike="noStrike">
+                <a:solidFill>
+                  <a:schemeClr val="dk1"/>
+                </a:solidFill>
                 <a:latin typeface="Times New Roman"/>
                 <a:ea typeface="Times New Roman"/>
                 <a:cs typeface="Times New Roman"/>
@@ -19325,7 +21814,15 @@
               </a:rPr>
               <a:t>SlugPath</a:t>
             </a:r>
-            <a:endParaRPr/>
+            <a:endParaRPr b="0" i="0" sz="4400" u="none" cap="none" strike="noStrike">
+              <a:solidFill>
+                <a:schemeClr val="dk1"/>
+              </a:solidFill>
+              <a:latin typeface="Calibri"/>
+              <a:ea typeface="Calibri"/>
+              <a:cs typeface="Calibri"/>
+              <a:sym typeface="Calibri"/>
+            </a:endParaRPr>
           </a:p>
         </p:txBody>
       </p:sp>
@@ -19374,7 +21871,7 @@
               <a:buNone/>
             </a:pPr>
             <a:r>
-              <a:rPr b="0" i="0" lang="en-US" sz="3200" u="none">
+              <a:rPr b="0" i="0" lang="en-US" sz="3200" u="none" cap="none" strike="noStrike">
                 <a:solidFill>
                   <a:schemeClr val="dk1"/>
                 </a:solidFill>
@@ -19383,18 +21880,12 @@
                 <a:cs typeface="Times New Roman"/>
                 <a:sym typeface="Times New Roman"/>
               </a:rPr>
-              <a:t>Challenge</a:t>
+              <a:t>Challenge 2:</a:t>
             </a:r>
-            <a:r>
-              <a:rPr lang="en-US">
-                <a:latin typeface="Times New Roman"/>
-                <a:ea typeface="Times New Roman"/>
-                <a:cs typeface="Times New Roman"/>
-                <a:sym typeface="Times New Roman"/>
-              </a:rPr>
-              <a:t> 2:</a:t>
-            </a:r>
-            <a:endParaRPr>
+            <a:endParaRPr b="0" i="0" sz="3200" u="none" cap="none" strike="noStrike">
+              <a:solidFill>
+                <a:schemeClr val="dk1"/>
+              </a:solidFill>
               <a:latin typeface="Times New Roman"/>
               <a:ea typeface="Times New Roman"/>
               <a:cs typeface="Times New Roman"/>
@@ -19412,12 +21903,18 @@
               <a:spcAft>
                 <a:spcPts val="0"/>
               </a:spcAft>
+              <a:buClr>
+                <a:schemeClr val="dk1"/>
+              </a:buClr>
               <a:buSzPts val="3000"/>
               <a:buFont typeface="Times New Roman"/>
               <a:buChar char="•"/>
             </a:pPr>
             <a:r>
-              <a:rPr lang="en-US" sz="3000">
+              <a:rPr b="0" i="0" lang="en-US" sz="3000" u="none" cap="none" strike="noStrike">
+                <a:solidFill>
+                  <a:schemeClr val="dk1"/>
+                </a:solidFill>
                 <a:latin typeface="Times New Roman"/>
                 <a:ea typeface="Times New Roman"/>
                 <a:cs typeface="Times New Roman"/>
@@ -19425,7 +21922,10 @@
               </a:rPr>
               <a:t>Representing graph data on a readable file for algorithm run on</a:t>
             </a:r>
-            <a:endParaRPr sz="3000">
+            <a:endParaRPr b="0" i="0" sz="3000" u="none" cap="none" strike="noStrike">
+              <a:solidFill>
+                <a:schemeClr val="dk1"/>
+              </a:solidFill>
               <a:latin typeface="Times New Roman"/>
               <a:ea typeface="Times New Roman"/>
               <a:cs typeface="Times New Roman"/>
@@ -19433,7 +21933,10 @@
             </a:endParaRPr>
           </a:p>
           <a:p>
-            <a:pPr indent="-163512" lvl="0" marL="341312" marR="0" rtl="0" algn="l">
+            <a:pPr indent="-163511" lvl="0" marL="341312" marR="0" rtl="0" algn="l">
+              <a:lnSpc>
+                <a:spcPct val="100000"/>
+              </a:lnSpc>
               <a:spcBef>
                 <a:spcPts val="560"/>
               </a:spcBef>
@@ -19450,7 +21953,7 @@
             <a:r>
               <a:t/>
             </a:r>
-            <a:endParaRPr b="0" i="0" sz="2800" u="none">
+            <a:endParaRPr b="0" i="0" sz="2800" u="none" cap="none" strike="noStrike">
               <a:solidFill>
                 <a:schemeClr val="dk1"/>
               </a:solidFill>
@@ -19510,12 +22013,17 @@
               <a:spcAft>
                 <a:spcPts val="0"/>
               </a:spcAft>
+              <a:buClr>
+                <a:srgbClr val="000000"/>
+              </a:buClr>
+              <a:buSzPts val="1800"/>
+              <a:buFont typeface="Arial"/>
               <a:buNone/>
             </a:pPr>
             <a:r>
               <a:t/>
             </a:r>
-            <a:endParaRPr b="0" i="0" sz="1800" u="none">
+            <a:endParaRPr b="0" i="0" sz="1800" u="none" cap="none" strike="noStrike">
               <a:solidFill>
                 <a:schemeClr val="dk1"/>
               </a:solidFill>
@@ -19622,7 +22130,7 @@
               <a:buNone/>
             </a:pPr>
             <a:r>
-              <a:rPr b="0" i="0" lang="en-US" sz="3200" u="none">
+              <a:rPr b="0" i="0" lang="en-US" sz="3200" u="none" cap="none" strike="noStrike">
                 <a:solidFill>
                   <a:srgbClr val="17375E"/>
                 </a:solidFill>
@@ -19633,7 +22141,15 @@
               </a:rPr>
               <a:t>Project Release Plan – Challenges/Risks </a:t>
             </a:r>
-            <a:endParaRPr/>
+            <a:endParaRPr b="0" i="0" sz="1400" u="none" cap="none" strike="noStrike">
+              <a:solidFill>
+                <a:srgbClr val="000000"/>
+              </a:solidFill>
+              <a:latin typeface="Arial"/>
+              <a:ea typeface="Arial"/>
+              <a:cs typeface="Arial"/>
+              <a:sym typeface="Arial"/>
+            </a:endParaRPr>
           </a:p>
         </p:txBody>
       </p:sp>
@@ -19682,7 +22198,10 @@
               <a:buNone/>
             </a:pPr>
             <a:r>
-              <a:rPr lang="en-US">
+              <a:rPr b="0" i="0" lang="en-US" sz="4400" u="none" cap="none" strike="noStrike">
+                <a:solidFill>
+                  <a:schemeClr val="dk1"/>
+                </a:solidFill>
                 <a:latin typeface="Times New Roman"/>
                 <a:ea typeface="Times New Roman"/>
                 <a:cs typeface="Times New Roman"/>
@@ -19690,7 +22209,15 @@
               </a:rPr>
               <a:t>SlugPath</a:t>
             </a:r>
-            <a:endParaRPr/>
+            <a:endParaRPr b="0" i="0" sz="4400" u="none" cap="none" strike="noStrike">
+              <a:solidFill>
+                <a:schemeClr val="dk1"/>
+              </a:solidFill>
+              <a:latin typeface="Calibri"/>
+              <a:ea typeface="Calibri"/>
+              <a:cs typeface="Calibri"/>
+              <a:sym typeface="Calibri"/>
+            </a:endParaRPr>
           </a:p>
         </p:txBody>
       </p:sp>
@@ -19739,7 +22266,7 @@
               <a:buNone/>
             </a:pPr>
             <a:r>
-              <a:rPr b="0" i="0" lang="en-US" sz="3200" u="none">
+              <a:rPr b="0" i="0" lang="en-US" sz="3200" u="none" cap="none" strike="noStrike">
                 <a:solidFill>
                   <a:schemeClr val="dk1"/>
                 </a:solidFill>
@@ -19748,18 +22275,12 @@
                 <a:cs typeface="Times New Roman"/>
                 <a:sym typeface="Times New Roman"/>
               </a:rPr>
-              <a:t>Challenge</a:t>
+              <a:t>Challenge 3:</a:t>
             </a:r>
-            <a:r>
-              <a:rPr lang="en-US">
-                <a:latin typeface="Times New Roman"/>
-                <a:ea typeface="Times New Roman"/>
-                <a:cs typeface="Times New Roman"/>
-                <a:sym typeface="Times New Roman"/>
-              </a:rPr>
-              <a:t> 3:</a:t>
-            </a:r>
-            <a:endParaRPr>
+            <a:endParaRPr b="0" i="0" sz="3200" u="none" cap="none" strike="noStrike">
+              <a:solidFill>
+                <a:schemeClr val="dk1"/>
+              </a:solidFill>
               <a:latin typeface="Times New Roman"/>
               <a:ea typeface="Times New Roman"/>
               <a:cs typeface="Times New Roman"/>
@@ -19777,12 +22298,18 @@
               <a:spcAft>
                 <a:spcPts val="0"/>
               </a:spcAft>
+              <a:buClr>
+                <a:schemeClr val="dk1"/>
+              </a:buClr>
               <a:buSzPts val="3000"/>
               <a:buFont typeface="Times New Roman"/>
               <a:buChar char="•"/>
             </a:pPr>
             <a:r>
-              <a:rPr lang="en-US" sz="3000">
+              <a:rPr b="0" i="0" lang="en-US" sz="3000" u="none" cap="none" strike="noStrike">
+                <a:solidFill>
+                  <a:schemeClr val="dk1"/>
+                </a:solidFill>
                 <a:latin typeface="Times New Roman"/>
                 <a:ea typeface="Times New Roman"/>
                 <a:cs typeface="Times New Roman"/>
@@ -19790,7 +22317,10 @@
               </a:rPr>
               <a:t>Visualizing shortest path on Leaflet which is a new technology for us</a:t>
             </a:r>
-            <a:endParaRPr sz="3000">
+            <a:endParaRPr b="0" i="0" sz="3000" u="none" cap="none" strike="noStrike">
+              <a:solidFill>
+                <a:schemeClr val="dk1"/>
+              </a:solidFill>
               <a:latin typeface="Times New Roman"/>
               <a:ea typeface="Times New Roman"/>
               <a:cs typeface="Times New Roman"/>
@@ -19798,7 +22328,10 @@
             </a:endParaRPr>
           </a:p>
           <a:p>
-            <a:pPr indent="-163512" lvl="0" marL="341312" marR="0" rtl="0" algn="l">
+            <a:pPr indent="-163511" lvl="0" marL="341312" marR="0" rtl="0" algn="l">
+              <a:lnSpc>
+                <a:spcPct val="100000"/>
+              </a:lnSpc>
               <a:spcBef>
                 <a:spcPts val="560"/>
               </a:spcBef>
@@ -19815,7 +22348,7 @@
             <a:r>
               <a:t/>
             </a:r>
-            <a:endParaRPr b="0" i="0" sz="2800" u="none">
+            <a:endParaRPr b="0" i="0" sz="2800" u="none" cap="none" strike="noStrike">
               <a:solidFill>
                 <a:schemeClr val="dk1"/>
               </a:solidFill>
@@ -19875,12 +22408,17 @@
               <a:spcAft>
                 <a:spcPts val="0"/>
               </a:spcAft>
+              <a:buClr>
+                <a:srgbClr val="000000"/>
+              </a:buClr>
+              <a:buSzPts val="1800"/>
+              <a:buFont typeface="Arial"/>
               <a:buNone/>
             </a:pPr>
             <a:r>
               <a:t/>
             </a:r>
-            <a:endParaRPr b="0" i="0" sz="1800" u="none">
+            <a:endParaRPr b="0" i="0" sz="1800" u="none" cap="none" strike="noStrike">
               <a:solidFill>
                 <a:schemeClr val="dk1"/>
               </a:solidFill>

--- a/Documentation/Release Plan Presentation.pptx
+++ b/Documentation/Release Plan Presentation.pptx
@@ -19058,7 +19058,7 @@
             </a:endParaRPr>
           </a:p>
           <a:p>
-            <a:pPr indent="-252411" lvl="0" marL="341312" marR="0" rtl="0" algn="l">
+            <a:pPr indent="-252412" lvl="0" marL="341312" marR="0" rtl="0" algn="l">
               <a:lnSpc>
                 <a:spcPct val="100000"/>
               </a:lnSpc>
@@ -19087,7 +19087,115 @@
               </a:rPr>
               <a:t>High level goal(s):</a:t>
             </a:r>
-            <a:endParaRPr b="1" i="0" sz="1800" u="none" cap="none" strike="noStrike">
+            <a:endParaRPr b="1" sz="1800">
+              <a:latin typeface="Times New Roman"/>
+              <a:ea typeface="Times New Roman"/>
+              <a:cs typeface="Times New Roman"/>
+              <a:sym typeface="Times New Roman"/>
+            </a:endParaRPr>
+          </a:p>
+          <a:p>
+            <a:pPr indent="-182562" lvl="1" marL="741362" rtl="0">
+              <a:lnSpc>
+                <a:spcPct val="115000"/>
+              </a:lnSpc>
+              <a:spcBef>
+                <a:spcPts val="0"/>
+              </a:spcBef>
+              <a:spcAft>
+                <a:spcPts val="0"/>
+              </a:spcAft>
+              <a:buClr>
+                <a:schemeClr val="dk1"/>
+              </a:buClr>
+              <a:buSzPts val="1200"/>
+              <a:buFont typeface="Times New Roman"/>
+              <a:buChar char="–"/>
+            </a:pPr>
+            <a:r>
+              <a:rPr lang="en-US" sz="1200">
+                <a:latin typeface="Times New Roman"/>
+                <a:ea typeface="Times New Roman"/>
+                <a:cs typeface="Times New Roman"/>
+                <a:sym typeface="Times New Roman"/>
+              </a:rPr>
+              <a:t>Be able to display paths that were created over time by UC Santa Cruz people</a:t>
+            </a:r>
+            <a:endParaRPr sz="1200">
+              <a:latin typeface="Times New Roman"/>
+              <a:ea typeface="Times New Roman"/>
+              <a:cs typeface="Times New Roman"/>
+              <a:sym typeface="Times New Roman"/>
+            </a:endParaRPr>
+          </a:p>
+          <a:p>
+            <a:pPr indent="-182562" lvl="1" marL="741362" marR="0" rtl="0" algn="l">
+              <a:lnSpc>
+                <a:spcPct val="115000"/>
+              </a:lnSpc>
+              <a:spcBef>
+                <a:spcPts val="0"/>
+              </a:spcBef>
+              <a:spcAft>
+                <a:spcPts val="0"/>
+              </a:spcAft>
+              <a:buClr>
+                <a:schemeClr val="dk1"/>
+              </a:buClr>
+              <a:buSzPts val="1200"/>
+              <a:buFont typeface="Times New Roman"/>
+              <a:buChar char="–"/>
+            </a:pPr>
+            <a:r>
+              <a:rPr b="0" i="0" lang="en-US" sz="1200" u="none" cap="none" strike="noStrike">
+                <a:solidFill>
+                  <a:schemeClr val="dk1"/>
+                </a:solidFill>
+                <a:latin typeface="Times New Roman"/>
+                <a:ea typeface="Times New Roman"/>
+                <a:cs typeface="Times New Roman"/>
+                <a:sym typeface="Times New Roman"/>
+              </a:rPr>
+              <a:t>Be able to represent graph data as a readable file</a:t>
+            </a:r>
+            <a:endParaRPr sz="1200">
+              <a:latin typeface="Times New Roman"/>
+              <a:ea typeface="Times New Roman"/>
+              <a:cs typeface="Times New Roman"/>
+              <a:sym typeface="Times New Roman"/>
+            </a:endParaRPr>
+          </a:p>
+          <a:p>
+            <a:pPr indent="-182562" lvl="1" marL="741362" marR="0" rtl="0" algn="l">
+              <a:lnSpc>
+                <a:spcPct val="115000"/>
+              </a:lnSpc>
+              <a:spcBef>
+                <a:spcPts val="0"/>
+              </a:spcBef>
+              <a:spcAft>
+                <a:spcPts val="0"/>
+              </a:spcAft>
+              <a:buClr>
+                <a:schemeClr val="dk1"/>
+              </a:buClr>
+              <a:buSzPts val="1200"/>
+              <a:buFont typeface="Times New Roman"/>
+              <a:buChar char="–"/>
+            </a:pPr>
+            <a:r>
+              <a:rPr b="0" i="0" lang="en-US" sz="1200" u="none" cap="none" strike="noStrike">
+                <a:solidFill>
+                  <a:schemeClr val="dk1"/>
+                </a:solidFill>
+                <a:latin typeface="Times New Roman"/>
+                <a:ea typeface="Times New Roman"/>
+                <a:cs typeface="Times New Roman"/>
+                <a:sym typeface="Times New Roman"/>
+              </a:rPr>
+              <a:t>Be able to organize key locations at UC Santa Cruz</a:t>
+            </a:r>
+            <a:endParaRPr b="0" i="0" sz="1200" u="none" cap="none" strike="noStrike">
               <a:solidFill>
                 <a:schemeClr val="dk1"/>
               </a:solidFill>
@@ -19125,7 +19233,7 @@
                 <a:cs typeface="Times New Roman"/>
                 <a:sym typeface="Times New Roman"/>
               </a:rPr>
-              <a:t>Be able to represent graph data as a readable file</a:t>
+              <a:t>Be able to collect distances and time between two locations</a:t>
             </a:r>
             <a:endParaRPr b="0" i="0" sz="1200" u="none" cap="none" strike="noStrike">
               <a:solidFill>
@@ -19165,7 +19273,7 @@
                 <a:cs typeface="Times New Roman"/>
                 <a:sym typeface="Times New Roman"/>
               </a:rPr>
-              <a:t>Be able to organize key locations at UC Santa Cruz</a:t>
+              <a:t>Be able to have a visual representation if user is going the right direction</a:t>
             </a:r>
             <a:endParaRPr b="0" i="0" sz="1200" u="none" cap="none" strike="noStrike">
               <a:solidFill>
@@ -19205,7 +19313,7 @@
                 <a:cs typeface="Times New Roman"/>
                 <a:sym typeface="Times New Roman"/>
               </a:rPr>
-              <a:t>Be able to collect distances and time between two locations</a:t>
+              <a:t>Be able to find all nearby attractions at one location</a:t>
             </a:r>
             <a:endParaRPr b="0" i="0" sz="1200" u="none" cap="none" strike="noStrike">
               <a:solidFill>
@@ -19236,61 +19344,15 @@
               <a:buChar char="–"/>
             </a:pPr>
             <a:r>
-              <a:rPr b="0" i="0" lang="en-US" sz="1200" u="none" cap="none" strike="noStrike">
-                <a:solidFill>
-                  <a:schemeClr val="dk1"/>
-                </a:solidFill>
+              <a:rPr lang="en-US" sz="1200">
                 <a:latin typeface="Times New Roman"/>
                 <a:ea typeface="Times New Roman"/>
                 <a:cs typeface="Times New Roman"/>
                 <a:sym typeface="Times New Roman"/>
               </a:rPr>
-              <a:t>Be able to have a visual representation if user is going the right direction</a:t>
+              <a:t>Be able to display building maps for every building on campus</a:t>
             </a:r>
-            <a:endParaRPr b="0" i="0" sz="1200" u="none" cap="none" strike="noStrike">
-              <a:solidFill>
-                <a:schemeClr val="dk1"/>
-              </a:solidFill>
-              <a:latin typeface="Times New Roman"/>
-              <a:ea typeface="Times New Roman"/>
-              <a:cs typeface="Times New Roman"/>
-              <a:sym typeface="Times New Roman"/>
-            </a:endParaRPr>
-          </a:p>
-          <a:p>
-            <a:pPr indent="-182562" lvl="1" marL="741362" marR="0" rtl="0" algn="l">
-              <a:lnSpc>
-                <a:spcPct val="115000"/>
-              </a:lnSpc>
-              <a:spcBef>
-                <a:spcPts val="0"/>
-              </a:spcBef>
-              <a:spcAft>
-                <a:spcPts val="0"/>
-              </a:spcAft>
-              <a:buClr>
-                <a:schemeClr val="dk1"/>
-              </a:buClr>
-              <a:buSzPts val="1200"/>
-              <a:buFont typeface="Times New Roman"/>
-              <a:buChar char="–"/>
-            </a:pPr>
-            <a:r>
-              <a:rPr b="0" i="0" lang="en-US" sz="1200" u="none" cap="none" strike="noStrike">
-                <a:solidFill>
-                  <a:schemeClr val="dk1"/>
-                </a:solidFill>
-                <a:latin typeface="Times New Roman"/>
-                <a:ea typeface="Times New Roman"/>
-                <a:cs typeface="Times New Roman"/>
-                <a:sym typeface="Times New Roman"/>
-              </a:rPr>
-              <a:t>Be able to find all nearby attractions at one location</a:t>
-            </a:r>
-            <a:endParaRPr b="0" i="0" sz="1200" u="none" cap="none" strike="noStrike">
-              <a:solidFill>
-                <a:schemeClr val="dk1"/>
-              </a:solidFill>
+            <a:endParaRPr sz="1200">
               <a:latin typeface="Times New Roman"/>
               <a:ea typeface="Times New Roman"/>
               <a:cs typeface="Times New Roman"/>
@@ -22439,6 +22501,285 @@
 </file>
 
 <file path=ppt/theme/theme1.xml><?xml version="1.0" encoding="utf-8"?>
+<a:theme xmlns:a="http://schemas.openxmlformats.org/drawingml/2006/main" xmlns:r="http://schemas.openxmlformats.org/officeDocument/2006/relationships" name="Office Theme">
+  <a:themeElements>
+    <a:clrScheme name="Office">
+      <a:dk1>
+        <a:srgbClr val="000000"/>
+      </a:dk1>
+      <a:lt1>
+        <a:srgbClr val="FFFFFF"/>
+      </a:lt1>
+      <a:dk2>
+        <a:srgbClr val="1F497D"/>
+      </a:dk2>
+      <a:lt2>
+        <a:srgbClr val="EEECE1"/>
+      </a:lt2>
+      <a:accent1>
+        <a:srgbClr val="4F81BD"/>
+      </a:accent1>
+      <a:accent2>
+        <a:srgbClr val="C0504D"/>
+      </a:accent2>
+      <a:accent3>
+        <a:srgbClr val="9BBB59"/>
+      </a:accent3>
+      <a:accent4>
+        <a:srgbClr val="8064A2"/>
+      </a:accent4>
+      <a:accent5>
+        <a:srgbClr val="4BACC6"/>
+      </a:accent5>
+      <a:accent6>
+        <a:srgbClr val="F79646"/>
+      </a:accent6>
+      <a:hlink>
+        <a:srgbClr val="0000FF"/>
+      </a:hlink>
+      <a:folHlink>
+        <a:srgbClr val="800080"/>
+      </a:folHlink>
+    </a:clrScheme>
+    <a:fontScheme name="Office">
+      <a:majorFont>
+        <a:latin typeface="Arial"/>
+        <a:ea typeface=""/>
+        <a:cs typeface=""/>
+        <a:font script="Jpan" typeface="ＭＳ Ｐゴシック"/>
+        <a:font script="Hang" typeface="맑은 고딕"/>
+        <a:font script="Hans" typeface="宋体"/>
+        <a:font script="Hant" typeface="新細明體"/>
+        <a:font script="Arab" typeface="Times New Roman"/>
+        <a:font script="Hebr" typeface="Times New Roman"/>
+        <a:font script="Thai" typeface="Angsana New"/>
+        <a:font script="Ethi" typeface="Nyala"/>
+        <a:font script="Beng" typeface="Vrinda"/>
+        <a:font script="Gujr" typeface="Shruti"/>
+        <a:font script="Khmr" typeface="MoolBoran"/>
+        <a:font script="Knda" typeface="Tunga"/>
+        <a:font script="Guru" typeface="Raavi"/>
+        <a:font script="Cans" typeface="Euphemia"/>
+        <a:font script="Cher" typeface="Plantagenet Cherokee"/>
+        <a:font script="Yiii" typeface="Microsoft Yi Baiti"/>
+        <a:font script="Tibt" typeface="Microsoft Himalaya"/>
+        <a:font script="Thaa" typeface="MV Boli"/>
+        <a:font script="Deva" typeface="Mangal"/>
+        <a:font script="Telu" typeface="Gautami"/>
+        <a:font script="Taml" typeface="Latha"/>
+        <a:font script="Syrc" typeface="Estrangelo Edessa"/>
+        <a:font script="Orya" typeface="Kalinga"/>
+        <a:font script="Mlym" typeface="Kartika"/>
+        <a:font script="Laoo" typeface="DokChampa"/>
+        <a:font script="Sinh" typeface="Iskoola Pota"/>
+        <a:font script="Mong" typeface="Mongolian Baiti"/>
+        <a:font script="Viet" typeface="Times New Roman"/>
+        <a:font script="Uigh" typeface="Microsoft Uighur"/>
+        <a:font script="Geor" typeface="Sylfaen"/>
+      </a:majorFont>
+      <a:minorFont>
+        <a:latin typeface="Arial"/>
+        <a:ea typeface=""/>
+        <a:cs typeface=""/>
+        <a:font script="Jpan" typeface="ＭＳ Ｐゴシック"/>
+        <a:font script="Hang" typeface="맑은 고딕"/>
+        <a:font script="Hans" typeface="宋体"/>
+        <a:font script="Hant" typeface="新細明體"/>
+        <a:font script="Arab" typeface="Arial"/>
+        <a:font script="Hebr" typeface="Arial"/>
+        <a:font script="Thai" typeface="Cordia New"/>
+        <a:font script="Ethi" typeface="Nyala"/>
+        <a:font script="Beng" typeface="Vrinda"/>
+        <a:font script="Gujr" typeface="Shruti"/>
+        <a:font script="Khmr" typeface="DaunPenh"/>
+        <a:font script="Knda" typeface="Tunga"/>
+        <a:font script="Guru" typeface="Raavi"/>
+        <a:font script="Cans" typeface="Euphemia"/>
+        <a:font script="Cher" typeface="Plantagenet Cherokee"/>
+        <a:font script="Yiii" typeface="Microsoft Yi Baiti"/>
+        <a:font script="Tibt" typeface="Microsoft Himalaya"/>
+        <a:font script="Thaa" typeface="MV Boli"/>
+        <a:font script="Deva" typeface="Mangal"/>
+        <a:font script="Telu" typeface="Gautami"/>
+        <a:font script="Taml" typeface="Latha"/>
+        <a:font script="Syrc" typeface="Estrangelo Edessa"/>
+        <a:font script="Orya" typeface="Kalinga"/>
+        <a:font script="Mlym" typeface="Kartika"/>
+        <a:font script="Laoo" typeface="DokChampa"/>
+        <a:font script="Sinh" typeface="Iskoola Pota"/>
+        <a:font script="Mong" typeface="Mongolian Baiti"/>
+        <a:font script="Viet" typeface="Arial"/>
+        <a:font script="Uigh" typeface="Microsoft Uighur"/>
+        <a:font script="Geor" typeface="Sylfaen"/>
+      </a:minorFont>
+    </a:fontScheme>
+    <a:fmtScheme name="Office">
+      <a:fillStyleLst>
+        <a:solidFill>
+          <a:schemeClr val="phClr"/>
+        </a:solidFill>
+        <a:gradFill rotWithShape="1">
+          <a:gsLst>
+            <a:gs pos="0">
+              <a:schemeClr val="phClr">
+                <a:tint val="50000"/>
+                <a:satMod val="300000"/>
+              </a:schemeClr>
+            </a:gs>
+            <a:gs pos="35000">
+              <a:schemeClr val="phClr">
+                <a:tint val="37000"/>
+                <a:satMod val="300000"/>
+              </a:schemeClr>
+            </a:gs>
+            <a:gs pos="100000">
+              <a:schemeClr val="phClr">
+                <a:tint val="15000"/>
+                <a:satMod val="350000"/>
+              </a:schemeClr>
+            </a:gs>
+          </a:gsLst>
+          <a:lin ang="16200000" scaled="1"/>
+        </a:gradFill>
+        <a:gradFill rotWithShape="1">
+          <a:gsLst>
+            <a:gs pos="0">
+              <a:schemeClr val="phClr">
+                <a:tint val="100000"/>
+                <a:shade val="100000"/>
+                <a:satMod val="130000"/>
+              </a:schemeClr>
+            </a:gs>
+            <a:gs pos="100000">
+              <a:schemeClr val="phClr">
+                <a:tint val="50000"/>
+                <a:shade val="100000"/>
+                <a:satMod val="350000"/>
+              </a:schemeClr>
+            </a:gs>
+          </a:gsLst>
+          <a:lin ang="16200000" scaled="0"/>
+        </a:gradFill>
+      </a:fillStyleLst>
+      <a:lnStyleLst>
+        <a:ln w="9525" cap="flat" cmpd="sng" algn="ctr">
+          <a:solidFill>
+            <a:schemeClr val="phClr">
+              <a:shade val="95000"/>
+              <a:satMod val="105000"/>
+            </a:schemeClr>
+          </a:solidFill>
+          <a:prstDash val="solid"/>
+        </a:ln>
+        <a:ln w="25400" cap="flat" cmpd="sng" algn="ctr">
+          <a:solidFill>
+            <a:schemeClr val="phClr"/>
+          </a:solidFill>
+          <a:prstDash val="solid"/>
+        </a:ln>
+        <a:ln w="38100" cap="flat" cmpd="sng" algn="ctr">
+          <a:solidFill>
+            <a:schemeClr val="phClr"/>
+          </a:solidFill>
+          <a:prstDash val="solid"/>
+        </a:ln>
+      </a:lnStyleLst>
+      <a:effectStyleLst>
+        <a:effectStyle>
+          <a:effectLst>
+            <a:outerShdw blurRad="40000" dist="20000" dir="5400000" rotWithShape="0">
+              <a:srgbClr val="000000">
+                <a:alpha val="38000"/>
+              </a:srgbClr>
+            </a:outerShdw>
+          </a:effectLst>
+        </a:effectStyle>
+        <a:effectStyle>
+          <a:effectLst>
+            <a:outerShdw blurRad="40000" dist="23000" dir="5400000" rotWithShape="0">
+              <a:srgbClr val="000000">
+                <a:alpha val="35000"/>
+              </a:srgbClr>
+            </a:outerShdw>
+          </a:effectLst>
+        </a:effectStyle>
+        <a:effectStyle>
+          <a:effectLst>
+            <a:outerShdw blurRad="40000" dist="23000" dir="5400000" rotWithShape="0">
+              <a:srgbClr val="000000">
+                <a:alpha val="35000"/>
+              </a:srgbClr>
+            </a:outerShdw>
+          </a:effectLst>
+          <a:scene3d>
+            <a:camera prst="orthographicFront">
+              <a:rot lat="0" lon="0" rev="0"/>
+            </a:camera>
+            <a:lightRig rig="threePt" dir="t">
+              <a:rot lat="0" lon="0" rev="1200000"/>
+            </a:lightRig>
+          </a:scene3d>
+          <a:sp3d>
+            <a:bevelT w="63500" h="25400"/>
+          </a:sp3d>
+        </a:effectStyle>
+      </a:effectStyleLst>
+      <a:bgFillStyleLst>
+        <a:solidFill>
+          <a:schemeClr val="phClr"/>
+        </a:solidFill>
+        <a:gradFill rotWithShape="1">
+          <a:gsLst>
+            <a:gs pos="0">
+              <a:schemeClr val="phClr">
+                <a:tint val="40000"/>
+                <a:satMod val="350000"/>
+              </a:schemeClr>
+            </a:gs>
+            <a:gs pos="40000">
+              <a:schemeClr val="phClr">
+                <a:tint val="45000"/>
+                <a:shade val="99000"/>
+                <a:satMod val="350000"/>
+              </a:schemeClr>
+            </a:gs>
+            <a:gs pos="100000">
+              <a:schemeClr val="phClr">
+                <a:shade val="20000"/>
+                <a:satMod val="255000"/>
+              </a:schemeClr>
+            </a:gs>
+          </a:gsLst>
+          <a:path path="circle">
+            <a:fillToRect l="50000" t="-80000" r="50000" b="180000"/>
+          </a:path>
+        </a:gradFill>
+        <a:gradFill rotWithShape="1">
+          <a:gsLst>
+            <a:gs pos="0">
+              <a:schemeClr val="phClr">
+                <a:tint val="80000"/>
+                <a:satMod val="300000"/>
+              </a:schemeClr>
+            </a:gs>
+            <a:gs pos="100000">
+              <a:schemeClr val="phClr">
+                <a:shade val="30000"/>
+                <a:satMod val="200000"/>
+              </a:schemeClr>
+            </a:gs>
+          </a:gsLst>
+          <a:path path="circle">
+            <a:fillToRect l="50000" t="50000" r="50000" b="50000"/>
+          </a:path>
+        </a:gradFill>
+      </a:bgFillStyleLst>
+    </a:fmtScheme>
+  </a:themeElements>
+</a:theme>
+</file>
+
+<file path=ppt/theme/theme2.xml><?xml version="1.0" encoding="utf-8"?>
 <a:theme xmlns:a="http://schemas.openxmlformats.org/drawingml/2006/main" xmlns:r="http://schemas.openxmlformats.org/officeDocument/2006/relationships" name="Custom Theme">
   <a:themeElements>
     <a:clrScheme name="Default">
@@ -22715,283 +23056,4 @@
     </a:fmtScheme>
   </a:themeElements>
 </a:theme>
-</file>
-
-<file path=ppt/theme/theme2.xml><?xml version="1.0" encoding="utf-8"?>
-<a:theme xmlns:a="http://schemas.openxmlformats.org/drawingml/2006/main" xmlns:r="http://schemas.openxmlformats.org/officeDocument/2006/relationships" name="Office Theme">
-  <a:themeElements>
-    <a:clrScheme name="Office">
-      <a:dk1>
-        <a:srgbClr val="000000"/>
-      </a:dk1>
-      <a:lt1>
-        <a:srgbClr val="FFFFFF"/>
-      </a:lt1>
-      <a:dk2>
-        <a:srgbClr val="1F497D"/>
-      </a:dk2>
-      <a:lt2>
-        <a:srgbClr val="EEECE1"/>
-      </a:lt2>
-      <a:accent1>
-        <a:srgbClr val="4F81BD"/>
-      </a:accent1>
-      <a:accent2>
-        <a:srgbClr val="C0504D"/>
-      </a:accent2>
-      <a:accent3>
-        <a:srgbClr val="9BBB59"/>
-      </a:accent3>
-      <a:accent4>
-        <a:srgbClr val="8064A2"/>
-      </a:accent4>
-      <a:accent5>
-        <a:srgbClr val="4BACC6"/>
-      </a:accent5>
-      <a:accent6>
-        <a:srgbClr val="F79646"/>
-      </a:accent6>
-      <a:hlink>
-        <a:srgbClr val="0000FF"/>
-      </a:hlink>
-      <a:folHlink>
-        <a:srgbClr val="800080"/>
-      </a:folHlink>
-    </a:clrScheme>
-    <a:fontScheme name="Office">
-      <a:majorFont>
-        <a:latin typeface="Arial"/>
-        <a:ea typeface=""/>
-        <a:cs typeface=""/>
-        <a:font script="Jpan" typeface="ＭＳ Ｐゴシック"/>
-        <a:font script="Hang" typeface="맑은 고딕"/>
-        <a:font script="Hans" typeface="宋体"/>
-        <a:font script="Hant" typeface="新細明體"/>
-        <a:font script="Arab" typeface="Times New Roman"/>
-        <a:font script="Hebr" typeface="Times New Roman"/>
-        <a:font script="Thai" typeface="Angsana New"/>
-        <a:font script="Ethi" typeface="Nyala"/>
-        <a:font script="Beng" typeface="Vrinda"/>
-        <a:font script="Gujr" typeface="Shruti"/>
-        <a:font script="Khmr" typeface="MoolBoran"/>
-        <a:font script="Knda" typeface="Tunga"/>
-        <a:font script="Guru" typeface="Raavi"/>
-        <a:font script="Cans" typeface="Euphemia"/>
-        <a:font script="Cher" typeface="Plantagenet Cherokee"/>
-        <a:font script="Yiii" typeface="Microsoft Yi Baiti"/>
-        <a:font script="Tibt" typeface="Microsoft Himalaya"/>
-        <a:font script="Thaa" typeface="MV Boli"/>
-        <a:font script="Deva" typeface="Mangal"/>
-        <a:font script="Telu" typeface="Gautami"/>
-        <a:font script="Taml" typeface="Latha"/>
-        <a:font script="Syrc" typeface="Estrangelo Edessa"/>
-        <a:font script="Orya" typeface="Kalinga"/>
-        <a:font script="Mlym" typeface="Kartika"/>
-        <a:font script="Laoo" typeface="DokChampa"/>
-        <a:font script="Sinh" typeface="Iskoola Pota"/>
-        <a:font script="Mong" typeface="Mongolian Baiti"/>
-        <a:font script="Viet" typeface="Times New Roman"/>
-        <a:font script="Uigh" typeface="Microsoft Uighur"/>
-        <a:font script="Geor" typeface="Sylfaen"/>
-      </a:majorFont>
-      <a:minorFont>
-        <a:latin typeface="Arial"/>
-        <a:ea typeface=""/>
-        <a:cs typeface=""/>
-        <a:font script="Jpan" typeface="ＭＳ Ｐゴシック"/>
-        <a:font script="Hang" typeface="맑은 고딕"/>
-        <a:font script="Hans" typeface="宋体"/>
-        <a:font script="Hant" typeface="新細明體"/>
-        <a:font script="Arab" typeface="Arial"/>
-        <a:font script="Hebr" typeface="Arial"/>
-        <a:font script="Thai" typeface="Cordia New"/>
-        <a:font script="Ethi" typeface="Nyala"/>
-        <a:font script="Beng" typeface="Vrinda"/>
-        <a:font script="Gujr" typeface="Shruti"/>
-        <a:font script="Khmr" typeface="DaunPenh"/>
-        <a:font script="Knda" typeface="Tunga"/>
-        <a:font script="Guru" typeface="Raavi"/>
-        <a:font script="Cans" typeface="Euphemia"/>
-        <a:font script="Cher" typeface="Plantagenet Cherokee"/>
-        <a:font script="Yiii" typeface="Microsoft Yi Baiti"/>
-        <a:font script="Tibt" typeface="Microsoft Himalaya"/>
-        <a:font script="Thaa" typeface="MV Boli"/>
-        <a:font script="Deva" typeface="Mangal"/>
-        <a:font script="Telu" typeface="Gautami"/>
-        <a:font script="Taml" typeface="Latha"/>
-        <a:font script="Syrc" typeface="Estrangelo Edessa"/>
-        <a:font script="Orya" typeface="Kalinga"/>
-        <a:font script="Mlym" typeface="Kartika"/>
-        <a:font script="Laoo" typeface="DokChampa"/>
-        <a:font script="Sinh" typeface="Iskoola Pota"/>
-        <a:font script="Mong" typeface="Mongolian Baiti"/>
-        <a:font script="Viet" typeface="Arial"/>
-        <a:font script="Uigh" typeface="Microsoft Uighur"/>
-        <a:font script="Geor" typeface="Sylfaen"/>
-      </a:minorFont>
-    </a:fontScheme>
-    <a:fmtScheme name="Office">
-      <a:fillStyleLst>
-        <a:solidFill>
-          <a:schemeClr val="phClr"/>
-        </a:solidFill>
-        <a:gradFill rotWithShape="1">
-          <a:gsLst>
-            <a:gs pos="0">
-              <a:schemeClr val="phClr">
-                <a:tint val="50000"/>
-                <a:satMod val="300000"/>
-              </a:schemeClr>
-            </a:gs>
-            <a:gs pos="35000">
-              <a:schemeClr val="phClr">
-                <a:tint val="37000"/>
-                <a:satMod val="300000"/>
-              </a:schemeClr>
-            </a:gs>
-            <a:gs pos="100000">
-              <a:schemeClr val="phClr">
-                <a:tint val="15000"/>
-                <a:satMod val="350000"/>
-              </a:schemeClr>
-            </a:gs>
-          </a:gsLst>
-          <a:lin ang="16200000" scaled="1"/>
-        </a:gradFill>
-        <a:gradFill rotWithShape="1">
-          <a:gsLst>
-            <a:gs pos="0">
-              <a:schemeClr val="phClr">
-                <a:tint val="100000"/>
-                <a:shade val="100000"/>
-                <a:satMod val="130000"/>
-              </a:schemeClr>
-            </a:gs>
-            <a:gs pos="100000">
-              <a:schemeClr val="phClr">
-                <a:tint val="50000"/>
-                <a:shade val="100000"/>
-                <a:satMod val="350000"/>
-              </a:schemeClr>
-            </a:gs>
-          </a:gsLst>
-          <a:lin ang="16200000" scaled="0"/>
-        </a:gradFill>
-      </a:fillStyleLst>
-      <a:lnStyleLst>
-        <a:ln w="9525" cap="flat" cmpd="sng" algn="ctr">
-          <a:solidFill>
-            <a:schemeClr val="phClr">
-              <a:shade val="95000"/>
-              <a:satMod val="105000"/>
-            </a:schemeClr>
-          </a:solidFill>
-          <a:prstDash val="solid"/>
-        </a:ln>
-        <a:ln w="25400" cap="flat" cmpd="sng" algn="ctr">
-          <a:solidFill>
-            <a:schemeClr val="phClr"/>
-          </a:solidFill>
-          <a:prstDash val="solid"/>
-        </a:ln>
-        <a:ln w="38100" cap="flat" cmpd="sng" algn="ctr">
-          <a:solidFill>
-            <a:schemeClr val="phClr"/>
-          </a:solidFill>
-          <a:prstDash val="solid"/>
-        </a:ln>
-      </a:lnStyleLst>
-      <a:effectStyleLst>
-        <a:effectStyle>
-          <a:effectLst>
-            <a:outerShdw blurRad="40000" dist="20000" dir="5400000" rotWithShape="0">
-              <a:srgbClr val="000000">
-                <a:alpha val="38000"/>
-              </a:srgbClr>
-            </a:outerShdw>
-          </a:effectLst>
-        </a:effectStyle>
-        <a:effectStyle>
-          <a:effectLst>
-            <a:outerShdw blurRad="40000" dist="23000" dir="5400000" rotWithShape="0">
-              <a:srgbClr val="000000">
-                <a:alpha val="35000"/>
-              </a:srgbClr>
-            </a:outerShdw>
-          </a:effectLst>
-        </a:effectStyle>
-        <a:effectStyle>
-          <a:effectLst>
-            <a:outerShdw blurRad="40000" dist="23000" dir="5400000" rotWithShape="0">
-              <a:srgbClr val="000000">
-                <a:alpha val="35000"/>
-              </a:srgbClr>
-            </a:outerShdw>
-          </a:effectLst>
-          <a:scene3d>
-            <a:camera prst="orthographicFront">
-              <a:rot lat="0" lon="0" rev="0"/>
-            </a:camera>
-            <a:lightRig rig="threePt" dir="t">
-              <a:rot lat="0" lon="0" rev="1200000"/>
-            </a:lightRig>
-          </a:scene3d>
-          <a:sp3d>
-            <a:bevelT w="63500" h="25400"/>
-          </a:sp3d>
-        </a:effectStyle>
-      </a:effectStyleLst>
-      <a:bgFillStyleLst>
-        <a:solidFill>
-          <a:schemeClr val="phClr"/>
-        </a:solidFill>
-        <a:gradFill rotWithShape="1">
-          <a:gsLst>
-            <a:gs pos="0">
-              <a:schemeClr val="phClr">
-                <a:tint val="40000"/>
-                <a:satMod val="350000"/>
-              </a:schemeClr>
-            </a:gs>
-            <a:gs pos="40000">
-              <a:schemeClr val="phClr">
-                <a:tint val="45000"/>
-                <a:shade val="99000"/>
-                <a:satMod val="350000"/>
-              </a:schemeClr>
-            </a:gs>
-            <a:gs pos="100000">
-              <a:schemeClr val="phClr">
-                <a:shade val="20000"/>
-                <a:satMod val="255000"/>
-              </a:schemeClr>
-            </a:gs>
-          </a:gsLst>
-          <a:path path="circle">
-            <a:fillToRect l="50000" t="-80000" r="50000" b="180000"/>
-          </a:path>
-        </a:gradFill>
-        <a:gradFill rotWithShape="1">
-          <a:gsLst>
-            <a:gs pos="0">
-              <a:schemeClr val="phClr">
-                <a:tint val="80000"/>
-                <a:satMod val="300000"/>
-              </a:schemeClr>
-            </a:gs>
-            <a:gs pos="100000">
-              <a:schemeClr val="phClr">
-                <a:shade val="30000"/>
-                <a:satMod val="200000"/>
-              </a:schemeClr>
-            </a:gs>
-          </a:gsLst>
-          <a:path path="circle">
-            <a:fillToRect l="50000" t="50000" r="50000" b="50000"/>
-          </a:path>
-        </a:gradFill>
-      </a:bgFillStyleLst>
-    </a:fmtScheme>
-  </a:themeElements>
-</a:theme>
 </file>
--- a/Documentation/Release Plan Presentation.pptx
+++ b/Documentation/Release Plan Presentation.pptx
@@ -45,7 +45,10 @@
       <a:spcAft>
         <a:spcPts val="0"/>
       </a:spcAft>
-      <a:buNone/>
+      <a:buClr>
+        <a:srgbClr val="000000"/>
+      </a:buClr>
+      <a:buFont typeface="Arial"/>
       <a:defRPr b="0" i="0" sz="1400" u="none" cap="none" strike="noStrike">
         <a:solidFill>
           <a:srgbClr val="000000"/>
@@ -66,7 +69,10 @@
       <a:spcAft>
         <a:spcPts val="0"/>
       </a:spcAft>
-      <a:buNone/>
+      <a:buClr>
+        <a:srgbClr val="000000"/>
+      </a:buClr>
+      <a:buFont typeface="Arial"/>
       <a:defRPr b="0" i="0" sz="1400" u="none" cap="none" strike="noStrike">
         <a:solidFill>
           <a:srgbClr val="000000"/>
@@ -87,7 +93,10 @@
       <a:spcAft>
         <a:spcPts val="0"/>
       </a:spcAft>
-      <a:buNone/>
+      <a:buClr>
+        <a:srgbClr val="000000"/>
+      </a:buClr>
+      <a:buFont typeface="Arial"/>
       <a:defRPr b="0" i="0" sz="1400" u="none" cap="none" strike="noStrike">
         <a:solidFill>
           <a:srgbClr val="000000"/>
@@ -108,7 +117,10 @@
       <a:spcAft>
         <a:spcPts val="0"/>
       </a:spcAft>
-      <a:buNone/>
+      <a:buClr>
+        <a:srgbClr val="000000"/>
+      </a:buClr>
+      <a:buFont typeface="Arial"/>
       <a:defRPr b="0" i="0" sz="1400" u="none" cap="none" strike="noStrike">
         <a:solidFill>
           <a:srgbClr val="000000"/>
@@ -129,7 +141,10 @@
       <a:spcAft>
         <a:spcPts val="0"/>
       </a:spcAft>
-      <a:buNone/>
+      <a:buClr>
+        <a:srgbClr val="000000"/>
+      </a:buClr>
+      <a:buFont typeface="Arial"/>
       <a:defRPr b="0" i="0" sz="1400" u="none" cap="none" strike="noStrike">
         <a:solidFill>
           <a:srgbClr val="000000"/>
@@ -150,7 +165,10 @@
       <a:spcAft>
         <a:spcPts val="0"/>
       </a:spcAft>
-      <a:buNone/>
+      <a:buClr>
+        <a:srgbClr val="000000"/>
+      </a:buClr>
+      <a:buFont typeface="Arial"/>
       <a:defRPr b="0" i="0" sz="1400" u="none" cap="none" strike="noStrike">
         <a:solidFill>
           <a:srgbClr val="000000"/>
@@ -171,7 +189,10 @@
       <a:spcAft>
         <a:spcPts val="0"/>
       </a:spcAft>
-      <a:buNone/>
+      <a:buClr>
+        <a:srgbClr val="000000"/>
+      </a:buClr>
+      <a:buFont typeface="Arial"/>
       <a:defRPr b="0" i="0" sz="1400" u="none" cap="none" strike="noStrike">
         <a:solidFill>
           <a:srgbClr val="000000"/>
@@ -192,7 +213,10 @@
       <a:spcAft>
         <a:spcPts val="0"/>
       </a:spcAft>
-      <a:buNone/>
+      <a:buClr>
+        <a:srgbClr val="000000"/>
+      </a:buClr>
+      <a:buFont typeface="Arial"/>
       <a:defRPr b="0" i="0" sz="1400" u="none" cap="none" strike="noStrike">
         <a:solidFill>
           <a:srgbClr val="000000"/>
@@ -213,7 +237,10 @@
       <a:spcAft>
         <a:spcPts val="0"/>
       </a:spcAft>
-      <a:buNone/>
+      <a:buClr>
+        <a:srgbClr val="000000"/>
+      </a:buClr>
+      <a:buFont typeface="Arial"/>
       <a:defRPr b="0" i="0" sz="1400" u="none" cap="none" strike="noStrike">
         <a:solidFill>
           <a:srgbClr val="000000"/>
@@ -428,6 +455,235 @@
     </p:spTree>
   </p:cSld>
   <p:clrMap accent1="accent1" accent2="accent2" accent3="accent3" accent4="accent4" accent5="accent5" accent6="accent6" bg1="lt1" bg2="dk2" tx1="dk1" tx2="lt2" folHlink="folHlink" hlink="hlink"/>
+  <p:notesStyle>
+    <a:defPPr lvl="0" marR="0" rtl="0" algn="l">
+      <a:lnSpc>
+        <a:spcPct val="100000"/>
+      </a:lnSpc>
+      <a:spcBef>
+        <a:spcPts val="0"/>
+      </a:spcBef>
+      <a:spcAft>
+        <a:spcPts val="0"/>
+      </a:spcAft>
+    </a:defPPr>
+    <a:lvl1pPr lvl="0" marR="0" rtl="0" algn="l">
+      <a:lnSpc>
+        <a:spcPct val="100000"/>
+      </a:lnSpc>
+      <a:spcBef>
+        <a:spcPts val="0"/>
+      </a:spcBef>
+      <a:spcAft>
+        <a:spcPts val="0"/>
+      </a:spcAft>
+      <a:buClr>
+        <a:srgbClr val="000000"/>
+      </a:buClr>
+      <a:buFont typeface="Arial"/>
+      <a:defRPr b="0" i="0" sz="1400" u="none" cap="none" strike="noStrike">
+        <a:solidFill>
+          <a:srgbClr val="000000"/>
+        </a:solidFill>
+        <a:latin typeface="Arial"/>
+        <a:ea typeface="Arial"/>
+        <a:cs typeface="Arial"/>
+        <a:sym typeface="Arial"/>
+      </a:defRPr>
+    </a:lvl1pPr>
+    <a:lvl2pPr lvl="1" marR="0" rtl="0" algn="l">
+      <a:lnSpc>
+        <a:spcPct val="100000"/>
+      </a:lnSpc>
+      <a:spcBef>
+        <a:spcPts val="0"/>
+      </a:spcBef>
+      <a:spcAft>
+        <a:spcPts val="0"/>
+      </a:spcAft>
+      <a:buClr>
+        <a:srgbClr val="000000"/>
+      </a:buClr>
+      <a:buFont typeface="Arial"/>
+      <a:defRPr b="0" i="0" sz="1400" u="none" cap="none" strike="noStrike">
+        <a:solidFill>
+          <a:srgbClr val="000000"/>
+        </a:solidFill>
+        <a:latin typeface="Arial"/>
+        <a:ea typeface="Arial"/>
+        <a:cs typeface="Arial"/>
+        <a:sym typeface="Arial"/>
+      </a:defRPr>
+    </a:lvl2pPr>
+    <a:lvl3pPr lvl="2" marR="0" rtl="0" algn="l">
+      <a:lnSpc>
+        <a:spcPct val="100000"/>
+      </a:lnSpc>
+      <a:spcBef>
+        <a:spcPts val="0"/>
+      </a:spcBef>
+      <a:spcAft>
+        <a:spcPts val="0"/>
+      </a:spcAft>
+      <a:buClr>
+        <a:srgbClr val="000000"/>
+      </a:buClr>
+      <a:buFont typeface="Arial"/>
+      <a:defRPr b="0" i="0" sz="1400" u="none" cap="none" strike="noStrike">
+        <a:solidFill>
+          <a:srgbClr val="000000"/>
+        </a:solidFill>
+        <a:latin typeface="Arial"/>
+        <a:ea typeface="Arial"/>
+        <a:cs typeface="Arial"/>
+        <a:sym typeface="Arial"/>
+      </a:defRPr>
+    </a:lvl3pPr>
+    <a:lvl4pPr lvl="3" marR="0" rtl="0" algn="l">
+      <a:lnSpc>
+        <a:spcPct val="100000"/>
+      </a:lnSpc>
+      <a:spcBef>
+        <a:spcPts val="0"/>
+      </a:spcBef>
+      <a:spcAft>
+        <a:spcPts val="0"/>
+      </a:spcAft>
+      <a:buClr>
+        <a:srgbClr val="000000"/>
+      </a:buClr>
+      <a:buFont typeface="Arial"/>
+      <a:defRPr b="0" i="0" sz="1400" u="none" cap="none" strike="noStrike">
+        <a:solidFill>
+          <a:srgbClr val="000000"/>
+        </a:solidFill>
+        <a:latin typeface="Arial"/>
+        <a:ea typeface="Arial"/>
+        <a:cs typeface="Arial"/>
+        <a:sym typeface="Arial"/>
+      </a:defRPr>
+    </a:lvl4pPr>
+    <a:lvl5pPr lvl="4" marR="0" rtl="0" algn="l">
+      <a:lnSpc>
+        <a:spcPct val="100000"/>
+      </a:lnSpc>
+      <a:spcBef>
+        <a:spcPts val="0"/>
+      </a:spcBef>
+      <a:spcAft>
+        <a:spcPts val="0"/>
+      </a:spcAft>
+      <a:buClr>
+        <a:srgbClr val="000000"/>
+      </a:buClr>
+      <a:buFont typeface="Arial"/>
+      <a:defRPr b="0" i="0" sz="1400" u="none" cap="none" strike="noStrike">
+        <a:solidFill>
+          <a:srgbClr val="000000"/>
+        </a:solidFill>
+        <a:latin typeface="Arial"/>
+        <a:ea typeface="Arial"/>
+        <a:cs typeface="Arial"/>
+        <a:sym typeface="Arial"/>
+      </a:defRPr>
+    </a:lvl5pPr>
+    <a:lvl6pPr lvl="5" marR="0" rtl="0" algn="l">
+      <a:lnSpc>
+        <a:spcPct val="100000"/>
+      </a:lnSpc>
+      <a:spcBef>
+        <a:spcPts val="0"/>
+      </a:spcBef>
+      <a:spcAft>
+        <a:spcPts val="0"/>
+      </a:spcAft>
+      <a:buClr>
+        <a:srgbClr val="000000"/>
+      </a:buClr>
+      <a:buFont typeface="Arial"/>
+      <a:defRPr b="0" i="0" sz="1400" u="none" cap="none" strike="noStrike">
+        <a:solidFill>
+          <a:srgbClr val="000000"/>
+        </a:solidFill>
+        <a:latin typeface="Arial"/>
+        <a:ea typeface="Arial"/>
+        <a:cs typeface="Arial"/>
+        <a:sym typeface="Arial"/>
+      </a:defRPr>
+    </a:lvl6pPr>
+    <a:lvl7pPr lvl="6" marR="0" rtl="0" algn="l">
+      <a:lnSpc>
+        <a:spcPct val="100000"/>
+      </a:lnSpc>
+      <a:spcBef>
+        <a:spcPts val="0"/>
+      </a:spcBef>
+      <a:spcAft>
+        <a:spcPts val="0"/>
+      </a:spcAft>
+      <a:buClr>
+        <a:srgbClr val="000000"/>
+      </a:buClr>
+      <a:buFont typeface="Arial"/>
+      <a:defRPr b="0" i="0" sz="1400" u="none" cap="none" strike="noStrike">
+        <a:solidFill>
+          <a:srgbClr val="000000"/>
+        </a:solidFill>
+        <a:latin typeface="Arial"/>
+        <a:ea typeface="Arial"/>
+        <a:cs typeface="Arial"/>
+        <a:sym typeface="Arial"/>
+      </a:defRPr>
+    </a:lvl7pPr>
+    <a:lvl8pPr lvl="7" marR="0" rtl="0" algn="l">
+      <a:lnSpc>
+        <a:spcPct val="100000"/>
+      </a:lnSpc>
+      <a:spcBef>
+        <a:spcPts val="0"/>
+      </a:spcBef>
+      <a:spcAft>
+        <a:spcPts val="0"/>
+      </a:spcAft>
+      <a:buClr>
+        <a:srgbClr val="000000"/>
+      </a:buClr>
+      <a:buFont typeface="Arial"/>
+      <a:defRPr b="0" i="0" sz="1400" u="none" cap="none" strike="noStrike">
+        <a:solidFill>
+          <a:srgbClr val="000000"/>
+        </a:solidFill>
+        <a:latin typeface="Arial"/>
+        <a:ea typeface="Arial"/>
+        <a:cs typeface="Arial"/>
+        <a:sym typeface="Arial"/>
+      </a:defRPr>
+    </a:lvl8pPr>
+    <a:lvl9pPr lvl="8" marR="0" rtl="0" algn="l">
+      <a:lnSpc>
+        <a:spcPct val="100000"/>
+      </a:lnSpc>
+      <a:spcBef>
+        <a:spcPts val="0"/>
+      </a:spcBef>
+      <a:spcAft>
+        <a:spcPts val="0"/>
+      </a:spcAft>
+      <a:buClr>
+        <a:srgbClr val="000000"/>
+      </a:buClr>
+      <a:buFont typeface="Arial"/>
+      <a:defRPr b="0" i="0" sz="1400" u="none" cap="none" strike="noStrike">
+        <a:solidFill>
+          <a:srgbClr val="000000"/>
+        </a:solidFill>
+        <a:latin typeface="Arial"/>
+        <a:ea typeface="Arial"/>
+        <a:cs typeface="Arial"/>
+        <a:sym typeface="Arial"/>
+      </a:defRPr>
+    </a:lvl9pPr>
+  </p:notesStyle>
 </p:notesMaster>
 </file>
 
@@ -1800,8 +2056,8 @@
 </file>
 
 <file path=ppt/slideLayouts/slideLayout1.xml><?xml version="1.0" encoding="utf-8"?>
-<p:sldLayout xmlns:a="http://schemas.openxmlformats.org/drawingml/2006/main" xmlns:r="http://schemas.openxmlformats.org/officeDocument/2006/relationships" xmlns:mc="http://schemas.openxmlformats.org/markup-compatibility/2006" xmlns:mv="urn:schemas-microsoft-com:mac:vml" xmlns:p="http://schemas.openxmlformats.org/presentationml/2006/main" xmlns:c="http://schemas.openxmlformats.org/drawingml/2006/chart" xmlns:dgm="http://schemas.openxmlformats.org/drawingml/2006/diagram" xmlns:o="urn:schemas-microsoft-com:office:office" xmlns:v="urn:schemas-microsoft-com:vml" xmlns:pvml="urn:schemas-microsoft-com:office:powerpoint" xmlns:com="http://schemas.openxmlformats.org/drawingml/2006/compatibility" xmlns:p14="http://schemas.microsoft.com/office/powerpoint/2010/main" xmlns:p15="http://schemas.microsoft.com/office/powerpoint/2012/main" type="obj">
-  <p:cSld name="Title and Content">
+<p:sldLayout xmlns:a="http://schemas.openxmlformats.org/drawingml/2006/main" xmlns:r="http://schemas.openxmlformats.org/officeDocument/2006/relationships" xmlns:mc="http://schemas.openxmlformats.org/markup-compatibility/2006" xmlns:mv="urn:schemas-microsoft-com:mac:vml" xmlns:p="http://schemas.openxmlformats.org/presentationml/2006/main" xmlns:c="http://schemas.openxmlformats.org/drawingml/2006/chart" xmlns:dgm="http://schemas.openxmlformats.org/drawingml/2006/diagram" xmlns:o="urn:schemas-microsoft-com:office:office" xmlns:v="urn:schemas-microsoft-com:vml" xmlns:pvml="urn:schemas-microsoft-com:office:powerpoint" xmlns:com="http://schemas.openxmlformats.org/drawingml/2006/compatibility" xmlns:p14="http://schemas.microsoft.com/office/powerpoint/2010/main" xmlns:p15="http://schemas.microsoft.com/office/powerpoint/2012/main" matchingName="Title and Content" type="obj">
+  <p:cSld name="OBJECT">
     <p:spTree>
       <p:nvGrpSpPr>
         <p:cNvPr id="11" name="Shape 11"/>
@@ -2865,9 +3121,8 @@
           <a:bodyPr anchorCtr="0" anchor="ctr" bIns="45675" lIns="91375" spcFirstLastPara="1" rIns="91375" wrap="square" tIns="45675">
             <a:noAutofit/>
           </a:bodyPr>
-          <a:lstStyle/>
-          <a:p>
-            <a:pPr indent="0" lvl="0" marL="0" marR="0" rtl="0" algn="r">
+          <a:lstStyle>
+            <a:lvl1pPr indent="0" lvl="0" marL="0" marR="0" rtl="0" algn="r">
               <a:lnSpc>
                 <a:spcPct val="100000"/>
               </a:lnSpc>
@@ -2883,20 +3138,240 @@
               <a:buSzPts val="1200"/>
               <a:buFont typeface="Calibri"/>
               <a:buNone/>
+              <a:defRPr b="0" i="0" sz="1200" u="none" cap="none" strike="noStrike">
+                <a:solidFill>
+                  <a:srgbClr val="898989"/>
+                </a:solidFill>
+                <a:latin typeface="Calibri"/>
+                <a:ea typeface="Calibri"/>
+                <a:cs typeface="Calibri"/>
+                <a:sym typeface="Calibri"/>
+              </a:defRPr>
+            </a:lvl1pPr>
+            <a:lvl2pPr indent="0" lvl="1" marL="0" marR="0" rtl="0" algn="r">
+              <a:lnSpc>
+                <a:spcPct val="100000"/>
+              </a:lnSpc>
+              <a:spcBef>
+                <a:spcPts val="0"/>
+              </a:spcBef>
+              <a:spcAft>
+                <a:spcPts val="0"/>
+              </a:spcAft>
+              <a:buClr>
+                <a:srgbClr val="898989"/>
+              </a:buClr>
+              <a:buSzPts val="1200"/>
+              <a:buFont typeface="Calibri"/>
+              <a:buNone/>
+              <a:defRPr b="0" i="0" sz="1200" u="none" cap="none" strike="noStrike">
+                <a:solidFill>
+                  <a:srgbClr val="898989"/>
+                </a:solidFill>
+                <a:latin typeface="Calibri"/>
+                <a:ea typeface="Calibri"/>
+                <a:cs typeface="Calibri"/>
+                <a:sym typeface="Calibri"/>
+              </a:defRPr>
+            </a:lvl2pPr>
+            <a:lvl3pPr indent="0" lvl="2" marL="0" marR="0" rtl="0" algn="r">
+              <a:lnSpc>
+                <a:spcPct val="100000"/>
+              </a:lnSpc>
+              <a:spcBef>
+                <a:spcPts val="0"/>
+              </a:spcBef>
+              <a:spcAft>
+                <a:spcPts val="0"/>
+              </a:spcAft>
+              <a:buClr>
+                <a:srgbClr val="898989"/>
+              </a:buClr>
+              <a:buSzPts val="1200"/>
+              <a:buFont typeface="Calibri"/>
+              <a:buNone/>
+              <a:defRPr b="0" i="0" sz="1200" u="none" cap="none" strike="noStrike">
+                <a:solidFill>
+                  <a:srgbClr val="898989"/>
+                </a:solidFill>
+                <a:latin typeface="Calibri"/>
+                <a:ea typeface="Calibri"/>
+                <a:cs typeface="Calibri"/>
+                <a:sym typeface="Calibri"/>
+              </a:defRPr>
+            </a:lvl3pPr>
+            <a:lvl4pPr indent="0" lvl="3" marL="0" marR="0" rtl="0" algn="r">
+              <a:lnSpc>
+                <a:spcPct val="100000"/>
+              </a:lnSpc>
+              <a:spcBef>
+                <a:spcPts val="0"/>
+              </a:spcBef>
+              <a:spcAft>
+                <a:spcPts val="0"/>
+              </a:spcAft>
+              <a:buClr>
+                <a:srgbClr val="898989"/>
+              </a:buClr>
+              <a:buSzPts val="1200"/>
+              <a:buFont typeface="Calibri"/>
+              <a:buNone/>
+              <a:defRPr b="0" i="0" sz="1200" u="none" cap="none" strike="noStrike">
+                <a:solidFill>
+                  <a:srgbClr val="898989"/>
+                </a:solidFill>
+                <a:latin typeface="Calibri"/>
+                <a:ea typeface="Calibri"/>
+                <a:cs typeface="Calibri"/>
+                <a:sym typeface="Calibri"/>
+              </a:defRPr>
+            </a:lvl4pPr>
+            <a:lvl5pPr indent="0" lvl="4" marL="0" marR="0" rtl="0" algn="r">
+              <a:lnSpc>
+                <a:spcPct val="100000"/>
+              </a:lnSpc>
+              <a:spcBef>
+                <a:spcPts val="0"/>
+              </a:spcBef>
+              <a:spcAft>
+                <a:spcPts val="0"/>
+              </a:spcAft>
+              <a:buClr>
+                <a:srgbClr val="898989"/>
+              </a:buClr>
+              <a:buSzPts val="1200"/>
+              <a:buFont typeface="Calibri"/>
+              <a:buNone/>
+              <a:defRPr b="0" i="0" sz="1200" u="none" cap="none" strike="noStrike">
+                <a:solidFill>
+                  <a:srgbClr val="898989"/>
+                </a:solidFill>
+                <a:latin typeface="Calibri"/>
+                <a:ea typeface="Calibri"/>
+                <a:cs typeface="Calibri"/>
+                <a:sym typeface="Calibri"/>
+              </a:defRPr>
+            </a:lvl5pPr>
+            <a:lvl6pPr indent="0" lvl="5" marL="0" marR="0" rtl="0" algn="r">
+              <a:lnSpc>
+                <a:spcPct val="100000"/>
+              </a:lnSpc>
+              <a:spcBef>
+                <a:spcPts val="0"/>
+              </a:spcBef>
+              <a:spcAft>
+                <a:spcPts val="0"/>
+              </a:spcAft>
+              <a:buClr>
+                <a:srgbClr val="898989"/>
+              </a:buClr>
+              <a:buSzPts val="1200"/>
+              <a:buFont typeface="Calibri"/>
+              <a:buNone/>
+              <a:defRPr b="0" i="0" sz="1200" u="none" cap="none" strike="noStrike">
+                <a:solidFill>
+                  <a:srgbClr val="898989"/>
+                </a:solidFill>
+                <a:latin typeface="Calibri"/>
+                <a:ea typeface="Calibri"/>
+                <a:cs typeface="Calibri"/>
+                <a:sym typeface="Calibri"/>
+              </a:defRPr>
+            </a:lvl6pPr>
+            <a:lvl7pPr indent="0" lvl="6" marL="0" marR="0" rtl="0" algn="r">
+              <a:lnSpc>
+                <a:spcPct val="100000"/>
+              </a:lnSpc>
+              <a:spcBef>
+                <a:spcPts val="0"/>
+              </a:spcBef>
+              <a:spcAft>
+                <a:spcPts val="0"/>
+              </a:spcAft>
+              <a:buClr>
+                <a:srgbClr val="898989"/>
+              </a:buClr>
+              <a:buSzPts val="1200"/>
+              <a:buFont typeface="Calibri"/>
+              <a:buNone/>
+              <a:defRPr b="0" i="0" sz="1200" u="none" cap="none" strike="noStrike">
+                <a:solidFill>
+                  <a:srgbClr val="898989"/>
+                </a:solidFill>
+                <a:latin typeface="Calibri"/>
+                <a:ea typeface="Calibri"/>
+                <a:cs typeface="Calibri"/>
+                <a:sym typeface="Calibri"/>
+              </a:defRPr>
+            </a:lvl7pPr>
+            <a:lvl8pPr indent="0" lvl="7" marL="0" marR="0" rtl="0" algn="r">
+              <a:lnSpc>
+                <a:spcPct val="100000"/>
+              </a:lnSpc>
+              <a:spcBef>
+                <a:spcPts val="0"/>
+              </a:spcBef>
+              <a:spcAft>
+                <a:spcPts val="0"/>
+              </a:spcAft>
+              <a:buClr>
+                <a:srgbClr val="898989"/>
+              </a:buClr>
+              <a:buSzPts val="1200"/>
+              <a:buFont typeface="Calibri"/>
+              <a:buNone/>
+              <a:defRPr b="0" i="0" sz="1200" u="none" cap="none" strike="noStrike">
+                <a:solidFill>
+                  <a:srgbClr val="898989"/>
+                </a:solidFill>
+                <a:latin typeface="Calibri"/>
+                <a:ea typeface="Calibri"/>
+                <a:cs typeface="Calibri"/>
+                <a:sym typeface="Calibri"/>
+              </a:defRPr>
+            </a:lvl8pPr>
+            <a:lvl9pPr indent="0" lvl="8" marL="0" marR="0" rtl="0" algn="r">
+              <a:lnSpc>
+                <a:spcPct val="100000"/>
+              </a:lnSpc>
+              <a:spcBef>
+                <a:spcPts val="0"/>
+              </a:spcBef>
+              <a:spcAft>
+                <a:spcPts val="0"/>
+              </a:spcAft>
+              <a:buClr>
+                <a:srgbClr val="898989"/>
+              </a:buClr>
+              <a:buSzPts val="1200"/>
+              <a:buFont typeface="Calibri"/>
+              <a:buNone/>
+              <a:defRPr b="0" i="0" sz="1200" u="none" cap="none" strike="noStrike">
+                <a:solidFill>
+                  <a:srgbClr val="898989"/>
+                </a:solidFill>
+                <a:latin typeface="Calibri"/>
+                <a:ea typeface="Calibri"/>
+                <a:cs typeface="Calibri"/>
+                <a:sym typeface="Calibri"/>
+              </a:defRPr>
+            </a:lvl9pPr>
+          </a:lstStyle>
+          <a:p>
+            <a:pPr indent="0" lvl="0" marL="0">
+              <a:spcBef>
+                <a:spcPts val="0"/>
+              </a:spcBef>
+              <a:spcAft>
+                <a:spcPts val="0"/>
+              </a:spcAft>
+              <a:buNone/>
             </a:pPr>
             <a:fld id="{00000000-1234-1234-1234-123412341234}" type="slidenum">
-              <a:rPr b="0" i="0" lang="en-US" sz="1200" u="none" cap="none" strike="noStrike">
-                <a:solidFill>
-                  <a:srgbClr val="898989"/>
-                </a:solidFill>
-                <a:latin typeface="Calibri"/>
-                <a:ea typeface="Calibri"/>
-                <a:cs typeface="Calibri"/>
-                <a:sym typeface="Calibri"/>
-              </a:rPr>
+              <a:rPr lang="en-US"/>
               <a:t>‹#›</a:t>
             </a:fld>
-            <a:endParaRPr b="0" i="0" sz="1400" u="none" cap="none" strike="noStrike">
+            <a:endParaRPr sz="1400">
               <a:solidFill>
                 <a:srgbClr val="000000"/>
               </a:solidFill>
@@ -2917,8 +3392,8 @@
 </file>
 
 <file path=ppt/slideLayouts/slideLayout10.xml><?xml version="1.0" encoding="utf-8"?>
-<p:sldLayout xmlns:a="http://schemas.openxmlformats.org/drawingml/2006/main" xmlns:r="http://schemas.openxmlformats.org/officeDocument/2006/relationships" xmlns:mc="http://schemas.openxmlformats.org/markup-compatibility/2006" xmlns:mv="urn:schemas-microsoft-com:mac:vml" xmlns:p="http://schemas.openxmlformats.org/presentationml/2006/main" xmlns:c="http://schemas.openxmlformats.org/drawingml/2006/chart" xmlns:dgm="http://schemas.openxmlformats.org/drawingml/2006/diagram" xmlns:o="urn:schemas-microsoft-com:office:office" xmlns:v="urn:schemas-microsoft-com:vml" xmlns:pvml="urn:schemas-microsoft-com:office:powerpoint" xmlns:com="http://schemas.openxmlformats.org/drawingml/2006/compatibility" xmlns:p14="http://schemas.microsoft.com/office/powerpoint/2010/main" xmlns:p15="http://schemas.microsoft.com/office/powerpoint/2012/main" type="secHead">
-  <p:cSld name="Section Header">
+<p:sldLayout xmlns:a="http://schemas.openxmlformats.org/drawingml/2006/main" xmlns:r="http://schemas.openxmlformats.org/officeDocument/2006/relationships" xmlns:mc="http://schemas.openxmlformats.org/markup-compatibility/2006" xmlns:mv="urn:schemas-microsoft-com:mac:vml" xmlns:p="http://schemas.openxmlformats.org/presentationml/2006/main" xmlns:c="http://schemas.openxmlformats.org/drawingml/2006/chart" xmlns:dgm="http://schemas.openxmlformats.org/drawingml/2006/diagram" xmlns:o="urn:schemas-microsoft-com:office:office" xmlns:v="urn:schemas-microsoft-com:vml" xmlns:pvml="urn:schemas-microsoft-com:office:powerpoint" xmlns:com="http://schemas.openxmlformats.org/drawingml/2006/compatibility" xmlns:p14="http://schemas.microsoft.com/office/powerpoint/2010/main" xmlns:p15="http://schemas.microsoft.com/office/powerpoint/2012/main" matchingName="Section Header" type="secHead">
+  <p:cSld name="SECTION_HEADER">
     <p:spTree>
       <p:nvGrpSpPr>
         <p:cNvPr id="68" name="Shape 68"/>
@@ -3982,9 +4457,8 @@
           <a:bodyPr anchorCtr="0" anchor="ctr" bIns="45675" lIns="91375" spcFirstLastPara="1" rIns="91375" wrap="square" tIns="45675">
             <a:noAutofit/>
           </a:bodyPr>
-          <a:lstStyle/>
-          <a:p>
-            <a:pPr indent="0" lvl="0" marL="0" marR="0" rtl="0" algn="r">
+          <a:lstStyle>
+            <a:lvl1pPr indent="0" lvl="0" marL="0" marR="0" rtl="0" algn="r">
               <a:lnSpc>
                 <a:spcPct val="100000"/>
               </a:lnSpc>
@@ -4000,20 +4474,240 @@
               <a:buSzPts val="1200"/>
               <a:buFont typeface="Calibri"/>
               <a:buNone/>
+              <a:defRPr b="0" i="0" sz="1200" u="none" cap="none" strike="noStrike">
+                <a:solidFill>
+                  <a:srgbClr val="898989"/>
+                </a:solidFill>
+                <a:latin typeface="Calibri"/>
+                <a:ea typeface="Calibri"/>
+                <a:cs typeface="Calibri"/>
+                <a:sym typeface="Calibri"/>
+              </a:defRPr>
+            </a:lvl1pPr>
+            <a:lvl2pPr indent="0" lvl="1" marL="0" marR="0" rtl="0" algn="r">
+              <a:lnSpc>
+                <a:spcPct val="100000"/>
+              </a:lnSpc>
+              <a:spcBef>
+                <a:spcPts val="0"/>
+              </a:spcBef>
+              <a:spcAft>
+                <a:spcPts val="0"/>
+              </a:spcAft>
+              <a:buClr>
+                <a:srgbClr val="898989"/>
+              </a:buClr>
+              <a:buSzPts val="1200"/>
+              <a:buFont typeface="Calibri"/>
+              <a:buNone/>
+              <a:defRPr b="0" i="0" sz="1200" u="none" cap="none" strike="noStrike">
+                <a:solidFill>
+                  <a:srgbClr val="898989"/>
+                </a:solidFill>
+                <a:latin typeface="Calibri"/>
+                <a:ea typeface="Calibri"/>
+                <a:cs typeface="Calibri"/>
+                <a:sym typeface="Calibri"/>
+              </a:defRPr>
+            </a:lvl2pPr>
+            <a:lvl3pPr indent="0" lvl="2" marL="0" marR="0" rtl="0" algn="r">
+              <a:lnSpc>
+                <a:spcPct val="100000"/>
+              </a:lnSpc>
+              <a:spcBef>
+                <a:spcPts val="0"/>
+              </a:spcBef>
+              <a:spcAft>
+                <a:spcPts val="0"/>
+              </a:spcAft>
+              <a:buClr>
+                <a:srgbClr val="898989"/>
+              </a:buClr>
+              <a:buSzPts val="1200"/>
+              <a:buFont typeface="Calibri"/>
+              <a:buNone/>
+              <a:defRPr b="0" i="0" sz="1200" u="none" cap="none" strike="noStrike">
+                <a:solidFill>
+                  <a:srgbClr val="898989"/>
+                </a:solidFill>
+                <a:latin typeface="Calibri"/>
+                <a:ea typeface="Calibri"/>
+                <a:cs typeface="Calibri"/>
+                <a:sym typeface="Calibri"/>
+              </a:defRPr>
+            </a:lvl3pPr>
+            <a:lvl4pPr indent="0" lvl="3" marL="0" marR="0" rtl="0" algn="r">
+              <a:lnSpc>
+                <a:spcPct val="100000"/>
+              </a:lnSpc>
+              <a:spcBef>
+                <a:spcPts val="0"/>
+              </a:spcBef>
+              <a:spcAft>
+                <a:spcPts val="0"/>
+              </a:spcAft>
+              <a:buClr>
+                <a:srgbClr val="898989"/>
+              </a:buClr>
+              <a:buSzPts val="1200"/>
+              <a:buFont typeface="Calibri"/>
+              <a:buNone/>
+              <a:defRPr b="0" i="0" sz="1200" u="none" cap="none" strike="noStrike">
+                <a:solidFill>
+                  <a:srgbClr val="898989"/>
+                </a:solidFill>
+                <a:latin typeface="Calibri"/>
+                <a:ea typeface="Calibri"/>
+                <a:cs typeface="Calibri"/>
+                <a:sym typeface="Calibri"/>
+              </a:defRPr>
+            </a:lvl4pPr>
+            <a:lvl5pPr indent="0" lvl="4" marL="0" marR="0" rtl="0" algn="r">
+              <a:lnSpc>
+                <a:spcPct val="100000"/>
+              </a:lnSpc>
+              <a:spcBef>
+                <a:spcPts val="0"/>
+              </a:spcBef>
+              <a:spcAft>
+                <a:spcPts val="0"/>
+              </a:spcAft>
+              <a:buClr>
+                <a:srgbClr val="898989"/>
+              </a:buClr>
+              <a:buSzPts val="1200"/>
+              <a:buFont typeface="Calibri"/>
+              <a:buNone/>
+              <a:defRPr b="0" i="0" sz="1200" u="none" cap="none" strike="noStrike">
+                <a:solidFill>
+                  <a:srgbClr val="898989"/>
+                </a:solidFill>
+                <a:latin typeface="Calibri"/>
+                <a:ea typeface="Calibri"/>
+                <a:cs typeface="Calibri"/>
+                <a:sym typeface="Calibri"/>
+              </a:defRPr>
+            </a:lvl5pPr>
+            <a:lvl6pPr indent="0" lvl="5" marL="0" marR="0" rtl="0" algn="r">
+              <a:lnSpc>
+                <a:spcPct val="100000"/>
+              </a:lnSpc>
+              <a:spcBef>
+                <a:spcPts val="0"/>
+              </a:spcBef>
+              <a:spcAft>
+                <a:spcPts val="0"/>
+              </a:spcAft>
+              <a:buClr>
+                <a:srgbClr val="898989"/>
+              </a:buClr>
+              <a:buSzPts val="1200"/>
+              <a:buFont typeface="Calibri"/>
+              <a:buNone/>
+              <a:defRPr b="0" i="0" sz="1200" u="none" cap="none" strike="noStrike">
+                <a:solidFill>
+                  <a:srgbClr val="898989"/>
+                </a:solidFill>
+                <a:latin typeface="Calibri"/>
+                <a:ea typeface="Calibri"/>
+                <a:cs typeface="Calibri"/>
+                <a:sym typeface="Calibri"/>
+              </a:defRPr>
+            </a:lvl6pPr>
+            <a:lvl7pPr indent="0" lvl="6" marL="0" marR="0" rtl="0" algn="r">
+              <a:lnSpc>
+                <a:spcPct val="100000"/>
+              </a:lnSpc>
+              <a:spcBef>
+                <a:spcPts val="0"/>
+              </a:spcBef>
+              <a:spcAft>
+                <a:spcPts val="0"/>
+              </a:spcAft>
+              <a:buClr>
+                <a:srgbClr val="898989"/>
+              </a:buClr>
+              <a:buSzPts val="1200"/>
+              <a:buFont typeface="Calibri"/>
+              <a:buNone/>
+              <a:defRPr b="0" i="0" sz="1200" u="none" cap="none" strike="noStrike">
+                <a:solidFill>
+                  <a:srgbClr val="898989"/>
+                </a:solidFill>
+                <a:latin typeface="Calibri"/>
+                <a:ea typeface="Calibri"/>
+                <a:cs typeface="Calibri"/>
+                <a:sym typeface="Calibri"/>
+              </a:defRPr>
+            </a:lvl7pPr>
+            <a:lvl8pPr indent="0" lvl="7" marL="0" marR="0" rtl="0" algn="r">
+              <a:lnSpc>
+                <a:spcPct val="100000"/>
+              </a:lnSpc>
+              <a:spcBef>
+                <a:spcPts val="0"/>
+              </a:spcBef>
+              <a:spcAft>
+                <a:spcPts val="0"/>
+              </a:spcAft>
+              <a:buClr>
+                <a:srgbClr val="898989"/>
+              </a:buClr>
+              <a:buSzPts val="1200"/>
+              <a:buFont typeface="Calibri"/>
+              <a:buNone/>
+              <a:defRPr b="0" i="0" sz="1200" u="none" cap="none" strike="noStrike">
+                <a:solidFill>
+                  <a:srgbClr val="898989"/>
+                </a:solidFill>
+                <a:latin typeface="Calibri"/>
+                <a:ea typeface="Calibri"/>
+                <a:cs typeface="Calibri"/>
+                <a:sym typeface="Calibri"/>
+              </a:defRPr>
+            </a:lvl8pPr>
+            <a:lvl9pPr indent="0" lvl="8" marL="0" marR="0" rtl="0" algn="r">
+              <a:lnSpc>
+                <a:spcPct val="100000"/>
+              </a:lnSpc>
+              <a:spcBef>
+                <a:spcPts val="0"/>
+              </a:spcBef>
+              <a:spcAft>
+                <a:spcPts val="0"/>
+              </a:spcAft>
+              <a:buClr>
+                <a:srgbClr val="898989"/>
+              </a:buClr>
+              <a:buSzPts val="1200"/>
+              <a:buFont typeface="Calibri"/>
+              <a:buNone/>
+              <a:defRPr b="0" i="0" sz="1200" u="none" cap="none" strike="noStrike">
+                <a:solidFill>
+                  <a:srgbClr val="898989"/>
+                </a:solidFill>
+                <a:latin typeface="Calibri"/>
+                <a:ea typeface="Calibri"/>
+                <a:cs typeface="Calibri"/>
+                <a:sym typeface="Calibri"/>
+              </a:defRPr>
+            </a:lvl9pPr>
+          </a:lstStyle>
+          <a:p>
+            <a:pPr indent="0" lvl="0" marL="0">
+              <a:spcBef>
+                <a:spcPts val="0"/>
+              </a:spcBef>
+              <a:spcAft>
+                <a:spcPts val="0"/>
+              </a:spcAft>
+              <a:buNone/>
             </a:pPr>
             <a:fld id="{00000000-1234-1234-1234-123412341234}" type="slidenum">
-              <a:rPr b="0" i="0" lang="en-US" sz="1200" u="none" cap="none" strike="noStrike">
-                <a:solidFill>
-                  <a:srgbClr val="898989"/>
-                </a:solidFill>
-                <a:latin typeface="Calibri"/>
-                <a:ea typeface="Calibri"/>
-                <a:cs typeface="Calibri"/>
-                <a:sym typeface="Calibri"/>
-              </a:rPr>
+              <a:rPr lang="en-US"/>
               <a:t>‹#›</a:t>
             </a:fld>
-            <a:endParaRPr b="0" i="0" sz="1400" u="none" cap="none" strike="noStrike">
+            <a:endParaRPr sz="1400">
               <a:solidFill>
                 <a:srgbClr val="000000"/>
               </a:solidFill>
@@ -4034,8 +4728,8 @@
 </file>
 
 <file path=ppt/slideLayouts/slideLayout11.xml><?xml version="1.0" encoding="utf-8"?>
-<p:sldLayout xmlns:a="http://schemas.openxmlformats.org/drawingml/2006/main" xmlns:r="http://schemas.openxmlformats.org/officeDocument/2006/relationships" xmlns:mc="http://schemas.openxmlformats.org/markup-compatibility/2006" xmlns:mv="urn:schemas-microsoft-com:mac:vml" xmlns:p="http://schemas.openxmlformats.org/presentationml/2006/main" xmlns:c="http://schemas.openxmlformats.org/drawingml/2006/chart" xmlns:dgm="http://schemas.openxmlformats.org/drawingml/2006/diagram" xmlns:o="urn:schemas-microsoft-com:office:office" xmlns:v="urn:schemas-microsoft-com:vml" xmlns:pvml="urn:schemas-microsoft-com:office:powerpoint" xmlns:com="http://schemas.openxmlformats.org/drawingml/2006/compatibility" xmlns:p14="http://schemas.microsoft.com/office/powerpoint/2010/main" xmlns:p15="http://schemas.microsoft.com/office/powerpoint/2012/main" type="title">
-  <p:cSld name="Title Slide">
+<p:sldLayout xmlns:a="http://schemas.openxmlformats.org/drawingml/2006/main" xmlns:r="http://schemas.openxmlformats.org/officeDocument/2006/relationships" xmlns:mc="http://schemas.openxmlformats.org/markup-compatibility/2006" xmlns:mv="urn:schemas-microsoft-com:mac:vml" xmlns:p="http://schemas.openxmlformats.org/presentationml/2006/main" xmlns:c="http://schemas.openxmlformats.org/drawingml/2006/chart" xmlns:dgm="http://schemas.openxmlformats.org/drawingml/2006/diagram" xmlns:o="urn:schemas-microsoft-com:office:office" xmlns:v="urn:schemas-microsoft-com:vml" xmlns:pvml="urn:schemas-microsoft-com:office:powerpoint" xmlns:com="http://schemas.openxmlformats.org/drawingml/2006/compatibility" xmlns:p14="http://schemas.microsoft.com/office/powerpoint/2010/main" xmlns:p15="http://schemas.microsoft.com/office/powerpoint/2012/main" matchingName="Title Slide" type="title">
+  <p:cSld name="TITLE">
     <p:spTree>
       <p:nvGrpSpPr>
         <p:cNvPr id="74" name="Shape 74"/>
@@ -5099,9 +5793,8 @@
           <a:bodyPr anchorCtr="0" anchor="ctr" bIns="45675" lIns="91375" spcFirstLastPara="1" rIns="91375" wrap="square" tIns="45675">
             <a:noAutofit/>
           </a:bodyPr>
-          <a:lstStyle/>
-          <a:p>
-            <a:pPr indent="0" lvl="0" marL="0" marR="0" rtl="0" algn="r">
+          <a:lstStyle>
+            <a:lvl1pPr indent="0" lvl="0" marL="0" marR="0" rtl="0" algn="r">
               <a:lnSpc>
                 <a:spcPct val="100000"/>
               </a:lnSpc>
@@ -5117,20 +5810,240 @@
               <a:buSzPts val="1200"/>
               <a:buFont typeface="Calibri"/>
               <a:buNone/>
+              <a:defRPr b="0" i="0" sz="1200" u="none" cap="none" strike="noStrike">
+                <a:solidFill>
+                  <a:srgbClr val="898989"/>
+                </a:solidFill>
+                <a:latin typeface="Calibri"/>
+                <a:ea typeface="Calibri"/>
+                <a:cs typeface="Calibri"/>
+                <a:sym typeface="Calibri"/>
+              </a:defRPr>
+            </a:lvl1pPr>
+            <a:lvl2pPr indent="0" lvl="1" marL="0" marR="0" rtl="0" algn="r">
+              <a:lnSpc>
+                <a:spcPct val="100000"/>
+              </a:lnSpc>
+              <a:spcBef>
+                <a:spcPts val="0"/>
+              </a:spcBef>
+              <a:spcAft>
+                <a:spcPts val="0"/>
+              </a:spcAft>
+              <a:buClr>
+                <a:srgbClr val="898989"/>
+              </a:buClr>
+              <a:buSzPts val="1200"/>
+              <a:buFont typeface="Calibri"/>
+              <a:buNone/>
+              <a:defRPr b="0" i="0" sz="1200" u="none" cap="none" strike="noStrike">
+                <a:solidFill>
+                  <a:srgbClr val="898989"/>
+                </a:solidFill>
+                <a:latin typeface="Calibri"/>
+                <a:ea typeface="Calibri"/>
+                <a:cs typeface="Calibri"/>
+                <a:sym typeface="Calibri"/>
+              </a:defRPr>
+            </a:lvl2pPr>
+            <a:lvl3pPr indent="0" lvl="2" marL="0" marR="0" rtl="0" algn="r">
+              <a:lnSpc>
+                <a:spcPct val="100000"/>
+              </a:lnSpc>
+              <a:spcBef>
+                <a:spcPts val="0"/>
+              </a:spcBef>
+              <a:spcAft>
+                <a:spcPts val="0"/>
+              </a:spcAft>
+              <a:buClr>
+                <a:srgbClr val="898989"/>
+              </a:buClr>
+              <a:buSzPts val="1200"/>
+              <a:buFont typeface="Calibri"/>
+              <a:buNone/>
+              <a:defRPr b="0" i="0" sz="1200" u="none" cap="none" strike="noStrike">
+                <a:solidFill>
+                  <a:srgbClr val="898989"/>
+                </a:solidFill>
+                <a:latin typeface="Calibri"/>
+                <a:ea typeface="Calibri"/>
+                <a:cs typeface="Calibri"/>
+                <a:sym typeface="Calibri"/>
+              </a:defRPr>
+            </a:lvl3pPr>
+            <a:lvl4pPr indent="0" lvl="3" marL="0" marR="0" rtl="0" algn="r">
+              <a:lnSpc>
+                <a:spcPct val="100000"/>
+              </a:lnSpc>
+              <a:spcBef>
+                <a:spcPts val="0"/>
+              </a:spcBef>
+              <a:spcAft>
+                <a:spcPts val="0"/>
+              </a:spcAft>
+              <a:buClr>
+                <a:srgbClr val="898989"/>
+              </a:buClr>
+              <a:buSzPts val="1200"/>
+              <a:buFont typeface="Calibri"/>
+              <a:buNone/>
+              <a:defRPr b="0" i="0" sz="1200" u="none" cap="none" strike="noStrike">
+                <a:solidFill>
+                  <a:srgbClr val="898989"/>
+                </a:solidFill>
+                <a:latin typeface="Calibri"/>
+                <a:ea typeface="Calibri"/>
+                <a:cs typeface="Calibri"/>
+                <a:sym typeface="Calibri"/>
+              </a:defRPr>
+            </a:lvl4pPr>
+            <a:lvl5pPr indent="0" lvl="4" marL="0" marR="0" rtl="0" algn="r">
+              <a:lnSpc>
+                <a:spcPct val="100000"/>
+              </a:lnSpc>
+              <a:spcBef>
+                <a:spcPts val="0"/>
+              </a:spcBef>
+              <a:spcAft>
+                <a:spcPts val="0"/>
+              </a:spcAft>
+              <a:buClr>
+                <a:srgbClr val="898989"/>
+              </a:buClr>
+              <a:buSzPts val="1200"/>
+              <a:buFont typeface="Calibri"/>
+              <a:buNone/>
+              <a:defRPr b="0" i="0" sz="1200" u="none" cap="none" strike="noStrike">
+                <a:solidFill>
+                  <a:srgbClr val="898989"/>
+                </a:solidFill>
+                <a:latin typeface="Calibri"/>
+                <a:ea typeface="Calibri"/>
+                <a:cs typeface="Calibri"/>
+                <a:sym typeface="Calibri"/>
+              </a:defRPr>
+            </a:lvl5pPr>
+            <a:lvl6pPr indent="0" lvl="5" marL="0" marR="0" rtl="0" algn="r">
+              <a:lnSpc>
+                <a:spcPct val="100000"/>
+              </a:lnSpc>
+              <a:spcBef>
+                <a:spcPts val="0"/>
+              </a:spcBef>
+              <a:spcAft>
+                <a:spcPts val="0"/>
+              </a:spcAft>
+              <a:buClr>
+                <a:srgbClr val="898989"/>
+              </a:buClr>
+              <a:buSzPts val="1200"/>
+              <a:buFont typeface="Calibri"/>
+              <a:buNone/>
+              <a:defRPr b="0" i="0" sz="1200" u="none" cap="none" strike="noStrike">
+                <a:solidFill>
+                  <a:srgbClr val="898989"/>
+                </a:solidFill>
+                <a:latin typeface="Calibri"/>
+                <a:ea typeface="Calibri"/>
+                <a:cs typeface="Calibri"/>
+                <a:sym typeface="Calibri"/>
+              </a:defRPr>
+            </a:lvl6pPr>
+            <a:lvl7pPr indent="0" lvl="6" marL="0" marR="0" rtl="0" algn="r">
+              <a:lnSpc>
+                <a:spcPct val="100000"/>
+              </a:lnSpc>
+              <a:spcBef>
+                <a:spcPts val="0"/>
+              </a:spcBef>
+              <a:spcAft>
+                <a:spcPts val="0"/>
+              </a:spcAft>
+              <a:buClr>
+                <a:srgbClr val="898989"/>
+              </a:buClr>
+              <a:buSzPts val="1200"/>
+              <a:buFont typeface="Calibri"/>
+              <a:buNone/>
+              <a:defRPr b="0" i="0" sz="1200" u="none" cap="none" strike="noStrike">
+                <a:solidFill>
+                  <a:srgbClr val="898989"/>
+                </a:solidFill>
+                <a:latin typeface="Calibri"/>
+                <a:ea typeface="Calibri"/>
+                <a:cs typeface="Calibri"/>
+                <a:sym typeface="Calibri"/>
+              </a:defRPr>
+            </a:lvl7pPr>
+            <a:lvl8pPr indent="0" lvl="7" marL="0" marR="0" rtl="0" algn="r">
+              <a:lnSpc>
+                <a:spcPct val="100000"/>
+              </a:lnSpc>
+              <a:spcBef>
+                <a:spcPts val="0"/>
+              </a:spcBef>
+              <a:spcAft>
+                <a:spcPts val="0"/>
+              </a:spcAft>
+              <a:buClr>
+                <a:srgbClr val="898989"/>
+              </a:buClr>
+              <a:buSzPts val="1200"/>
+              <a:buFont typeface="Calibri"/>
+              <a:buNone/>
+              <a:defRPr b="0" i="0" sz="1200" u="none" cap="none" strike="noStrike">
+                <a:solidFill>
+                  <a:srgbClr val="898989"/>
+                </a:solidFill>
+                <a:latin typeface="Calibri"/>
+                <a:ea typeface="Calibri"/>
+                <a:cs typeface="Calibri"/>
+                <a:sym typeface="Calibri"/>
+              </a:defRPr>
+            </a:lvl8pPr>
+            <a:lvl9pPr indent="0" lvl="8" marL="0" marR="0" rtl="0" algn="r">
+              <a:lnSpc>
+                <a:spcPct val="100000"/>
+              </a:lnSpc>
+              <a:spcBef>
+                <a:spcPts val="0"/>
+              </a:spcBef>
+              <a:spcAft>
+                <a:spcPts val="0"/>
+              </a:spcAft>
+              <a:buClr>
+                <a:srgbClr val="898989"/>
+              </a:buClr>
+              <a:buSzPts val="1200"/>
+              <a:buFont typeface="Calibri"/>
+              <a:buNone/>
+              <a:defRPr b="0" i="0" sz="1200" u="none" cap="none" strike="noStrike">
+                <a:solidFill>
+                  <a:srgbClr val="898989"/>
+                </a:solidFill>
+                <a:latin typeface="Calibri"/>
+                <a:ea typeface="Calibri"/>
+                <a:cs typeface="Calibri"/>
+                <a:sym typeface="Calibri"/>
+              </a:defRPr>
+            </a:lvl9pPr>
+          </a:lstStyle>
+          <a:p>
+            <a:pPr indent="0" lvl="0" marL="0">
+              <a:spcBef>
+                <a:spcPts val="0"/>
+              </a:spcBef>
+              <a:spcAft>
+                <a:spcPts val="0"/>
+              </a:spcAft>
+              <a:buNone/>
             </a:pPr>
             <a:fld id="{00000000-1234-1234-1234-123412341234}" type="slidenum">
-              <a:rPr b="0" i="0" lang="en-US" sz="1200" u="none" cap="none" strike="noStrike">
-                <a:solidFill>
-                  <a:srgbClr val="898989"/>
-                </a:solidFill>
-                <a:latin typeface="Calibri"/>
-                <a:ea typeface="Calibri"/>
-                <a:cs typeface="Calibri"/>
-                <a:sym typeface="Calibri"/>
-              </a:rPr>
+              <a:rPr lang="en-US"/>
               <a:t>‹#›</a:t>
             </a:fld>
-            <a:endParaRPr b="0" i="0" sz="1400" u="none" cap="none" strike="noStrike">
+            <a:endParaRPr sz="1400">
               <a:solidFill>
                 <a:srgbClr val="000000"/>
               </a:solidFill>
@@ -5151,8 +6064,8 @@
 </file>
 
 <file path=ppt/slideLayouts/slideLayout2.xml><?xml version="1.0" encoding="utf-8"?>
-<p:sldLayout xmlns:a="http://schemas.openxmlformats.org/drawingml/2006/main" xmlns:r="http://schemas.openxmlformats.org/officeDocument/2006/relationships" xmlns:mc="http://schemas.openxmlformats.org/markup-compatibility/2006" xmlns:mv="urn:schemas-microsoft-com:mac:vml" xmlns:p="http://schemas.openxmlformats.org/presentationml/2006/main" xmlns:c="http://schemas.openxmlformats.org/drawingml/2006/chart" xmlns:dgm="http://schemas.openxmlformats.org/drawingml/2006/diagram" xmlns:o="urn:schemas-microsoft-com:office:office" xmlns:v="urn:schemas-microsoft-com:vml" xmlns:pvml="urn:schemas-microsoft-com:office:powerpoint" xmlns:com="http://schemas.openxmlformats.org/drawingml/2006/compatibility" xmlns:p14="http://schemas.microsoft.com/office/powerpoint/2010/main" xmlns:p15="http://schemas.microsoft.com/office/powerpoint/2012/main" type="vertTitleAndTx">
-  <p:cSld name="Vertical Title and Text">
+<p:sldLayout xmlns:a="http://schemas.openxmlformats.org/drawingml/2006/main" xmlns:r="http://schemas.openxmlformats.org/officeDocument/2006/relationships" xmlns:mc="http://schemas.openxmlformats.org/markup-compatibility/2006" xmlns:mv="urn:schemas-microsoft-com:mac:vml" xmlns:p="http://schemas.openxmlformats.org/presentationml/2006/main" xmlns:c="http://schemas.openxmlformats.org/drawingml/2006/chart" xmlns:dgm="http://schemas.openxmlformats.org/drawingml/2006/diagram" xmlns:o="urn:schemas-microsoft-com:office:office" xmlns:v="urn:schemas-microsoft-com:vml" xmlns:pvml="urn:schemas-microsoft-com:office:powerpoint" xmlns:com="http://schemas.openxmlformats.org/drawingml/2006/compatibility" xmlns:p14="http://schemas.microsoft.com/office/powerpoint/2010/main" xmlns:p15="http://schemas.microsoft.com/office/powerpoint/2012/main" matchingName="Vertical Title and Text" type="vertTitleAndTx">
+  <p:cSld name="VERTICAL_TITLE_AND_VERTICAL_TEXT">
     <p:spTree>
       <p:nvGrpSpPr>
         <p:cNvPr id="17" name="Shape 17"/>
@@ -6216,9 +7129,8 @@
           <a:bodyPr anchorCtr="0" anchor="ctr" bIns="45675" lIns="91375" spcFirstLastPara="1" rIns="91375" wrap="square" tIns="45675">
             <a:noAutofit/>
           </a:bodyPr>
-          <a:lstStyle/>
-          <a:p>
-            <a:pPr indent="0" lvl="0" marL="0" marR="0" rtl="0" algn="r">
+          <a:lstStyle>
+            <a:lvl1pPr indent="0" lvl="0" marL="0" marR="0" rtl="0" algn="r">
               <a:lnSpc>
                 <a:spcPct val="100000"/>
               </a:lnSpc>
@@ -6234,20 +7146,240 @@
               <a:buSzPts val="1200"/>
               <a:buFont typeface="Calibri"/>
               <a:buNone/>
+              <a:defRPr b="0" i="0" sz="1200" u="none" cap="none" strike="noStrike">
+                <a:solidFill>
+                  <a:srgbClr val="898989"/>
+                </a:solidFill>
+                <a:latin typeface="Calibri"/>
+                <a:ea typeface="Calibri"/>
+                <a:cs typeface="Calibri"/>
+                <a:sym typeface="Calibri"/>
+              </a:defRPr>
+            </a:lvl1pPr>
+            <a:lvl2pPr indent="0" lvl="1" marL="0" marR="0" rtl="0" algn="r">
+              <a:lnSpc>
+                <a:spcPct val="100000"/>
+              </a:lnSpc>
+              <a:spcBef>
+                <a:spcPts val="0"/>
+              </a:spcBef>
+              <a:spcAft>
+                <a:spcPts val="0"/>
+              </a:spcAft>
+              <a:buClr>
+                <a:srgbClr val="898989"/>
+              </a:buClr>
+              <a:buSzPts val="1200"/>
+              <a:buFont typeface="Calibri"/>
+              <a:buNone/>
+              <a:defRPr b="0" i="0" sz="1200" u="none" cap="none" strike="noStrike">
+                <a:solidFill>
+                  <a:srgbClr val="898989"/>
+                </a:solidFill>
+                <a:latin typeface="Calibri"/>
+                <a:ea typeface="Calibri"/>
+                <a:cs typeface="Calibri"/>
+                <a:sym typeface="Calibri"/>
+              </a:defRPr>
+            </a:lvl2pPr>
+            <a:lvl3pPr indent="0" lvl="2" marL="0" marR="0" rtl="0" algn="r">
+              <a:lnSpc>
+                <a:spcPct val="100000"/>
+              </a:lnSpc>
+              <a:spcBef>
+                <a:spcPts val="0"/>
+              </a:spcBef>
+              <a:spcAft>
+                <a:spcPts val="0"/>
+              </a:spcAft>
+              <a:buClr>
+                <a:srgbClr val="898989"/>
+              </a:buClr>
+              <a:buSzPts val="1200"/>
+              <a:buFont typeface="Calibri"/>
+              <a:buNone/>
+              <a:defRPr b="0" i="0" sz="1200" u="none" cap="none" strike="noStrike">
+                <a:solidFill>
+                  <a:srgbClr val="898989"/>
+                </a:solidFill>
+                <a:latin typeface="Calibri"/>
+                <a:ea typeface="Calibri"/>
+                <a:cs typeface="Calibri"/>
+                <a:sym typeface="Calibri"/>
+              </a:defRPr>
+            </a:lvl3pPr>
+            <a:lvl4pPr indent="0" lvl="3" marL="0" marR="0" rtl="0" algn="r">
+              <a:lnSpc>
+                <a:spcPct val="100000"/>
+              </a:lnSpc>
+              <a:spcBef>
+                <a:spcPts val="0"/>
+              </a:spcBef>
+              <a:spcAft>
+                <a:spcPts val="0"/>
+              </a:spcAft>
+              <a:buClr>
+                <a:srgbClr val="898989"/>
+              </a:buClr>
+              <a:buSzPts val="1200"/>
+              <a:buFont typeface="Calibri"/>
+              <a:buNone/>
+              <a:defRPr b="0" i="0" sz="1200" u="none" cap="none" strike="noStrike">
+                <a:solidFill>
+                  <a:srgbClr val="898989"/>
+                </a:solidFill>
+                <a:latin typeface="Calibri"/>
+                <a:ea typeface="Calibri"/>
+                <a:cs typeface="Calibri"/>
+                <a:sym typeface="Calibri"/>
+              </a:defRPr>
+            </a:lvl4pPr>
+            <a:lvl5pPr indent="0" lvl="4" marL="0" marR="0" rtl="0" algn="r">
+              <a:lnSpc>
+                <a:spcPct val="100000"/>
+              </a:lnSpc>
+              <a:spcBef>
+                <a:spcPts val="0"/>
+              </a:spcBef>
+              <a:spcAft>
+                <a:spcPts val="0"/>
+              </a:spcAft>
+              <a:buClr>
+                <a:srgbClr val="898989"/>
+              </a:buClr>
+              <a:buSzPts val="1200"/>
+              <a:buFont typeface="Calibri"/>
+              <a:buNone/>
+              <a:defRPr b="0" i="0" sz="1200" u="none" cap="none" strike="noStrike">
+                <a:solidFill>
+                  <a:srgbClr val="898989"/>
+                </a:solidFill>
+                <a:latin typeface="Calibri"/>
+                <a:ea typeface="Calibri"/>
+                <a:cs typeface="Calibri"/>
+                <a:sym typeface="Calibri"/>
+              </a:defRPr>
+            </a:lvl5pPr>
+            <a:lvl6pPr indent="0" lvl="5" marL="0" marR="0" rtl="0" algn="r">
+              <a:lnSpc>
+                <a:spcPct val="100000"/>
+              </a:lnSpc>
+              <a:spcBef>
+                <a:spcPts val="0"/>
+              </a:spcBef>
+              <a:spcAft>
+                <a:spcPts val="0"/>
+              </a:spcAft>
+              <a:buClr>
+                <a:srgbClr val="898989"/>
+              </a:buClr>
+              <a:buSzPts val="1200"/>
+              <a:buFont typeface="Calibri"/>
+              <a:buNone/>
+              <a:defRPr b="0" i="0" sz="1200" u="none" cap="none" strike="noStrike">
+                <a:solidFill>
+                  <a:srgbClr val="898989"/>
+                </a:solidFill>
+                <a:latin typeface="Calibri"/>
+                <a:ea typeface="Calibri"/>
+                <a:cs typeface="Calibri"/>
+                <a:sym typeface="Calibri"/>
+              </a:defRPr>
+            </a:lvl6pPr>
+            <a:lvl7pPr indent="0" lvl="6" marL="0" marR="0" rtl="0" algn="r">
+              <a:lnSpc>
+                <a:spcPct val="100000"/>
+              </a:lnSpc>
+              <a:spcBef>
+                <a:spcPts val="0"/>
+              </a:spcBef>
+              <a:spcAft>
+                <a:spcPts val="0"/>
+              </a:spcAft>
+              <a:buClr>
+                <a:srgbClr val="898989"/>
+              </a:buClr>
+              <a:buSzPts val="1200"/>
+              <a:buFont typeface="Calibri"/>
+              <a:buNone/>
+              <a:defRPr b="0" i="0" sz="1200" u="none" cap="none" strike="noStrike">
+                <a:solidFill>
+                  <a:srgbClr val="898989"/>
+                </a:solidFill>
+                <a:latin typeface="Calibri"/>
+                <a:ea typeface="Calibri"/>
+                <a:cs typeface="Calibri"/>
+                <a:sym typeface="Calibri"/>
+              </a:defRPr>
+            </a:lvl7pPr>
+            <a:lvl8pPr indent="0" lvl="7" marL="0" marR="0" rtl="0" algn="r">
+              <a:lnSpc>
+                <a:spcPct val="100000"/>
+              </a:lnSpc>
+              <a:spcBef>
+                <a:spcPts val="0"/>
+              </a:spcBef>
+              <a:spcAft>
+                <a:spcPts val="0"/>
+              </a:spcAft>
+              <a:buClr>
+                <a:srgbClr val="898989"/>
+              </a:buClr>
+              <a:buSzPts val="1200"/>
+              <a:buFont typeface="Calibri"/>
+              <a:buNone/>
+              <a:defRPr b="0" i="0" sz="1200" u="none" cap="none" strike="noStrike">
+                <a:solidFill>
+                  <a:srgbClr val="898989"/>
+                </a:solidFill>
+                <a:latin typeface="Calibri"/>
+                <a:ea typeface="Calibri"/>
+                <a:cs typeface="Calibri"/>
+                <a:sym typeface="Calibri"/>
+              </a:defRPr>
+            </a:lvl8pPr>
+            <a:lvl9pPr indent="0" lvl="8" marL="0" marR="0" rtl="0" algn="r">
+              <a:lnSpc>
+                <a:spcPct val="100000"/>
+              </a:lnSpc>
+              <a:spcBef>
+                <a:spcPts val="0"/>
+              </a:spcBef>
+              <a:spcAft>
+                <a:spcPts val="0"/>
+              </a:spcAft>
+              <a:buClr>
+                <a:srgbClr val="898989"/>
+              </a:buClr>
+              <a:buSzPts val="1200"/>
+              <a:buFont typeface="Calibri"/>
+              <a:buNone/>
+              <a:defRPr b="0" i="0" sz="1200" u="none" cap="none" strike="noStrike">
+                <a:solidFill>
+                  <a:srgbClr val="898989"/>
+                </a:solidFill>
+                <a:latin typeface="Calibri"/>
+                <a:ea typeface="Calibri"/>
+                <a:cs typeface="Calibri"/>
+                <a:sym typeface="Calibri"/>
+              </a:defRPr>
+            </a:lvl9pPr>
+          </a:lstStyle>
+          <a:p>
+            <a:pPr indent="0" lvl="0" marL="0">
+              <a:spcBef>
+                <a:spcPts val="0"/>
+              </a:spcBef>
+              <a:spcAft>
+                <a:spcPts val="0"/>
+              </a:spcAft>
+              <a:buNone/>
             </a:pPr>
             <a:fld id="{00000000-1234-1234-1234-123412341234}" type="slidenum">
-              <a:rPr b="0" i="0" lang="en-US" sz="1200" u="none" cap="none" strike="noStrike">
-                <a:solidFill>
-                  <a:srgbClr val="898989"/>
-                </a:solidFill>
-                <a:latin typeface="Calibri"/>
-                <a:ea typeface="Calibri"/>
-                <a:cs typeface="Calibri"/>
-                <a:sym typeface="Calibri"/>
-              </a:rPr>
+              <a:rPr lang="en-US"/>
               <a:t>‹#›</a:t>
             </a:fld>
-            <a:endParaRPr b="0" i="0" sz="1400" u="none" cap="none" strike="noStrike">
+            <a:endParaRPr sz="1400">
               <a:solidFill>
                 <a:srgbClr val="000000"/>
               </a:solidFill>
@@ -6268,8 +7400,8 @@
 </file>
 
 <file path=ppt/slideLayouts/slideLayout3.xml><?xml version="1.0" encoding="utf-8"?>
-<p:sldLayout xmlns:a="http://schemas.openxmlformats.org/drawingml/2006/main" xmlns:r="http://schemas.openxmlformats.org/officeDocument/2006/relationships" xmlns:mc="http://schemas.openxmlformats.org/markup-compatibility/2006" xmlns:mv="urn:schemas-microsoft-com:mac:vml" xmlns:p="http://schemas.openxmlformats.org/presentationml/2006/main" xmlns:c="http://schemas.openxmlformats.org/drawingml/2006/chart" xmlns:dgm="http://schemas.openxmlformats.org/drawingml/2006/diagram" xmlns:o="urn:schemas-microsoft-com:office:office" xmlns:v="urn:schemas-microsoft-com:vml" xmlns:pvml="urn:schemas-microsoft-com:office:powerpoint" xmlns:com="http://schemas.openxmlformats.org/drawingml/2006/compatibility" xmlns:p14="http://schemas.microsoft.com/office/powerpoint/2010/main" xmlns:p15="http://schemas.microsoft.com/office/powerpoint/2012/main" type="vertTx">
-  <p:cSld name="Title and Vertical Text">
+<p:sldLayout xmlns:a="http://schemas.openxmlformats.org/drawingml/2006/main" xmlns:r="http://schemas.openxmlformats.org/officeDocument/2006/relationships" xmlns:mc="http://schemas.openxmlformats.org/markup-compatibility/2006" xmlns:mv="urn:schemas-microsoft-com:mac:vml" xmlns:p="http://schemas.openxmlformats.org/presentationml/2006/main" xmlns:c="http://schemas.openxmlformats.org/drawingml/2006/chart" xmlns:dgm="http://schemas.openxmlformats.org/drawingml/2006/diagram" xmlns:o="urn:schemas-microsoft-com:office:office" xmlns:v="urn:schemas-microsoft-com:vml" xmlns:pvml="urn:schemas-microsoft-com:office:powerpoint" xmlns:com="http://schemas.openxmlformats.org/drawingml/2006/compatibility" xmlns:p14="http://schemas.microsoft.com/office/powerpoint/2010/main" xmlns:p15="http://schemas.microsoft.com/office/powerpoint/2012/main" matchingName="Title and Vertical Text" type="vertTx">
+  <p:cSld name="VERTICAL_TEXT">
     <p:spTree>
       <p:nvGrpSpPr>
         <p:cNvPr id="23" name="Shape 23"/>
@@ -7333,9 +8465,8 @@
           <a:bodyPr anchorCtr="0" anchor="ctr" bIns="45675" lIns="91375" spcFirstLastPara="1" rIns="91375" wrap="square" tIns="45675">
             <a:noAutofit/>
           </a:bodyPr>
-          <a:lstStyle/>
-          <a:p>
-            <a:pPr indent="0" lvl="0" marL="0" marR="0" rtl="0" algn="r">
+          <a:lstStyle>
+            <a:lvl1pPr indent="0" lvl="0" marL="0" marR="0" rtl="0" algn="r">
               <a:lnSpc>
                 <a:spcPct val="100000"/>
               </a:lnSpc>
@@ -7351,20 +8482,240 @@
               <a:buSzPts val="1200"/>
               <a:buFont typeface="Calibri"/>
               <a:buNone/>
+              <a:defRPr b="0" i="0" sz="1200" u="none" cap="none" strike="noStrike">
+                <a:solidFill>
+                  <a:srgbClr val="898989"/>
+                </a:solidFill>
+                <a:latin typeface="Calibri"/>
+                <a:ea typeface="Calibri"/>
+                <a:cs typeface="Calibri"/>
+                <a:sym typeface="Calibri"/>
+              </a:defRPr>
+            </a:lvl1pPr>
+            <a:lvl2pPr indent="0" lvl="1" marL="0" marR="0" rtl="0" algn="r">
+              <a:lnSpc>
+                <a:spcPct val="100000"/>
+              </a:lnSpc>
+              <a:spcBef>
+                <a:spcPts val="0"/>
+              </a:spcBef>
+              <a:spcAft>
+                <a:spcPts val="0"/>
+              </a:spcAft>
+              <a:buClr>
+                <a:srgbClr val="898989"/>
+              </a:buClr>
+              <a:buSzPts val="1200"/>
+              <a:buFont typeface="Calibri"/>
+              <a:buNone/>
+              <a:defRPr b="0" i="0" sz="1200" u="none" cap="none" strike="noStrike">
+                <a:solidFill>
+                  <a:srgbClr val="898989"/>
+                </a:solidFill>
+                <a:latin typeface="Calibri"/>
+                <a:ea typeface="Calibri"/>
+                <a:cs typeface="Calibri"/>
+                <a:sym typeface="Calibri"/>
+              </a:defRPr>
+            </a:lvl2pPr>
+            <a:lvl3pPr indent="0" lvl="2" marL="0" marR="0" rtl="0" algn="r">
+              <a:lnSpc>
+                <a:spcPct val="100000"/>
+              </a:lnSpc>
+              <a:spcBef>
+                <a:spcPts val="0"/>
+              </a:spcBef>
+              <a:spcAft>
+                <a:spcPts val="0"/>
+              </a:spcAft>
+              <a:buClr>
+                <a:srgbClr val="898989"/>
+              </a:buClr>
+              <a:buSzPts val="1200"/>
+              <a:buFont typeface="Calibri"/>
+              <a:buNone/>
+              <a:defRPr b="0" i="0" sz="1200" u="none" cap="none" strike="noStrike">
+                <a:solidFill>
+                  <a:srgbClr val="898989"/>
+                </a:solidFill>
+                <a:latin typeface="Calibri"/>
+                <a:ea typeface="Calibri"/>
+                <a:cs typeface="Calibri"/>
+                <a:sym typeface="Calibri"/>
+              </a:defRPr>
+            </a:lvl3pPr>
+            <a:lvl4pPr indent="0" lvl="3" marL="0" marR="0" rtl="0" algn="r">
+              <a:lnSpc>
+                <a:spcPct val="100000"/>
+              </a:lnSpc>
+              <a:spcBef>
+                <a:spcPts val="0"/>
+              </a:spcBef>
+              <a:spcAft>
+                <a:spcPts val="0"/>
+              </a:spcAft>
+              <a:buClr>
+                <a:srgbClr val="898989"/>
+              </a:buClr>
+              <a:buSzPts val="1200"/>
+              <a:buFont typeface="Calibri"/>
+              <a:buNone/>
+              <a:defRPr b="0" i="0" sz="1200" u="none" cap="none" strike="noStrike">
+                <a:solidFill>
+                  <a:srgbClr val="898989"/>
+                </a:solidFill>
+                <a:latin typeface="Calibri"/>
+                <a:ea typeface="Calibri"/>
+                <a:cs typeface="Calibri"/>
+                <a:sym typeface="Calibri"/>
+              </a:defRPr>
+            </a:lvl4pPr>
+            <a:lvl5pPr indent="0" lvl="4" marL="0" marR="0" rtl="0" algn="r">
+              <a:lnSpc>
+                <a:spcPct val="100000"/>
+              </a:lnSpc>
+              <a:spcBef>
+                <a:spcPts val="0"/>
+              </a:spcBef>
+              <a:spcAft>
+                <a:spcPts val="0"/>
+              </a:spcAft>
+              <a:buClr>
+                <a:srgbClr val="898989"/>
+              </a:buClr>
+              <a:buSzPts val="1200"/>
+              <a:buFont typeface="Calibri"/>
+              <a:buNone/>
+              <a:defRPr b="0" i="0" sz="1200" u="none" cap="none" strike="noStrike">
+                <a:solidFill>
+                  <a:srgbClr val="898989"/>
+                </a:solidFill>
+                <a:latin typeface="Calibri"/>
+                <a:ea typeface="Calibri"/>
+                <a:cs typeface="Calibri"/>
+                <a:sym typeface="Calibri"/>
+              </a:defRPr>
+            </a:lvl5pPr>
+            <a:lvl6pPr indent="0" lvl="5" marL="0" marR="0" rtl="0" algn="r">
+              <a:lnSpc>
+                <a:spcPct val="100000"/>
+              </a:lnSpc>
+              <a:spcBef>
+                <a:spcPts val="0"/>
+              </a:spcBef>
+              <a:spcAft>
+                <a:spcPts val="0"/>
+              </a:spcAft>
+              <a:buClr>
+                <a:srgbClr val="898989"/>
+              </a:buClr>
+              <a:buSzPts val="1200"/>
+              <a:buFont typeface="Calibri"/>
+              <a:buNone/>
+              <a:defRPr b="0" i="0" sz="1200" u="none" cap="none" strike="noStrike">
+                <a:solidFill>
+                  <a:srgbClr val="898989"/>
+                </a:solidFill>
+                <a:latin typeface="Calibri"/>
+                <a:ea typeface="Calibri"/>
+                <a:cs typeface="Calibri"/>
+                <a:sym typeface="Calibri"/>
+              </a:defRPr>
+            </a:lvl6pPr>
+            <a:lvl7pPr indent="0" lvl="6" marL="0" marR="0" rtl="0" algn="r">
+              <a:lnSpc>
+                <a:spcPct val="100000"/>
+              </a:lnSpc>
+              <a:spcBef>
+                <a:spcPts val="0"/>
+              </a:spcBef>
+              <a:spcAft>
+                <a:spcPts val="0"/>
+              </a:spcAft>
+              <a:buClr>
+                <a:srgbClr val="898989"/>
+              </a:buClr>
+              <a:buSzPts val="1200"/>
+              <a:buFont typeface="Calibri"/>
+              <a:buNone/>
+              <a:defRPr b="0" i="0" sz="1200" u="none" cap="none" strike="noStrike">
+                <a:solidFill>
+                  <a:srgbClr val="898989"/>
+                </a:solidFill>
+                <a:latin typeface="Calibri"/>
+                <a:ea typeface="Calibri"/>
+                <a:cs typeface="Calibri"/>
+                <a:sym typeface="Calibri"/>
+              </a:defRPr>
+            </a:lvl7pPr>
+            <a:lvl8pPr indent="0" lvl="7" marL="0" marR="0" rtl="0" algn="r">
+              <a:lnSpc>
+                <a:spcPct val="100000"/>
+              </a:lnSpc>
+              <a:spcBef>
+                <a:spcPts val="0"/>
+              </a:spcBef>
+              <a:spcAft>
+                <a:spcPts val="0"/>
+              </a:spcAft>
+              <a:buClr>
+                <a:srgbClr val="898989"/>
+              </a:buClr>
+              <a:buSzPts val="1200"/>
+              <a:buFont typeface="Calibri"/>
+              <a:buNone/>
+              <a:defRPr b="0" i="0" sz="1200" u="none" cap="none" strike="noStrike">
+                <a:solidFill>
+                  <a:srgbClr val="898989"/>
+                </a:solidFill>
+                <a:latin typeface="Calibri"/>
+                <a:ea typeface="Calibri"/>
+                <a:cs typeface="Calibri"/>
+                <a:sym typeface="Calibri"/>
+              </a:defRPr>
+            </a:lvl8pPr>
+            <a:lvl9pPr indent="0" lvl="8" marL="0" marR="0" rtl="0" algn="r">
+              <a:lnSpc>
+                <a:spcPct val="100000"/>
+              </a:lnSpc>
+              <a:spcBef>
+                <a:spcPts val="0"/>
+              </a:spcBef>
+              <a:spcAft>
+                <a:spcPts val="0"/>
+              </a:spcAft>
+              <a:buClr>
+                <a:srgbClr val="898989"/>
+              </a:buClr>
+              <a:buSzPts val="1200"/>
+              <a:buFont typeface="Calibri"/>
+              <a:buNone/>
+              <a:defRPr b="0" i="0" sz="1200" u="none" cap="none" strike="noStrike">
+                <a:solidFill>
+                  <a:srgbClr val="898989"/>
+                </a:solidFill>
+                <a:latin typeface="Calibri"/>
+                <a:ea typeface="Calibri"/>
+                <a:cs typeface="Calibri"/>
+                <a:sym typeface="Calibri"/>
+              </a:defRPr>
+            </a:lvl9pPr>
+          </a:lstStyle>
+          <a:p>
+            <a:pPr indent="0" lvl="0" marL="0">
+              <a:spcBef>
+                <a:spcPts val="0"/>
+              </a:spcBef>
+              <a:spcAft>
+                <a:spcPts val="0"/>
+              </a:spcAft>
+              <a:buNone/>
             </a:pPr>
             <a:fld id="{00000000-1234-1234-1234-123412341234}" type="slidenum">
-              <a:rPr b="0" i="0" lang="en-US" sz="1200" u="none" cap="none" strike="noStrike">
-                <a:solidFill>
-                  <a:srgbClr val="898989"/>
-                </a:solidFill>
-                <a:latin typeface="Calibri"/>
-                <a:ea typeface="Calibri"/>
-                <a:cs typeface="Calibri"/>
-                <a:sym typeface="Calibri"/>
-              </a:rPr>
+              <a:rPr lang="en-US"/>
               <a:t>‹#›</a:t>
             </a:fld>
-            <a:endParaRPr b="0" i="0" sz="1400" u="none" cap="none" strike="noStrike">
+            <a:endParaRPr sz="1400">
               <a:solidFill>
                 <a:srgbClr val="000000"/>
               </a:solidFill>
@@ -7385,8 +8736,8 @@
 </file>
 
 <file path=ppt/slideLayouts/slideLayout4.xml><?xml version="1.0" encoding="utf-8"?>
-<p:sldLayout xmlns:a="http://schemas.openxmlformats.org/drawingml/2006/main" xmlns:r="http://schemas.openxmlformats.org/officeDocument/2006/relationships" xmlns:mc="http://schemas.openxmlformats.org/markup-compatibility/2006" xmlns:mv="urn:schemas-microsoft-com:mac:vml" xmlns:p="http://schemas.openxmlformats.org/presentationml/2006/main" xmlns:c="http://schemas.openxmlformats.org/drawingml/2006/chart" xmlns:dgm="http://schemas.openxmlformats.org/drawingml/2006/diagram" xmlns:o="urn:schemas-microsoft-com:office:office" xmlns:v="urn:schemas-microsoft-com:vml" xmlns:pvml="urn:schemas-microsoft-com:office:powerpoint" xmlns:com="http://schemas.openxmlformats.org/drawingml/2006/compatibility" xmlns:p14="http://schemas.microsoft.com/office/powerpoint/2010/main" xmlns:p15="http://schemas.microsoft.com/office/powerpoint/2012/main" type="picTx">
-  <p:cSld name="Picture with Caption">
+<p:sldLayout xmlns:a="http://schemas.openxmlformats.org/drawingml/2006/main" xmlns:r="http://schemas.openxmlformats.org/officeDocument/2006/relationships" xmlns:mc="http://schemas.openxmlformats.org/markup-compatibility/2006" xmlns:mv="urn:schemas-microsoft-com:mac:vml" xmlns:p="http://schemas.openxmlformats.org/presentationml/2006/main" xmlns:c="http://schemas.openxmlformats.org/drawingml/2006/chart" xmlns:dgm="http://schemas.openxmlformats.org/drawingml/2006/diagram" xmlns:o="urn:schemas-microsoft-com:office:office" xmlns:v="urn:schemas-microsoft-com:vml" xmlns:pvml="urn:schemas-microsoft-com:office:powerpoint" xmlns:com="http://schemas.openxmlformats.org/drawingml/2006/compatibility" xmlns:p14="http://schemas.microsoft.com/office/powerpoint/2010/main" xmlns:p15="http://schemas.microsoft.com/office/powerpoint/2012/main" matchingName="Picture with Caption" type="picTx">
+  <p:cSld name="PICTURE_WITH_CAPTION_TEXT">
     <p:spTree>
       <p:nvGrpSpPr>
         <p:cNvPr id="29" name="Shape 29"/>
@@ -8712,9 +10063,8 @@
           <a:bodyPr anchorCtr="0" anchor="ctr" bIns="45675" lIns="91375" spcFirstLastPara="1" rIns="91375" wrap="square" tIns="45675">
             <a:noAutofit/>
           </a:bodyPr>
-          <a:lstStyle/>
-          <a:p>
-            <a:pPr indent="0" lvl="0" marL="0" marR="0" rtl="0" algn="r">
+          <a:lstStyle>
+            <a:lvl1pPr indent="0" lvl="0" marL="0" marR="0" rtl="0" algn="r">
               <a:lnSpc>
                 <a:spcPct val="100000"/>
               </a:lnSpc>
@@ -8730,20 +10080,240 @@
               <a:buSzPts val="1200"/>
               <a:buFont typeface="Calibri"/>
               <a:buNone/>
+              <a:defRPr b="0" i="0" sz="1200" u="none" cap="none" strike="noStrike">
+                <a:solidFill>
+                  <a:srgbClr val="898989"/>
+                </a:solidFill>
+                <a:latin typeface="Calibri"/>
+                <a:ea typeface="Calibri"/>
+                <a:cs typeface="Calibri"/>
+                <a:sym typeface="Calibri"/>
+              </a:defRPr>
+            </a:lvl1pPr>
+            <a:lvl2pPr indent="0" lvl="1" marL="0" marR="0" rtl="0" algn="r">
+              <a:lnSpc>
+                <a:spcPct val="100000"/>
+              </a:lnSpc>
+              <a:spcBef>
+                <a:spcPts val="0"/>
+              </a:spcBef>
+              <a:spcAft>
+                <a:spcPts val="0"/>
+              </a:spcAft>
+              <a:buClr>
+                <a:srgbClr val="898989"/>
+              </a:buClr>
+              <a:buSzPts val="1200"/>
+              <a:buFont typeface="Calibri"/>
+              <a:buNone/>
+              <a:defRPr b="0" i="0" sz="1200" u="none" cap="none" strike="noStrike">
+                <a:solidFill>
+                  <a:srgbClr val="898989"/>
+                </a:solidFill>
+                <a:latin typeface="Calibri"/>
+                <a:ea typeface="Calibri"/>
+                <a:cs typeface="Calibri"/>
+                <a:sym typeface="Calibri"/>
+              </a:defRPr>
+            </a:lvl2pPr>
+            <a:lvl3pPr indent="0" lvl="2" marL="0" marR="0" rtl="0" algn="r">
+              <a:lnSpc>
+                <a:spcPct val="100000"/>
+              </a:lnSpc>
+              <a:spcBef>
+                <a:spcPts val="0"/>
+              </a:spcBef>
+              <a:spcAft>
+                <a:spcPts val="0"/>
+              </a:spcAft>
+              <a:buClr>
+                <a:srgbClr val="898989"/>
+              </a:buClr>
+              <a:buSzPts val="1200"/>
+              <a:buFont typeface="Calibri"/>
+              <a:buNone/>
+              <a:defRPr b="0" i="0" sz="1200" u="none" cap="none" strike="noStrike">
+                <a:solidFill>
+                  <a:srgbClr val="898989"/>
+                </a:solidFill>
+                <a:latin typeface="Calibri"/>
+                <a:ea typeface="Calibri"/>
+                <a:cs typeface="Calibri"/>
+                <a:sym typeface="Calibri"/>
+              </a:defRPr>
+            </a:lvl3pPr>
+            <a:lvl4pPr indent="0" lvl="3" marL="0" marR="0" rtl="0" algn="r">
+              <a:lnSpc>
+                <a:spcPct val="100000"/>
+              </a:lnSpc>
+              <a:spcBef>
+                <a:spcPts val="0"/>
+              </a:spcBef>
+              <a:spcAft>
+                <a:spcPts val="0"/>
+              </a:spcAft>
+              <a:buClr>
+                <a:srgbClr val="898989"/>
+              </a:buClr>
+              <a:buSzPts val="1200"/>
+              <a:buFont typeface="Calibri"/>
+              <a:buNone/>
+              <a:defRPr b="0" i="0" sz="1200" u="none" cap="none" strike="noStrike">
+                <a:solidFill>
+                  <a:srgbClr val="898989"/>
+                </a:solidFill>
+                <a:latin typeface="Calibri"/>
+                <a:ea typeface="Calibri"/>
+                <a:cs typeface="Calibri"/>
+                <a:sym typeface="Calibri"/>
+              </a:defRPr>
+            </a:lvl4pPr>
+            <a:lvl5pPr indent="0" lvl="4" marL="0" marR="0" rtl="0" algn="r">
+              <a:lnSpc>
+                <a:spcPct val="100000"/>
+              </a:lnSpc>
+              <a:spcBef>
+                <a:spcPts val="0"/>
+              </a:spcBef>
+              <a:spcAft>
+                <a:spcPts val="0"/>
+              </a:spcAft>
+              <a:buClr>
+                <a:srgbClr val="898989"/>
+              </a:buClr>
+              <a:buSzPts val="1200"/>
+              <a:buFont typeface="Calibri"/>
+              <a:buNone/>
+              <a:defRPr b="0" i="0" sz="1200" u="none" cap="none" strike="noStrike">
+                <a:solidFill>
+                  <a:srgbClr val="898989"/>
+                </a:solidFill>
+                <a:latin typeface="Calibri"/>
+                <a:ea typeface="Calibri"/>
+                <a:cs typeface="Calibri"/>
+                <a:sym typeface="Calibri"/>
+              </a:defRPr>
+            </a:lvl5pPr>
+            <a:lvl6pPr indent="0" lvl="5" marL="0" marR="0" rtl="0" algn="r">
+              <a:lnSpc>
+                <a:spcPct val="100000"/>
+              </a:lnSpc>
+              <a:spcBef>
+                <a:spcPts val="0"/>
+              </a:spcBef>
+              <a:spcAft>
+                <a:spcPts val="0"/>
+              </a:spcAft>
+              <a:buClr>
+                <a:srgbClr val="898989"/>
+              </a:buClr>
+              <a:buSzPts val="1200"/>
+              <a:buFont typeface="Calibri"/>
+              <a:buNone/>
+              <a:defRPr b="0" i="0" sz="1200" u="none" cap="none" strike="noStrike">
+                <a:solidFill>
+                  <a:srgbClr val="898989"/>
+                </a:solidFill>
+                <a:latin typeface="Calibri"/>
+                <a:ea typeface="Calibri"/>
+                <a:cs typeface="Calibri"/>
+                <a:sym typeface="Calibri"/>
+              </a:defRPr>
+            </a:lvl6pPr>
+            <a:lvl7pPr indent="0" lvl="6" marL="0" marR="0" rtl="0" algn="r">
+              <a:lnSpc>
+                <a:spcPct val="100000"/>
+              </a:lnSpc>
+              <a:spcBef>
+                <a:spcPts val="0"/>
+              </a:spcBef>
+              <a:spcAft>
+                <a:spcPts val="0"/>
+              </a:spcAft>
+              <a:buClr>
+                <a:srgbClr val="898989"/>
+              </a:buClr>
+              <a:buSzPts val="1200"/>
+              <a:buFont typeface="Calibri"/>
+              <a:buNone/>
+              <a:defRPr b="0" i="0" sz="1200" u="none" cap="none" strike="noStrike">
+                <a:solidFill>
+                  <a:srgbClr val="898989"/>
+                </a:solidFill>
+                <a:latin typeface="Calibri"/>
+                <a:ea typeface="Calibri"/>
+                <a:cs typeface="Calibri"/>
+                <a:sym typeface="Calibri"/>
+              </a:defRPr>
+            </a:lvl7pPr>
+            <a:lvl8pPr indent="0" lvl="7" marL="0" marR="0" rtl="0" algn="r">
+              <a:lnSpc>
+                <a:spcPct val="100000"/>
+              </a:lnSpc>
+              <a:spcBef>
+                <a:spcPts val="0"/>
+              </a:spcBef>
+              <a:spcAft>
+                <a:spcPts val="0"/>
+              </a:spcAft>
+              <a:buClr>
+                <a:srgbClr val="898989"/>
+              </a:buClr>
+              <a:buSzPts val="1200"/>
+              <a:buFont typeface="Calibri"/>
+              <a:buNone/>
+              <a:defRPr b="0" i="0" sz="1200" u="none" cap="none" strike="noStrike">
+                <a:solidFill>
+                  <a:srgbClr val="898989"/>
+                </a:solidFill>
+                <a:latin typeface="Calibri"/>
+                <a:ea typeface="Calibri"/>
+                <a:cs typeface="Calibri"/>
+                <a:sym typeface="Calibri"/>
+              </a:defRPr>
+            </a:lvl8pPr>
+            <a:lvl9pPr indent="0" lvl="8" marL="0" marR="0" rtl="0" algn="r">
+              <a:lnSpc>
+                <a:spcPct val="100000"/>
+              </a:lnSpc>
+              <a:spcBef>
+                <a:spcPts val="0"/>
+              </a:spcBef>
+              <a:spcAft>
+                <a:spcPts val="0"/>
+              </a:spcAft>
+              <a:buClr>
+                <a:srgbClr val="898989"/>
+              </a:buClr>
+              <a:buSzPts val="1200"/>
+              <a:buFont typeface="Calibri"/>
+              <a:buNone/>
+              <a:defRPr b="0" i="0" sz="1200" u="none" cap="none" strike="noStrike">
+                <a:solidFill>
+                  <a:srgbClr val="898989"/>
+                </a:solidFill>
+                <a:latin typeface="Calibri"/>
+                <a:ea typeface="Calibri"/>
+                <a:cs typeface="Calibri"/>
+                <a:sym typeface="Calibri"/>
+              </a:defRPr>
+            </a:lvl9pPr>
+          </a:lstStyle>
+          <a:p>
+            <a:pPr indent="0" lvl="0" marL="0">
+              <a:spcBef>
+                <a:spcPts val="0"/>
+              </a:spcBef>
+              <a:spcAft>
+                <a:spcPts val="0"/>
+              </a:spcAft>
+              <a:buNone/>
             </a:pPr>
             <a:fld id="{00000000-1234-1234-1234-123412341234}" type="slidenum">
-              <a:rPr b="0" i="0" lang="en-US" sz="1200" u="none" cap="none" strike="noStrike">
-                <a:solidFill>
-                  <a:srgbClr val="898989"/>
-                </a:solidFill>
-                <a:latin typeface="Calibri"/>
-                <a:ea typeface="Calibri"/>
-                <a:cs typeface="Calibri"/>
-                <a:sym typeface="Calibri"/>
-              </a:rPr>
+              <a:rPr lang="en-US"/>
               <a:t>‹#›</a:t>
             </a:fld>
-            <a:endParaRPr b="0" i="0" sz="1400" u="none" cap="none" strike="noStrike">
+            <a:endParaRPr sz="1400">
               <a:solidFill>
                 <a:srgbClr val="000000"/>
               </a:solidFill>
@@ -8764,8 +10334,8 @@
 </file>
 
 <file path=ppt/slideLayouts/slideLayout5.xml><?xml version="1.0" encoding="utf-8"?>
-<p:sldLayout xmlns:a="http://schemas.openxmlformats.org/drawingml/2006/main" xmlns:r="http://schemas.openxmlformats.org/officeDocument/2006/relationships" xmlns:mc="http://schemas.openxmlformats.org/markup-compatibility/2006" xmlns:mv="urn:schemas-microsoft-com:mac:vml" xmlns:p="http://schemas.openxmlformats.org/presentationml/2006/main" xmlns:c="http://schemas.openxmlformats.org/drawingml/2006/chart" xmlns:dgm="http://schemas.openxmlformats.org/drawingml/2006/diagram" xmlns:o="urn:schemas-microsoft-com:office:office" xmlns:v="urn:schemas-microsoft-com:vml" xmlns:pvml="urn:schemas-microsoft-com:office:powerpoint" xmlns:com="http://schemas.openxmlformats.org/drawingml/2006/compatibility" xmlns:p14="http://schemas.microsoft.com/office/powerpoint/2010/main" xmlns:p15="http://schemas.microsoft.com/office/powerpoint/2012/main" type="objTx">
-  <p:cSld name="Content with Caption">
+<p:sldLayout xmlns:a="http://schemas.openxmlformats.org/drawingml/2006/main" xmlns:r="http://schemas.openxmlformats.org/officeDocument/2006/relationships" xmlns:mc="http://schemas.openxmlformats.org/markup-compatibility/2006" xmlns:mv="urn:schemas-microsoft-com:mac:vml" xmlns:p="http://schemas.openxmlformats.org/presentationml/2006/main" xmlns:c="http://schemas.openxmlformats.org/drawingml/2006/chart" xmlns:dgm="http://schemas.openxmlformats.org/drawingml/2006/diagram" xmlns:o="urn:schemas-microsoft-com:office:office" xmlns:v="urn:schemas-microsoft-com:vml" xmlns:pvml="urn:schemas-microsoft-com:office:powerpoint" xmlns:com="http://schemas.openxmlformats.org/drawingml/2006/compatibility" xmlns:p14="http://schemas.microsoft.com/office/powerpoint/2010/main" xmlns:p15="http://schemas.microsoft.com/office/powerpoint/2012/main" matchingName="Content with Caption" type="objTx">
+  <p:cSld name="OBJECT_WITH_CAPTION_TEXT">
     <p:spTree>
       <p:nvGrpSpPr>
         <p:cNvPr id="36" name="Shape 36"/>
@@ -10091,9 +11661,8 @@
           <a:bodyPr anchorCtr="0" anchor="ctr" bIns="45675" lIns="91375" spcFirstLastPara="1" rIns="91375" wrap="square" tIns="45675">
             <a:noAutofit/>
           </a:bodyPr>
-          <a:lstStyle/>
-          <a:p>
-            <a:pPr indent="0" lvl="0" marL="0" marR="0" rtl="0" algn="r">
+          <a:lstStyle>
+            <a:lvl1pPr indent="0" lvl="0" marL="0" marR="0" rtl="0" algn="r">
               <a:lnSpc>
                 <a:spcPct val="100000"/>
               </a:lnSpc>
@@ -10109,20 +11678,240 @@
               <a:buSzPts val="1200"/>
               <a:buFont typeface="Calibri"/>
               <a:buNone/>
+              <a:defRPr b="0" i="0" sz="1200" u="none" cap="none" strike="noStrike">
+                <a:solidFill>
+                  <a:srgbClr val="898989"/>
+                </a:solidFill>
+                <a:latin typeface="Calibri"/>
+                <a:ea typeface="Calibri"/>
+                <a:cs typeface="Calibri"/>
+                <a:sym typeface="Calibri"/>
+              </a:defRPr>
+            </a:lvl1pPr>
+            <a:lvl2pPr indent="0" lvl="1" marL="0" marR="0" rtl="0" algn="r">
+              <a:lnSpc>
+                <a:spcPct val="100000"/>
+              </a:lnSpc>
+              <a:spcBef>
+                <a:spcPts val="0"/>
+              </a:spcBef>
+              <a:spcAft>
+                <a:spcPts val="0"/>
+              </a:spcAft>
+              <a:buClr>
+                <a:srgbClr val="898989"/>
+              </a:buClr>
+              <a:buSzPts val="1200"/>
+              <a:buFont typeface="Calibri"/>
+              <a:buNone/>
+              <a:defRPr b="0" i="0" sz="1200" u="none" cap="none" strike="noStrike">
+                <a:solidFill>
+                  <a:srgbClr val="898989"/>
+                </a:solidFill>
+                <a:latin typeface="Calibri"/>
+                <a:ea typeface="Calibri"/>
+                <a:cs typeface="Calibri"/>
+                <a:sym typeface="Calibri"/>
+              </a:defRPr>
+            </a:lvl2pPr>
+            <a:lvl3pPr indent="0" lvl="2" marL="0" marR="0" rtl="0" algn="r">
+              <a:lnSpc>
+                <a:spcPct val="100000"/>
+              </a:lnSpc>
+              <a:spcBef>
+                <a:spcPts val="0"/>
+              </a:spcBef>
+              <a:spcAft>
+                <a:spcPts val="0"/>
+              </a:spcAft>
+              <a:buClr>
+                <a:srgbClr val="898989"/>
+              </a:buClr>
+              <a:buSzPts val="1200"/>
+              <a:buFont typeface="Calibri"/>
+              <a:buNone/>
+              <a:defRPr b="0" i="0" sz="1200" u="none" cap="none" strike="noStrike">
+                <a:solidFill>
+                  <a:srgbClr val="898989"/>
+                </a:solidFill>
+                <a:latin typeface="Calibri"/>
+                <a:ea typeface="Calibri"/>
+                <a:cs typeface="Calibri"/>
+                <a:sym typeface="Calibri"/>
+              </a:defRPr>
+            </a:lvl3pPr>
+            <a:lvl4pPr indent="0" lvl="3" marL="0" marR="0" rtl="0" algn="r">
+              <a:lnSpc>
+                <a:spcPct val="100000"/>
+              </a:lnSpc>
+              <a:spcBef>
+                <a:spcPts val="0"/>
+              </a:spcBef>
+              <a:spcAft>
+                <a:spcPts val="0"/>
+              </a:spcAft>
+              <a:buClr>
+                <a:srgbClr val="898989"/>
+              </a:buClr>
+              <a:buSzPts val="1200"/>
+              <a:buFont typeface="Calibri"/>
+              <a:buNone/>
+              <a:defRPr b="0" i="0" sz="1200" u="none" cap="none" strike="noStrike">
+                <a:solidFill>
+                  <a:srgbClr val="898989"/>
+                </a:solidFill>
+                <a:latin typeface="Calibri"/>
+                <a:ea typeface="Calibri"/>
+                <a:cs typeface="Calibri"/>
+                <a:sym typeface="Calibri"/>
+              </a:defRPr>
+            </a:lvl4pPr>
+            <a:lvl5pPr indent="0" lvl="4" marL="0" marR="0" rtl="0" algn="r">
+              <a:lnSpc>
+                <a:spcPct val="100000"/>
+              </a:lnSpc>
+              <a:spcBef>
+                <a:spcPts val="0"/>
+              </a:spcBef>
+              <a:spcAft>
+                <a:spcPts val="0"/>
+              </a:spcAft>
+              <a:buClr>
+                <a:srgbClr val="898989"/>
+              </a:buClr>
+              <a:buSzPts val="1200"/>
+              <a:buFont typeface="Calibri"/>
+              <a:buNone/>
+              <a:defRPr b="0" i="0" sz="1200" u="none" cap="none" strike="noStrike">
+                <a:solidFill>
+                  <a:srgbClr val="898989"/>
+                </a:solidFill>
+                <a:latin typeface="Calibri"/>
+                <a:ea typeface="Calibri"/>
+                <a:cs typeface="Calibri"/>
+                <a:sym typeface="Calibri"/>
+              </a:defRPr>
+            </a:lvl5pPr>
+            <a:lvl6pPr indent="0" lvl="5" marL="0" marR="0" rtl="0" algn="r">
+              <a:lnSpc>
+                <a:spcPct val="100000"/>
+              </a:lnSpc>
+              <a:spcBef>
+                <a:spcPts val="0"/>
+              </a:spcBef>
+              <a:spcAft>
+                <a:spcPts val="0"/>
+              </a:spcAft>
+              <a:buClr>
+                <a:srgbClr val="898989"/>
+              </a:buClr>
+              <a:buSzPts val="1200"/>
+              <a:buFont typeface="Calibri"/>
+              <a:buNone/>
+              <a:defRPr b="0" i="0" sz="1200" u="none" cap="none" strike="noStrike">
+                <a:solidFill>
+                  <a:srgbClr val="898989"/>
+                </a:solidFill>
+                <a:latin typeface="Calibri"/>
+                <a:ea typeface="Calibri"/>
+                <a:cs typeface="Calibri"/>
+                <a:sym typeface="Calibri"/>
+              </a:defRPr>
+            </a:lvl6pPr>
+            <a:lvl7pPr indent="0" lvl="6" marL="0" marR="0" rtl="0" algn="r">
+              <a:lnSpc>
+                <a:spcPct val="100000"/>
+              </a:lnSpc>
+              <a:spcBef>
+                <a:spcPts val="0"/>
+              </a:spcBef>
+              <a:spcAft>
+                <a:spcPts val="0"/>
+              </a:spcAft>
+              <a:buClr>
+                <a:srgbClr val="898989"/>
+              </a:buClr>
+              <a:buSzPts val="1200"/>
+              <a:buFont typeface="Calibri"/>
+              <a:buNone/>
+              <a:defRPr b="0" i="0" sz="1200" u="none" cap="none" strike="noStrike">
+                <a:solidFill>
+                  <a:srgbClr val="898989"/>
+                </a:solidFill>
+                <a:latin typeface="Calibri"/>
+                <a:ea typeface="Calibri"/>
+                <a:cs typeface="Calibri"/>
+                <a:sym typeface="Calibri"/>
+              </a:defRPr>
+            </a:lvl7pPr>
+            <a:lvl8pPr indent="0" lvl="7" marL="0" marR="0" rtl="0" algn="r">
+              <a:lnSpc>
+                <a:spcPct val="100000"/>
+              </a:lnSpc>
+              <a:spcBef>
+                <a:spcPts val="0"/>
+              </a:spcBef>
+              <a:spcAft>
+                <a:spcPts val="0"/>
+              </a:spcAft>
+              <a:buClr>
+                <a:srgbClr val="898989"/>
+              </a:buClr>
+              <a:buSzPts val="1200"/>
+              <a:buFont typeface="Calibri"/>
+              <a:buNone/>
+              <a:defRPr b="0" i="0" sz="1200" u="none" cap="none" strike="noStrike">
+                <a:solidFill>
+                  <a:srgbClr val="898989"/>
+                </a:solidFill>
+                <a:latin typeface="Calibri"/>
+                <a:ea typeface="Calibri"/>
+                <a:cs typeface="Calibri"/>
+                <a:sym typeface="Calibri"/>
+              </a:defRPr>
+            </a:lvl8pPr>
+            <a:lvl9pPr indent="0" lvl="8" marL="0" marR="0" rtl="0" algn="r">
+              <a:lnSpc>
+                <a:spcPct val="100000"/>
+              </a:lnSpc>
+              <a:spcBef>
+                <a:spcPts val="0"/>
+              </a:spcBef>
+              <a:spcAft>
+                <a:spcPts val="0"/>
+              </a:spcAft>
+              <a:buClr>
+                <a:srgbClr val="898989"/>
+              </a:buClr>
+              <a:buSzPts val="1200"/>
+              <a:buFont typeface="Calibri"/>
+              <a:buNone/>
+              <a:defRPr b="0" i="0" sz="1200" u="none" cap="none" strike="noStrike">
+                <a:solidFill>
+                  <a:srgbClr val="898989"/>
+                </a:solidFill>
+                <a:latin typeface="Calibri"/>
+                <a:ea typeface="Calibri"/>
+                <a:cs typeface="Calibri"/>
+                <a:sym typeface="Calibri"/>
+              </a:defRPr>
+            </a:lvl9pPr>
+          </a:lstStyle>
+          <a:p>
+            <a:pPr indent="0" lvl="0" marL="0">
+              <a:spcBef>
+                <a:spcPts val="0"/>
+              </a:spcBef>
+              <a:spcAft>
+                <a:spcPts val="0"/>
+              </a:spcAft>
+              <a:buNone/>
             </a:pPr>
             <a:fld id="{00000000-1234-1234-1234-123412341234}" type="slidenum">
-              <a:rPr b="0" i="0" lang="en-US" sz="1200" u="none" cap="none" strike="noStrike">
-                <a:solidFill>
-                  <a:srgbClr val="898989"/>
-                </a:solidFill>
-                <a:latin typeface="Calibri"/>
-                <a:ea typeface="Calibri"/>
-                <a:cs typeface="Calibri"/>
-                <a:sym typeface="Calibri"/>
-              </a:rPr>
+              <a:rPr lang="en-US"/>
               <a:t>‹#›</a:t>
             </a:fld>
-            <a:endParaRPr b="0" i="0" sz="1400" u="none" cap="none" strike="noStrike">
+            <a:endParaRPr sz="1400">
               <a:solidFill>
                 <a:srgbClr val="000000"/>
               </a:solidFill>
@@ -10143,8 +11932,8 @@
 </file>
 
 <file path=ppt/slideLayouts/slideLayout6.xml><?xml version="1.0" encoding="utf-8"?>
-<p:sldLayout xmlns:a="http://schemas.openxmlformats.org/drawingml/2006/main" xmlns:r="http://schemas.openxmlformats.org/officeDocument/2006/relationships" xmlns:mc="http://schemas.openxmlformats.org/markup-compatibility/2006" xmlns:mv="urn:schemas-microsoft-com:mac:vml" xmlns:p="http://schemas.openxmlformats.org/presentationml/2006/main" xmlns:c="http://schemas.openxmlformats.org/drawingml/2006/chart" xmlns:dgm="http://schemas.openxmlformats.org/drawingml/2006/diagram" xmlns:o="urn:schemas-microsoft-com:office:office" xmlns:v="urn:schemas-microsoft-com:vml" xmlns:pvml="urn:schemas-microsoft-com:office:powerpoint" xmlns:com="http://schemas.openxmlformats.org/drawingml/2006/compatibility" xmlns:p14="http://schemas.microsoft.com/office/powerpoint/2010/main" xmlns:p15="http://schemas.microsoft.com/office/powerpoint/2012/main" type="blank">
-  <p:cSld name="Blank">
+<p:sldLayout xmlns:a="http://schemas.openxmlformats.org/drawingml/2006/main" xmlns:r="http://schemas.openxmlformats.org/officeDocument/2006/relationships" xmlns:mc="http://schemas.openxmlformats.org/markup-compatibility/2006" xmlns:mv="urn:schemas-microsoft-com:mac:vml" xmlns:p="http://schemas.openxmlformats.org/presentationml/2006/main" xmlns:c="http://schemas.openxmlformats.org/drawingml/2006/chart" xmlns:dgm="http://schemas.openxmlformats.org/drawingml/2006/diagram" xmlns:o="urn:schemas-microsoft-com:office:office" xmlns:v="urn:schemas-microsoft-com:vml" xmlns:pvml="urn:schemas-microsoft-com:office:powerpoint" xmlns:com="http://schemas.openxmlformats.org/drawingml/2006/compatibility" xmlns:p14="http://schemas.microsoft.com/office/powerpoint/2010/main" xmlns:p15="http://schemas.microsoft.com/office/powerpoint/2012/main" matchingName="Blank" type="blank">
+  <p:cSld name="BLANK">
     <p:spTree>
       <p:nvGrpSpPr>
         <p:cNvPr id="43" name="Shape 43"/>
@@ -10708,9 +12497,8 @@
           <a:bodyPr anchorCtr="0" anchor="ctr" bIns="45675" lIns="91375" spcFirstLastPara="1" rIns="91375" wrap="square" tIns="45675">
             <a:noAutofit/>
           </a:bodyPr>
-          <a:lstStyle/>
-          <a:p>
-            <a:pPr indent="0" lvl="0" marL="0" marR="0" rtl="0" algn="r">
+          <a:lstStyle>
+            <a:lvl1pPr indent="0" lvl="0" marL="0" marR="0" rtl="0" algn="r">
               <a:lnSpc>
                 <a:spcPct val="100000"/>
               </a:lnSpc>
@@ -10726,20 +12514,240 @@
               <a:buSzPts val="1200"/>
               <a:buFont typeface="Calibri"/>
               <a:buNone/>
+              <a:defRPr b="0" i="0" sz="1200" u="none" cap="none" strike="noStrike">
+                <a:solidFill>
+                  <a:srgbClr val="898989"/>
+                </a:solidFill>
+                <a:latin typeface="Calibri"/>
+                <a:ea typeface="Calibri"/>
+                <a:cs typeface="Calibri"/>
+                <a:sym typeface="Calibri"/>
+              </a:defRPr>
+            </a:lvl1pPr>
+            <a:lvl2pPr indent="0" lvl="1" marL="0" marR="0" rtl="0" algn="r">
+              <a:lnSpc>
+                <a:spcPct val="100000"/>
+              </a:lnSpc>
+              <a:spcBef>
+                <a:spcPts val="0"/>
+              </a:spcBef>
+              <a:spcAft>
+                <a:spcPts val="0"/>
+              </a:spcAft>
+              <a:buClr>
+                <a:srgbClr val="898989"/>
+              </a:buClr>
+              <a:buSzPts val="1200"/>
+              <a:buFont typeface="Calibri"/>
+              <a:buNone/>
+              <a:defRPr b="0" i="0" sz="1200" u="none" cap="none" strike="noStrike">
+                <a:solidFill>
+                  <a:srgbClr val="898989"/>
+                </a:solidFill>
+                <a:latin typeface="Calibri"/>
+                <a:ea typeface="Calibri"/>
+                <a:cs typeface="Calibri"/>
+                <a:sym typeface="Calibri"/>
+              </a:defRPr>
+            </a:lvl2pPr>
+            <a:lvl3pPr indent="0" lvl="2" marL="0" marR="0" rtl="0" algn="r">
+              <a:lnSpc>
+                <a:spcPct val="100000"/>
+              </a:lnSpc>
+              <a:spcBef>
+                <a:spcPts val="0"/>
+              </a:spcBef>
+              <a:spcAft>
+                <a:spcPts val="0"/>
+              </a:spcAft>
+              <a:buClr>
+                <a:srgbClr val="898989"/>
+              </a:buClr>
+              <a:buSzPts val="1200"/>
+              <a:buFont typeface="Calibri"/>
+              <a:buNone/>
+              <a:defRPr b="0" i="0" sz="1200" u="none" cap="none" strike="noStrike">
+                <a:solidFill>
+                  <a:srgbClr val="898989"/>
+                </a:solidFill>
+                <a:latin typeface="Calibri"/>
+                <a:ea typeface="Calibri"/>
+                <a:cs typeface="Calibri"/>
+                <a:sym typeface="Calibri"/>
+              </a:defRPr>
+            </a:lvl3pPr>
+            <a:lvl4pPr indent="0" lvl="3" marL="0" marR="0" rtl="0" algn="r">
+              <a:lnSpc>
+                <a:spcPct val="100000"/>
+              </a:lnSpc>
+              <a:spcBef>
+                <a:spcPts val="0"/>
+              </a:spcBef>
+              <a:spcAft>
+                <a:spcPts val="0"/>
+              </a:spcAft>
+              <a:buClr>
+                <a:srgbClr val="898989"/>
+              </a:buClr>
+              <a:buSzPts val="1200"/>
+              <a:buFont typeface="Calibri"/>
+              <a:buNone/>
+              <a:defRPr b="0" i="0" sz="1200" u="none" cap="none" strike="noStrike">
+                <a:solidFill>
+                  <a:srgbClr val="898989"/>
+                </a:solidFill>
+                <a:latin typeface="Calibri"/>
+                <a:ea typeface="Calibri"/>
+                <a:cs typeface="Calibri"/>
+                <a:sym typeface="Calibri"/>
+              </a:defRPr>
+            </a:lvl4pPr>
+            <a:lvl5pPr indent="0" lvl="4" marL="0" marR="0" rtl="0" algn="r">
+              <a:lnSpc>
+                <a:spcPct val="100000"/>
+              </a:lnSpc>
+              <a:spcBef>
+                <a:spcPts val="0"/>
+              </a:spcBef>
+              <a:spcAft>
+                <a:spcPts val="0"/>
+              </a:spcAft>
+              <a:buClr>
+                <a:srgbClr val="898989"/>
+              </a:buClr>
+              <a:buSzPts val="1200"/>
+              <a:buFont typeface="Calibri"/>
+              <a:buNone/>
+              <a:defRPr b="0" i="0" sz="1200" u="none" cap="none" strike="noStrike">
+                <a:solidFill>
+                  <a:srgbClr val="898989"/>
+                </a:solidFill>
+                <a:latin typeface="Calibri"/>
+                <a:ea typeface="Calibri"/>
+                <a:cs typeface="Calibri"/>
+                <a:sym typeface="Calibri"/>
+              </a:defRPr>
+            </a:lvl5pPr>
+            <a:lvl6pPr indent="0" lvl="5" marL="0" marR="0" rtl="0" algn="r">
+              <a:lnSpc>
+                <a:spcPct val="100000"/>
+              </a:lnSpc>
+              <a:spcBef>
+                <a:spcPts val="0"/>
+              </a:spcBef>
+              <a:spcAft>
+                <a:spcPts val="0"/>
+              </a:spcAft>
+              <a:buClr>
+                <a:srgbClr val="898989"/>
+              </a:buClr>
+              <a:buSzPts val="1200"/>
+              <a:buFont typeface="Calibri"/>
+              <a:buNone/>
+              <a:defRPr b="0" i="0" sz="1200" u="none" cap="none" strike="noStrike">
+                <a:solidFill>
+                  <a:srgbClr val="898989"/>
+                </a:solidFill>
+                <a:latin typeface="Calibri"/>
+                <a:ea typeface="Calibri"/>
+                <a:cs typeface="Calibri"/>
+                <a:sym typeface="Calibri"/>
+              </a:defRPr>
+            </a:lvl6pPr>
+            <a:lvl7pPr indent="0" lvl="6" marL="0" marR="0" rtl="0" algn="r">
+              <a:lnSpc>
+                <a:spcPct val="100000"/>
+              </a:lnSpc>
+              <a:spcBef>
+                <a:spcPts val="0"/>
+              </a:spcBef>
+              <a:spcAft>
+                <a:spcPts val="0"/>
+              </a:spcAft>
+              <a:buClr>
+                <a:srgbClr val="898989"/>
+              </a:buClr>
+              <a:buSzPts val="1200"/>
+              <a:buFont typeface="Calibri"/>
+              <a:buNone/>
+              <a:defRPr b="0" i="0" sz="1200" u="none" cap="none" strike="noStrike">
+                <a:solidFill>
+                  <a:srgbClr val="898989"/>
+                </a:solidFill>
+                <a:latin typeface="Calibri"/>
+                <a:ea typeface="Calibri"/>
+                <a:cs typeface="Calibri"/>
+                <a:sym typeface="Calibri"/>
+              </a:defRPr>
+            </a:lvl7pPr>
+            <a:lvl8pPr indent="0" lvl="7" marL="0" marR="0" rtl="0" algn="r">
+              <a:lnSpc>
+                <a:spcPct val="100000"/>
+              </a:lnSpc>
+              <a:spcBef>
+                <a:spcPts val="0"/>
+              </a:spcBef>
+              <a:spcAft>
+                <a:spcPts val="0"/>
+              </a:spcAft>
+              <a:buClr>
+                <a:srgbClr val="898989"/>
+              </a:buClr>
+              <a:buSzPts val="1200"/>
+              <a:buFont typeface="Calibri"/>
+              <a:buNone/>
+              <a:defRPr b="0" i="0" sz="1200" u="none" cap="none" strike="noStrike">
+                <a:solidFill>
+                  <a:srgbClr val="898989"/>
+                </a:solidFill>
+                <a:latin typeface="Calibri"/>
+                <a:ea typeface="Calibri"/>
+                <a:cs typeface="Calibri"/>
+                <a:sym typeface="Calibri"/>
+              </a:defRPr>
+            </a:lvl8pPr>
+            <a:lvl9pPr indent="0" lvl="8" marL="0" marR="0" rtl="0" algn="r">
+              <a:lnSpc>
+                <a:spcPct val="100000"/>
+              </a:lnSpc>
+              <a:spcBef>
+                <a:spcPts val="0"/>
+              </a:spcBef>
+              <a:spcAft>
+                <a:spcPts val="0"/>
+              </a:spcAft>
+              <a:buClr>
+                <a:srgbClr val="898989"/>
+              </a:buClr>
+              <a:buSzPts val="1200"/>
+              <a:buFont typeface="Calibri"/>
+              <a:buNone/>
+              <a:defRPr b="0" i="0" sz="1200" u="none" cap="none" strike="noStrike">
+                <a:solidFill>
+                  <a:srgbClr val="898989"/>
+                </a:solidFill>
+                <a:latin typeface="Calibri"/>
+                <a:ea typeface="Calibri"/>
+                <a:cs typeface="Calibri"/>
+                <a:sym typeface="Calibri"/>
+              </a:defRPr>
+            </a:lvl9pPr>
+          </a:lstStyle>
+          <a:p>
+            <a:pPr indent="0" lvl="0" marL="0">
+              <a:spcBef>
+                <a:spcPts val="0"/>
+              </a:spcBef>
+              <a:spcAft>
+                <a:spcPts val="0"/>
+              </a:spcAft>
+              <a:buNone/>
             </a:pPr>
             <a:fld id="{00000000-1234-1234-1234-123412341234}" type="slidenum">
-              <a:rPr b="0" i="0" lang="en-US" sz="1200" u="none" cap="none" strike="noStrike">
-                <a:solidFill>
-                  <a:srgbClr val="898989"/>
-                </a:solidFill>
-                <a:latin typeface="Calibri"/>
-                <a:ea typeface="Calibri"/>
-                <a:cs typeface="Calibri"/>
-                <a:sym typeface="Calibri"/>
-              </a:rPr>
+              <a:rPr lang="en-US"/>
               <a:t>‹#›</a:t>
             </a:fld>
-            <a:endParaRPr b="0" i="0" sz="1400" u="none" cap="none" strike="noStrike">
+            <a:endParaRPr sz="1400">
               <a:solidFill>
                 <a:srgbClr val="000000"/>
               </a:solidFill>
@@ -10760,8 +12768,8 @@
 </file>
 
 <file path=ppt/slideLayouts/slideLayout7.xml><?xml version="1.0" encoding="utf-8"?>
-<p:sldLayout xmlns:a="http://schemas.openxmlformats.org/drawingml/2006/main" xmlns:r="http://schemas.openxmlformats.org/officeDocument/2006/relationships" xmlns:mc="http://schemas.openxmlformats.org/markup-compatibility/2006" xmlns:mv="urn:schemas-microsoft-com:mac:vml" xmlns:p="http://schemas.openxmlformats.org/presentationml/2006/main" xmlns:c="http://schemas.openxmlformats.org/drawingml/2006/chart" xmlns:dgm="http://schemas.openxmlformats.org/drawingml/2006/diagram" xmlns:o="urn:schemas-microsoft-com:office:office" xmlns:v="urn:schemas-microsoft-com:vml" xmlns:pvml="urn:schemas-microsoft-com:office:powerpoint" xmlns:com="http://schemas.openxmlformats.org/drawingml/2006/compatibility" xmlns:p14="http://schemas.microsoft.com/office/powerpoint/2010/main" xmlns:p15="http://schemas.microsoft.com/office/powerpoint/2012/main" type="titleOnly">
-  <p:cSld name="Title Only">
+<p:sldLayout xmlns:a="http://schemas.openxmlformats.org/drawingml/2006/main" xmlns:r="http://schemas.openxmlformats.org/officeDocument/2006/relationships" xmlns:mc="http://schemas.openxmlformats.org/markup-compatibility/2006" xmlns:mv="urn:schemas-microsoft-com:mac:vml" xmlns:p="http://schemas.openxmlformats.org/presentationml/2006/main" xmlns:c="http://schemas.openxmlformats.org/drawingml/2006/chart" xmlns:dgm="http://schemas.openxmlformats.org/drawingml/2006/diagram" xmlns:o="urn:schemas-microsoft-com:office:office" xmlns:v="urn:schemas-microsoft-com:vml" xmlns:pvml="urn:schemas-microsoft-com:office:powerpoint" xmlns:com="http://schemas.openxmlformats.org/drawingml/2006/compatibility" xmlns:p14="http://schemas.microsoft.com/office/powerpoint/2010/main" xmlns:p15="http://schemas.microsoft.com/office/powerpoint/2012/main" matchingName="Title Only" type="titleOnly">
+  <p:cSld name="TITLE_ONLY">
     <p:spTree>
       <p:nvGrpSpPr>
         <p:cNvPr id="47" name="Shape 47"/>
@@ -11563,9 +13571,8 @@
           <a:bodyPr anchorCtr="0" anchor="ctr" bIns="45675" lIns="91375" spcFirstLastPara="1" rIns="91375" wrap="square" tIns="45675">
             <a:noAutofit/>
           </a:bodyPr>
-          <a:lstStyle/>
-          <a:p>
-            <a:pPr indent="0" lvl="0" marL="0" marR="0" rtl="0" algn="r">
+          <a:lstStyle>
+            <a:lvl1pPr indent="0" lvl="0" marL="0" marR="0" rtl="0" algn="r">
               <a:lnSpc>
                 <a:spcPct val="100000"/>
               </a:lnSpc>
@@ -11581,20 +13588,240 @@
               <a:buSzPts val="1200"/>
               <a:buFont typeface="Calibri"/>
               <a:buNone/>
+              <a:defRPr b="0" i="0" sz="1200" u="none" cap="none" strike="noStrike">
+                <a:solidFill>
+                  <a:srgbClr val="898989"/>
+                </a:solidFill>
+                <a:latin typeface="Calibri"/>
+                <a:ea typeface="Calibri"/>
+                <a:cs typeface="Calibri"/>
+                <a:sym typeface="Calibri"/>
+              </a:defRPr>
+            </a:lvl1pPr>
+            <a:lvl2pPr indent="0" lvl="1" marL="0" marR="0" rtl="0" algn="r">
+              <a:lnSpc>
+                <a:spcPct val="100000"/>
+              </a:lnSpc>
+              <a:spcBef>
+                <a:spcPts val="0"/>
+              </a:spcBef>
+              <a:spcAft>
+                <a:spcPts val="0"/>
+              </a:spcAft>
+              <a:buClr>
+                <a:srgbClr val="898989"/>
+              </a:buClr>
+              <a:buSzPts val="1200"/>
+              <a:buFont typeface="Calibri"/>
+              <a:buNone/>
+              <a:defRPr b="0" i="0" sz="1200" u="none" cap="none" strike="noStrike">
+                <a:solidFill>
+                  <a:srgbClr val="898989"/>
+                </a:solidFill>
+                <a:latin typeface="Calibri"/>
+                <a:ea typeface="Calibri"/>
+                <a:cs typeface="Calibri"/>
+                <a:sym typeface="Calibri"/>
+              </a:defRPr>
+            </a:lvl2pPr>
+            <a:lvl3pPr indent="0" lvl="2" marL="0" marR="0" rtl="0" algn="r">
+              <a:lnSpc>
+                <a:spcPct val="100000"/>
+              </a:lnSpc>
+              <a:spcBef>
+                <a:spcPts val="0"/>
+              </a:spcBef>
+              <a:spcAft>
+                <a:spcPts val="0"/>
+              </a:spcAft>
+              <a:buClr>
+                <a:srgbClr val="898989"/>
+              </a:buClr>
+              <a:buSzPts val="1200"/>
+              <a:buFont typeface="Calibri"/>
+              <a:buNone/>
+              <a:defRPr b="0" i="0" sz="1200" u="none" cap="none" strike="noStrike">
+                <a:solidFill>
+                  <a:srgbClr val="898989"/>
+                </a:solidFill>
+                <a:latin typeface="Calibri"/>
+                <a:ea typeface="Calibri"/>
+                <a:cs typeface="Calibri"/>
+                <a:sym typeface="Calibri"/>
+              </a:defRPr>
+            </a:lvl3pPr>
+            <a:lvl4pPr indent="0" lvl="3" marL="0" marR="0" rtl="0" algn="r">
+              <a:lnSpc>
+                <a:spcPct val="100000"/>
+              </a:lnSpc>
+              <a:spcBef>
+                <a:spcPts val="0"/>
+              </a:spcBef>
+              <a:spcAft>
+                <a:spcPts val="0"/>
+              </a:spcAft>
+              <a:buClr>
+                <a:srgbClr val="898989"/>
+              </a:buClr>
+              <a:buSzPts val="1200"/>
+              <a:buFont typeface="Calibri"/>
+              <a:buNone/>
+              <a:defRPr b="0" i="0" sz="1200" u="none" cap="none" strike="noStrike">
+                <a:solidFill>
+                  <a:srgbClr val="898989"/>
+                </a:solidFill>
+                <a:latin typeface="Calibri"/>
+                <a:ea typeface="Calibri"/>
+                <a:cs typeface="Calibri"/>
+                <a:sym typeface="Calibri"/>
+              </a:defRPr>
+            </a:lvl4pPr>
+            <a:lvl5pPr indent="0" lvl="4" marL="0" marR="0" rtl="0" algn="r">
+              <a:lnSpc>
+                <a:spcPct val="100000"/>
+              </a:lnSpc>
+              <a:spcBef>
+                <a:spcPts val="0"/>
+              </a:spcBef>
+              <a:spcAft>
+                <a:spcPts val="0"/>
+              </a:spcAft>
+              <a:buClr>
+                <a:srgbClr val="898989"/>
+              </a:buClr>
+              <a:buSzPts val="1200"/>
+              <a:buFont typeface="Calibri"/>
+              <a:buNone/>
+              <a:defRPr b="0" i="0" sz="1200" u="none" cap="none" strike="noStrike">
+                <a:solidFill>
+                  <a:srgbClr val="898989"/>
+                </a:solidFill>
+                <a:latin typeface="Calibri"/>
+                <a:ea typeface="Calibri"/>
+                <a:cs typeface="Calibri"/>
+                <a:sym typeface="Calibri"/>
+              </a:defRPr>
+            </a:lvl5pPr>
+            <a:lvl6pPr indent="0" lvl="5" marL="0" marR="0" rtl="0" algn="r">
+              <a:lnSpc>
+                <a:spcPct val="100000"/>
+              </a:lnSpc>
+              <a:spcBef>
+                <a:spcPts val="0"/>
+              </a:spcBef>
+              <a:spcAft>
+                <a:spcPts val="0"/>
+              </a:spcAft>
+              <a:buClr>
+                <a:srgbClr val="898989"/>
+              </a:buClr>
+              <a:buSzPts val="1200"/>
+              <a:buFont typeface="Calibri"/>
+              <a:buNone/>
+              <a:defRPr b="0" i="0" sz="1200" u="none" cap="none" strike="noStrike">
+                <a:solidFill>
+                  <a:srgbClr val="898989"/>
+                </a:solidFill>
+                <a:latin typeface="Calibri"/>
+                <a:ea typeface="Calibri"/>
+                <a:cs typeface="Calibri"/>
+                <a:sym typeface="Calibri"/>
+              </a:defRPr>
+            </a:lvl6pPr>
+            <a:lvl7pPr indent="0" lvl="6" marL="0" marR="0" rtl="0" algn="r">
+              <a:lnSpc>
+                <a:spcPct val="100000"/>
+              </a:lnSpc>
+              <a:spcBef>
+                <a:spcPts val="0"/>
+              </a:spcBef>
+              <a:spcAft>
+                <a:spcPts val="0"/>
+              </a:spcAft>
+              <a:buClr>
+                <a:srgbClr val="898989"/>
+              </a:buClr>
+              <a:buSzPts val="1200"/>
+              <a:buFont typeface="Calibri"/>
+              <a:buNone/>
+              <a:defRPr b="0" i="0" sz="1200" u="none" cap="none" strike="noStrike">
+                <a:solidFill>
+                  <a:srgbClr val="898989"/>
+                </a:solidFill>
+                <a:latin typeface="Calibri"/>
+                <a:ea typeface="Calibri"/>
+                <a:cs typeface="Calibri"/>
+                <a:sym typeface="Calibri"/>
+              </a:defRPr>
+            </a:lvl7pPr>
+            <a:lvl8pPr indent="0" lvl="7" marL="0" marR="0" rtl="0" algn="r">
+              <a:lnSpc>
+                <a:spcPct val="100000"/>
+              </a:lnSpc>
+              <a:spcBef>
+                <a:spcPts val="0"/>
+              </a:spcBef>
+              <a:spcAft>
+                <a:spcPts val="0"/>
+              </a:spcAft>
+              <a:buClr>
+                <a:srgbClr val="898989"/>
+              </a:buClr>
+              <a:buSzPts val="1200"/>
+              <a:buFont typeface="Calibri"/>
+              <a:buNone/>
+              <a:defRPr b="0" i="0" sz="1200" u="none" cap="none" strike="noStrike">
+                <a:solidFill>
+                  <a:srgbClr val="898989"/>
+                </a:solidFill>
+                <a:latin typeface="Calibri"/>
+                <a:ea typeface="Calibri"/>
+                <a:cs typeface="Calibri"/>
+                <a:sym typeface="Calibri"/>
+              </a:defRPr>
+            </a:lvl8pPr>
+            <a:lvl9pPr indent="0" lvl="8" marL="0" marR="0" rtl="0" algn="r">
+              <a:lnSpc>
+                <a:spcPct val="100000"/>
+              </a:lnSpc>
+              <a:spcBef>
+                <a:spcPts val="0"/>
+              </a:spcBef>
+              <a:spcAft>
+                <a:spcPts val="0"/>
+              </a:spcAft>
+              <a:buClr>
+                <a:srgbClr val="898989"/>
+              </a:buClr>
+              <a:buSzPts val="1200"/>
+              <a:buFont typeface="Calibri"/>
+              <a:buNone/>
+              <a:defRPr b="0" i="0" sz="1200" u="none" cap="none" strike="noStrike">
+                <a:solidFill>
+                  <a:srgbClr val="898989"/>
+                </a:solidFill>
+                <a:latin typeface="Calibri"/>
+                <a:ea typeface="Calibri"/>
+                <a:cs typeface="Calibri"/>
+                <a:sym typeface="Calibri"/>
+              </a:defRPr>
+            </a:lvl9pPr>
+          </a:lstStyle>
+          <a:p>
+            <a:pPr indent="0" lvl="0" marL="0">
+              <a:spcBef>
+                <a:spcPts val="0"/>
+              </a:spcBef>
+              <a:spcAft>
+                <a:spcPts val="0"/>
+              </a:spcAft>
+              <a:buNone/>
             </a:pPr>
             <a:fld id="{00000000-1234-1234-1234-123412341234}" type="slidenum">
-              <a:rPr b="0" i="0" lang="en-US" sz="1200" u="none" cap="none" strike="noStrike">
-                <a:solidFill>
-                  <a:srgbClr val="898989"/>
-                </a:solidFill>
-                <a:latin typeface="Calibri"/>
-                <a:ea typeface="Calibri"/>
-                <a:cs typeface="Calibri"/>
-                <a:sym typeface="Calibri"/>
-              </a:rPr>
+              <a:rPr lang="en-US"/>
               <a:t>‹#›</a:t>
             </a:fld>
-            <a:endParaRPr b="0" i="0" sz="1400" u="none" cap="none" strike="noStrike">
+            <a:endParaRPr sz="1400">
               <a:solidFill>
                 <a:srgbClr val="000000"/>
               </a:solidFill>
@@ -11615,8 +13842,8 @@
 </file>
 
 <file path=ppt/slideLayouts/slideLayout8.xml><?xml version="1.0" encoding="utf-8"?>
-<p:sldLayout xmlns:a="http://schemas.openxmlformats.org/drawingml/2006/main" xmlns:r="http://schemas.openxmlformats.org/officeDocument/2006/relationships" xmlns:mc="http://schemas.openxmlformats.org/markup-compatibility/2006" xmlns:mv="urn:schemas-microsoft-com:mac:vml" xmlns:p="http://schemas.openxmlformats.org/presentationml/2006/main" xmlns:c="http://schemas.openxmlformats.org/drawingml/2006/chart" xmlns:dgm="http://schemas.openxmlformats.org/drawingml/2006/diagram" xmlns:o="urn:schemas-microsoft-com:office:office" xmlns:v="urn:schemas-microsoft-com:vml" xmlns:pvml="urn:schemas-microsoft-com:office:powerpoint" xmlns:com="http://schemas.openxmlformats.org/drawingml/2006/compatibility" xmlns:p14="http://schemas.microsoft.com/office/powerpoint/2010/main" xmlns:p15="http://schemas.microsoft.com/office/powerpoint/2012/main" type="twoTxTwoObj">
-  <p:cSld name="Comparison">
+<p:sldLayout xmlns:a="http://schemas.openxmlformats.org/drawingml/2006/main" xmlns:r="http://schemas.openxmlformats.org/officeDocument/2006/relationships" xmlns:mc="http://schemas.openxmlformats.org/markup-compatibility/2006" xmlns:mv="urn:schemas-microsoft-com:mac:vml" xmlns:p="http://schemas.openxmlformats.org/presentationml/2006/main" xmlns:c="http://schemas.openxmlformats.org/drawingml/2006/chart" xmlns:dgm="http://schemas.openxmlformats.org/drawingml/2006/diagram" xmlns:o="urn:schemas-microsoft-com:office:office" xmlns:v="urn:schemas-microsoft-com:vml" xmlns:pvml="urn:schemas-microsoft-com:office:powerpoint" xmlns:com="http://schemas.openxmlformats.org/drawingml/2006/compatibility" xmlns:p14="http://schemas.microsoft.com/office/powerpoint/2010/main" xmlns:p15="http://schemas.microsoft.com/office/powerpoint/2012/main" matchingName="Comparison" type="twoTxTwoObj">
+  <p:cSld name="TWO_OBJECTS_WITH_TEXT">
     <p:spTree>
       <p:nvGrpSpPr>
         <p:cNvPr id="52" name="Shape 52"/>
@@ -13466,9 +15693,8 @@
           <a:bodyPr anchorCtr="0" anchor="ctr" bIns="45675" lIns="91375" spcFirstLastPara="1" rIns="91375" wrap="square" tIns="45675">
             <a:noAutofit/>
           </a:bodyPr>
-          <a:lstStyle/>
-          <a:p>
-            <a:pPr indent="0" lvl="0" marL="0" marR="0" rtl="0" algn="r">
+          <a:lstStyle>
+            <a:lvl1pPr indent="0" lvl="0" marL="0" marR="0" rtl="0" algn="r">
               <a:lnSpc>
                 <a:spcPct val="100000"/>
               </a:lnSpc>
@@ -13484,20 +15710,240 @@
               <a:buSzPts val="1200"/>
               <a:buFont typeface="Calibri"/>
               <a:buNone/>
+              <a:defRPr b="0" i="0" sz="1200" u="none" cap="none" strike="noStrike">
+                <a:solidFill>
+                  <a:srgbClr val="898989"/>
+                </a:solidFill>
+                <a:latin typeface="Calibri"/>
+                <a:ea typeface="Calibri"/>
+                <a:cs typeface="Calibri"/>
+                <a:sym typeface="Calibri"/>
+              </a:defRPr>
+            </a:lvl1pPr>
+            <a:lvl2pPr indent="0" lvl="1" marL="0" marR="0" rtl="0" algn="r">
+              <a:lnSpc>
+                <a:spcPct val="100000"/>
+              </a:lnSpc>
+              <a:spcBef>
+                <a:spcPts val="0"/>
+              </a:spcBef>
+              <a:spcAft>
+                <a:spcPts val="0"/>
+              </a:spcAft>
+              <a:buClr>
+                <a:srgbClr val="898989"/>
+              </a:buClr>
+              <a:buSzPts val="1200"/>
+              <a:buFont typeface="Calibri"/>
+              <a:buNone/>
+              <a:defRPr b="0" i="0" sz="1200" u="none" cap="none" strike="noStrike">
+                <a:solidFill>
+                  <a:srgbClr val="898989"/>
+                </a:solidFill>
+                <a:latin typeface="Calibri"/>
+                <a:ea typeface="Calibri"/>
+                <a:cs typeface="Calibri"/>
+                <a:sym typeface="Calibri"/>
+              </a:defRPr>
+            </a:lvl2pPr>
+            <a:lvl3pPr indent="0" lvl="2" marL="0" marR="0" rtl="0" algn="r">
+              <a:lnSpc>
+                <a:spcPct val="100000"/>
+              </a:lnSpc>
+              <a:spcBef>
+                <a:spcPts val="0"/>
+              </a:spcBef>
+              <a:spcAft>
+                <a:spcPts val="0"/>
+              </a:spcAft>
+              <a:buClr>
+                <a:srgbClr val="898989"/>
+              </a:buClr>
+              <a:buSzPts val="1200"/>
+              <a:buFont typeface="Calibri"/>
+              <a:buNone/>
+              <a:defRPr b="0" i="0" sz="1200" u="none" cap="none" strike="noStrike">
+                <a:solidFill>
+                  <a:srgbClr val="898989"/>
+                </a:solidFill>
+                <a:latin typeface="Calibri"/>
+                <a:ea typeface="Calibri"/>
+                <a:cs typeface="Calibri"/>
+                <a:sym typeface="Calibri"/>
+              </a:defRPr>
+            </a:lvl3pPr>
+            <a:lvl4pPr indent="0" lvl="3" marL="0" marR="0" rtl="0" algn="r">
+              <a:lnSpc>
+                <a:spcPct val="100000"/>
+              </a:lnSpc>
+              <a:spcBef>
+                <a:spcPts val="0"/>
+              </a:spcBef>
+              <a:spcAft>
+                <a:spcPts val="0"/>
+              </a:spcAft>
+              <a:buClr>
+                <a:srgbClr val="898989"/>
+              </a:buClr>
+              <a:buSzPts val="1200"/>
+              <a:buFont typeface="Calibri"/>
+              <a:buNone/>
+              <a:defRPr b="0" i="0" sz="1200" u="none" cap="none" strike="noStrike">
+                <a:solidFill>
+                  <a:srgbClr val="898989"/>
+                </a:solidFill>
+                <a:latin typeface="Calibri"/>
+                <a:ea typeface="Calibri"/>
+                <a:cs typeface="Calibri"/>
+                <a:sym typeface="Calibri"/>
+              </a:defRPr>
+            </a:lvl4pPr>
+            <a:lvl5pPr indent="0" lvl="4" marL="0" marR="0" rtl="0" algn="r">
+              <a:lnSpc>
+                <a:spcPct val="100000"/>
+              </a:lnSpc>
+              <a:spcBef>
+                <a:spcPts val="0"/>
+              </a:spcBef>
+              <a:spcAft>
+                <a:spcPts val="0"/>
+              </a:spcAft>
+              <a:buClr>
+                <a:srgbClr val="898989"/>
+              </a:buClr>
+              <a:buSzPts val="1200"/>
+              <a:buFont typeface="Calibri"/>
+              <a:buNone/>
+              <a:defRPr b="0" i="0" sz="1200" u="none" cap="none" strike="noStrike">
+                <a:solidFill>
+                  <a:srgbClr val="898989"/>
+                </a:solidFill>
+                <a:latin typeface="Calibri"/>
+                <a:ea typeface="Calibri"/>
+                <a:cs typeface="Calibri"/>
+                <a:sym typeface="Calibri"/>
+              </a:defRPr>
+            </a:lvl5pPr>
+            <a:lvl6pPr indent="0" lvl="5" marL="0" marR="0" rtl="0" algn="r">
+              <a:lnSpc>
+                <a:spcPct val="100000"/>
+              </a:lnSpc>
+              <a:spcBef>
+                <a:spcPts val="0"/>
+              </a:spcBef>
+              <a:spcAft>
+                <a:spcPts val="0"/>
+              </a:spcAft>
+              <a:buClr>
+                <a:srgbClr val="898989"/>
+              </a:buClr>
+              <a:buSzPts val="1200"/>
+              <a:buFont typeface="Calibri"/>
+              <a:buNone/>
+              <a:defRPr b="0" i="0" sz="1200" u="none" cap="none" strike="noStrike">
+                <a:solidFill>
+                  <a:srgbClr val="898989"/>
+                </a:solidFill>
+                <a:latin typeface="Calibri"/>
+                <a:ea typeface="Calibri"/>
+                <a:cs typeface="Calibri"/>
+                <a:sym typeface="Calibri"/>
+              </a:defRPr>
+            </a:lvl6pPr>
+            <a:lvl7pPr indent="0" lvl="6" marL="0" marR="0" rtl="0" algn="r">
+              <a:lnSpc>
+                <a:spcPct val="100000"/>
+              </a:lnSpc>
+              <a:spcBef>
+                <a:spcPts val="0"/>
+              </a:spcBef>
+              <a:spcAft>
+                <a:spcPts val="0"/>
+              </a:spcAft>
+              <a:buClr>
+                <a:srgbClr val="898989"/>
+              </a:buClr>
+              <a:buSzPts val="1200"/>
+              <a:buFont typeface="Calibri"/>
+              <a:buNone/>
+              <a:defRPr b="0" i="0" sz="1200" u="none" cap="none" strike="noStrike">
+                <a:solidFill>
+                  <a:srgbClr val="898989"/>
+                </a:solidFill>
+                <a:latin typeface="Calibri"/>
+                <a:ea typeface="Calibri"/>
+                <a:cs typeface="Calibri"/>
+                <a:sym typeface="Calibri"/>
+              </a:defRPr>
+            </a:lvl7pPr>
+            <a:lvl8pPr indent="0" lvl="7" marL="0" marR="0" rtl="0" algn="r">
+              <a:lnSpc>
+                <a:spcPct val="100000"/>
+              </a:lnSpc>
+              <a:spcBef>
+                <a:spcPts val="0"/>
+              </a:spcBef>
+              <a:spcAft>
+                <a:spcPts val="0"/>
+              </a:spcAft>
+              <a:buClr>
+                <a:srgbClr val="898989"/>
+              </a:buClr>
+              <a:buSzPts val="1200"/>
+              <a:buFont typeface="Calibri"/>
+              <a:buNone/>
+              <a:defRPr b="0" i="0" sz="1200" u="none" cap="none" strike="noStrike">
+                <a:solidFill>
+                  <a:srgbClr val="898989"/>
+                </a:solidFill>
+                <a:latin typeface="Calibri"/>
+                <a:ea typeface="Calibri"/>
+                <a:cs typeface="Calibri"/>
+                <a:sym typeface="Calibri"/>
+              </a:defRPr>
+            </a:lvl8pPr>
+            <a:lvl9pPr indent="0" lvl="8" marL="0" marR="0" rtl="0" algn="r">
+              <a:lnSpc>
+                <a:spcPct val="100000"/>
+              </a:lnSpc>
+              <a:spcBef>
+                <a:spcPts val="0"/>
+              </a:spcBef>
+              <a:spcAft>
+                <a:spcPts val="0"/>
+              </a:spcAft>
+              <a:buClr>
+                <a:srgbClr val="898989"/>
+              </a:buClr>
+              <a:buSzPts val="1200"/>
+              <a:buFont typeface="Calibri"/>
+              <a:buNone/>
+              <a:defRPr b="0" i="0" sz="1200" u="none" cap="none" strike="noStrike">
+                <a:solidFill>
+                  <a:srgbClr val="898989"/>
+                </a:solidFill>
+                <a:latin typeface="Calibri"/>
+                <a:ea typeface="Calibri"/>
+                <a:cs typeface="Calibri"/>
+                <a:sym typeface="Calibri"/>
+              </a:defRPr>
+            </a:lvl9pPr>
+          </a:lstStyle>
+          <a:p>
+            <a:pPr indent="0" lvl="0" marL="0">
+              <a:spcBef>
+                <a:spcPts val="0"/>
+              </a:spcBef>
+              <a:spcAft>
+                <a:spcPts val="0"/>
+              </a:spcAft>
+              <a:buNone/>
             </a:pPr>
             <a:fld id="{00000000-1234-1234-1234-123412341234}" type="slidenum">
-              <a:rPr b="0" i="0" lang="en-US" sz="1200" u="none" cap="none" strike="noStrike">
-                <a:solidFill>
-                  <a:srgbClr val="898989"/>
-                </a:solidFill>
-                <a:latin typeface="Calibri"/>
-                <a:ea typeface="Calibri"/>
-                <a:cs typeface="Calibri"/>
-                <a:sym typeface="Calibri"/>
-              </a:rPr>
+              <a:rPr lang="en-US"/>
               <a:t>‹#›</a:t>
             </a:fld>
-            <a:endParaRPr b="0" i="0" sz="1400" u="none" cap="none" strike="noStrike">
+            <a:endParaRPr sz="1400">
               <a:solidFill>
                 <a:srgbClr val="000000"/>
               </a:solidFill>
@@ -13518,8 +15964,8 @@
 </file>
 
 <file path=ppt/slideLayouts/slideLayout9.xml><?xml version="1.0" encoding="utf-8"?>
-<p:sldLayout xmlns:a="http://schemas.openxmlformats.org/drawingml/2006/main" xmlns:r="http://schemas.openxmlformats.org/officeDocument/2006/relationships" xmlns:mc="http://schemas.openxmlformats.org/markup-compatibility/2006" xmlns:mv="urn:schemas-microsoft-com:mac:vml" xmlns:p="http://schemas.openxmlformats.org/presentationml/2006/main" xmlns:c="http://schemas.openxmlformats.org/drawingml/2006/chart" xmlns:dgm="http://schemas.openxmlformats.org/drawingml/2006/diagram" xmlns:o="urn:schemas-microsoft-com:office:office" xmlns:v="urn:schemas-microsoft-com:vml" xmlns:pvml="urn:schemas-microsoft-com:office:powerpoint" xmlns:com="http://schemas.openxmlformats.org/drawingml/2006/compatibility" xmlns:p14="http://schemas.microsoft.com/office/powerpoint/2010/main" xmlns:p15="http://schemas.microsoft.com/office/powerpoint/2012/main" type="twoObj">
-  <p:cSld name="Two Content">
+<p:sldLayout xmlns:a="http://schemas.openxmlformats.org/drawingml/2006/main" xmlns:r="http://schemas.openxmlformats.org/officeDocument/2006/relationships" xmlns:mc="http://schemas.openxmlformats.org/markup-compatibility/2006" xmlns:mv="urn:schemas-microsoft-com:mac:vml" xmlns:p="http://schemas.openxmlformats.org/presentationml/2006/main" xmlns:c="http://schemas.openxmlformats.org/drawingml/2006/chart" xmlns:dgm="http://schemas.openxmlformats.org/drawingml/2006/diagram" xmlns:o="urn:schemas-microsoft-com:office:office" xmlns:v="urn:schemas-microsoft-com:vml" xmlns:pvml="urn:schemas-microsoft-com:office:powerpoint" xmlns:com="http://schemas.openxmlformats.org/drawingml/2006/compatibility" xmlns:p14="http://schemas.microsoft.com/office/powerpoint/2010/main" xmlns:p15="http://schemas.microsoft.com/office/powerpoint/2012/main" matchingName="Two Content" type="twoObj">
+  <p:cSld name="TWO_OBJECTS">
     <p:spTree>
       <p:nvGrpSpPr>
         <p:cNvPr id="61" name="Shape 61"/>
@@ -14845,9 +17291,8 @@
           <a:bodyPr anchorCtr="0" anchor="ctr" bIns="45675" lIns="91375" spcFirstLastPara="1" rIns="91375" wrap="square" tIns="45675">
             <a:noAutofit/>
           </a:bodyPr>
-          <a:lstStyle/>
-          <a:p>
-            <a:pPr indent="0" lvl="0" marL="0" marR="0" rtl="0" algn="r">
+          <a:lstStyle>
+            <a:lvl1pPr indent="0" lvl="0" marL="0" marR="0" rtl="0" algn="r">
               <a:lnSpc>
                 <a:spcPct val="100000"/>
               </a:lnSpc>
@@ -14863,20 +17308,240 @@
               <a:buSzPts val="1200"/>
               <a:buFont typeface="Calibri"/>
               <a:buNone/>
+              <a:defRPr b="0" i="0" sz="1200" u="none" cap="none" strike="noStrike">
+                <a:solidFill>
+                  <a:srgbClr val="898989"/>
+                </a:solidFill>
+                <a:latin typeface="Calibri"/>
+                <a:ea typeface="Calibri"/>
+                <a:cs typeface="Calibri"/>
+                <a:sym typeface="Calibri"/>
+              </a:defRPr>
+            </a:lvl1pPr>
+            <a:lvl2pPr indent="0" lvl="1" marL="0" marR="0" rtl="0" algn="r">
+              <a:lnSpc>
+                <a:spcPct val="100000"/>
+              </a:lnSpc>
+              <a:spcBef>
+                <a:spcPts val="0"/>
+              </a:spcBef>
+              <a:spcAft>
+                <a:spcPts val="0"/>
+              </a:spcAft>
+              <a:buClr>
+                <a:srgbClr val="898989"/>
+              </a:buClr>
+              <a:buSzPts val="1200"/>
+              <a:buFont typeface="Calibri"/>
+              <a:buNone/>
+              <a:defRPr b="0" i="0" sz="1200" u="none" cap="none" strike="noStrike">
+                <a:solidFill>
+                  <a:srgbClr val="898989"/>
+                </a:solidFill>
+                <a:latin typeface="Calibri"/>
+                <a:ea typeface="Calibri"/>
+                <a:cs typeface="Calibri"/>
+                <a:sym typeface="Calibri"/>
+              </a:defRPr>
+            </a:lvl2pPr>
+            <a:lvl3pPr indent="0" lvl="2" marL="0" marR="0" rtl="0" algn="r">
+              <a:lnSpc>
+                <a:spcPct val="100000"/>
+              </a:lnSpc>
+              <a:spcBef>
+                <a:spcPts val="0"/>
+              </a:spcBef>
+              <a:spcAft>
+                <a:spcPts val="0"/>
+              </a:spcAft>
+              <a:buClr>
+                <a:srgbClr val="898989"/>
+              </a:buClr>
+              <a:buSzPts val="1200"/>
+              <a:buFont typeface="Calibri"/>
+              <a:buNone/>
+              <a:defRPr b="0" i="0" sz="1200" u="none" cap="none" strike="noStrike">
+                <a:solidFill>
+                  <a:srgbClr val="898989"/>
+                </a:solidFill>
+                <a:latin typeface="Calibri"/>
+                <a:ea typeface="Calibri"/>
+                <a:cs typeface="Calibri"/>
+                <a:sym typeface="Calibri"/>
+              </a:defRPr>
+            </a:lvl3pPr>
+            <a:lvl4pPr indent="0" lvl="3" marL="0" marR="0" rtl="0" algn="r">
+              <a:lnSpc>
+                <a:spcPct val="100000"/>
+              </a:lnSpc>
+              <a:spcBef>
+                <a:spcPts val="0"/>
+              </a:spcBef>
+              <a:spcAft>
+                <a:spcPts val="0"/>
+              </a:spcAft>
+              <a:buClr>
+                <a:srgbClr val="898989"/>
+              </a:buClr>
+              <a:buSzPts val="1200"/>
+              <a:buFont typeface="Calibri"/>
+              <a:buNone/>
+              <a:defRPr b="0" i="0" sz="1200" u="none" cap="none" strike="noStrike">
+                <a:solidFill>
+                  <a:srgbClr val="898989"/>
+                </a:solidFill>
+                <a:latin typeface="Calibri"/>
+                <a:ea typeface="Calibri"/>
+                <a:cs typeface="Calibri"/>
+                <a:sym typeface="Calibri"/>
+              </a:defRPr>
+            </a:lvl4pPr>
+            <a:lvl5pPr indent="0" lvl="4" marL="0" marR="0" rtl="0" algn="r">
+              <a:lnSpc>
+                <a:spcPct val="100000"/>
+              </a:lnSpc>
+              <a:spcBef>
+                <a:spcPts val="0"/>
+              </a:spcBef>
+              <a:spcAft>
+                <a:spcPts val="0"/>
+              </a:spcAft>
+              <a:buClr>
+                <a:srgbClr val="898989"/>
+              </a:buClr>
+              <a:buSzPts val="1200"/>
+              <a:buFont typeface="Calibri"/>
+              <a:buNone/>
+              <a:defRPr b="0" i="0" sz="1200" u="none" cap="none" strike="noStrike">
+                <a:solidFill>
+                  <a:srgbClr val="898989"/>
+                </a:solidFill>
+                <a:latin typeface="Calibri"/>
+                <a:ea typeface="Calibri"/>
+                <a:cs typeface="Calibri"/>
+                <a:sym typeface="Calibri"/>
+              </a:defRPr>
+            </a:lvl5pPr>
+            <a:lvl6pPr indent="0" lvl="5" marL="0" marR="0" rtl="0" algn="r">
+              <a:lnSpc>
+                <a:spcPct val="100000"/>
+              </a:lnSpc>
+              <a:spcBef>
+                <a:spcPts val="0"/>
+              </a:spcBef>
+              <a:spcAft>
+                <a:spcPts val="0"/>
+              </a:spcAft>
+              <a:buClr>
+                <a:srgbClr val="898989"/>
+              </a:buClr>
+              <a:buSzPts val="1200"/>
+              <a:buFont typeface="Calibri"/>
+              <a:buNone/>
+              <a:defRPr b="0" i="0" sz="1200" u="none" cap="none" strike="noStrike">
+                <a:solidFill>
+                  <a:srgbClr val="898989"/>
+                </a:solidFill>
+                <a:latin typeface="Calibri"/>
+                <a:ea typeface="Calibri"/>
+                <a:cs typeface="Calibri"/>
+                <a:sym typeface="Calibri"/>
+              </a:defRPr>
+            </a:lvl6pPr>
+            <a:lvl7pPr indent="0" lvl="6" marL="0" marR="0" rtl="0" algn="r">
+              <a:lnSpc>
+                <a:spcPct val="100000"/>
+              </a:lnSpc>
+              <a:spcBef>
+                <a:spcPts val="0"/>
+              </a:spcBef>
+              <a:spcAft>
+                <a:spcPts val="0"/>
+              </a:spcAft>
+              <a:buClr>
+                <a:srgbClr val="898989"/>
+              </a:buClr>
+              <a:buSzPts val="1200"/>
+              <a:buFont typeface="Calibri"/>
+              <a:buNone/>
+              <a:defRPr b="0" i="0" sz="1200" u="none" cap="none" strike="noStrike">
+                <a:solidFill>
+                  <a:srgbClr val="898989"/>
+                </a:solidFill>
+                <a:latin typeface="Calibri"/>
+                <a:ea typeface="Calibri"/>
+                <a:cs typeface="Calibri"/>
+                <a:sym typeface="Calibri"/>
+              </a:defRPr>
+            </a:lvl7pPr>
+            <a:lvl8pPr indent="0" lvl="7" marL="0" marR="0" rtl="0" algn="r">
+              <a:lnSpc>
+                <a:spcPct val="100000"/>
+              </a:lnSpc>
+              <a:spcBef>
+                <a:spcPts val="0"/>
+              </a:spcBef>
+              <a:spcAft>
+                <a:spcPts val="0"/>
+              </a:spcAft>
+              <a:buClr>
+                <a:srgbClr val="898989"/>
+              </a:buClr>
+              <a:buSzPts val="1200"/>
+              <a:buFont typeface="Calibri"/>
+              <a:buNone/>
+              <a:defRPr b="0" i="0" sz="1200" u="none" cap="none" strike="noStrike">
+                <a:solidFill>
+                  <a:srgbClr val="898989"/>
+                </a:solidFill>
+                <a:latin typeface="Calibri"/>
+                <a:ea typeface="Calibri"/>
+                <a:cs typeface="Calibri"/>
+                <a:sym typeface="Calibri"/>
+              </a:defRPr>
+            </a:lvl8pPr>
+            <a:lvl9pPr indent="0" lvl="8" marL="0" marR="0" rtl="0" algn="r">
+              <a:lnSpc>
+                <a:spcPct val="100000"/>
+              </a:lnSpc>
+              <a:spcBef>
+                <a:spcPts val="0"/>
+              </a:spcBef>
+              <a:spcAft>
+                <a:spcPts val="0"/>
+              </a:spcAft>
+              <a:buClr>
+                <a:srgbClr val="898989"/>
+              </a:buClr>
+              <a:buSzPts val="1200"/>
+              <a:buFont typeface="Calibri"/>
+              <a:buNone/>
+              <a:defRPr b="0" i="0" sz="1200" u="none" cap="none" strike="noStrike">
+                <a:solidFill>
+                  <a:srgbClr val="898989"/>
+                </a:solidFill>
+                <a:latin typeface="Calibri"/>
+                <a:ea typeface="Calibri"/>
+                <a:cs typeface="Calibri"/>
+                <a:sym typeface="Calibri"/>
+              </a:defRPr>
+            </a:lvl9pPr>
+          </a:lstStyle>
+          <a:p>
+            <a:pPr indent="0" lvl="0" marL="0">
+              <a:spcBef>
+                <a:spcPts val="0"/>
+              </a:spcBef>
+              <a:spcAft>
+                <a:spcPts val="0"/>
+              </a:spcAft>
+              <a:buNone/>
             </a:pPr>
             <a:fld id="{00000000-1234-1234-1234-123412341234}" type="slidenum">
-              <a:rPr b="0" i="0" lang="en-US" sz="1200" u="none" cap="none" strike="noStrike">
-                <a:solidFill>
-                  <a:srgbClr val="898989"/>
-                </a:solidFill>
-                <a:latin typeface="Calibri"/>
-                <a:ea typeface="Calibri"/>
-                <a:cs typeface="Calibri"/>
-                <a:sym typeface="Calibri"/>
-              </a:rPr>
+              <a:rPr lang="en-US"/>
               <a:t>‹#›</a:t>
             </a:fld>
-            <a:endParaRPr b="0" i="0" sz="1400" u="none" cap="none" strike="noStrike">
+            <a:endParaRPr sz="1400">
               <a:solidFill>
                 <a:srgbClr val="000000"/>
               </a:solidFill>
@@ -15969,9 +18634,8 @@
           <a:bodyPr anchorCtr="0" anchor="ctr" bIns="45675" lIns="91375" spcFirstLastPara="1" rIns="91375" wrap="square" tIns="45675">
             <a:noAutofit/>
           </a:bodyPr>
-          <a:lstStyle/>
-          <a:p>
-            <a:pPr indent="0" lvl="0" marL="0" marR="0" rtl="0" algn="r">
+          <a:lstStyle>
+            <a:lvl1pPr indent="0" lvl="0" marL="0" marR="0" rtl="0" algn="r">
               <a:lnSpc>
                 <a:spcPct val="100000"/>
               </a:lnSpc>
@@ -15987,20 +18651,240 @@
               <a:buSzPts val="1200"/>
               <a:buFont typeface="Calibri"/>
               <a:buNone/>
+              <a:defRPr b="0" i="0" sz="1200" u="none" cap="none" strike="noStrike">
+                <a:solidFill>
+                  <a:srgbClr val="898989"/>
+                </a:solidFill>
+                <a:latin typeface="Calibri"/>
+                <a:ea typeface="Calibri"/>
+                <a:cs typeface="Calibri"/>
+                <a:sym typeface="Calibri"/>
+              </a:defRPr>
+            </a:lvl1pPr>
+            <a:lvl2pPr indent="0" lvl="1" marL="0" marR="0" rtl="0" algn="r">
+              <a:lnSpc>
+                <a:spcPct val="100000"/>
+              </a:lnSpc>
+              <a:spcBef>
+                <a:spcPts val="0"/>
+              </a:spcBef>
+              <a:spcAft>
+                <a:spcPts val="0"/>
+              </a:spcAft>
+              <a:buClr>
+                <a:srgbClr val="898989"/>
+              </a:buClr>
+              <a:buSzPts val="1200"/>
+              <a:buFont typeface="Calibri"/>
+              <a:buNone/>
+              <a:defRPr b="0" i="0" sz="1200" u="none" cap="none" strike="noStrike">
+                <a:solidFill>
+                  <a:srgbClr val="898989"/>
+                </a:solidFill>
+                <a:latin typeface="Calibri"/>
+                <a:ea typeface="Calibri"/>
+                <a:cs typeface="Calibri"/>
+                <a:sym typeface="Calibri"/>
+              </a:defRPr>
+            </a:lvl2pPr>
+            <a:lvl3pPr indent="0" lvl="2" marL="0" marR="0" rtl="0" algn="r">
+              <a:lnSpc>
+                <a:spcPct val="100000"/>
+              </a:lnSpc>
+              <a:spcBef>
+                <a:spcPts val="0"/>
+              </a:spcBef>
+              <a:spcAft>
+                <a:spcPts val="0"/>
+              </a:spcAft>
+              <a:buClr>
+                <a:srgbClr val="898989"/>
+              </a:buClr>
+              <a:buSzPts val="1200"/>
+              <a:buFont typeface="Calibri"/>
+              <a:buNone/>
+              <a:defRPr b="0" i="0" sz="1200" u="none" cap="none" strike="noStrike">
+                <a:solidFill>
+                  <a:srgbClr val="898989"/>
+                </a:solidFill>
+                <a:latin typeface="Calibri"/>
+                <a:ea typeface="Calibri"/>
+                <a:cs typeface="Calibri"/>
+                <a:sym typeface="Calibri"/>
+              </a:defRPr>
+            </a:lvl3pPr>
+            <a:lvl4pPr indent="0" lvl="3" marL="0" marR="0" rtl="0" algn="r">
+              <a:lnSpc>
+                <a:spcPct val="100000"/>
+              </a:lnSpc>
+              <a:spcBef>
+                <a:spcPts val="0"/>
+              </a:spcBef>
+              <a:spcAft>
+                <a:spcPts val="0"/>
+              </a:spcAft>
+              <a:buClr>
+                <a:srgbClr val="898989"/>
+              </a:buClr>
+              <a:buSzPts val="1200"/>
+              <a:buFont typeface="Calibri"/>
+              <a:buNone/>
+              <a:defRPr b="0" i="0" sz="1200" u="none" cap="none" strike="noStrike">
+                <a:solidFill>
+                  <a:srgbClr val="898989"/>
+                </a:solidFill>
+                <a:latin typeface="Calibri"/>
+                <a:ea typeface="Calibri"/>
+                <a:cs typeface="Calibri"/>
+                <a:sym typeface="Calibri"/>
+              </a:defRPr>
+            </a:lvl4pPr>
+            <a:lvl5pPr indent="0" lvl="4" marL="0" marR="0" rtl="0" algn="r">
+              <a:lnSpc>
+                <a:spcPct val="100000"/>
+              </a:lnSpc>
+              <a:spcBef>
+                <a:spcPts val="0"/>
+              </a:spcBef>
+              <a:spcAft>
+                <a:spcPts val="0"/>
+              </a:spcAft>
+              <a:buClr>
+                <a:srgbClr val="898989"/>
+              </a:buClr>
+              <a:buSzPts val="1200"/>
+              <a:buFont typeface="Calibri"/>
+              <a:buNone/>
+              <a:defRPr b="0" i="0" sz="1200" u="none" cap="none" strike="noStrike">
+                <a:solidFill>
+                  <a:srgbClr val="898989"/>
+                </a:solidFill>
+                <a:latin typeface="Calibri"/>
+                <a:ea typeface="Calibri"/>
+                <a:cs typeface="Calibri"/>
+                <a:sym typeface="Calibri"/>
+              </a:defRPr>
+            </a:lvl5pPr>
+            <a:lvl6pPr indent="0" lvl="5" marL="0" marR="0" rtl="0" algn="r">
+              <a:lnSpc>
+                <a:spcPct val="100000"/>
+              </a:lnSpc>
+              <a:spcBef>
+                <a:spcPts val="0"/>
+              </a:spcBef>
+              <a:spcAft>
+                <a:spcPts val="0"/>
+              </a:spcAft>
+              <a:buClr>
+                <a:srgbClr val="898989"/>
+              </a:buClr>
+              <a:buSzPts val="1200"/>
+              <a:buFont typeface="Calibri"/>
+              <a:buNone/>
+              <a:defRPr b="0" i="0" sz="1200" u="none" cap="none" strike="noStrike">
+                <a:solidFill>
+                  <a:srgbClr val="898989"/>
+                </a:solidFill>
+                <a:latin typeface="Calibri"/>
+                <a:ea typeface="Calibri"/>
+                <a:cs typeface="Calibri"/>
+                <a:sym typeface="Calibri"/>
+              </a:defRPr>
+            </a:lvl6pPr>
+            <a:lvl7pPr indent="0" lvl="6" marL="0" marR="0" rtl="0" algn="r">
+              <a:lnSpc>
+                <a:spcPct val="100000"/>
+              </a:lnSpc>
+              <a:spcBef>
+                <a:spcPts val="0"/>
+              </a:spcBef>
+              <a:spcAft>
+                <a:spcPts val="0"/>
+              </a:spcAft>
+              <a:buClr>
+                <a:srgbClr val="898989"/>
+              </a:buClr>
+              <a:buSzPts val="1200"/>
+              <a:buFont typeface="Calibri"/>
+              <a:buNone/>
+              <a:defRPr b="0" i="0" sz="1200" u="none" cap="none" strike="noStrike">
+                <a:solidFill>
+                  <a:srgbClr val="898989"/>
+                </a:solidFill>
+                <a:latin typeface="Calibri"/>
+                <a:ea typeface="Calibri"/>
+                <a:cs typeface="Calibri"/>
+                <a:sym typeface="Calibri"/>
+              </a:defRPr>
+            </a:lvl7pPr>
+            <a:lvl8pPr indent="0" lvl="7" marL="0" marR="0" rtl="0" algn="r">
+              <a:lnSpc>
+                <a:spcPct val="100000"/>
+              </a:lnSpc>
+              <a:spcBef>
+                <a:spcPts val="0"/>
+              </a:spcBef>
+              <a:spcAft>
+                <a:spcPts val="0"/>
+              </a:spcAft>
+              <a:buClr>
+                <a:srgbClr val="898989"/>
+              </a:buClr>
+              <a:buSzPts val="1200"/>
+              <a:buFont typeface="Calibri"/>
+              <a:buNone/>
+              <a:defRPr b="0" i="0" sz="1200" u="none" cap="none" strike="noStrike">
+                <a:solidFill>
+                  <a:srgbClr val="898989"/>
+                </a:solidFill>
+                <a:latin typeface="Calibri"/>
+                <a:ea typeface="Calibri"/>
+                <a:cs typeface="Calibri"/>
+                <a:sym typeface="Calibri"/>
+              </a:defRPr>
+            </a:lvl8pPr>
+            <a:lvl9pPr indent="0" lvl="8" marL="0" marR="0" rtl="0" algn="r">
+              <a:lnSpc>
+                <a:spcPct val="100000"/>
+              </a:lnSpc>
+              <a:spcBef>
+                <a:spcPts val="0"/>
+              </a:spcBef>
+              <a:spcAft>
+                <a:spcPts val="0"/>
+              </a:spcAft>
+              <a:buClr>
+                <a:srgbClr val="898989"/>
+              </a:buClr>
+              <a:buSzPts val="1200"/>
+              <a:buFont typeface="Calibri"/>
+              <a:buNone/>
+              <a:defRPr b="0" i="0" sz="1200" u="none" cap="none" strike="noStrike">
+                <a:solidFill>
+                  <a:srgbClr val="898989"/>
+                </a:solidFill>
+                <a:latin typeface="Calibri"/>
+                <a:ea typeface="Calibri"/>
+                <a:cs typeface="Calibri"/>
+                <a:sym typeface="Calibri"/>
+              </a:defRPr>
+            </a:lvl9pPr>
+          </a:lstStyle>
+          <a:p>
+            <a:pPr indent="0" lvl="0" marL="0">
+              <a:spcBef>
+                <a:spcPts val="0"/>
+              </a:spcBef>
+              <a:spcAft>
+                <a:spcPts val="0"/>
+              </a:spcAft>
+              <a:buNone/>
             </a:pPr>
             <a:fld id="{00000000-1234-1234-1234-123412341234}" type="slidenum">
-              <a:rPr b="0" i="0" lang="en-US" sz="1200" u="none" cap="none" strike="noStrike">
-                <a:solidFill>
-                  <a:srgbClr val="898989"/>
-                </a:solidFill>
-                <a:latin typeface="Calibri"/>
-                <a:ea typeface="Calibri"/>
-                <a:cs typeface="Calibri"/>
-                <a:sym typeface="Calibri"/>
-              </a:rPr>
+              <a:rPr lang="en-US"/>
               <a:t>‹#›</a:t>
             </a:fld>
-            <a:endParaRPr b="0" i="0" sz="1400" u="none" cap="none" strike="noStrike">
+            <a:endParaRPr sz="1400">
               <a:solidFill>
                 <a:srgbClr val="000000"/>
               </a:solidFill>
@@ -16052,7 +18936,10 @@
         <a:spcAft>
           <a:spcPts val="0"/>
         </a:spcAft>
-        <a:buNone/>
+        <a:buClr>
+          <a:srgbClr val="000000"/>
+        </a:buClr>
+        <a:buFont typeface="Arial"/>
         <a:defRPr b="0" i="0" sz="1400" u="none" cap="none" strike="noStrike">
           <a:solidFill>
             <a:srgbClr val="000000"/>
@@ -16063,6 +18950,198 @@
           <a:sym typeface="Arial"/>
         </a:defRPr>
       </a:lvl1pPr>
+      <a:lvl2pPr lvl="1" marR="0" rtl="0" algn="l">
+        <a:lnSpc>
+          <a:spcPct val="100000"/>
+        </a:lnSpc>
+        <a:spcBef>
+          <a:spcPts val="0"/>
+        </a:spcBef>
+        <a:spcAft>
+          <a:spcPts val="0"/>
+        </a:spcAft>
+        <a:buClr>
+          <a:srgbClr val="000000"/>
+        </a:buClr>
+        <a:buFont typeface="Arial"/>
+        <a:defRPr b="0" i="0" sz="1400" u="none" cap="none" strike="noStrike">
+          <a:solidFill>
+            <a:srgbClr val="000000"/>
+          </a:solidFill>
+          <a:latin typeface="Arial"/>
+          <a:ea typeface="Arial"/>
+          <a:cs typeface="Arial"/>
+          <a:sym typeface="Arial"/>
+        </a:defRPr>
+      </a:lvl2pPr>
+      <a:lvl3pPr lvl="2" marR="0" rtl="0" algn="l">
+        <a:lnSpc>
+          <a:spcPct val="100000"/>
+        </a:lnSpc>
+        <a:spcBef>
+          <a:spcPts val="0"/>
+        </a:spcBef>
+        <a:spcAft>
+          <a:spcPts val="0"/>
+        </a:spcAft>
+        <a:buClr>
+          <a:srgbClr val="000000"/>
+        </a:buClr>
+        <a:buFont typeface="Arial"/>
+        <a:defRPr b="0" i="0" sz="1400" u="none" cap="none" strike="noStrike">
+          <a:solidFill>
+            <a:srgbClr val="000000"/>
+          </a:solidFill>
+          <a:latin typeface="Arial"/>
+          <a:ea typeface="Arial"/>
+          <a:cs typeface="Arial"/>
+          <a:sym typeface="Arial"/>
+        </a:defRPr>
+      </a:lvl3pPr>
+      <a:lvl4pPr lvl="3" marR="0" rtl="0" algn="l">
+        <a:lnSpc>
+          <a:spcPct val="100000"/>
+        </a:lnSpc>
+        <a:spcBef>
+          <a:spcPts val="0"/>
+        </a:spcBef>
+        <a:spcAft>
+          <a:spcPts val="0"/>
+        </a:spcAft>
+        <a:buClr>
+          <a:srgbClr val="000000"/>
+        </a:buClr>
+        <a:buFont typeface="Arial"/>
+        <a:defRPr b="0" i="0" sz="1400" u="none" cap="none" strike="noStrike">
+          <a:solidFill>
+            <a:srgbClr val="000000"/>
+          </a:solidFill>
+          <a:latin typeface="Arial"/>
+          <a:ea typeface="Arial"/>
+          <a:cs typeface="Arial"/>
+          <a:sym typeface="Arial"/>
+        </a:defRPr>
+      </a:lvl4pPr>
+      <a:lvl5pPr lvl="4" marR="0" rtl="0" algn="l">
+        <a:lnSpc>
+          <a:spcPct val="100000"/>
+        </a:lnSpc>
+        <a:spcBef>
+          <a:spcPts val="0"/>
+        </a:spcBef>
+        <a:spcAft>
+          <a:spcPts val="0"/>
+        </a:spcAft>
+        <a:buClr>
+          <a:srgbClr val="000000"/>
+        </a:buClr>
+        <a:buFont typeface="Arial"/>
+        <a:defRPr b="0" i="0" sz="1400" u="none" cap="none" strike="noStrike">
+          <a:solidFill>
+            <a:srgbClr val="000000"/>
+          </a:solidFill>
+          <a:latin typeface="Arial"/>
+          <a:ea typeface="Arial"/>
+          <a:cs typeface="Arial"/>
+          <a:sym typeface="Arial"/>
+        </a:defRPr>
+      </a:lvl5pPr>
+      <a:lvl6pPr lvl="5" marR="0" rtl="0" algn="l">
+        <a:lnSpc>
+          <a:spcPct val="100000"/>
+        </a:lnSpc>
+        <a:spcBef>
+          <a:spcPts val="0"/>
+        </a:spcBef>
+        <a:spcAft>
+          <a:spcPts val="0"/>
+        </a:spcAft>
+        <a:buClr>
+          <a:srgbClr val="000000"/>
+        </a:buClr>
+        <a:buFont typeface="Arial"/>
+        <a:defRPr b="0" i="0" sz="1400" u="none" cap="none" strike="noStrike">
+          <a:solidFill>
+            <a:srgbClr val="000000"/>
+          </a:solidFill>
+          <a:latin typeface="Arial"/>
+          <a:ea typeface="Arial"/>
+          <a:cs typeface="Arial"/>
+          <a:sym typeface="Arial"/>
+        </a:defRPr>
+      </a:lvl6pPr>
+      <a:lvl7pPr lvl="6" marR="0" rtl="0" algn="l">
+        <a:lnSpc>
+          <a:spcPct val="100000"/>
+        </a:lnSpc>
+        <a:spcBef>
+          <a:spcPts val="0"/>
+        </a:spcBef>
+        <a:spcAft>
+          <a:spcPts val="0"/>
+        </a:spcAft>
+        <a:buClr>
+          <a:srgbClr val="000000"/>
+        </a:buClr>
+        <a:buFont typeface="Arial"/>
+        <a:defRPr b="0" i="0" sz="1400" u="none" cap="none" strike="noStrike">
+          <a:solidFill>
+            <a:srgbClr val="000000"/>
+          </a:solidFill>
+          <a:latin typeface="Arial"/>
+          <a:ea typeface="Arial"/>
+          <a:cs typeface="Arial"/>
+          <a:sym typeface="Arial"/>
+        </a:defRPr>
+      </a:lvl7pPr>
+      <a:lvl8pPr lvl="7" marR="0" rtl="0" algn="l">
+        <a:lnSpc>
+          <a:spcPct val="100000"/>
+        </a:lnSpc>
+        <a:spcBef>
+          <a:spcPts val="0"/>
+        </a:spcBef>
+        <a:spcAft>
+          <a:spcPts val="0"/>
+        </a:spcAft>
+        <a:buClr>
+          <a:srgbClr val="000000"/>
+        </a:buClr>
+        <a:buFont typeface="Arial"/>
+        <a:defRPr b="0" i="0" sz="1400" u="none" cap="none" strike="noStrike">
+          <a:solidFill>
+            <a:srgbClr val="000000"/>
+          </a:solidFill>
+          <a:latin typeface="Arial"/>
+          <a:ea typeface="Arial"/>
+          <a:cs typeface="Arial"/>
+          <a:sym typeface="Arial"/>
+        </a:defRPr>
+      </a:lvl8pPr>
+      <a:lvl9pPr lvl="8" marR="0" rtl="0" algn="l">
+        <a:lnSpc>
+          <a:spcPct val="100000"/>
+        </a:lnSpc>
+        <a:spcBef>
+          <a:spcPts val="0"/>
+        </a:spcBef>
+        <a:spcAft>
+          <a:spcPts val="0"/>
+        </a:spcAft>
+        <a:buClr>
+          <a:srgbClr val="000000"/>
+        </a:buClr>
+        <a:buFont typeface="Arial"/>
+        <a:defRPr b="0" i="0" sz="1400" u="none" cap="none" strike="noStrike">
+          <a:solidFill>
+            <a:srgbClr val="000000"/>
+          </a:solidFill>
+          <a:latin typeface="Arial"/>
+          <a:ea typeface="Arial"/>
+          <a:cs typeface="Arial"/>
+          <a:sym typeface="Arial"/>
+        </a:defRPr>
+      </a:lvl9pPr>
     </p:titleStyle>
     <p:bodyStyle>
       <a:defPPr lvl="0" marR="0" rtl="0" algn="l">
@@ -16086,7 +19165,10 @@
         <a:spcAft>
           <a:spcPts val="0"/>
         </a:spcAft>
-        <a:buNone/>
+        <a:buClr>
+          <a:srgbClr val="000000"/>
+        </a:buClr>
+        <a:buFont typeface="Arial"/>
         <a:defRPr b="0" i="0" sz="1400" u="none" cap="none" strike="noStrike">
           <a:solidFill>
             <a:srgbClr val="000000"/>
@@ -16107,7 +19189,10 @@
         <a:spcAft>
           <a:spcPts val="0"/>
         </a:spcAft>
-        <a:buNone/>
+        <a:buClr>
+          <a:srgbClr val="000000"/>
+        </a:buClr>
+        <a:buFont typeface="Arial"/>
         <a:defRPr b="0" i="0" sz="1400" u="none" cap="none" strike="noStrike">
           <a:solidFill>
             <a:srgbClr val="000000"/>
@@ -16128,7 +19213,10 @@
         <a:spcAft>
           <a:spcPts val="0"/>
         </a:spcAft>
-        <a:buNone/>
+        <a:buClr>
+          <a:srgbClr val="000000"/>
+        </a:buClr>
+        <a:buFont typeface="Arial"/>
         <a:defRPr b="0" i="0" sz="1400" u="none" cap="none" strike="noStrike">
           <a:solidFill>
             <a:srgbClr val="000000"/>
@@ -16149,7 +19237,10 @@
         <a:spcAft>
           <a:spcPts val="0"/>
         </a:spcAft>
-        <a:buNone/>
+        <a:buClr>
+          <a:srgbClr val="000000"/>
+        </a:buClr>
+        <a:buFont typeface="Arial"/>
         <a:defRPr b="0" i="0" sz="1400" u="none" cap="none" strike="noStrike">
           <a:solidFill>
             <a:srgbClr val="000000"/>
@@ -16170,7 +19261,10 @@
         <a:spcAft>
           <a:spcPts val="0"/>
         </a:spcAft>
-        <a:buNone/>
+        <a:buClr>
+          <a:srgbClr val="000000"/>
+        </a:buClr>
+        <a:buFont typeface="Arial"/>
         <a:defRPr b="0" i="0" sz="1400" u="none" cap="none" strike="noStrike">
           <a:solidFill>
             <a:srgbClr val="000000"/>
@@ -16191,7 +19285,10 @@
         <a:spcAft>
           <a:spcPts val="0"/>
         </a:spcAft>
-        <a:buNone/>
+        <a:buClr>
+          <a:srgbClr val="000000"/>
+        </a:buClr>
+        <a:buFont typeface="Arial"/>
         <a:defRPr b="0" i="0" sz="1400" u="none" cap="none" strike="noStrike">
           <a:solidFill>
             <a:srgbClr val="000000"/>
@@ -16212,7 +19309,10 @@
         <a:spcAft>
           <a:spcPts val="0"/>
         </a:spcAft>
-        <a:buNone/>
+        <a:buClr>
+          <a:srgbClr val="000000"/>
+        </a:buClr>
+        <a:buFont typeface="Arial"/>
         <a:defRPr b="0" i="0" sz="1400" u="none" cap="none" strike="noStrike">
           <a:solidFill>
             <a:srgbClr val="000000"/>
@@ -16233,7 +19333,10 @@
         <a:spcAft>
           <a:spcPts val="0"/>
         </a:spcAft>
-        <a:buNone/>
+        <a:buClr>
+          <a:srgbClr val="000000"/>
+        </a:buClr>
+        <a:buFont typeface="Arial"/>
         <a:defRPr b="0" i="0" sz="1400" u="none" cap="none" strike="noStrike">
           <a:solidFill>
             <a:srgbClr val="000000"/>
@@ -16254,7 +19357,10 @@
         <a:spcAft>
           <a:spcPts val="0"/>
         </a:spcAft>
-        <a:buNone/>
+        <a:buClr>
+          <a:srgbClr val="000000"/>
+        </a:buClr>
+        <a:buFont typeface="Arial"/>
         <a:defRPr b="0" i="0" sz="1400" u="none" cap="none" strike="noStrike">
           <a:solidFill>
             <a:srgbClr val="000000"/>
@@ -16288,7 +19394,10 @@
         <a:spcAft>
           <a:spcPts val="0"/>
         </a:spcAft>
-        <a:buNone/>
+        <a:buClr>
+          <a:srgbClr val="000000"/>
+        </a:buClr>
+        <a:buFont typeface="Arial"/>
         <a:defRPr b="0" i="0" sz="1400" u="none" cap="none" strike="noStrike">
           <a:solidFill>
             <a:srgbClr val="000000"/>
@@ -16309,7 +19418,10 @@
         <a:spcAft>
           <a:spcPts val="0"/>
         </a:spcAft>
-        <a:buNone/>
+        <a:buClr>
+          <a:srgbClr val="000000"/>
+        </a:buClr>
+        <a:buFont typeface="Arial"/>
         <a:defRPr b="0" i="0" sz="1400" u="none" cap="none" strike="noStrike">
           <a:solidFill>
             <a:srgbClr val="000000"/>
@@ -16330,7 +19442,10 @@
         <a:spcAft>
           <a:spcPts val="0"/>
         </a:spcAft>
-        <a:buNone/>
+        <a:buClr>
+          <a:srgbClr val="000000"/>
+        </a:buClr>
+        <a:buFont typeface="Arial"/>
         <a:defRPr b="0" i="0" sz="1400" u="none" cap="none" strike="noStrike">
           <a:solidFill>
             <a:srgbClr val="000000"/>
@@ -16351,7 +19466,10 @@
         <a:spcAft>
           <a:spcPts val="0"/>
         </a:spcAft>
-        <a:buNone/>
+        <a:buClr>
+          <a:srgbClr val="000000"/>
+        </a:buClr>
+        <a:buFont typeface="Arial"/>
         <a:defRPr b="0" i="0" sz="1400" u="none" cap="none" strike="noStrike">
           <a:solidFill>
             <a:srgbClr val="000000"/>
@@ -16372,7 +19490,10 @@
         <a:spcAft>
           <a:spcPts val="0"/>
         </a:spcAft>
-        <a:buNone/>
+        <a:buClr>
+          <a:srgbClr val="000000"/>
+        </a:buClr>
+        <a:buFont typeface="Arial"/>
         <a:defRPr b="0" i="0" sz="1400" u="none" cap="none" strike="noStrike">
           <a:solidFill>
             <a:srgbClr val="000000"/>
@@ -16393,7 +19514,10 @@
         <a:spcAft>
           <a:spcPts val="0"/>
         </a:spcAft>
-        <a:buNone/>
+        <a:buClr>
+          <a:srgbClr val="000000"/>
+        </a:buClr>
+        <a:buFont typeface="Arial"/>
         <a:defRPr b="0" i="0" sz="1400" u="none" cap="none" strike="noStrike">
           <a:solidFill>
             <a:srgbClr val="000000"/>
@@ -16414,7 +19538,10 @@
         <a:spcAft>
           <a:spcPts val="0"/>
         </a:spcAft>
-        <a:buNone/>
+        <a:buClr>
+          <a:srgbClr val="000000"/>
+        </a:buClr>
+        <a:buFont typeface="Arial"/>
         <a:defRPr b="0" i="0" sz="1400" u="none" cap="none" strike="noStrike">
           <a:solidFill>
             <a:srgbClr val="000000"/>
@@ -16435,7 +19562,10 @@
         <a:spcAft>
           <a:spcPts val="0"/>
         </a:spcAft>
-        <a:buNone/>
+        <a:buClr>
+          <a:srgbClr val="000000"/>
+        </a:buClr>
+        <a:buFont typeface="Arial"/>
         <a:defRPr b="0" i="0" sz="1400" u="none" cap="none" strike="noStrike">
           <a:solidFill>
             <a:srgbClr val="000000"/>
@@ -16456,7 +19586,10 @@
         <a:spcAft>
           <a:spcPts val="0"/>
         </a:spcAft>
-        <a:buNone/>
+        <a:buClr>
+          <a:srgbClr val="000000"/>
+        </a:buClr>
+        <a:buFont typeface="Arial"/>
         <a:defRPr b="0" i="0" sz="1400" u="none" cap="none" strike="noStrike">
           <a:solidFill>
             <a:srgbClr val="000000"/>
@@ -16912,52 +20045,6 @@
               <a:t>Srijitha Somangili</a:t>
             </a:r>
             <a:endParaRPr b="0" i="0" sz="2400" u="none" cap="none" strike="noStrike">
-              <a:solidFill>
-                <a:srgbClr val="222222"/>
-              </a:solidFill>
-              <a:highlight>
-                <a:srgbClr val="FFFFFF"/>
-              </a:highlight>
-              <a:latin typeface="Times New Roman"/>
-              <a:ea typeface="Times New Roman"/>
-              <a:cs typeface="Times New Roman"/>
-              <a:sym typeface="Times New Roman"/>
-            </a:endParaRPr>
-          </a:p>
-          <a:p>
-            <a:pPr indent="-381000" lvl="0" marL="457200" marR="0" rtl="0" algn="l">
-              <a:lnSpc>
-                <a:spcPct val="100000"/>
-              </a:lnSpc>
-              <a:spcBef>
-                <a:spcPts val="0"/>
-              </a:spcBef>
-              <a:spcAft>
-                <a:spcPts val="0"/>
-              </a:spcAft>
-              <a:buClr>
-                <a:srgbClr val="222222"/>
-              </a:buClr>
-              <a:buSzPts val="2400"/>
-              <a:buFont typeface="Times New Roman"/>
-              <a:buChar char="•"/>
-            </a:pPr>
-            <a:r>
-              <a:rPr lang="en-US" sz="2400">
-                <a:solidFill>
-                  <a:srgbClr val="222222"/>
-                </a:solidFill>
-                <a:highlight>
-                  <a:srgbClr val="FFFFFF"/>
-                </a:highlight>
-                <a:latin typeface="Times New Roman"/>
-                <a:ea typeface="Times New Roman"/>
-                <a:cs typeface="Times New Roman"/>
-                <a:sym typeface="Times New Roman"/>
-              </a:rPr>
-              <a:t>Evan Blank</a:t>
-            </a:r>
-            <a:endParaRPr sz="2400">
               <a:solidFill>
                 <a:srgbClr val="222222"/>
               </a:solidFill>
@@ -17961,7 +21048,7 @@
             </a:endParaRPr>
           </a:p>
           <a:p>
-            <a:pPr indent="-163511" lvl="0" marL="341312" marR="0" rtl="0" algn="l">
+            <a:pPr indent="-163510" lvl="0" marL="341312" marR="0" rtl="0" algn="l">
               <a:lnSpc>
                 <a:spcPct val="100000"/>
               </a:lnSpc>
@@ -18493,7 +21580,7 @@
             </a:endParaRPr>
           </a:p>
           <a:p>
-            <a:pPr indent="-163511" lvl="0" marL="341312" marR="0" rtl="0" algn="l">
+            <a:pPr indent="-163510" lvl="0" marL="341312" marR="0" rtl="0" algn="l">
               <a:lnSpc>
                 <a:spcPct val="100000"/>
               </a:lnSpc>
@@ -19058,7 +22145,7 @@
             </a:endParaRPr>
           </a:p>
           <a:p>
-            <a:pPr indent="-252412" lvl="0" marL="341312" marR="0" rtl="0" algn="l">
+            <a:pPr indent="-252411" lvl="0" marL="341312" marR="0" rtl="0" algn="l">
               <a:lnSpc>
                 <a:spcPct val="100000"/>
               </a:lnSpc>
@@ -19087,41 +22174,10 @@
               </a:rPr>
               <a:t>High level goal(s):</a:t>
             </a:r>
-            <a:endParaRPr b="1" sz="1800">
-              <a:latin typeface="Times New Roman"/>
-              <a:ea typeface="Times New Roman"/>
-              <a:cs typeface="Times New Roman"/>
-              <a:sym typeface="Times New Roman"/>
-            </a:endParaRPr>
-          </a:p>
-          <a:p>
-            <a:pPr indent="-182562" lvl="1" marL="741362" rtl="0">
-              <a:lnSpc>
-                <a:spcPct val="115000"/>
-              </a:lnSpc>
-              <a:spcBef>
-                <a:spcPts val="0"/>
-              </a:spcBef>
-              <a:spcAft>
-                <a:spcPts val="0"/>
-              </a:spcAft>
-              <a:buClr>
-                <a:schemeClr val="dk1"/>
-              </a:buClr>
-              <a:buSzPts val="1200"/>
-              <a:buFont typeface="Times New Roman"/>
-              <a:buChar char="–"/>
-            </a:pPr>
-            <a:r>
-              <a:rPr lang="en-US" sz="1200">
-                <a:latin typeface="Times New Roman"/>
-                <a:ea typeface="Times New Roman"/>
-                <a:cs typeface="Times New Roman"/>
-                <a:sym typeface="Times New Roman"/>
-              </a:rPr>
-              <a:t>Be able to display paths that were created over time by UC Santa Cruz people</a:t>
-            </a:r>
-            <a:endParaRPr sz="1200">
+            <a:endParaRPr b="1" i="0" sz="1800" u="none" cap="none" strike="noStrike">
+              <a:solidFill>
+                <a:schemeClr val="dk1"/>
+              </a:solidFill>
               <a:latin typeface="Times New Roman"/>
               <a:ea typeface="Times New Roman"/>
               <a:cs typeface="Times New Roman"/>
@@ -19156,9 +22212,52 @@
                 <a:cs typeface="Times New Roman"/>
                 <a:sym typeface="Times New Roman"/>
               </a:rPr>
+              <a:t>Be able to display paths that were created over time by UC Santa Cruz people</a:t>
+            </a:r>
+            <a:endParaRPr b="0" i="0" sz="1200" u="none" cap="none" strike="noStrike">
+              <a:solidFill>
+                <a:schemeClr val="dk1"/>
+              </a:solidFill>
+              <a:latin typeface="Times New Roman"/>
+              <a:ea typeface="Times New Roman"/>
+              <a:cs typeface="Times New Roman"/>
+              <a:sym typeface="Times New Roman"/>
+            </a:endParaRPr>
+          </a:p>
+          <a:p>
+            <a:pPr indent="-182562" lvl="1" marL="741362" marR="0" rtl="0" algn="l">
+              <a:lnSpc>
+                <a:spcPct val="115000"/>
+              </a:lnSpc>
+              <a:spcBef>
+                <a:spcPts val="0"/>
+              </a:spcBef>
+              <a:spcAft>
+                <a:spcPts val="0"/>
+              </a:spcAft>
+              <a:buClr>
+                <a:schemeClr val="dk1"/>
+              </a:buClr>
+              <a:buSzPts val="1200"/>
+              <a:buFont typeface="Times New Roman"/>
+              <a:buChar char="–"/>
+            </a:pPr>
+            <a:r>
+              <a:rPr b="0" i="0" lang="en-US" sz="1200" u="none" cap="none" strike="noStrike">
+                <a:solidFill>
+                  <a:schemeClr val="dk1"/>
+                </a:solidFill>
+                <a:latin typeface="Times New Roman"/>
+                <a:ea typeface="Times New Roman"/>
+                <a:cs typeface="Times New Roman"/>
+                <a:sym typeface="Times New Roman"/>
+              </a:rPr>
               <a:t>Be able to represent graph data as a readable file</a:t>
             </a:r>
-            <a:endParaRPr sz="1200">
+            <a:endParaRPr b="0" i="0" sz="1200" u="none" cap="none" strike="noStrike">
+              <a:solidFill>
+                <a:schemeClr val="dk1"/>
+              </a:solidFill>
               <a:latin typeface="Times New Roman"/>
               <a:ea typeface="Times New Roman"/>
               <a:cs typeface="Times New Roman"/>
@@ -19344,7 +22443,10 @@
               <a:buChar char="–"/>
             </a:pPr>
             <a:r>
-              <a:rPr lang="en-US" sz="1200">
+              <a:rPr b="0" i="0" lang="en-US" sz="1200" u="none" cap="none" strike="noStrike">
+                <a:solidFill>
+                  <a:schemeClr val="dk1"/>
+                </a:solidFill>
                 <a:latin typeface="Times New Roman"/>
                 <a:ea typeface="Times New Roman"/>
                 <a:cs typeface="Times New Roman"/>
@@ -19352,7 +22454,10 @@
               </a:rPr>
               <a:t>Be able to display building maps for every building on campus</a:t>
             </a:r>
-            <a:endParaRPr sz="1200">
+            <a:endParaRPr b="0" i="0" sz="1200" u="none" cap="none" strike="noStrike">
+              <a:solidFill>
+                <a:schemeClr val="dk1"/>
+              </a:solidFill>
               <a:latin typeface="Times New Roman"/>
               <a:ea typeface="Times New Roman"/>
               <a:cs typeface="Times New Roman"/>
@@ -20515,7 +23620,7 @@
             </a:endParaRPr>
           </a:p>
           <a:p>
-            <a:pPr indent="-163511" lvl="0" marL="341312" marR="0" rtl="0" algn="l">
+            <a:pPr indent="-163510" lvl="0" marL="341312" marR="0" rtl="0" algn="l">
               <a:lnSpc>
                 <a:spcPct val="100000"/>
               </a:lnSpc>
@@ -20990,7 +24095,7 @@
             </a:endParaRPr>
           </a:p>
           <a:p>
-            <a:pPr indent="-163511" lvl="0" marL="341312" marR="0" rtl="0" algn="l">
+            <a:pPr indent="-163510" lvl="0" marL="341312" marR="0" rtl="0" algn="l">
               <a:lnSpc>
                 <a:spcPct val="100000"/>
               </a:lnSpc>
@@ -21600,7 +24705,7 @@
             </a:endParaRPr>
           </a:p>
           <a:p>
-            <a:pPr indent="-163511" lvl="0" marL="341312" marR="0" rtl="0" algn="l">
+            <a:pPr indent="-163510" lvl="0" marL="341312" marR="0" rtl="0" algn="l">
               <a:lnSpc>
                 <a:spcPct val="100000"/>
               </a:lnSpc>
@@ -21995,7 +25100,7 @@
             </a:endParaRPr>
           </a:p>
           <a:p>
-            <a:pPr indent="-163511" lvl="0" marL="341312" marR="0" rtl="0" algn="l">
+            <a:pPr indent="-163510" lvl="0" marL="341312" marR="0" rtl="0" algn="l">
               <a:lnSpc>
                 <a:spcPct val="100000"/>
               </a:lnSpc>
@@ -22390,7 +25495,7 @@
             </a:endParaRPr>
           </a:p>
           <a:p>
-            <a:pPr indent="-163511" lvl="0" marL="341312" marR="0" rtl="0" algn="l">
+            <a:pPr indent="-163510" lvl="0" marL="341312" marR="0" rtl="0" algn="l">
               <a:lnSpc>
                 <a:spcPct val="100000"/>
               </a:lnSpc>
@@ -22501,6 +25606,285 @@
 </file>
 
 <file path=ppt/theme/theme1.xml><?xml version="1.0" encoding="utf-8"?>
+<a:theme xmlns:a="http://schemas.openxmlformats.org/drawingml/2006/main" xmlns:r="http://schemas.openxmlformats.org/officeDocument/2006/relationships" name="Custom Theme">
+  <a:themeElements>
+    <a:clrScheme name="Default">
+      <a:dk1>
+        <a:srgbClr val="000000"/>
+      </a:dk1>
+      <a:lt1>
+        <a:srgbClr val="FFFFFF"/>
+      </a:lt1>
+      <a:dk2>
+        <a:srgbClr val="158158"/>
+      </a:dk2>
+      <a:lt2>
+        <a:srgbClr val="F3F3F3"/>
+      </a:lt2>
+      <a:accent1>
+        <a:srgbClr val="058DC7"/>
+      </a:accent1>
+      <a:accent2>
+        <a:srgbClr val="50B432"/>
+      </a:accent2>
+      <a:accent3>
+        <a:srgbClr val="ED561B"/>
+      </a:accent3>
+      <a:accent4>
+        <a:srgbClr val="EDEF00"/>
+      </a:accent4>
+      <a:accent5>
+        <a:srgbClr val="24CBE5"/>
+      </a:accent5>
+      <a:accent6>
+        <a:srgbClr val="64E572"/>
+      </a:accent6>
+      <a:hlink>
+        <a:srgbClr val="2200CC"/>
+      </a:hlink>
+      <a:folHlink>
+        <a:srgbClr val="551A8B"/>
+      </a:folHlink>
+    </a:clrScheme>
+    <a:fontScheme name="Office">
+      <a:majorFont>
+        <a:latin typeface="Arial"/>
+        <a:ea typeface=""/>
+        <a:cs typeface=""/>
+        <a:font script="Jpan" typeface="ＭＳ Ｐゴシック"/>
+        <a:font script="Hang" typeface="맑은 고딕"/>
+        <a:font script="Hans" typeface="宋体"/>
+        <a:font script="Hant" typeface="新細明體"/>
+        <a:font script="Arab" typeface="Times New Roman"/>
+        <a:font script="Hebr" typeface="Times New Roman"/>
+        <a:font script="Thai" typeface="Angsana New"/>
+        <a:font script="Ethi" typeface="Nyala"/>
+        <a:font script="Beng" typeface="Vrinda"/>
+        <a:font script="Gujr" typeface="Shruti"/>
+        <a:font script="Khmr" typeface="MoolBoran"/>
+        <a:font script="Knda" typeface="Tunga"/>
+        <a:font script="Guru" typeface="Raavi"/>
+        <a:font script="Cans" typeface="Euphemia"/>
+        <a:font script="Cher" typeface="Plantagenet Cherokee"/>
+        <a:font script="Yiii" typeface="Microsoft Yi Baiti"/>
+        <a:font script="Tibt" typeface="Microsoft Himalaya"/>
+        <a:font script="Thaa" typeface="MV Boli"/>
+        <a:font script="Deva" typeface="Mangal"/>
+        <a:font script="Telu" typeface="Gautami"/>
+        <a:font script="Taml" typeface="Latha"/>
+        <a:font script="Syrc" typeface="Estrangelo Edessa"/>
+        <a:font script="Orya" typeface="Kalinga"/>
+        <a:font script="Mlym" typeface="Kartika"/>
+        <a:font script="Laoo" typeface="DokChampa"/>
+        <a:font script="Sinh" typeface="Iskoola Pota"/>
+        <a:font script="Mong" typeface="Mongolian Baiti"/>
+        <a:font script="Viet" typeface="Times New Roman"/>
+        <a:font script="Uigh" typeface="Microsoft Uighur"/>
+        <a:font script="Geor" typeface="Sylfaen"/>
+      </a:majorFont>
+      <a:minorFont>
+        <a:latin typeface="Arial"/>
+        <a:ea typeface=""/>
+        <a:cs typeface=""/>
+        <a:font script="Jpan" typeface="ＭＳ Ｐゴシック"/>
+        <a:font script="Hang" typeface="맑은 고딕"/>
+        <a:font script="Hans" typeface="宋体"/>
+        <a:font script="Hant" typeface="新細明體"/>
+        <a:font script="Arab" typeface="Arial"/>
+        <a:font script="Hebr" typeface="Arial"/>
+        <a:font script="Thai" typeface="Cordia New"/>
+        <a:font script="Ethi" typeface="Nyala"/>
+        <a:font script="Beng" typeface="Vrinda"/>
+        <a:font script="Gujr" typeface="Shruti"/>
+        <a:font script="Khmr" typeface="DaunPenh"/>
+        <a:font script="Knda" typeface="Tunga"/>
+        <a:font script="Guru" typeface="Raavi"/>
+        <a:font script="Cans" typeface="Euphemia"/>
+        <a:font script="Cher" typeface="Plantagenet Cherokee"/>
+        <a:font script="Yiii" typeface="Microsoft Yi Baiti"/>
+        <a:font script="Tibt" typeface="Microsoft Himalaya"/>
+        <a:font script="Thaa" typeface="MV Boli"/>
+        <a:font script="Deva" typeface="Mangal"/>
+        <a:font script="Telu" typeface="Gautami"/>
+        <a:font script="Taml" typeface="Latha"/>
+        <a:font script="Syrc" typeface="Estrangelo Edessa"/>
+        <a:font script="Orya" typeface="Kalinga"/>
+        <a:font script="Mlym" typeface="Kartika"/>
+        <a:font script="Laoo" typeface="DokChampa"/>
+        <a:font script="Sinh" typeface="Iskoola Pota"/>
+        <a:font script="Mong" typeface="Mongolian Baiti"/>
+        <a:font script="Viet" typeface="Arial"/>
+        <a:font script="Uigh" typeface="Microsoft Uighur"/>
+        <a:font script="Geor" typeface="Sylfaen"/>
+      </a:minorFont>
+    </a:fontScheme>
+    <a:fmtScheme name="Office">
+      <a:fillStyleLst>
+        <a:solidFill>
+          <a:schemeClr val="phClr"/>
+        </a:solidFill>
+        <a:gradFill rotWithShape="1">
+          <a:gsLst>
+            <a:gs pos="0">
+              <a:schemeClr val="phClr">
+                <a:tint val="50000"/>
+                <a:satMod val="300000"/>
+              </a:schemeClr>
+            </a:gs>
+            <a:gs pos="35000">
+              <a:schemeClr val="phClr">
+                <a:tint val="37000"/>
+                <a:satMod val="300000"/>
+              </a:schemeClr>
+            </a:gs>
+            <a:gs pos="100000">
+              <a:schemeClr val="phClr">
+                <a:tint val="15000"/>
+                <a:satMod val="350000"/>
+              </a:schemeClr>
+            </a:gs>
+          </a:gsLst>
+          <a:lin ang="16200000" scaled="1"/>
+        </a:gradFill>
+        <a:gradFill rotWithShape="1">
+          <a:gsLst>
+            <a:gs pos="0">
+              <a:schemeClr val="phClr">
+                <a:tint val="100000"/>
+                <a:shade val="100000"/>
+                <a:satMod val="130000"/>
+              </a:schemeClr>
+            </a:gs>
+            <a:gs pos="100000">
+              <a:schemeClr val="phClr">
+                <a:tint val="50000"/>
+                <a:shade val="100000"/>
+                <a:satMod val="350000"/>
+              </a:schemeClr>
+            </a:gs>
+          </a:gsLst>
+          <a:lin ang="16200000" scaled="0"/>
+        </a:gradFill>
+      </a:fillStyleLst>
+      <a:lnStyleLst>
+        <a:ln w="9525" cap="flat" cmpd="sng" algn="ctr">
+          <a:solidFill>
+            <a:schemeClr val="phClr">
+              <a:shade val="95000"/>
+              <a:satMod val="105000"/>
+            </a:schemeClr>
+          </a:solidFill>
+          <a:prstDash val="solid"/>
+        </a:ln>
+        <a:ln w="25400" cap="flat" cmpd="sng" algn="ctr">
+          <a:solidFill>
+            <a:schemeClr val="phClr"/>
+          </a:solidFill>
+          <a:prstDash val="solid"/>
+        </a:ln>
+        <a:ln w="38100" cap="flat" cmpd="sng" algn="ctr">
+          <a:solidFill>
+            <a:schemeClr val="phClr"/>
+          </a:solidFill>
+          <a:prstDash val="solid"/>
+        </a:ln>
+      </a:lnStyleLst>
+      <a:effectStyleLst>
+        <a:effectStyle>
+          <a:effectLst>
+            <a:outerShdw blurRad="40000" dist="20000" dir="5400000" rotWithShape="0">
+              <a:srgbClr val="000000">
+                <a:alpha val="38000"/>
+              </a:srgbClr>
+            </a:outerShdw>
+          </a:effectLst>
+        </a:effectStyle>
+        <a:effectStyle>
+          <a:effectLst>
+            <a:outerShdw blurRad="40000" dist="23000" dir="5400000" rotWithShape="0">
+              <a:srgbClr val="000000">
+                <a:alpha val="35000"/>
+              </a:srgbClr>
+            </a:outerShdw>
+          </a:effectLst>
+        </a:effectStyle>
+        <a:effectStyle>
+          <a:effectLst>
+            <a:outerShdw blurRad="40000" dist="23000" dir="5400000" rotWithShape="0">
+              <a:srgbClr val="000000">
+                <a:alpha val="35000"/>
+              </a:srgbClr>
+            </a:outerShdw>
+          </a:effectLst>
+          <a:scene3d>
+            <a:camera prst="orthographicFront">
+              <a:rot lat="0" lon="0" rev="0"/>
+            </a:camera>
+            <a:lightRig rig="threePt" dir="t">
+              <a:rot lat="0" lon="0" rev="1200000"/>
+            </a:lightRig>
+          </a:scene3d>
+          <a:sp3d>
+            <a:bevelT w="63500" h="25400"/>
+          </a:sp3d>
+        </a:effectStyle>
+      </a:effectStyleLst>
+      <a:bgFillStyleLst>
+        <a:solidFill>
+          <a:schemeClr val="phClr"/>
+        </a:solidFill>
+        <a:gradFill rotWithShape="1">
+          <a:gsLst>
+            <a:gs pos="0">
+              <a:schemeClr val="phClr">
+                <a:tint val="40000"/>
+                <a:satMod val="350000"/>
+              </a:schemeClr>
+            </a:gs>
+            <a:gs pos="40000">
+              <a:schemeClr val="phClr">
+                <a:tint val="45000"/>
+                <a:shade val="99000"/>
+                <a:satMod val="350000"/>
+              </a:schemeClr>
+            </a:gs>
+            <a:gs pos="100000">
+              <a:schemeClr val="phClr">
+                <a:shade val="20000"/>
+                <a:satMod val="255000"/>
+              </a:schemeClr>
+            </a:gs>
+          </a:gsLst>
+          <a:path path="circle">
+            <a:fillToRect l="50000" t="-80000" r="50000" b="180000"/>
+          </a:path>
+        </a:gradFill>
+        <a:gradFill rotWithShape="1">
+          <a:gsLst>
+            <a:gs pos="0">
+              <a:schemeClr val="phClr">
+                <a:tint val="80000"/>
+                <a:satMod val="300000"/>
+              </a:schemeClr>
+            </a:gs>
+            <a:gs pos="100000">
+              <a:schemeClr val="phClr">
+                <a:shade val="30000"/>
+                <a:satMod val="200000"/>
+              </a:schemeClr>
+            </a:gs>
+          </a:gsLst>
+          <a:path path="circle">
+            <a:fillToRect l="50000" t="50000" r="50000" b="50000"/>
+          </a:path>
+        </a:gradFill>
+      </a:bgFillStyleLst>
+    </a:fmtScheme>
+  </a:themeElements>
+</a:theme>
+</file>
+
+<file path=ppt/theme/theme2.xml><?xml version="1.0" encoding="utf-8"?>
 <a:theme xmlns:a="http://schemas.openxmlformats.org/drawingml/2006/main" xmlns:r="http://schemas.openxmlformats.org/officeDocument/2006/relationships" name="Office Theme">
   <a:themeElements>
     <a:clrScheme name="Office">
@@ -22777,283 +26161,4 @@
     </a:fmtScheme>
   </a:themeElements>
 </a:theme>
-</file>
-
-<file path=ppt/theme/theme2.xml><?xml version="1.0" encoding="utf-8"?>
-<a:theme xmlns:a="http://schemas.openxmlformats.org/drawingml/2006/main" xmlns:r="http://schemas.openxmlformats.org/officeDocument/2006/relationships" name="Custom Theme">
-  <a:themeElements>
-    <a:clrScheme name="Default">
-      <a:dk1>
-        <a:srgbClr val="000000"/>
-      </a:dk1>
-      <a:lt1>
-        <a:srgbClr val="FFFFFF"/>
-      </a:lt1>
-      <a:dk2>
-        <a:srgbClr val="158158"/>
-      </a:dk2>
-      <a:lt2>
-        <a:srgbClr val="F3F3F3"/>
-      </a:lt2>
-      <a:accent1>
-        <a:srgbClr val="058DC7"/>
-      </a:accent1>
-      <a:accent2>
-        <a:srgbClr val="50B432"/>
-      </a:accent2>
-      <a:accent3>
-        <a:srgbClr val="ED561B"/>
-      </a:accent3>
-      <a:accent4>
-        <a:srgbClr val="EDEF00"/>
-      </a:accent4>
-      <a:accent5>
-        <a:srgbClr val="24CBE5"/>
-      </a:accent5>
-      <a:accent6>
-        <a:srgbClr val="64E572"/>
-      </a:accent6>
-      <a:hlink>
-        <a:srgbClr val="2200CC"/>
-      </a:hlink>
-      <a:folHlink>
-        <a:srgbClr val="551A8B"/>
-      </a:folHlink>
-    </a:clrScheme>
-    <a:fontScheme name="Office">
-      <a:majorFont>
-        <a:latin typeface="Arial"/>
-        <a:ea typeface=""/>
-        <a:cs typeface=""/>
-        <a:font script="Jpan" typeface="ＭＳ Ｐゴシック"/>
-        <a:font script="Hang" typeface="맑은 고딕"/>
-        <a:font script="Hans" typeface="宋体"/>
-        <a:font script="Hant" typeface="新細明體"/>
-        <a:font script="Arab" typeface="Times New Roman"/>
-        <a:font script="Hebr" typeface="Times New Roman"/>
-        <a:font script="Thai" typeface="Angsana New"/>
-        <a:font script="Ethi" typeface="Nyala"/>
-        <a:font script="Beng" typeface="Vrinda"/>
-        <a:font script="Gujr" typeface="Shruti"/>
-        <a:font script="Khmr" typeface="MoolBoran"/>
-        <a:font script="Knda" typeface="Tunga"/>
-        <a:font script="Guru" typeface="Raavi"/>
-        <a:font script="Cans" typeface="Euphemia"/>
-        <a:font script="Cher" typeface="Plantagenet Cherokee"/>
-        <a:font script="Yiii" typeface="Microsoft Yi Baiti"/>
-        <a:font script="Tibt" typeface="Microsoft Himalaya"/>
-        <a:font script="Thaa" typeface="MV Boli"/>
-        <a:font script="Deva" typeface="Mangal"/>
-        <a:font script="Telu" typeface="Gautami"/>
-        <a:font script="Taml" typeface="Latha"/>
-        <a:font script="Syrc" typeface="Estrangelo Edessa"/>
-        <a:font script="Orya" typeface="Kalinga"/>
-        <a:font script="Mlym" typeface="Kartika"/>
-        <a:font script="Laoo" typeface="DokChampa"/>
-        <a:font script="Sinh" typeface="Iskoola Pota"/>
-        <a:font script="Mong" typeface="Mongolian Baiti"/>
-        <a:font script="Viet" typeface="Times New Roman"/>
-        <a:font script="Uigh" typeface="Microsoft Uighur"/>
-        <a:font script="Geor" typeface="Sylfaen"/>
-      </a:majorFont>
-      <a:minorFont>
-        <a:latin typeface="Arial"/>
-        <a:ea typeface=""/>
-        <a:cs typeface=""/>
-        <a:font script="Jpan" typeface="ＭＳ Ｐゴシック"/>
-        <a:font script="Hang" typeface="맑은 고딕"/>
-        <a:font script="Hans" typeface="宋体"/>
-        <a:font script="Hant" typeface="新細明體"/>
-        <a:font script="Arab" typeface="Arial"/>
-        <a:font script="Hebr" typeface="Arial"/>
-        <a:font script="Thai" typeface="Cordia New"/>
-        <a:font script="Ethi" typeface="Nyala"/>
-        <a:font script="Beng" typeface="Vrinda"/>
-        <a:font script="Gujr" typeface="Shruti"/>
-        <a:font script="Khmr" typeface="DaunPenh"/>
-        <a:font script="Knda" typeface="Tunga"/>
-        <a:font script="Guru" typeface="Raavi"/>
-        <a:font script="Cans" typeface="Euphemia"/>
-        <a:font script="Cher" typeface="Plantagenet Cherokee"/>
-        <a:font script="Yiii" typeface="Microsoft Yi Baiti"/>
-        <a:font script="Tibt" typeface="Microsoft Himalaya"/>
-        <a:font script="Thaa" typeface="MV Boli"/>
-        <a:font script="Deva" typeface="Mangal"/>
-        <a:font script="Telu" typeface="Gautami"/>
-        <a:font script="Taml" typeface="Latha"/>
-        <a:font script="Syrc" typeface="Estrangelo Edessa"/>
-        <a:font script="Orya" typeface="Kalinga"/>
-        <a:font script="Mlym" typeface="Kartika"/>
-        <a:font script="Laoo" typeface="DokChampa"/>
-        <a:font script="Sinh" typeface="Iskoola Pota"/>
-        <a:font script="Mong" typeface="Mongolian Baiti"/>
-        <a:font script="Viet" typeface="Arial"/>
-        <a:font script="Uigh" typeface="Microsoft Uighur"/>
-        <a:font script="Geor" typeface="Sylfaen"/>
-      </a:minorFont>
-    </a:fontScheme>
-    <a:fmtScheme name="Office">
-      <a:fillStyleLst>
-        <a:solidFill>
-          <a:schemeClr val="phClr"/>
-        </a:solidFill>
-        <a:gradFill rotWithShape="1">
-          <a:gsLst>
-            <a:gs pos="0">
-              <a:schemeClr val="phClr">
-                <a:tint val="50000"/>
-                <a:satMod val="300000"/>
-              </a:schemeClr>
-            </a:gs>
-            <a:gs pos="35000">
-              <a:schemeClr val="phClr">
-                <a:tint val="37000"/>
-                <a:satMod val="300000"/>
-              </a:schemeClr>
-            </a:gs>
-            <a:gs pos="100000">
-              <a:schemeClr val="phClr">
-                <a:tint val="15000"/>
-                <a:satMod val="350000"/>
-              </a:schemeClr>
-            </a:gs>
-          </a:gsLst>
-          <a:lin ang="16200000" scaled="1"/>
-        </a:gradFill>
-        <a:gradFill rotWithShape="1">
-          <a:gsLst>
-            <a:gs pos="0">
-              <a:schemeClr val="phClr">
-                <a:tint val="100000"/>
-                <a:shade val="100000"/>
-                <a:satMod val="130000"/>
-              </a:schemeClr>
-            </a:gs>
-            <a:gs pos="100000">
-              <a:schemeClr val="phClr">
-                <a:tint val="50000"/>
-                <a:shade val="100000"/>
-                <a:satMod val="350000"/>
-              </a:schemeClr>
-            </a:gs>
-          </a:gsLst>
-          <a:lin ang="16200000" scaled="0"/>
-        </a:gradFill>
-      </a:fillStyleLst>
-      <a:lnStyleLst>
-        <a:ln w="9525" cap="flat" cmpd="sng" algn="ctr">
-          <a:solidFill>
-            <a:schemeClr val="phClr">
-              <a:shade val="95000"/>
-              <a:satMod val="105000"/>
-            </a:schemeClr>
-          </a:solidFill>
-          <a:prstDash val="solid"/>
-        </a:ln>
-        <a:ln w="25400" cap="flat" cmpd="sng" algn="ctr">
-          <a:solidFill>
-            <a:schemeClr val="phClr"/>
-          </a:solidFill>
-          <a:prstDash val="solid"/>
-        </a:ln>
-        <a:ln w="38100" cap="flat" cmpd="sng" algn="ctr">
-          <a:solidFill>
-            <a:schemeClr val="phClr"/>
-          </a:solidFill>
-          <a:prstDash val="solid"/>
-        </a:ln>
-      </a:lnStyleLst>
-      <a:effectStyleLst>
-        <a:effectStyle>
-          <a:effectLst>
-            <a:outerShdw blurRad="40000" dist="20000" dir="5400000" rotWithShape="0">
-              <a:srgbClr val="000000">
-                <a:alpha val="38000"/>
-              </a:srgbClr>
-            </a:outerShdw>
-          </a:effectLst>
-        </a:effectStyle>
-        <a:effectStyle>
-          <a:effectLst>
-            <a:outerShdw blurRad="40000" dist="23000" dir="5400000" rotWithShape="0">
-              <a:srgbClr val="000000">
-                <a:alpha val="35000"/>
-              </a:srgbClr>
-            </a:outerShdw>
-          </a:effectLst>
-        </a:effectStyle>
-        <a:effectStyle>
-          <a:effectLst>
-            <a:outerShdw blurRad="40000" dist="23000" dir="5400000" rotWithShape="0">
-              <a:srgbClr val="000000">
-                <a:alpha val="35000"/>
-              </a:srgbClr>
-            </a:outerShdw>
-          </a:effectLst>
-          <a:scene3d>
-            <a:camera prst="orthographicFront">
-              <a:rot lat="0" lon="0" rev="0"/>
-            </a:camera>
-            <a:lightRig rig="threePt" dir="t">
-              <a:rot lat="0" lon="0" rev="1200000"/>
-            </a:lightRig>
-          </a:scene3d>
-          <a:sp3d>
-            <a:bevelT w="63500" h="25400"/>
-          </a:sp3d>
-        </a:effectStyle>
-      </a:effectStyleLst>
-      <a:bgFillStyleLst>
-        <a:solidFill>
-          <a:schemeClr val="phClr"/>
-        </a:solidFill>
-        <a:gradFill rotWithShape="1">
-          <a:gsLst>
-            <a:gs pos="0">
-              <a:schemeClr val="phClr">
-                <a:tint val="40000"/>
-                <a:satMod val="350000"/>
-              </a:schemeClr>
-            </a:gs>
-            <a:gs pos="40000">
-              <a:schemeClr val="phClr">
-                <a:tint val="45000"/>
-                <a:shade val="99000"/>
-                <a:satMod val="350000"/>
-              </a:schemeClr>
-            </a:gs>
-            <a:gs pos="100000">
-              <a:schemeClr val="phClr">
-                <a:shade val="20000"/>
-                <a:satMod val="255000"/>
-              </a:schemeClr>
-            </a:gs>
-          </a:gsLst>
-          <a:path path="circle">
-            <a:fillToRect l="50000" t="-80000" r="50000" b="180000"/>
-          </a:path>
-        </a:gradFill>
-        <a:gradFill rotWithShape="1">
-          <a:gsLst>
-            <a:gs pos="0">
-              <a:schemeClr val="phClr">
-                <a:tint val="80000"/>
-                <a:satMod val="300000"/>
-              </a:schemeClr>
-            </a:gs>
-            <a:gs pos="100000">
-              <a:schemeClr val="phClr">
-                <a:shade val="30000"/>
-                <a:satMod val="200000"/>
-              </a:schemeClr>
-            </a:gs>
-          </a:gsLst>
-          <a:path path="circle">
-            <a:fillToRect l="50000" t="50000" r="50000" b="50000"/>
-          </a:path>
-        </a:gradFill>
-      </a:bgFillStyleLst>
-    </a:fmtScheme>
-  </a:themeElements>
-</a:theme>
 </file>
--- a/Documentation/Release Plan Presentation.pptx
+++ b/Documentation/Release Plan Presentation.pptx
@@ -311,8 +311,8 @@
             </a:solidFill>
             <a:prstDash val="solid"/>
             <a:round/>
-            <a:headEnd len="med" w="med" type="none"/>
-            <a:tailEnd len="med" w="med" type="none"/>
+            <a:headEnd len="sm" w="sm" type="none"/>
+            <a:tailEnd len="sm" w="sm" type="none"/>
           </a:ln>
         </p:spPr>
       </p:sp>
@@ -788,8 +788,8 @@
             </a:solidFill>
             <a:prstDash val="solid"/>
             <a:round/>
-            <a:headEnd len="med" w="med" type="none"/>
-            <a:tailEnd len="med" w="med" type="none"/>
+            <a:headEnd len="sm" w="sm" type="none"/>
+            <a:tailEnd len="sm" w="sm" type="none"/>
           </a:ln>
         </p:spPr>
       </p:sp>
@@ -902,8 +902,8 @@
             </a:solidFill>
             <a:prstDash val="solid"/>
             <a:round/>
-            <a:headEnd len="med" w="med" type="none"/>
-            <a:tailEnd len="med" w="med" type="none"/>
+            <a:headEnd len="sm" w="sm" type="none"/>
+            <a:tailEnd len="sm" w="sm" type="none"/>
           </a:ln>
         </p:spPr>
       </p:sp>
@@ -920,7 +920,7 @@
   <p:cSld>
     <p:spTree>
       <p:nvGrpSpPr>
-        <p:cNvPr id="170" name="Shape 170"/>
+        <p:cNvPr id="172" name="Shape 172"/>
         <p:cNvGrpSpPr/>
         <p:nvPr/>
       </p:nvGrpSpPr>
@@ -934,7 +934,7 @@
       </p:grpSpPr>
       <p:sp>
         <p:nvSpPr>
-          <p:cNvPr id="171" name="Shape 171"/>
+          <p:cNvPr id="173" name="Shape 173"/>
           <p:cNvSpPr txBox="1"/>
           <p:nvPr>
             <p:ph idx="1" type="body"/>
@@ -979,7 +979,7 @@
       </p:sp>
       <p:sp>
         <p:nvSpPr>
-          <p:cNvPr id="172" name="Shape 172"/>
+          <p:cNvPr id="174" name="Shape 174"/>
           <p:cNvSpPr/>
           <p:nvPr>
             <p:ph idx="2" type="sldImg"/>
@@ -1016,8 +1016,8 @@
             </a:solidFill>
             <a:prstDash val="solid"/>
             <a:round/>
-            <a:headEnd len="med" w="med" type="none"/>
-            <a:tailEnd len="med" w="med" type="none"/>
+            <a:headEnd len="sm" w="sm" type="none"/>
+            <a:tailEnd len="sm" w="sm" type="none"/>
           </a:ln>
         </p:spPr>
       </p:sp>
@@ -1034,7 +1034,7 @@
   <p:cSld>
     <p:spTree>
       <p:nvGrpSpPr>
-        <p:cNvPr id="181" name="Shape 181"/>
+        <p:cNvPr id="183" name="Shape 183"/>
         <p:cNvGrpSpPr/>
         <p:nvPr/>
       </p:nvGrpSpPr>
@@ -1048,7 +1048,7 @@
       </p:grpSpPr>
       <p:sp>
         <p:nvSpPr>
-          <p:cNvPr id="182" name="Shape 182"/>
+          <p:cNvPr id="184" name="Shape 184"/>
           <p:cNvSpPr txBox="1"/>
           <p:nvPr>
             <p:ph idx="1" type="body"/>
@@ -1093,7 +1093,7 @@
       </p:sp>
       <p:sp>
         <p:nvSpPr>
-          <p:cNvPr id="183" name="Shape 183"/>
+          <p:cNvPr id="185" name="Shape 185"/>
           <p:cNvSpPr/>
           <p:nvPr>
             <p:ph idx="2" type="sldImg"/>
@@ -1130,8 +1130,8 @@
             </a:solidFill>
             <a:prstDash val="solid"/>
             <a:round/>
-            <a:headEnd len="med" w="med" type="none"/>
-            <a:tailEnd len="med" w="med" type="none"/>
+            <a:headEnd len="sm" w="sm" type="none"/>
+            <a:tailEnd len="sm" w="sm" type="none"/>
           </a:ln>
         </p:spPr>
       </p:sp>
@@ -1244,8 +1244,8 @@
             </a:solidFill>
             <a:prstDash val="solid"/>
             <a:round/>
-            <a:headEnd len="med" w="med" type="none"/>
-            <a:tailEnd len="med" w="med" type="none"/>
+            <a:headEnd len="sm" w="sm" type="none"/>
+            <a:tailEnd len="sm" w="sm" type="none"/>
           </a:ln>
         </p:spPr>
       </p:sp>
@@ -1358,8 +1358,8 @@
             </a:solidFill>
             <a:prstDash val="solid"/>
             <a:round/>
-            <a:headEnd len="med" w="med" type="none"/>
-            <a:tailEnd len="med" w="med" type="none"/>
+            <a:headEnd len="sm" w="sm" type="none"/>
+            <a:tailEnd len="sm" w="sm" type="none"/>
           </a:ln>
         </p:spPr>
       </p:sp>
@@ -1472,8 +1472,8 @@
             </a:solidFill>
             <a:prstDash val="solid"/>
             <a:round/>
-            <a:headEnd len="med" w="med" type="none"/>
-            <a:tailEnd len="med" w="med" type="none"/>
+            <a:headEnd len="sm" w="sm" type="none"/>
+            <a:tailEnd len="sm" w="sm" type="none"/>
           </a:ln>
         </p:spPr>
       </p:sp>
@@ -1586,8 +1586,8 @@
             </a:solidFill>
             <a:prstDash val="solid"/>
             <a:round/>
-            <a:headEnd len="med" w="med" type="none"/>
-            <a:tailEnd len="med" w="med" type="none"/>
+            <a:headEnd len="sm" w="sm" type="none"/>
+            <a:tailEnd len="sm" w="sm" type="none"/>
           </a:ln>
         </p:spPr>
       </p:sp>
@@ -1700,8 +1700,8 @@
             </a:solidFill>
             <a:prstDash val="solid"/>
             <a:round/>
-            <a:headEnd len="med" w="med" type="none"/>
-            <a:tailEnd len="med" w="med" type="none"/>
+            <a:headEnd len="sm" w="sm" type="none"/>
+            <a:tailEnd len="sm" w="sm" type="none"/>
           </a:ln>
         </p:spPr>
       </p:sp>
@@ -1814,8 +1814,8 @@
             </a:solidFill>
             <a:prstDash val="solid"/>
             <a:round/>
-            <a:headEnd len="med" w="med" type="none"/>
-            <a:tailEnd len="med" w="med" type="none"/>
+            <a:headEnd len="sm" w="sm" type="none"/>
+            <a:tailEnd len="sm" w="sm" type="none"/>
           </a:ln>
         </p:spPr>
       </p:sp>
@@ -1928,8 +1928,8 @@
             </a:solidFill>
             <a:prstDash val="solid"/>
             <a:round/>
-            <a:headEnd len="med" w="med" type="none"/>
-            <a:tailEnd len="med" w="med" type="none"/>
+            <a:headEnd len="sm" w="sm" type="none"/>
+            <a:tailEnd len="sm" w="sm" type="none"/>
           </a:ln>
         </p:spPr>
       </p:sp>
@@ -2042,8 +2042,8 @@
             </a:solidFill>
             <a:prstDash val="solid"/>
             <a:round/>
-            <a:headEnd len="med" w="med" type="none"/>
-            <a:tailEnd len="med" w="med" type="none"/>
+            <a:headEnd len="sm" w="sm" type="none"/>
+            <a:tailEnd len="sm" w="sm" type="none"/>
           </a:ln>
         </p:spPr>
       </p:sp>
@@ -20187,16 +20187,25 @@
               <a:buNone/>
             </a:pPr>
             <a:r>
-              <a:rPr b="0" i="0" lang="en-US" sz="4000" u="none" cap="none" strike="noStrike">
-                <a:solidFill>
-                  <a:schemeClr val="dk1"/>
-                </a:solidFill>
+              <a:rPr lang="en-US" sz="4000">
                 <a:latin typeface="Times New Roman"/>
                 <a:ea typeface="Times New Roman"/>
                 <a:cs typeface="Times New Roman"/>
                 <a:sym typeface="Times New Roman"/>
               </a:rPr>
-              <a:t>January 17, 2018</a:t>
+              <a:t>March 11</a:t>
+            </a:r>
+            <a:r>
+              <a:rPr b="0" i="0" lang="en-US" sz="4000" u="none" cap="none" strike="noStrike">
+                <a:solidFill>
+                  <a:schemeClr val="dk1"/>
+                </a:solidFill>
+                <a:latin typeface="Times New Roman"/>
+                <a:ea typeface="Times New Roman"/>
+                <a:cs typeface="Times New Roman"/>
+                <a:sym typeface="Times New Roman"/>
+              </a:rPr>
+              <a:t>, 2018</a:t>
             </a:r>
             <a:endParaRPr b="0" i="0" sz="4000" u="none" cap="none" strike="noStrike">
               <a:solidFill>
@@ -20477,7 +20486,7 @@
         <p:spPr>
           <a:xfrm>
             <a:off x="457200" y="2133600"/>
-            <a:ext cx="8229600" cy="3992562"/>
+            <a:ext cx="8229600" cy="3992700"/>
           </a:xfrm>
           <a:prstGeom prst="rect">
             <a:avLst/>
@@ -20646,10 +20655,44 @@
               <a:solidFill>
                 <a:schemeClr val="dk1"/>
               </a:solidFill>
-              <a:latin typeface="Calibri"/>
-              <a:ea typeface="Calibri"/>
-              <a:cs typeface="Calibri"/>
-              <a:sym typeface="Calibri"/>
+              <a:latin typeface="Times New Roman"/>
+              <a:ea typeface="Times New Roman"/>
+              <a:cs typeface="Times New Roman"/>
+              <a:sym typeface="Times New Roman"/>
+            </a:endParaRPr>
+          </a:p>
+          <a:p>
+            <a:pPr indent="-431800" lvl="0" marL="457200" marR="0" rtl="0" algn="l">
+              <a:lnSpc>
+                <a:spcPct val="100000"/>
+              </a:lnSpc>
+              <a:spcBef>
+                <a:spcPts val="0"/>
+              </a:spcBef>
+              <a:spcAft>
+                <a:spcPts val="0"/>
+              </a:spcAft>
+              <a:buClr>
+                <a:schemeClr val="dk1"/>
+              </a:buClr>
+              <a:buSzPts val="3200"/>
+              <a:buFont typeface="Times New Roman"/>
+              <a:buChar char="•"/>
+            </a:pPr>
+            <a:r>
+              <a:rPr lang="en-US">
+                <a:latin typeface="Times New Roman"/>
+                <a:ea typeface="Times New Roman"/>
+                <a:cs typeface="Times New Roman"/>
+                <a:sym typeface="Times New Roman"/>
+              </a:rPr>
+              <a:t>Boostrap</a:t>
+            </a:r>
+            <a:endParaRPr>
+              <a:latin typeface="Times New Roman"/>
+              <a:ea typeface="Times New Roman"/>
+              <a:cs typeface="Times New Roman"/>
+              <a:sym typeface="Times New Roman"/>
             </a:endParaRPr>
           </a:p>
           <a:p>
@@ -20755,6 +20798,61 @@
           </a:p>
         </p:txBody>
       </p:sp>
+      <p:pic>
+        <p:nvPicPr>
+          <p:cNvPr id="170" name="Shape 170"/>
+          <p:cNvPicPr preferRelativeResize="0"/>
+          <p:nvPr/>
+        </p:nvPicPr>
+        <p:blipFill rotWithShape="1">
+          <a:blip r:embed="rId4">
+            <a:alphaModFix/>
+          </a:blip>
+          <a:srcRect b="0" l="0" r="0" t="0"/>
+          <a:stretch/>
+        </p:blipFill>
+        <p:spPr>
+          <a:xfrm>
+            <a:off x="3998000" y="3826650"/>
+            <a:ext cx="3924675" cy="2299650"/>
+          </a:xfrm>
+          <a:prstGeom prst="rect">
+            <a:avLst/>
+          </a:prstGeom>
+          <a:noFill/>
+          <a:ln>
+            <a:noFill/>
+          </a:ln>
+        </p:spPr>
+      </p:pic>
+      <p:pic>
+        <p:nvPicPr>
+          <p:cNvPr id="171" name="Shape 171"/>
+          <p:cNvPicPr preferRelativeResize="0"/>
+          <p:nvPr/>
+        </p:nvPicPr>
+        <p:blipFill>
+          <a:blip r:embed="rId5">
+            <a:alphaModFix/>
+          </a:blip>
+          <a:stretch>
+            <a:fillRect/>
+          </a:stretch>
+        </p:blipFill>
+        <p:spPr>
+          <a:xfrm>
+            <a:off x="5045825" y="1984225"/>
+            <a:ext cx="3640967" cy="1974650"/>
+          </a:xfrm>
+          <a:prstGeom prst="rect">
+            <a:avLst/>
+          </a:prstGeom>
+          <a:noFill/>
+          <a:ln>
+            <a:noFill/>
+          </a:ln>
+        </p:spPr>
+      </p:pic>
     </p:spTree>
   </p:cSld>
   <p:clrMapOvr>
@@ -20768,7 +20866,7 @@
   <p:cSld>
     <p:spTree>
       <p:nvGrpSpPr>
-        <p:cNvPr id="173" name="Shape 173"/>
+        <p:cNvPr id="175" name="Shape 175"/>
         <p:cNvGrpSpPr/>
         <p:nvPr/>
       </p:nvGrpSpPr>
@@ -20782,7 +20880,7 @@
       </p:grpSpPr>
       <p:pic>
         <p:nvPicPr>
-          <p:cNvPr id="174" name="Shape 174"/>
+          <p:cNvPr id="176" name="Shape 176"/>
           <p:cNvPicPr preferRelativeResize="0"/>
           <p:nvPr/>
         </p:nvPicPr>
@@ -20809,7 +20907,7 @@
       </p:pic>
       <p:sp>
         <p:nvSpPr>
-          <p:cNvPr id="175" name="Shape 175"/>
+          <p:cNvPr id="177" name="Shape 177"/>
           <p:cNvSpPr txBox="1"/>
           <p:nvPr/>
         </p:nvSpPr>
@@ -20875,7 +20973,7 @@
       </p:sp>
       <p:sp>
         <p:nvSpPr>
-          <p:cNvPr id="176" name="Shape 176"/>
+          <p:cNvPr id="178" name="Shape 178"/>
           <p:cNvSpPr txBox="1"/>
           <p:nvPr>
             <p:ph type="title"/>
@@ -20943,7 +21041,7 @@
       </p:sp>
       <p:sp>
         <p:nvSpPr>
-          <p:cNvPr id="177" name="Shape 177"/>
+          <p:cNvPr id="179" name="Shape 179"/>
           <p:cNvSpPr txBox="1"/>
           <p:nvPr>
             <p:ph idx="1" type="body"/>
@@ -21082,7 +21180,7 @@
       </p:sp>
       <p:sp>
         <p:nvSpPr>
-          <p:cNvPr id="178" name="Shape 178"/>
+          <p:cNvPr id="180" name="Shape 180"/>
           <p:cNvSpPr txBox="1"/>
           <p:nvPr/>
         </p:nvSpPr>
@@ -21152,7 +21250,7 @@
       </p:sp>
       <p:pic>
         <p:nvPicPr>
-          <p:cNvPr id="179" name="Shape 179"/>
+          <p:cNvPr id="181" name="Shape 181"/>
           <p:cNvPicPr preferRelativeResize="0"/>
           <p:nvPr/>
         </p:nvPicPr>
@@ -21179,7 +21277,7 @@
       </p:pic>
       <p:sp>
         <p:nvSpPr>
-          <p:cNvPr id="180" name="Shape 180"/>
+          <p:cNvPr id="182" name="Shape 182"/>
           <p:cNvSpPr txBox="1"/>
           <p:nvPr/>
         </p:nvSpPr>
@@ -21300,7 +21398,7 @@
   <p:cSld>
     <p:spTree>
       <p:nvGrpSpPr>
-        <p:cNvPr id="184" name="Shape 184"/>
+        <p:cNvPr id="186" name="Shape 186"/>
         <p:cNvGrpSpPr/>
         <p:nvPr/>
       </p:nvGrpSpPr>
@@ -21314,7 +21412,7 @@
       </p:grpSpPr>
       <p:pic>
         <p:nvPicPr>
-          <p:cNvPr id="185" name="Shape 185"/>
+          <p:cNvPr id="187" name="Shape 187"/>
           <p:cNvPicPr preferRelativeResize="0"/>
           <p:nvPr/>
         </p:nvPicPr>
@@ -21341,7 +21439,7 @@
       </p:pic>
       <p:sp>
         <p:nvSpPr>
-          <p:cNvPr id="186" name="Shape 186"/>
+          <p:cNvPr id="188" name="Shape 188"/>
           <p:cNvSpPr txBox="1"/>
           <p:nvPr/>
         </p:nvSpPr>
@@ -21407,7 +21505,7 @@
       </p:sp>
       <p:sp>
         <p:nvSpPr>
-          <p:cNvPr id="187" name="Shape 187"/>
+          <p:cNvPr id="189" name="Shape 189"/>
           <p:cNvSpPr txBox="1"/>
           <p:nvPr>
             <p:ph type="title"/>
@@ -21475,7 +21573,7 @@
       </p:sp>
       <p:sp>
         <p:nvSpPr>
-          <p:cNvPr id="188" name="Shape 188"/>
+          <p:cNvPr id="190" name="Shape 190"/>
           <p:cNvSpPr txBox="1"/>
           <p:nvPr>
             <p:ph idx="1" type="body"/>
@@ -21558,16 +21656,13 @@
               <a:buChar char="•"/>
             </a:pPr>
             <a:r>
-              <a:rPr b="0" i="0" lang="en-US" sz="3200" u="none" cap="none" strike="noStrike">
-                <a:solidFill>
-                  <a:schemeClr val="dk1"/>
-                </a:solidFill>
+              <a:rPr lang="en-US">
                 <a:latin typeface="Times New Roman"/>
                 <a:ea typeface="Times New Roman"/>
                 <a:cs typeface="Times New Roman"/>
                 <a:sym typeface="Times New Roman"/>
               </a:rPr>
-              <a:t>Codeshare.io</a:t>
+              <a:t>Github</a:t>
             </a:r>
             <a:endParaRPr b="0" i="0" sz="3200" u="none" cap="none" strike="noStrike">
               <a:solidFill>
@@ -21614,7 +21709,7 @@
       </p:sp>
       <p:sp>
         <p:nvSpPr>
-          <p:cNvPr id="189" name="Shape 189"/>
+          <p:cNvPr id="191" name="Shape 191"/>
           <p:cNvSpPr txBox="1"/>
           <p:nvPr/>
         </p:nvSpPr>
@@ -21682,36 +21777,9 @@
           </a:p>
         </p:txBody>
       </p:sp>
-      <p:pic>
-        <p:nvPicPr>
-          <p:cNvPr id="190" name="Shape 190"/>
-          <p:cNvPicPr preferRelativeResize="0"/>
-          <p:nvPr/>
-        </p:nvPicPr>
-        <p:blipFill rotWithShape="1">
-          <a:blip r:embed="rId4">
-            <a:alphaModFix/>
-          </a:blip>
-          <a:srcRect b="0" l="0" r="0" t="0"/>
-          <a:stretch/>
-        </p:blipFill>
-        <p:spPr>
-          <a:xfrm>
-            <a:off x="533400" y="3256850"/>
-            <a:ext cx="6062501" cy="2628100"/>
-          </a:xfrm>
-          <a:prstGeom prst="rect">
-            <a:avLst/>
-          </a:prstGeom>
-          <a:noFill/>
-          <a:ln>
-            <a:noFill/>
-          </a:ln>
-        </p:spPr>
-      </p:pic>
       <p:sp>
         <p:nvSpPr>
-          <p:cNvPr id="191" name="Shape 191"/>
+          <p:cNvPr id="192" name="Shape 192"/>
           <p:cNvSpPr txBox="1"/>
           <p:nvPr/>
         </p:nvSpPr>
@@ -21764,17 +21832,21 @@
               <a:t>Image source via: </a:t>
             </a:r>
             <a:r>
-              <a:rPr b="0" i="0" lang="en-US" sz="1400" u="sng" cap="none" strike="noStrike">
+              <a:rPr lang="en-US" u="sng">
                 <a:solidFill>
                   <a:schemeClr val="hlink"/>
                 </a:solidFill>
-                <a:latin typeface="Arial"/>
-                <a:ea typeface="Arial"/>
-                <a:cs typeface="Arial"/>
-                <a:sym typeface="Arial"/>
-                <a:hlinkClick r:id="rId5"/>
+                <a:hlinkClick r:id="rId4"/>
               </a:rPr>
-              <a:t>https://codeshare.io/</a:t>
+              <a:t>https://www.pinterest.com/pin/129619295496727517/</a:t>
+            </a:r>
+            <a:r>
+              <a:rPr lang="en-US" u="none">
+                <a:solidFill>
+                  <a:srgbClr val="000000"/>
+                </a:solidFill>
+              </a:rPr>
+              <a:t> </a:t>
             </a:r>
             <a:endParaRPr b="0" i="0" sz="1400" u="none" cap="none" strike="noStrike">
               <a:solidFill>
@@ -21819,6 +21891,34 @@
           </a:p>
         </p:txBody>
       </p:sp>
+      <p:pic>
+        <p:nvPicPr>
+          <p:cNvPr id="193" name="Shape 193"/>
+          <p:cNvPicPr preferRelativeResize="0"/>
+          <p:nvPr/>
+        </p:nvPicPr>
+        <p:blipFill>
+          <a:blip r:embed="rId5">
+            <a:alphaModFix/>
+          </a:blip>
+          <a:stretch>
+            <a:fillRect/>
+          </a:stretch>
+        </p:blipFill>
+        <p:spPr>
+          <a:xfrm>
+            <a:off x="4032000" y="2641046"/>
+            <a:ext cx="3487625" cy="3345401"/>
+          </a:xfrm>
+          <a:prstGeom prst="rect">
+            <a:avLst/>
+          </a:prstGeom>
+          <a:noFill/>
+          <a:ln>
+            <a:noFill/>
+          </a:ln>
+        </p:spPr>
+      </p:pic>
     </p:spTree>
   </p:cSld>
   <p:clrMapOvr>
@@ -22086,7 +22186,7 @@
         <p:spPr>
           <a:xfrm>
             <a:off x="457200" y="2286000"/>
-            <a:ext cx="8229600" cy="3840162"/>
+            <a:ext cx="8229600" cy="3840300"/>
           </a:xfrm>
           <a:prstGeom prst="rect">
             <a:avLst/>
@@ -22185,7 +22285,7 @@
             </a:endParaRPr>
           </a:p>
           <a:p>
-            <a:pPr indent="-182562" lvl="1" marL="741362" marR="0" rtl="0" algn="l">
+            <a:pPr indent="-176212" lvl="1" marL="741362" rtl="0">
               <a:lnSpc>
                 <a:spcPct val="115000"/>
               </a:lnSpc>
@@ -22198,34 +22298,28 @@
               <a:buClr>
                 <a:schemeClr val="dk1"/>
               </a:buClr>
-              <a:buSzPts val="1200"/>
-              <a:buFont typeface="Times New Roman"/>
+              <a:buSzPts val="1100"/>
+              <a:buFont typeface="Arial"/>
               <a:buChar char="–"/>
             </a:pPr>
             <a:r>
-              <a:rPr b="0" i="0" lang="en-US" sz="1200" u="none" cap="none" strike="noStrike">
-                <a:solidFill>
-                  <a:schemeClr val="dk1"/>
-                </a:solidFill>
-                <a:latin typeface="Times New Roman"/>
-                <a:ea typeface="Times New Roman"/>
-                <a:cs typeface="Times New Roman"/>
-                <a:sym typeface="Times New Roman"/>
+              <a:rPr lang="en-US" sz="1100">
+                <a:latin typeface="Arial"/>
+                <a:ea typeface="Arial"/>
+                <a:cs typeface="Arial"/>
+                <a:sym typeface="Arial"/>
               </a:rPr>
-              <a:t>Be able to display paths that were created over time by UC Santa Cruz people</a:t>
+              <a:t>Be able to represent graph data as a readable file</a:t>
             </a:r>
-            <a:endParaRPr b="0" i="0" sz="1200" u="none" cap="none" strike="noStrike">
-              <a:solidFill>
-                <a:schemeClr val="dk1"/>
-              </a:solidFill>
-              <a:latin typeface="Times New Roman"/>
-              <a:ea typeface="Times New Roman"/>
-              <a:cs typeface="Times New Roman"/>
-              <a:sym typeface="Times New Roman"/>
+            <a:endParaRPr sz="1100">
+              <a:latin typeface="Arial"/>
+              <a:ea typeface="Arial"/>
+              <a:cs typeface="Arial"/>
+              <a:sym typeface="Arial"/>
             </a:endParaRPr>
           </a:p>
           <a:p>
-            <a:pPr indent="-182562" lvl="1" marL="741362" marR="0" rtl="0" algn="l">
+            <a:pPr indent="-176212" lvl="1" marL="741362" rtl="0">
               <a:lnSpc>
                 <a:spcPct val="115000"/>
               </a:lnSpc>
@@ -22238,34 +22332,28 @@
               <a:buClr>
                 <a:schemeClr val="dk1"/>
               </a:buClr>
-              <a:buSzPts val="1200"/>
-              <a:buFont typeface="Times New Roman"/>
+              <a:buSzPts val="1100"/>
+              <a:buFont typeface="Arial"/>
               <a:buChar char="–"/>
             </a:pPr>
             <a:r>
-              <a:rPr b="0" i="0" lang="en-US" sz="1200" u="none" cap="none" strike="noStrike">
-                <a:solidFill>
-                  <a:schemeClr val="dk1"/>
-                </a:solidFill>
-                <a:latin typeface="Times New Roman"/>
-                <a:ea typeface="Times New Roman"/>
-                <a:cs typeface="Times New Roman"/>
-                <a:sym typeface="Times New Roman"/>
+              <a:rPr lang="en-US" sz="1100">
+                <a:latin typeface="Arial"/>
+                <a:ea typeface="Arial"/>
+                <a:cs typeface="Arial"/>
+                <a:sym typeface="Arial"/>
               </a:rPr>
-              <a:t>Be able to represent graph data as a readable file</a:t>
+              <a:t>Be able to organize key locations at UC Santa Cruz</a:t>
             </a:r>
-            <a:endParaRPr b="0" i="0" sz="1200" u="none" cap="none" strike="noStrike">
-              <a:solidFill>
-                <a:schemeClr val="dk1"/>
-              </a:solidFill>
-              <a:latin typeface="Times New Roman"/>
-              <a:ea typeface="Times New Roman"/>
-              <a:cs typeface="Times New Roman"/>
-              <a:sym typeface="Times New Roman"/>
+            <a:endParaRPr sz="1100">
+              <a:latin typeface="Arial"/>
+              <a:ea typeface="Arial"/>
+              <a:cs typeface="Arial"/>
+              <a:sym typeface="Arial"/>
             </a:endParaRPr>
           </a:p>
           <a:p>
-            <a:pPr indent="-182562" lvl="1" marL="741362" marR="0" rtl="0" algn="l">
+            <a:pPr indent="-176212" lvl="1" marL="741362" rtl="0">
               <a:lnSpc>
                 <a:spcPct val="115000"/>
               </a:lnSpc>
@@ -22278,34 +22366,28 @@
               <a:buClr>
                 <a:schemeClr val="dk1"/>
               </a:buClr>
-              <a:buSzPts val="1200"/>
-              <a:buFont typeface="Times New Roman"/>
+              <a:buSzPts val="1100"/>
+              <a:buFont typeface="Arial"/>
               <a:buChar char="–"/>
             </a:pPr>
             <a:r>
-              <a:rPr b="0" i="0" lang="en-US" sz="1200" u="none" cap="none" strike="noStrike">
-                <a:solidFill>
-                  <a:schemeClr val="dk1"/>
-                </a:solidFill>
-                <a:latin typeface="Times New Roman"/>
-                <a:ea typeface="Times New Roman"/>
-                <a:cs typeface="Times New Roman"/>
-                <a:sym typeface="Times New Roman"/>
+              <a:rPr lang="en-US" sz="1100">
+                <a:latin typeface="Arial"/>
+                <a:ea typeface="Arial"/>
+                <a:cs typeface="Arial"/>
+                <a:sym typeface="Arial"/>
               </a:rPr>
-              <a:t>Be able to organize key locations at UC Santa Cruz</a:t>
+              <a:t>Be able to collect distances and time between two locations</a:t>
             </a:r>
-            <a:endParaRPr b="0" i="0" sz="1200" u="none" cap="none" strike="noStrike">
-              <a:solidFill>
-                <a:schemeClr val="dk1"/>
-              </a:solidFill>
-              <a:latin typeface="Times New Roman"/>
-              <a:ea typeface="Times New Roman"/>
-              <a:cs typeface="Times New Roman"/>
-              <a:sym typeface="Times New Roman"/>
+            <a:endParaRPr sz="1100">
+              <a:latin typeface="Arial"/>
+              <a:ea typeface="Arial"/>
+              <a:cs typeface="Arial"/>
+              <a:sym typeface="Arial"/>
             </a:endParaRPr>
           </a:p>
           <a:p>
-            <a:pPr indent="-182562" lvl="1" marL="741362" marR="0" rtl="0" algn="l">
+            <a:pPr indent="-176212" lvl="1" marL="741362" rtl="0">
               <a:lnSpc>
                 <a:spcPct val="115000"/>
               </a:lnSpc>
@@ -22318,34 +22400,28 @@
               <a:buClr>
                 <a:schemeClr val="dk1"/>
               </a:buClr>
-              <a:buSzPts val="1200"/>
-              <a:buFont typeface="Times New Roman"/>
+              <a:buSzPts val="1100"/>
+              <a:buFont typeface="Arial"/>
               <a:buChar char="–"/>
             </a:pPr>
             <a:r>
-              <a:rPr b="0" i="0" lang="en-US" sz="1200" u="none" cap="none" strike="noStrike">
-                <a:solidFill>
-                  <a:schemeClr val="dk1"/>
-                </a:solidFill>
-                <a:latin typeface="Times New Roman"/>
-                <a:ea typeface="Times New Roman"/>
-                <a:cs typeface="Times New Roman"/>
-                <a:sym typeface="Times New Roman"/>
+              <a:rPr lang="en-US" sz="1100">
+                <a:latin typeface="Arial"/>
+                <a:ea typeface="Arial"/>
+                <a:cs typeface="Arial"/>
+                <a:sym typeface="Arial"/>
               </a:rPr>
-              <a:t>Be able to collect distances and time between two locations</a:t>
+              <a:t>Be able to have a visual representation if user is going the right direction</a:t>
             </a:r>
-            <a:endParaRPr b="0" i="0" sz="1200" u="none" cap="none" strike="noStrike">
-              <a:solidFill>
-                <a:schemeClr val="dk1"/>
-              </a:solidFill>
-              <a:latin typeface="Times New Roman"/>
-              <a:ea typeface="Times New Roman"/>
-              <a:cs typeface="Times New Roman"/>
-              <a:sym typeface="Times New Roman"/>
+            <a:endParaRPr sz="1100">
+              <a:latin typeface="Arial"/>
+              <a:ea typeface="Arial"/>
+              <a:cs typeface="Arial"/>
+              <a:sym typeface="Arial"/>
             </a:endParaRPr>
           </a:p>
           <a:p>
-            <a:pPr indent="-182562" lvl="1" marL="741362" marR="0" rtl="0" algn="l">
+            <a:pPr indent="-176212" lvl="1" marL="741362" rtl="0">
               <a:lnSpc>
                 <a:spcPct val="115000"/>
               </a:lnSpc>
@@ -22358,34 +22434,28 @@
               <a:buClr>
                 <a:schemeClr val="dk1"/>
               </a:buClr>
-              <a:buSzPts val="1200"/>
-              <a:buFont typeface="Times New Roman"/>
+              <a:buSzPts val="1100"/>
+              <a:buFont typeface="Arial"/>
               <a:buChar char="–"/>
             </a:pPr>
             <a:r>
-              <a:rPr b="0" i="0" lang="en-US" sz="1200" u="none" cap="none" strike="noStrike">
-                <a:solidFill>
-                  <a:schemeClr val="dk1"/>
-                </a:solidFill>
-                <a:latin typeface="Times New Roman"/>
-                <a:ea typeface="Times New Roman"/>
-                <a:cs typeface="Times New Roman"/>
-                <a:sym typeface="Times New Roman"/>
+              <a:rPr lang="en-US" sz="1100">
+                <a:latin typeface="Arial"/>
+                <a:ea typeface="Arial"/>
+                <a:cs typeface="Arial"/>
+                <a:sym typeface="Arial"/>
               </a:rPr>
-              <a:t>Be able to have a visual representation if user is going the right direction</a:t>
+              <a:t>Be able to find all nearby attractions at one location</a:t>
             </a:r>
-            <a:endParaRPr b="0" i="0" sz="1200" u="none" cap="none" strike="noStrike">
-              <a:solidFill>
-                <a:schemeClr val="dk1"/>
-              </a:solidFill>
-              <a:latin typeface="Times New Roman"/>
-              <a:ea typeface="Times New Roman"/>
-              <a:cs typeface="Times New Roman"/>
-              <a:sym typeface="Times New Roman"/>
+            <a:endParaRPr sz="1100">
+              <a:latin typeface="Arial"/>
+              <a:ea typeface="Arial"/>
+              <a:cs typeface="Arial"/>
+              <a:sym typeface="Arial"/>
             </a:endParaRPr>
           </a:p>
           <a:p>
-            <a:pPr indent="-182562" lvl="1" marL="741362" marR="0" rtl="0" algn="l">
+            <a:pPr indent="-176212" lvl="1" marL="741362" rtl="0">
               <a:lnSpc>
                 <a:spcPct val="115000"/>
               </a:lnSpc>
@@ -22398,34 +22468,28 @@
               <a:buClr>
                 <a:schemeClr val="dk1"/>
               </a:buClr>
-              <a:buSzPts val="1200"/>
-              <a:buFont typeface="Times New Roman"/>
+              <a:buSzPts val="1100"/>
+              <a:buFont typeface="Arial"/>
               <a:buChar char="–"/>
             </a:pPr>
             <a:r>
-              <a:rPr b="0" i="0" lang="en-US" sz="1200" u="none" cap="none" strike="noStrike">
-                <a:solidFill>
-                  <a:schemeClr val="dk1"/>
-                </a:solidFill>
-                <a:latin typeface="Times New Roman"/>
-                <a:ea typeface="Times New Roman"/>
-                <a:cs typeface="Times New Roman"/>
-                <a:sym typeface="Times New Roman"/>
+              <a:rPr lang="en-US" sz="1100">
+                <a:latin typeface="Arial"/>
+                <a:ea typeface="Arial"/>
+                <a:cs typeface="Arial"/>
+                <a:sym typeface="Arial"/>
               </a:rPr>
-              <a:t>Be able to find all nearby attractions at one location</a:t>
+              <a:t>Be able to organize product user experience layout</a:t>
             </a:r>
-            <a:endParaRPr b="0" i="0" sz="1200" u="none" cap="none" strike="noStrike">
-              <a:solidFill>
-                <a:schemeClr val="dk1"/>
-              </a:solidFill>
-              <a:latin typeface="Times New Roman"/>
-              <a:ea typeface="Times New Roman"/>
-              <a:cs typeface="Times New Roman"/>
-              <a:sym typeface="Times New Roman"/>
+            <a:endParaRPr sz="1100">
+              <a:latin typeface="Arial"/>
+              <a:ea typeface="Arial"/>
+              <a:cs typeface="Arial"/>
+              <a:sym typeface="Arial"/>
             </a:endParaRPr>
           </a:p>
           <a:p>
-            <a:pPr indent="-182562" lvl="1" marL="741362" marR="0" rtl="0" algn="l">
+            <a:pPr indent="-176212" lvl="1" marL="741362" rtl="0">
               <a:lnSpc>
                 <a:spcPct val="115000"/>
               </a:lnSpc>
@@ -22438,34 +22502,28 @@
               <a:buClr>
                 <a:schemeClr val="dk1"/>
               </a:buClr>
-              <a:buSzPts val="1200"/>
-              <a:buFont typeface="Times New Roman"/>
+              <a:buSzPts val="1100"/>
+              <a:buFont typeface="Arial"/>
               <a:buChar char="–"/>
             </a:pPr>
             <a:r>
-              <a:rPr b="0" i="0" lang="en-US" sz="1200" u="none" cap="none" strike="noStrike">
-                <a:solidFill>
-                  <a:schemeClr val="dk1"/>
-                </a:solidFill>
-                <a:latin typeface="Times New Roman"/>
-                <a:ea typeface="Times New Roman"/>
-                <a:cs typeface="Times New Roman"/>
-                <a:sym typeface="Times New Roman"/>
+              <a:rPr lang="en-US" sz="1100">
+                <a:latin typeface="Arial"/>
+                <a:ea typeface="Arial"/>
+                <a:cs typeface="Arial"/>
+                <a:sym typeface="Arial"/>
               </a:rPr>
-              <a:t>Be able to display building maps for every building on campus</a:t>
+              <a:t>Make the product visually appealing</a:t>
             </a:r>
-            <a:endParaRPr b="0" i="0" sz="1200" u="none" cap="none" strike="noStrike">
-              <a:solidFill>
-                <a:schemeClr val="dk1"/>
-              </a:solidFill>
-              <a:latin typeface="Times New Roman"/>
-              <a:ea typeface="Times New Roman"/>
-              <a:cs typeface="Times New Roman"/>
-              <a:sym typeface="Times New Roman"/>
+            <a:endParaRPr sz="1100">
+              <a:latin typeface="Arial"/>
+              <a:ea typeface="Arial"/>
+              <a:cs typeface="Arial"/>
+              <a:sym typeface="Arial"/>
             </a:endParaRPr>
           </a:p>
           <a:p>
-            <a:pPr indent="-182562" lvl="1" marL="741362" marR="0" rtl="0" algn="l">
+            <a:pPr indent="-176212" lvl="1" marL="741362" rtl="0">
               <a:lnSpc>
                 <a:spcPct val="115000"/>
               </a:lnSpc>
@@ -22478,34 +22536,28 @@
               <a:buClr>
                 <a:schemeClr val="dk1"/>
               </a:buClr>
-              <a:buSzPts val="1200"/>
-              <a:buFont typeface="Times New Roman"/>
+              <a:buSzPts val="1100"/>
+              <a:buFont typeface="Arial"/>
               <a:buChar char="–"/>
             </a:pPr>
             <a:r>
-              <a:rPr b="0" i="0" lang="en-US" sz="1200" u="none" cap="none" strike="noStrike">
-                <a:solidFill>
-                  <a:schemeClr val="dk1"/>
-                </a:solidFill>
-                <a:latin typeface="Times New Roman"/>
-                <a:ea typeface="Times New Roman"/>
-                <a:cs typeface="Times New Roman"/>
-                <a:sym typeface="Times New Roman"/>
+              <a:rPr lang="en-US" sz="1100">
+                <a:latin typeface="Arial"/>
+                <a:ea typeface="Arial"/>
+                <a:cs typeface="Arial"/>
+                <a:sym typeface="Arial"/>
               </a:rPr>
-              <a:t>Be able to organize product user experience layout</a:t>
+              <a:t>Create an About page</a:t>
             </a:r>
-            <a:endParaRPr b="0" i="0" sz="1200" u="none" cap="none" strike="noStrike">
-              <a:solidFill>
-                <a:schemeClr val="dk1"/>
-              </a:solidFill>
-              <a:latin typeface="Times New Roman"/>
-              <a:ea typeface="Times New Roman"/>
-              <a:cs typeface="Times New Roman"/>
-              <a:sym typeface="Times New Roman"/>
+            <a:endParaRPr sz="1100">
+              <a:latin typeface="Arial"/>
+              <a:ea typeface="Arial"/>
+              <a:cs typeface="Arial"/>
+              <a:sym typeface="Arial"/>
             </a:endParaRPr>
           </a:p>
           <a:p>
-            <a:pPr indent="-182562" lvl="1" marL="741362" marR="0" rtl="0" algn="l">
+            <a:pPr indent="-176212" lvl="1" marL="741362" rtl="0">
               <a:lnSpc>
                 <a:spcPct val="115000"/>
               </a:lnSpc>
@@ -22518,106 +22570,20 @@
               <a:buClr>
                 <a:schemeClr val="dk1"/>
               </a:buClr>
-              <a:buSzPts val="1200"/>
-              <a:buFont typeface="Times New Roman"/>
+              <a:buSzPts val="1100"/>
+              <a:buFont typeface="Arial"/>
               <a:buChar char="–"/>
             </a:pPr>
             <a:r>
-              <a:rPr b="0" i="0" lang="en-US" sz="1200" u="none" cap="none" strike="noStrike">
-                <a:solidFill>
-                  <a:schemeClr val="dk1"/>
-                </a:solidFill>
-                <a:latin typeface="Times New Roman"/>
-                <a:ea typeface="Times New Roman"/>
-                <a:cs typeface="Times New Roman"/>
-                <a:sym typeface="Times New Roman"/>
-              </a:rPr>
-              <a:t>Make the product visually appealing</a:t>
-            </a:r>
-            <a:endParaRPr b="0" i="0" sz="1200" u="none" cap="none" strike="noStrike">
-              <a:solidFill>
-                <a:schemeClr val="dk1"/>
-              </a:solidFill>
-              <a:latin typeface="Times New Roman"/>
-              <a:ea typeface="Times New Roman"/>
-              <a:cs typeface="Times New Roman"/>
-              <a:sym typeface="Times New Roman"/>
-            </a:endParaRPr>
-          </a:p>
-          <a:p>
-            <a:pPr indent="-182562" lvl="1" marL="741362" marR="0" rtl="0" algn="l">
-              <a:lnSpc>
-                <a:spcPct val="115000"/>
-              </a:lnSpc>
-              <a:spcBef>
-                <a:spcPts val="0"/>
-              </a:spcBef>
-              <a:spcAft>
-                <a:spcPts val="0"/>
-              </a:spcAft>
-              <a:buClr>
-                <a:schemeClr val="dk1"/>
-              </a:buClr>
-              <a:buSzPts val="1200"/>
-              <a:buFont typeface="Times New Roman"/>
-              <a:buChar char="–"/>
-            </a:pPr>
-            <a:r>
-              <a:rPr b="0" i="0" lang="en-US" sz="1200" u="none" cap="none" strike="noStrike">
-                <a:solidFill>
-                  <a:schemeClr val="dk1"/>
-                </a:solidFill>
-                <a:latin typeface="Times New Roman"/>
-                <a:ea typeface="Times New Roman"/>
-                <a:cs typeface="Times New Roman"/>
-                <a:sym typeface="Times New Roman"/>
-              </a:rPr>
-              <a:t>Create an About page</a:t>
-            </a:r>
-            <a:endParaRPr b="0" i="0" sz="1200" u="none" cap="none" strike="noStrike">
-              <a:solidFill>
-                <a:schemeClr val="dk1"/>
-              </a:solidFill>
-              <a:latin typeface="Times New Roman"/>
-              <a:ea typeface="Times New Roman"/>
-              <a:cs typeface="Times New Roman"/>
-              <a:sym typeface="Times New Roman"/>
-            </a:endParaRPr>
-          </a:p>
-          <a:p>
-            <a:pPr indent="-182562" lvl="1" marL="741362" marR="0" rtl="0" algn="l">
-              <a:lnSpc>
-                <a:spcPct val="115000"/>
-              </a:lnSpc>
-              <a:spcBef>
-                <a:spcPts val="0"/>
-              </a:spcBef>
-              <a:spcAft>
-                <a:spcPts val="0"/>
-              </a:spcAft>
-              <a:buClr>
-                <a:schemeClr val="dk1"/>
-              </a:buClr>
-              <a:buSzPts val="1200"/>
-              <a:buFont typeface="Times New Roman"/>
-              <a:buChar char="–"/>
-            </a:pPr>
-            <a:r>
-              <a:rPr b="0" i="0" lang="en-US" sz="1200" u="none" cap="none" strike="noStrike">
-                <a:solidFill>
-                  <a:schemeClr val="dk1"/>
-                </a:solidFill>
-                <a:latin typeface="Times New Roman"/>
-                <a:ea typeface="Times New Roman"/>
-                <a:cs typeface="Times New Roman"/>
-                <a:sym typeface="Times New Roman"/>
+              <a:rPr lang="en-US" sz="1100">
+                <a:latin typeface="Arial"/>
+                <a:ea typeface="Arial"/>
+                <a:cs typeface="Arial"/>
+                <a:sym typeface="Arial"/>
               </a:rPr>
               <a:t>Community submits additional known paths</a:t>
             </a:r>
-            <a:endParaRPr b="1" i="0" sz="1800" u="none" cap="none" strike="noStrike">
-              <a:solidFill>
-                <a:schemeClr val="dk1"/>
-              </a:solidFill>
+            <a:endParaRPr sz="1200">
               <a:latin typeface="Times New Roman"/>
               <a:ea typeface="Times New Roman"/>
               <a:cs typeface="Times New Roman"/>
@@ -22910,7 +22876,7 @@
             </a:endParaRPr>
           </a:p>
           <a:p>
-            <a:pPr indent="-342900" lvl="0" marL="457200" marR="0" rtl="0" algn="l">
+            <a:pPr indent="-342900" lvl="0" marL="457200" rtl="0">
               <a:lnSpc>
                 <a:spcPct val="115000"/>
               </a:lnSpc>
@@ -22924,48 +22890,42 @@
                 <a:schemeClr val="dk1"/>
               </a:buClr>
               <a:buSzPts val="1800"/>
-              <a:buFont typeface="Times New Roman"/>
+              <a:buFont typeface="Arial"/>
               <a:buChar char="•"/>
             </a:pPr>
             <a:r>
-              <a:rPr b="0" i="0" lang="en-US" sz="1800" u="none" cap="none" strike="noStrike">
-                <a:solidFill>
-                  <a:schemeClr val="dk1"/>
-                </a:solidFill>
-                <a:latin typeface="Times New Roman"/>
-                <a:ea typeface="Times New Roman"/>
-                <a:cs typeface="Times New Roman"/>
-                <a:sym typeface="Times New Roman"/>
+              <a:rPr lang="en-US" sz="1800">
+                <a:latin typeface="Arial"/>
+                <a:ea typeface="Arial"/>
+                <a:cs typeface="Arial"/>
+                <a:sym typeface="Arial"/>
               </a:rPr>
-              <a:t>(21 Points) </a:t>
+              <a:t>21 Points) </a:t>
             </a:r>
             <a:r>
-              <a:rPr b="0" i="0" lang="en-US" sz="1800" u="none" cap="none" strike="noStrike">
+              <a:rPr lang="en-US" sz="1800">
                 <a:solidFill>
                   <a:srgbClr val="24292E"/>
                 </a:solidFill>
                 <a:highlight>
                   <a:srgbClr val="FFFFFF"/>
                 </a:highlight>
-                <a:latin typeface="Times New Roman"/>
-                <a:ea typeface="Times New Roman"/>
-                <a:cs typeface="Times New Roman"/>
-                <a:sym typeface="Times New Roman"/>
+                <a:latin typeface="Arial"/>
+                <a:ea typeface="Arial"/>
+                <a:cs typeface="Arial"/>
+                <a:sym typeface="Arial"/>
               </a:rPr>
-              <a:t>As a Team, we need to figure out how to represent data so that our "Slugstra" Algorithm can run efficiently.</a:t>
+              <a:t>As a javascript developer, I need to develop the shortest path algorithm so that we can display the shortest path on a visualized map.</a:t>
             </a:r>
-            <a:endParaRPr b="0" i="0" sz="1800" u="none" cap="none" strike="noStrike">
-              <a:solidFill>
-                <a:schemeClr val="dk1"/>
-              </a:solidFill>
-              <a:latin typeface="Times New Roman"/>
-              <a:ea typeface="Times New Roman"/>
-              <a:cs typeface="Times New Roman"/>
-              <a:sym typeface="Times New Roman"/>
+            <a:endParaRPr sz="1800">
+              <a:latin typeface="Arial"/>
+              <a:ea typeface="Arial"/>
+              <a:cs typeface="Arial"/>
+              <a:sym typeface="Arial"/>
             </a:endParaRPr>
           </a:p>
           <a:p>
-            <a:pPr indent="-342900" lvl="0" marL="457200" marR="0" rtl="0" algn="l">
+            <a:pPr indent="-342900" lvl="0" marL="457200" rtl="0">
               <a:lnSpc>
                 <a:spcPct val="115000"/>
               </a:lnSpc>
@@ -22979,48 +22939,42 @@
                 <a:schemeClr val="dk1"/>
               </a:buClr>
               <a:buSzPts val="1800"/>
-              <a:buFont typeface="Times New Roman"/>
+              <a:buFont typeface="Arial"/>
               <a:buChar char="•"/>
             </a:pPr>
             <a:r>
-              <a:rPr b="0" i="0" lang="en-US" sz="1800" u="none" cap="none" strike="noStrike">
-                <a:solidFill>
-                  <a:schemeClr val="dk1"/>
-                </a:solidFill>
-                <a:latin typeface="Times New Roman"/>
-                <a:ea typeface="Times New Roman"/>
-                <a:cs typeface="Times New Roman"/>
-                <a:sym typeface="Times New Roman"/>
+              <a:rPr lang="en-US" sz="1800">
+                <a:latin typeface="Arial"/>
+                <a:ea typeface="Arial"/>
+                <a:cs typeface="Arial"/>
+                <a:sym typeface="Arial"/>
               </a:rPr>
               <a:t>(13 Points) </a:t>
             </a:r>
             <a:r>
-              <a:rPr b="0" i="0" lang="en-US" sz="1800" u="none" cap="none" strike="noStrike">
+              <a:rPr lang="en-US" sz="1800">
                 <a:solidFill>
                   <a:srgbClr val="24292E"/>
                 </a:solidFill>
                 <a:highlight>
                   <a:srgbClr val="FFFFFF"/>
                 </a:highlight>
-                <a:latin typeface="Times New Roman"/>
-                <a:ea typeface="Times New Roman"/>
-                <a:cs typeface="Times New Roman"/>
-                <a:sym typeface="Times New Roman"/>
+                <a:latin typeface="Arial"/>
+                <a:ea typeface="Arial"/>
+                <a:cs typeface="Arial"/>
+                <a:sym typeface="Arial"/>
               </a:rPr>
-              <a:t>As a Data Collector, I need to organize the UC Santa Cruz Map so that the program can run efficiently.</a:t>
+              <a:t>As a Data Manager, I want node and edge data so that I can organize our data efficiently.</a:t>
             </a:r>
-            <a:endParaRPr b="0" i="0" sz="1800" u="none" cap="none" strike="noStrike">
-              <a:solidFill>
-                <a:schemeClr val="dk1"/>
-              </a:solidFill>
-              <a:latin typeface="Times New Roman"/>
-              <a:ea typeface="Times New Roman"/>
-              <a:cs typeface="Times New Roman"/>
-              <a:sym typeface="Times New Roman"/>
+            <a:endParaRPr sz="1800">
+              <a:latin typeface="Arial"/>
+              <a:ea typeface="Arial"/>
+              <a:cs typeface="Arial"/>
+              <a:sym typeface="Arial"/>
             </a:endParaRPr>
           </a:p>
           <a:p>
-            <a:pPr indent="-342900" lvl="0" marL="457200" marR="0" rtl="0" algn="l">
+            <a:pPr indent="-342900" lvl="0" marL="457200" rtl="0">
               <a:lnSpc>
                 <a:spcPct val="115000"/>
               </a:lnSpc>
@@ -23034,40 +22988,57 @@
                 <a:schemeClr val="dk1"/>
               </a:buClr>
               <a:buSzPts val="1800"/>
-              <a:buFont typeface="Times New Roman"/>
+              <a:buFont typeface="Arial"/>
               <a:buChar char="•"/>
             </a:pPr>
             <a:r>
-              <a:rPr b="0" i="0" lang="en-US" sz="1800" u="none" cap="none" strike="noStrike">
-                <a:solidFill>
-                  <a:schemeClr val="dk1"/>
-                </a:solidFill>
-                <a:latin typeface="Times New Roman"/>
-                <a:ea typeface="Times New Roman"/>
-                <a:cs typeface="Times New Roman"/>
-                <a:sym typeface="Times New Roman"/>
+              <a:rPr lang="en-US" sz="1800">
+                <a:latin typeface="Arial"/>
+                <a:ea typeface="Arial"/>
+                <a:cs typeface="Arial"/>
+                <a:sym typeface="Arial"/>
               </a:rPr>
-              <a:t>(13 Points) </a:t>
+              <a:t>(3 Points) </a:t>
             </a:r>
             <a:r>
-              <a:rPr b="0" i="0" lang="en-US" sz="1800" u="none" cap="none" strike="noStrike">
+              <a:rPr lang="en-US" sz="1800">
                 <a:solidFill>
                   <a:srgbClr val="24292E"/>
                 </a:solidFill>
                 <a:highlight>
                   <a:srgbClr val="FFFFFF"/>
                 </a:highlight>
-                <a:latin typeface="Times New Roman"/>
-                <a:ea typeface="Times New Roman"/>
-                <a:cs typeface="Times New Roman"/>
-                <a:sym typeface="Times New Roman"/>
+                <a:latin typeface="Arial"/>
+                <a:ea typeface="Arial"/>
+                <a:cs typeface="Arial"/>
+                <a:sym typeface="Arial"/>
               </a:rPr>
-              <a:t>As a Data Collector, I need to collect distances and times between locations so that the program can run efficiently.</a:t>
+              <a:t>As a User, I want to have a visual representation if I am heading the right direction so that I don't get lost.</a:t>
             </a:r>
-            <a:endParaRPr b="0" i="0" sz="1800" u="none" cap="none" strike="noStrike">
-              <a:solidFill>
-                <a:schemeClr val="dk1"/>
-              </a:solidFill>
+            <a:endParaRPr sz="1800">
+              <a:latin typeface="Arial"/>
+              <a:ea typeface="Arial"/>
+              <a:cs typeface="Arial"/>
+              <a:sym typeface="Arial"/>
+            </a:endParaRPr>
+          </a:p>
+          <a:p>
+            <a:pPr indent="0" lvl="0" marL="0" marR="0" rtl="0" algn="l">
+              <a:lnSpc>
+                <a:spcPct val="115000"/>
+              </a:lnSpc>
+              <a:spcBef>
+                <a:spcPts val="0"/>
+              </a:spcBef>
+              <a:spcAft>
+                <a:spcPts val="0"/>
+              </a:spcAft>
+              <a:buNone/>
+            </a:pPr>
+            <a:r>
+              <a:t/>
+            </a:r>
+            <a:endParaRPr sz="1800">
               <a:latin typeface="Times New Roman"/>
               <a:ea typeface="Times New Roman"/>
               <a:cs typeface="Times New Roman"/>
@@ -23461,7 +23432,7 @@
             </a:endParaRPr>
           </a:p>
           <a:p>
-            <a:pPr indent="-342900" lvl="0" marL="457200" marR="0" rtl="0" algn="l">
+            <a:pPr indent="-342900" lvl="0" marL="457200" rtl="0">
               <a:lnSpc>
                 <a:spcPct val="115000"/>
               </a:lnSpc>
@@ -23475,51 +23446,42 @@
                 <a:schemeClr val="dk1"/>
               </a:buClr>
               <a:buSzPts val="1800"/>
-              <a:buFont typeface="Times New Roman"/>
+              <a:buFont typeface="Arial"/>
               <a:buChar char="•"/>
             </a:pPr>
             <a:r>
-              <a:rPr b="0" i="0" lang="en-US" sz="1800" u="none" cap="none" strike="noStrike">
-                <a:solidFill>
-                  <a:schemeClr val="dk1"/>
-                </a:solidFill>
-                <a:latin typeface="Times New Roman"/>
-                <a:ea typeface="Times New Roman"/>
-                <a:cs typeface="Times New Roman"/>
-                <a:sym typeface="Times New Roman"/>
+              <a:rPr lang="en-US" sz="1800">
+                <a:latin typeface="Arial"/>
+                <a:ea typeface="Arial"/>
+                <a:cs typeface="Arial"/>
+                <a:sym typeface="Arial"/>
               </a:rPr>
               <a:t>(5 Points) </a:t>
             </a:r>
             <a:r>
-              <a:rPr b="0" i="0" lang="en-US" sz="1800" u="none" cap="none" strike="noStrike">
+              <a:rPr lang="en-US" sz="1800">
                 <a:solidFill>
                   <a:srgbClr val="24292E"/>
                 </a:solidFill>
                 <a:highlight>
                   <a:srgbClr val="FFFFFF"/>
                 </a:highlight>
-                <a:latin typeface="Times New Roman"/>
-                <a:ea typeface="Times New Roman"/>
-                <a:cs typeface="Times New Roman"/>
-                <a:sym typeface="Times New Roman"/>
+                <a:latin typeface="Arial"/>
+                <a:ea typeface="Arial"/>
+                <a:cs typeface="Arial"/>
+                <a:sym typeface="Arial"/>
               </a:rPr>
-              <a:t>As an HTML Developer, I need to organize the website so that I can provide a better user experience.</a:t>
+              <a:t>As a developer, I need to sort by nearby attractions so that the users can see nearby attractions.</a:t>
             </a:r>
-            <a:endParaRPr b="0" i="0" sz="1800" u="none" cap="none" strike="noStrike">
-              <a:solidFill>
-                <a:srgbClr val="24292E"/>
-              </a:solidFill>
-              <a:highlight>
-                <a:srgbClr val="FFFFFF"/>
-              </a:highlight>
-              <a:latin typeface="Times New Roman"/>
-              <a:ea typeface="Times New Roman"/>
-              <a:cs typeface="Times New Roman"/>
-              <a:sym typeface="Times New Roman"/>
+            <a:endParaRPr sz="1800">
+              <a:latin typeface="Arial"/>
+              <a:ea typeface="Arial"/>
+              <a:cs typeface="Arial"/>
+              <a:sym typeface="Arial"/>
             </a:endParaRPr>
           </a:p>
           <a:p>
-            <a:pPr indent="-342900" lvl="0" marL="457200" marR="0" rtl="0" algn="l">
+            <a:pPr indent="-342900" lvl="0" marL="457200" rtl="0">
               <a:lnSpc>
                 <a:spcPct val="115000"/>
               </a:lnSpc>
@@ -23533,39 +23495,33 @@
                 <a:srgbClr val="24292E"/>
               </a:buClr>
               <a:buSzPts val="1800"/>
-              <a:buFont typeface="Times New Roman"/>
+              <a:buFont typeface="Arial"/>
               <a:buChar char="•"/>
             </a:pPr>
             <a:r>
-              <a:rPr b="0" i="0" lang="en-US" sz="1800" u="none" cap="none" strike="noStrike">
+              <a:rPr lang="en-US" sz="1800">
                 <a:solidFill>
                   <a:srgbClr val="24292E"/>
                 </a:solidFill>
                 <a:highlight>
                   <a:srgbClr val="FFFFFF"/>
                 </a:highlight>
-                <a:latin typeface="Times New Roman"/>
-                <a:ea typeface="Times New Roman"/>
-                <a:cs typeface="Times New Roman"/>
-                <a:sym typeface="Times New Roman"/>
+                <a:latin typeface="Arial"/>
+                <a:ea typeface="Arial"/>
+                <a:cs typeface="Arial"/>
+                <a:sym typeface="Arial"/>
               </a:rPr>
-              <a:t>(5 Points) As a CSS Developer, I need to beautify the website so that I can provide a better user experience.</a:t>
+              <a:t>(1 Point) As a Developer, I need to create an About page so that I can publicize the team.</a:t>
             </a:r>
-            <a:endParaRPr b="0" i="0" sz="1800" u="none" cap="none" strike="noStrike">
-              <a:solidFill>
-                <a:srgbClr val="24292E"/>
-              </a:solidFill>
-              <a:highlight>
-                <a:srgbClr val="FFFFFF"/>
-              </a:highlight>
-              <a:latin typeface="Times New Roman"/>
-              <a:ea typeface="Times New Roman"/>
-              <a:cs typeface="Times New Roman"/>
-              <a:sym typeface="Times New Roman"/>
+            <a:endParaRPr sz="1800">
+              <a:latin typeface="Arial"/>
+              <a:ea typeface="Arial"/>
+              <a:cs typeface="Arial"/>
+              <a:sym typeface="Arial"/>
             </a:endParaRPr>
           </a:p>
           <a:p>
-            <a:pPr indent="-342900" lvl="0" marL="457200" marR="0" rtl="0" algn="l">
+            <a:pPr indent="0" lvl="0" marL="0" marR="0" rtl="0" algn="l">
               <a:lnSpc>
                 <a:spcPct val="115000"/>
               </a:lnSpc>
@@ -23575,44 +23531,12 @@
               <a:spcAft>
                 <a:spcPts val="0"/>
               </a:spcAft>
-              <a:buClr>
-                <a:schemeClr val="dk1"/>
-              </a:buClr>
-              <a:buSzPts val="1800"/>
-              <a:buFont typeface="Times New Roman"/>
-              <a:buChar char="•"/>
+              <a:buNone/>
             </a:pPr>
             <a:r>
-              <a:rPr b="0" i="0" lang="en-US" sz="1800" u="none" cap="none" strike="noStrike">
-                <a:solidFill>
-                  <a:schemeClr val="dk1"/>
-                </a:solidFill>
-                <a:latin typeface="Times New Roman"/>
-                <a:ea typeface="Times New Roman"/>
-                <a:cs typeface="Times New Roman"/>
-                <a:sym typeface="Times New Roman"/>
-              </a:rPr>
-              <a:t>(3 Points) </a:t>
+              <a:t/>
             </a:r>
-            <a:r>
-              <a:rPr b="0" i="0" lang="en-US" sz="1800" u="none" cap="none" strike="noStrike">
-                <a:solidFill>
-                  <a:srgbClr val="24292E"/>
-                </a:solidFill>
-                <a:highlight>
-                  <a:srgbClr val="FFFFFF"/>
-                </a:highlight>
-                <a:latin typeface="Times New Roman"/>
-                <a:ea typeface="Times New Roman"/>
-                <a:cs typeface="Times New Roman"/>
-                <a:sym typeface="Times New Roman"/>
-              </a:rPr>
-              <a:t>As a User, I want to have a visual representation if I am heading the right direction so that I don't get lost.</a:t>
-            </a:r>
-            <a:endParaRPr b="0" i="0" sz="1800" u="none" cap="none" strike="noStrike">
-              <a:solidFill>
-                <a:schemeClr val="dk1"/>
-              </a:solidFill>
+            <a:endParaRPr sz="1800">
               <a:latin typeface="Times New Roman"/>
               <a:ea typeface="Times New Roman"/>
               <a:cs typeface="Times New Roman"/>
@@ -24006,7 +23930,7 @@
             </a:endParaRPr>
           </a:p>
           <a:p>
-            <a:pPr indent="-342900" lvl="0" marL="457200" marR="0" rtl="0" algn="l">
+            <a:pPr indent="-342900" lvl="0" marL="457200" rtl="0">
               <a:lnSpc>
                 <a:spcPct val="115000"/>
               </a:lnSpc>
@@ -24020,31 +23944,74 @@
                 <a:srgbClr val="24292E"/>
               </a:buClr>
               <a:buSzPts val="1800"/>
-              <a:buFont typeface="Times New Roman"/>
+              <a:buFont typeface="Arial"/>
               <a:buChar char="•"/>
             </a:pPr>
             <a:r>
-              <a:rPr b="0" i="0" lang="en-US" sz="1800" u="none" cap="none" strike="noStrike">
-                <a:solidFill>
-                  <a:srgbClr val="24292E"/>
-                </a:solidFill>
-                <a:highlight>
-                  <a:srgbClr val="FFFFFF"/>
-                </a:highlight>
+              <a:rPr lang="en-US" sz="1800">
                 <a:latin typeface="Times New Roman"/>
                 <a:ea typeface="Times New Roman"/>
                 <a:cs typeface="Times New Roman"/>
                 <a:sym typeface="Times New Roman"/>
               </a:rPr>
-              <a:t>(13 Points) As a User, I want to create my own path so that I can enhance SlugPath more efficiently.</a:t>
+              <a:t>(8 Points) As a UX Designer, I need to beautify the website so that users will be attracted to the site and so that the layout is not confusing.</a:t>
             </a:r>
-            <a:endParaRPr b="0" i="0" sz="1800" u="none" cap="none" strike="noStrike">
+            <a:endParaRPr sz="1800">
               <a:solidFill>
                 <a:srgbClr val="24292E"/>
               </a:solidFill>
               <a:highlight>
                 <a:srgbClr val="FFFFFF"/>
               </a:highlight>
+              <a:latin typeface="Arial"/>
+              <a:ea typeface="Arial"/>
+              <a:cs typeface="Arial"/>
+              <a:sym typeface="Arial"/>
+            </a:endParaRPr>
+          </a:p>
+          <a:p>
+            <a:pPr indent="-342900" lvl="0" marL="457200" rtl="0">
+              <a:lnSpc>
+                <a:spcPct val="115000"/>
+              </a:lnSpc>
+              <a:spcBef>
+                <a:spcPts val="0"/>
+              </a:spcBef>
+              <a:spcAft>
+                <a:spcPts val="0"/>
+              </a:spcAft>
+              <a:buClr>
+                <a:srgbClr val="24292E"/>
+              </a:buClr>
+              <a:buSzPts val="1800"/>
+              <a:buFont typeface="Arial"/>
+              <a:buChar char="•"/>
+            </a:pPr>
+            <a:r>
+              <a:rPr lang="en-US" sz="1800">
+                <a:solidFill>
+                  <a:srgbClr val="24292E"/>
+                </a:solidFill>
+                <a:highlight>
+                  <a:srgbClr val="FFFFFF"/>
+                </a:highlight>
+                <a:latin typeface="Arial"/>
+                <a:ea typeface="Arial"/>
+                <a:cs typeface="Arial"/>
+                <a:sym typeface="Arial"/>
+              </a:rPr>
+              <a:t>(5 Points) </a:t>
+            </a:r>
+            <a:r>
+              <a:rPr lang="en-US" sz="1800">
+                <a:latin typeface="Times New Roman"/>
+                <a:ea typeface="Times New Roman"/>
+                <a:cs typeface="Times New Roman"/>
+                <a:sym typeface="Times New Roman"/>
+              </a:rPr>
+              <a:t>As students, we need to prepare our presentation of our project so that we can get a good final grade.</a:t>
+            </a:r>
+            <a:endParaRPr sz="1800">
               <a:latin typeface="Times New Roman"/>
               <a:ea typeface="Times New Roman"/>
               <a:cs typeface="Times New Roman"/>
@@ -24052,7 +24019,7 @@
             </a:endParaRPr>
           </a:p>
           <a:p>
-            <a:pPr indent="-342900" lvl="0" marL="457200" marR="0" rtl="0" algn="l">
+            <a:pPr indent="-342900" lvl="0" marL="457200" rtl="0">
               <a:lnSpc>
                 <a:spcPct val="115000"/>
               </a:lnSpc>
@@ -24066,28 +24033,40 @@
                 <a:srgbClr val="24292E"/>
               </a:buClr>
               <a:buSzPts val="1800"/>
-              <a:buFont typeface="Times New Roman"/>
+              <a:buFont typeface="Arial"/>
               <a:buChar char="•"/>
             </a:pPr>
             <a:r>
-              <a:rPr b="0" i="0" lang="en-US" sz="1800" u="none" cap="none" strike="noStrike">
+              <a:rPr lang="en-US" sz="1800">
                 <a:solidFill>
                   <a:srgbClr val="24292E"/>
                 </a:solidFill>
                 <a:highlight>
                   <a:srgbClr val="FFFFFF"/>
                 </a:highlight>
+                <a:latin typeface="Arial"/>
+                <a:ea typeface="Arial"/>
+                <a:cs typeface="Arial"/>
+                <a:sym typeface="Arial"/>
+              </a:rPr>
+              <a:t>(5 Points) </a:t>
+            </a:r>
+            <a:r>
+              <a:rPr lang="en-US" sz="1800">
                 <a:latin typeface="Times New Roman"/>
                 <a:ea typeface="Times New Roman"/>
                 <a:cs typeface="Times New Roman"/>
                 <a:sym typeface="Times New Roman"/>
               </a:rPr>
-              <a:t>(1 Point) As a Developer, I need to create an About page so that I can publicize the team.</a:t>
+              <a:t>As a user, I want to have cues to know that I am going in the right direction so that I don’t get lost.</a:t>
             </a:r>
-            <a:endParaRPr b="0" i="0" sz="1800" u="none" cap="none" strike="noStrike">
+            <a:endParaRPr sz="1800">
               <a:solidFill>
-                <a:schemeClr val="dk1"/>
+                <a:srgbClr val="24292E"/>
               </a:solidFill>
+              <a:highlight>
+                <a:srgbClr val="FFFFFF"/>
+              </a:highlight>
               <a:latin typeface="Times New Roman"/>
               <a:ea typeface="Times New Roman"/>
               <a:cs typeface="Times New Roman"/>
@@ -24391,17 +24370,18 @@
           <p:cNvPicPr preferRelativeResize="0"/>
           <p:nvPr/>
         </p:nvPicPr>
-        <p:blipFill rotWithShape="1">
+        <p:blipFill>
           <a:blip r:embed="rId4">
             <a:alphaModFix/>
           </a:blip>
-          <a:srcRect b="19138" l="23303" r="23626" t="15381"/>
-          <a:stretch/>
+          <a:stretch>
+            <a:fillRect/>
+          </a:stretch>
         </p:blipFill>
         <p:spPr>
           <a:xfrm>
-            <a:off x="1169325" y="846938"/>
-            <a:ext cx="5575029" cy="5315186"/>
+            <a:off x="1316950" y="1049213"/>
+            <a:ext cx="6610348" cy="5121531"/>
           </a:xfrm>
           <a:prstGeom prst="rect">
             <a:avLst/>
@@ -24692,7 +24672,16 @@
                 <a:cs typeface="Times New Roman"/>
                 <a:sym typeface="Times New Roman"/>
               </a:rPr>
-              <a:t>Creating a dynamic algorithm so that we won’t have to run shortest path algorithm such as Dijkstra's algorithm for each user query</a:t>
+              <a:t>Creating a dynamic algorithm so that </a:t>
+            </a:r>
+            <a:r>
+              <a:rPr lang="en-US" sz="3000">
+                <a:latin typeface="Times New Roman"/>
+                <a:ea typeface="Times New Roman"/>
+                <a:cs typeface="Times New Roman"/>
+                <a:sym typeface="Times New Roman"/>
+              </a:rPr>
+              <a:t>each user query will not take more than half of a second to load.</a:t>
             </a:r>
             <a:endParaRPr b="0" i="0" sz="3000" u="none" cap="none" strike="noStrike">
               <a:solidFill>

--- a/Documentation/Release Plan Presentation.pptx
+++ b/Documentation/Release Plan Presentation.pptx
@@ -22900,7 +22900,7 @@
                 <a:cs typeface="Arial"/>
                 <a:sym typeface="Arial"/>
               </a:rPr>
-              <a:t>21 Points) </a:t>
+              <a:t>(21 Points) </a:t>
             </a:r>
             <a:r>
               <a:rPr lang="en-US" sz="1800">
@@ -23401,34 +23401,71 @@
             </a:endParaRPr>
           </a:p>
           <a:p>
-            <a:pPr indent="0" lvl="0" marL="0" marR="0" rtl="0" algn="l">
-              <a:lnSpc>
-                <a:spcPct val="100000"/>
-              </a:lnSpc>
-              <a:spcBef>
-                <a:spcPts val="0"/>
-              </a:spcBef>
-              <a:spcAft>
-                <a:spcPts val="0"/>
-              </a:spcAft>
-              <a:buClr>
-                <a:schemeClr val="dk1"/>
-              </a:buClr>
-              <a:buSzPts val="3200"/>
-              <a:buFont typeface="Arial"/>
-              <a:buNone/>
+            <a:pPr indent="-342900" lvl="0" marL="457200" rtl="0">
+              <a:lnSpc>
+                <a:spcPct val="115000"/>
+              </a:lnSpc>
+              <a:spcBef>
+                <a:spcPts val="0"/>
+              </a:spcBef>
+              <a:spcAft>
+                <a:spcPts val="0"/>
+              </a:spcAft>
+              <a:buClr>
+                <a:schemeClr val="dk1"/>
+              </a:buClr>
+              <a:buSzPts val="1800"/>
+              <a:buFont typeface="Arial"/>
+              <a:buChar char="•"/>
             </a:pPr>
             <a:r>
-              <a:t/>
+              <a:rPr lang="en-US" sz="1800">
+                <a:latin typeface="Arial"/>
+                <a:ea typeface="Arial"/>
+                <a:cs typeface="Arial"/>
+                <a:sym typeface="Arial"/>
+              </a:rPr>
+              <a:t>(21 Points) As a data manager, I want to figure out how to represent our data so that our developers can effectively use the data.</a:t>
             </a:r>
-            <a:endParaRPr b="0" i="0" sz="3200" u="none" cap="none" strike="noStrike">
-              <a:solidFill>
-                <a:schemeClr val="dk1"/>
-              </a:solidFill>
-              <a:latin typeface="Times New Roman"/>
-              <a:ea typeface="Times New Roman"/>
-              <a:cs typeface="Times New Roman"/>
-              <a:sym typeface="Times New Roman"/>
+            <a:endParaRPr sz="1800">
+              <a:latin typeface="Arial"/>
+              <a:ea typeface="Arial"/>
+              <a:cs typeface="Arial"/>
+              <a:sym typeface="Arial"/>
+            </a:endParaRPr>
+          </a:p>
+          <a:p>
+            <a:pPr indent="-342900" lvl="0" marL="457200" rtl="0">
+              <a:lnSpc>
+                <a:spcPct val="115000"/>
+              </a:lnSpc>
+              <a:spcBef>
+                <a:spcPts val="0"/>
+              </a:spcBef>
+              <a:spcAft>
+                <a:spcPts val="0"/>
+              </a:spcAft>
+              <a:buClr>
+                <a:schemeClr val="dk1"/>
+              </a:buClr>
+              <a:buSzPts val="1800"/>
+              <a:buFont typeface="Times New Roman"/>
+              <a:buChar char="•"/>
+            </a:pPr>
+            <a:r>
+              <a:rPr lang="en-US" sz="1800">
+                <a:latin typeface="Arial"/>
+                <a:ea typeface="Arial"/>
+                <a:cs typeface="Arial"/>
+                <a:sym typeface="Arial"/>
+              </a:rPr>
+              <a:t>(8 Points) As a javascript developer, I need to implement the shortest path algorithm so that we have an array of nodes as the shortest path. </a:t>
+            </a:r>
+            <a:endParaRPr sz="1800">
+              <a:latin typeface="Arial"/>
+              <a:ea typeface="Arial"/>
+              <a:cs typeface="Arial"/>
+              <a:sym typeface="Arial"/>
             </a:endParaRPr>
           </a:p>
           <a:p>
